--- a/Poster/CS229_poster.pptx
+++ b/Poster/CS229_poster.pptx
@@ -4,6 +4,9 @@
   <p:sldMasterIdLst>
     <p:sldMasterId id="2147483648" r:id="rId1"/>
   </p:sldMasterIdLst>
+  <p:notesMasterIdLst>
+    <p:notesMasterId r:id="rId3"/>
+  </p:notesMasterIdLst>
   <p:sldIdLst>
     <p:sldId id="256" r:id="rId2"/>
   </p:sldIdLst>
@@ -151,6 +154,356 @@
     </p:ext>
   </p:extLst>
 </p:presentation>
+</file>
+
+<file path=ppt/notesMasters/notesMaster1.xml><?xml version="1.0" encoding="utf-8"?>
+<p:notesMaster xmlns:a="http://schemas.openxmlformats.org/drawingml/2006/main" xmlns:r="http://schemas.openxmlformats.org/officeDocument/2006/relationships" xmlns:p="http://schemas.openxmlformats.org/presentationml/2006/main">
+  <p:cSld>
+    <p:bg>
+      <p:bgRef idx="1001">
+        <a:schemeClr val="bg1"/>
+      </p:bgRef>
+    </p:bg>
+    <p:spTree>
+      <p:nvGrpSpPr>
+        <p:cNvPr id="1" name=""/>
+        <p:cNvGrpSpPr/>
+        <p:nvPr/>
+      </p:nvGrpSpPr>
+      <p:grpSpPr>
+        <a:xfrm>
+          <a:off x="0" y="0"/>
+          <a:ext cx="0" cy="0"/>
+          <a:chOff x="0" y="0"/>
+          <a:chExt cx="0" cy="0"/>
+        </a:xfrm>
+      </p:grpSpPr>
+      <p:sp>
+        <p:nvSpPr>
+          <p:cNvPr id="2" name="Header Placeholder 1"/>
+          <p:cNvSpPr>
+            <a:spLocks noGrp="1"/>
+          </p:cNvSpPr>
+          <p:nvPr>
+            <p:ph type="hdr" sz="quarter"/>
+          </p:nvPr>
+        </p:nvSpPr>
+        <p:spPr>
+          <a:xfrm>
+            <a:off x="0" y="0"/>
+            <a:ext cx="2971800" cy="458788"/>
+          </a:xfrm>
+          <a:prstGeom prst="rect">
+            <a:avLst/>
+          </a:prstGeom>
+        </p:spPr>
+        <p:txBody>
+          <a:bodyPr vert="horz" lIns="91440" tIns="45720" rIns="91440" bIns="45720" rtlCol="0"/>
+          <a:lstStyle>
+            <a:lvl1pPr algn="l">
+              <a:defRPr sz="1200"/>
+            </a:lvl1pPr>
+          </a:lstStyle>
+          <a:p>
+            <a:endParaRPr lang="en-US"/>
+          </a:p>
+        </p:txBody>
+      </p:sp>
+      <p:sp>
+        <p:nvSpPr>
+          <p:cNvPr id="3" name="Date Placeholder 2"/>
+          <p:cNvSpPr>
+            <a:spLocks noGrp="1"/>
+          </p:cNvSpPr>
+          <p:nvPr>
+            <p:ph type="dt" idx="1"/>
+          </p:nvPr>
+        </p:nvSpPr>
+        <p:spPr>
+          <a:xfrm>
+            <a:off x="3884613" y="0"/>
+            <a:ext cx="2971800" cy="458788"/>
+          </a:xfrm>
+          <a:prstGeom prst="rect">
+            <a:avLst/>
+          </a:prstGeom>
+        </p:spPr>
+        <p:txBody>
+          <a:bodyPr vert="horz" lIns="91440" tIns="45720" rIns="91440" bIns="45720" rtlCol="0"/>
+          <a:lstStyle>
+            <a:lvl1pPr algn="r">
+              <a:defRPr sz="1200"/>
+            </a:lvl1pPr>
+          </a:lstStyle>
+          <a:p>
+            <a:fld id="{82200CCF-3F28-4189-A8CF-8C2024BD7B48}" type="datetimeFigureOut">
+              <a:rPr lang="en-US" smtClean="0"/>
+              <a:t>12/12/2016</a:t>
+            </a:fld>
+            <a:endParaRPr lang="en-US"/>
+          </a:p>
+        </p:txBody>
+      </p:sp>
+      <p:sp>
+        <p:nvSpPr>
+          <p:cNvPr id="4" name="Slide Image Placeholder 3"/>
+          <p:cNvSpPr>
+            <a:spLocks noGrp="1" noRot="1" noChangeAspect="1"/>
+          </p:cNvSpPr>
+          <p:nvPr>
+            <p:ph type="sldImg" idx="2"/>
+          </p:nvPr>
+        </p:nvSpPr>
+        <p:spPr>
+          <a:xfrm>
+            <a:off x="1114425" y="1143000"/>
+            <a:ext cx="4629150" cy="3086100"/>
+          </a:xfrm>
+          <a:prstGeom prst="rect">
+            <a:avLst/>
+          </a:prstGeom>
+          <a:noFill/>
+          <a:ln w="12700">
+            <a:solidFill>
+              <a:prstClr val="black"/>
+            </a:solidFill>
+          </a:ln>
+        </p:spPr>
+        <p:txBody>
+          <a:bodyPr vert="horz" lIns="91440" tIns="45720" rIns="91440" bIns="45720" rtlCol="0" anchor="ctr"/>
+          <a:lstStyle/>
+          <a:p>
+            <a:endParaRPr lang="en-US"/>
+          </a:p>
+        </p:txBody>
+      </p:sp>
+      <p:sp>
+        <p:nvSpPr>
+          <p:cNvPr id="5" name="Notes Placeholder 4"/>
+          <p:cNvSpPr>
+            <a:spLocks noGrp="1"/>
+          </p:cNvSpPr>
+          <p:nvPr>
+            <p:ph type="body" sz="quarter" idx="3"/>
+          </p:nvPr>
+        </p:nvSpPr>
+        <p:spPr>
+          <a:xfrm>
+            <a:off x="685800" y="4400550"/>
+            <a:ext cx="5486400" cy="3600450"/>
+          </a:xfrm>
+          <a:prstGeom prst="rect">
+            <a:avLst/>
+          </a:prstGeom>
+        </p:spPr>
+        <p:txBody>
+          <a:bodyPr vert="horz" lIns="91440" tIns="45720" rIns="91440" bIns="45720" rtlCol="0"/>
+          <a:lstStyle/>
+          <a:p>
+            <a:pPr lvl="0"/>
+            <a:r>
+              <a:rPr lang="en-US"/>
+              <a:t>Edit Master text styles</a:t>
+            </a:r>
+          </a:p>
+          <a:p>
+            <a:pPr lvl="1"/>
+            <a:r>
+              <a:rPr lang="en-US"/>
+              <a:t>Second level</a:t>
+            </a:r>
+          </a:p>
+          <a:p>
+            <a:pPr lvl="2"/>
+            <a:r>
+              <a:rPr lang="en-US"/>
+              <a:t>Third level</a:t>
+            </a:r>
+          </a:p>
+          <a:p>
+            <a:pPr lvl="3"/>
+            <a:r>
+              <a:rPr lang="en-US"/>
+              <a:t>Fourth level</a:t>
+            </a:r>
+          </a:p>
+          <a:p>
+            <a:pPr lvl="4"/>
+            <a:r>
+              <a:rPr lang="en-US"/>
+              <a:t>Fifth level</a:t>
+            </a:r>
+            <a:endParaRPr lang="en-US"/>
+          </a:p>
+        </p:txBody>
+      </p:sp>
+      <p:sp>
+        <p:nvSpPr>
+          <p:cNvPr id="6" name="Footer Placeholder 5"/>
+          <p:cNvSpPr>
+            <a:spLocks noGrp="1"/>
+          </p:cNvSpPr>
+          <p:nvPr>
+            <p:ph type="ftr" sz="quarter" idx="4"/>
+          </p:nvPr>
+        </p:nvSpPr>
+        <p:spPr>
+          <a:xfrm>
+            <a:off x="0" y="8685213"/>
+            <a:ext cx="2971800" cy="458787"/>
+          </a:xfrm>
+          <a:prstGeom prst="rect">
+            <a:avLst/>
+          </a:prstGeom>
+        </p:spPr>
+        <p:txBody>
+          <a:bodyPr vert="horz" lIns="91440" tIns="45720" rIns="91440" bIns="45720" rtlCol="0" anchor="b"/>
+          <a:lstStyle>
+            <a:lvl1pPr algn="l">
+              <a:defRPr sz="1200"/>
+            </a:lvl1pPr>
+          </a:lstStyle>
+          <a:p>
+            <a:endParaRPr lang="en-US"/>
+          </a:p>
+        </p:txBody>
+      </p:sp>
+      <p:sp>
+        <p:nvSpPr>
+          <p:cNvPr id="7" name="Slide Number Placeholder 6"/>
+          <p:cNvSpPr>
+            <a:spLocks noGrp="1"/>
+          </p:cNvSpPr>
+          <p:nvPr>
+            <p:ph type="sldNum" sz="quarter" idx="5"/>
+          </p:nvPr>
+        </p:nvSpPr>
+        <p:spPr>
+          <a:xfrm>
+            <a:off x="3884613" y="8685213"/>
+            <a:ext cx="2971800" cy="458787"/>
+          </a:xfrm>
+          <a:prstGeom prst="rect">
+            <a:avLst/>
+          </a:prstGeom>
+        </p:spPr>
+        <p:txBody>
+          <a:bodyPr vert="horz" lIns="91440" tIns="45720" rIns="91440" bIns="45720" rtlCol="0" anchor="b"/>
+          <a:lstStyle>
+            <a:lvl1pPr algn="r">
+              <a:defRPr sz="1200"/>
+            </a:lvl1pPr>
+          </a:lstStyle>
+          <a:p>
+            <a:fld id="{640AD9DD-D5F3-47D5-A031-80F5D0FD2543}" type="slidenum">
+              <a:rPr lang="en-US" smtClean="0"/>
+              <a:t>‹#›</a:t>
+            </a:fld>
+            <a:endParaRPr lang="en-US"/>
+          </a:p>
+        </p:txBody>
+      </p:sp>
+    </p:spTree>
+    <p:extLst>
+      <p:ext uri="{BB962C8B-B14F-4D97-AF65-F5344CB8AC3E}">
+        <p14:creationId xmlns:p14="http://schemas.microsoft.com/office/powerpoint/2010/main" val="2378099019"/>
+      </p:ext>
+    </p:extLst>
+  </p:cSld>
+  <p:clrMap bg1="lt1" tx1="dk1" bg2="lt2" tx2="dk2" accent1="accent1" accent2="accent2" accent3="accent3" accent4="accent4" accent5="accent5" accent6="accent6" hlink="hlink" folHlink="folHlink"/>
+  <p:notesStyle>
+    <a:lvl1pPr marL="0" algn="l" defTabSz="914400" rtl="0" eaLnBrk="1" latinLnBrk="0" hangingPunct="1">
+      <a:defRPr sz="1200" kern="1200">
+        <a:solidFill>
+          <a:schemeClr val="tx1"/>
+        </a:solidFill>
+        <a:latin typeface="+mn-lt"/>
+        <a:ea typeface="+mn-ea"/>
+        <a:cs typeface="+mn-cs"/>
+      </a:defRPr>
+    </a:lvl1pPr>
+    <a:lvl2pPr marL="457200" algn="l" defTabSz="914400" rtl="0" eaLnBrk="1" latinLnBrk="0" hangingPunct="1">
+      <a:defRPr sz="1200" kern="1200">
+        <a:solidFill>
+          <a:schemeClr val="tx1"/>
+        </a:solidFill>
+        <a:latin typeface="+mn-lt"/>
+        <a:ea typeface="+mn-ea"/>
+        <a:cs typeface="+mn-cs"/>
+      </a:defRPr>
+    </a:lvl2pPr>
+    <a:lvl3pPr marL="914400" algn="l" defTabSz="914400" rtl="0" eaLnBrk="1" latinLnBrk="0" hangingPunct="1">
+      <a:defRPr sz="1200" kern="1200">
+        <a:solidFill>
+          <a:schemeClr val="tx1"/>
+        </a:solidFill>
+        <a:latin typeface="+mn-lt"/>
+        <a:ea typeface="+mn-ea"/>
+        <a:cs typeface="+mn-cs"/>
+      </a:defRPr>
+    </a:lvl3pPr>
+    <a:lvl4pPr marL="1371600" algn="l" defTabSz="914400" rtl="0" eaLnBrk="1" latinLnBrk="0" hangingPunct="1">
+      <a:defRPr sz="1200" kern="1200">
+        <a:solidFill>
+          <a:schemeClr val="tx1"/>
+        </a:solidFill>
+        <a:latin typeface="+mn-lt"/>
+        <a:ea typeface="+mn-ea"/>
+        <a:cs typeface="+mn-cs"/>
+      </a:defRPr>
+    </a:lvl4pPr>
+    <a:lvl5pPr marL="1828800" algn="l" defTabSz="914400" rtl="0" eaLnBrk="1" latinLnBrk="0" hangingPunct="1">
+      <a:defRPr sz="1200" kern="1200">
+        <a:solidFill>
+          <a:schemeClr val="tx1"/>
+        </a:solidFill>
+        <a:latin typeface="+mn-lt"/>
+        <a:ea typeface="+mn-ea"/>
+        <a:cs typeface="+mn-cs"/>
+      </a:defRPr>
+    </a:lvl5pPr>
+    <a:lvl6pPr marL="2286000" algn="l" defTabSz="914400" rtl="0" eaLnBrk="1" latinLnBrk="0" hangingPunct="1">
+      <a:defRPr sz="1200" kern="1200">
+        <a:solidFill>
+          <a:schemeClr val="tx1"/>
+        </a:solidFill>
+        <a:latin typeface="+mn-lt"/>
+        <a:ea typeface="+mn-ea"/>
+        <a:cs typeface="+mn-cs"/>
+      </a:defRPr>
+    </a:lvl6pPr>
+    <a:lvl7pPr marL="2743200" algn="l" defTabSz="914400" rtl="0" eaLnBrk="1" latinLnBrk="0" hangingPunct="1">
+      <a:defRPr sz="1200" kern="1200">
+        <a:solidFill>
+          <a:schemeClr val="tx1"/>
+        </a:solidFill>
+        <a:latin typeface="+mn-lt"/>
+        <a:ea typeface="+mn-ea"/>
+        <a:cs typeface="+mn-cs"/>
+      </a:defRPr>
+    </a:lvl7pPr>
+    <a:lvl8pPr marL="3200400" algn="l" defTabSz="914400" rtl="0" eaLnBrk="1" latinLnBrk="0" hangingPunct="1">
+      <a:defRPr sz="1200" kern="1200">
+        <a:solidFill>
+          <a:schemeClr val="tx1"/>
+        </a:solidFill>
+        <a:latin typeface="+mn-lt"/>
+        <a:ea typeface="+mn-ea"/>
+        <a:cs typeface="+mn-cs"/>
+      </a:defRPr>
+    </a:lvl8pPr>
+    <a:lvl9pPr marL="3657600" algn="l" defTabSz="914400" rtl="0" eaLnBrk="1" latinLnBrk="0" hangingPunct="1">
+      <a:defRPr sz="1200" kern="1200">
+        <a:solidFill>
+          <a:schemeClr val="tx1"/>
+        </a:solidFill>
+        <a:latin typeface="+mn-lt"/>
+        <a:ea typeface="+mn-ea"/>
+        <a:cs typeface="+mn-cs"/>
+      </a:defRPr>
+    </a:lvl9pPr>
+  </p:notesStyle>
+</p:notesMaster>
 </file>
 
 <file path=ppt/slideLayouts/slideLayout1.xml><?xml version="1.0" encoding="utf-8"?>
@@ -3599,7 +3952,7 @@
         </p:blipFill>
         <p:spPr bwMode="auto">
           <a:xfrm>
-            <a:off x="1143000" y="685800"/>
+            <a:off x="533400" y="533400"/>
             <a:ext cx="3218392" cy="3218392"/>
           </a:xfrm>
           <a:prstGeom prst="rect">
@@ -3652,8 +4005,2251 @@
         </p:blipFill>
         <p:spPr>
           <a:xfrm>
-            <a:off x="25831800" y="990600"/>
-            <a:ext cx="4767072" cy="4663440"/>
+            <a:off x="28956000" y="152401"/>
+            <a:ext cx="3886200" cy="3599392"/>
+          </a:xfrm>
+          <a:prstGeom prst="rect">
+            <a:avLst/>
+          </a:prstGeom>
+        </p:spPr>
+      </p:pic>
+      <p:sp>
+        <p:nvSpPr>
+          <p:cNvPr id="2" name="TextBox 1"/>
+          <p:cNvSpPr txBox="1"/>
+          <p:nvPr/>
+        </p:nvSpPr>
+        <p:spPr>
+          <a:xfrm>
+            <a:off x="4648200" y="1126933"/>
+            <a:ext cx="23622000" cy="1631216"/>
+          </a:xfrm>
+          <a:prstGeom prst="rect">
+            <a:avLst/>
+          </a:prstGeom>
+          <a:noFill/>
+        </p:spPr>
+        <p:txBody>
+          <a:bodyPr wrap="square" rtlCol="0">
+            <a:spAutoFit/>
+          </a:bodyPr>
+          <a:lstStyle/>
+          <a:p>
+            <a:pPr algn="ctr"/>
+            <a:r>
+              <a:rPr lang="en-US" sz="6000" b="1" dirty="0"/>
+              <a:t>Applying Machine Learning to Predict and Explain Primate </a:t>
+            </a:r>
+            <a:r>
+              <a:rPr lang="en-US" sz="6000" b="1" dirty="0" err="1"/>
+              <a:t>Consortship</a:t>
+            </a:r>
+            <a:endParaRPr lang="en-US" sz="6000" b="1" dirty="0"/>
+          </a:p>
+          <a:p>
+            <a:pPr algn="ctr"/>
+            <a:r>
+              <a:rPr lang="en-US" sz="4000" dirty="0"/>
+              <a:t>Josh King, Vayu Kishore, Filippo Ranalli 	{jking9,vayu,franalli}@stanford.edu</a:t>
+            </a:r>
+          </a:p>
+        </p:txBody>
+      </p:sp>
+      <p:graphicFrame>
+        <p:nvGraphicFramePr>
+          <p:cNvPr id="10" name="Table 9"/>
+          <p:cNvGraphicFramePr>
+            <a:graphicFrameLocks noGrp="1"/>
+          </p:cNvGraphicFramePr>
+          <p:nvPr>
+            <p:extLst>
+              <p:ext uri="{D42A27DB-BD31-4B8C-83A1-F6EECF244321}">
+                <p14:modId xmlns:p14="http://schemas.microsoft.com/office/powerpoint/2010/main" val="2363621681"/>
+              </p:ext>
+            </p:extLst>
+          </p:nvPr>
+        </p:nvGraphicFramePr>
+        <p:xfrm>
+          <a:off x="457200" y="3886200"/>
+          <a:ext cx="9525000" cy="3803131"/>
+        </p:xfrm>
+        <a:graphic>
+          <a:graphicData uri="http://schemas.openxmlformats.org/drawingml/2006/table">
+            <a:tbl>
+              <a:tblPr firstRow="1" bandRow="1">
+                <a:tableStyleId>{5C22544A-7EE6-4342-B048-85BDC9FD1C3A}</a:tableStyleId>
+              </a:tblPr>
+              <a:tblGrid>
+                <a:gridCol w="9525000">
+                  <a:extLst>
+                    <a:ext uri="{9D8B030D-6E8A-4147-A177-3AD203B41FA5}">
+                      <a16:colId xmlns:a16="http://schemas.microsoft.com/office/drawing/2014/main" val="4214904625"/>
+                    </a:ext>
+                  </a:extLst>
+                </a:gridCol>
+              </a:tblGrid>
+              <a:tr h="701040">
+                <a:tc>
+                  <a:txBody>
+                    <a:bodyPr/>
+                    <a:lstStyle/>
+                    <a:p>
+                      <a:pPr algn="ctr"/>
+                      <a:r>
+                        <a:rPr lang="en-US" sz="3600" dirty="0"/>
+                        <a:t>Predicting</a:t>
+                      </a:r>
+                    </a:p>
+                  </a:txBody>
+                  <a:tcPr>
+                    <a:lnL w="12700" cmpd="sng">
+                      <a:noFill/>
+                    </a:lnL>
+                    <a:lnR w="12700" cmpd="sng">
+                      <a:noFill/>
+                    </a:lnR>
+                    <a:lnT w="12700" cmpd="sng">
+                      <a:noFill/>
+                    </a:lnT>
+                    <a:lnB w="12700" cap="flat" cmpd="sng" algn="ctr">
+                      <a:solidFill>
+                        <a:schemeClr val="tx1"/>
+                      </a:solidFill>
+                      <a:prstDash val="solid"/>
+                      <a:round/>
+                      <a:headEnd type="none" w="med" len="med"/>
+                      <a:tailEnd type="none" w="med" len="med"/>
+                    </a:lnB>
+                    <a:lnTlToBr w="12700" cmpd="sng">
+                      <a:noFill/>
+                      <a:prstDash val="solid"/>
+                    </a:lnTlToBr>
+                    <a:lnBlToTr w="12700" cmpd="sng">
+                      <a:noFill/>
+                      <a:prstDash val="solid"/>
+                    </a:lnBlToTr>
+                    <a:solidFill>
+                      <a:srgbClr val="C00000"/>
+                    </a:solidFill>
+                  </a:tcPr>
+                </a:tc>
+                <a:extLst>
+                  <a:ext uri="{0D108BD9-81ED-4DB2-BD59-A6C34878D82A}">
+                    <a16:rowId xmlns:a16="http://schemas.microsoft.com/office/drawing/2014/main" val="486491692"/>
+                  </a:ext>
+                </a:extLst>
+              </a:tr>
+              <a:tr h="3102091">
+                <a:tc>
+                  <a:txBody>
+                    <a:bodyPr/>
+                    <a:lstStyle/>
+                    <a:p>
+                      <a:r>
+                        <a:rPr lang="en-US" sz="3000" dirty="0"/>
+                        <a:t>We investigate the reasons for success and failure of mating between wild yellow baboon pairs. Our analysis applies classification methods to examine whether successful </a:t>
+                      </a:r>
+                      <a:r>
+                        <a:rPr lang="en-US" sz="3000" dirty="0" err="1"/>
+                        <a:t>consortships</a:t>
+                      </a:r>
+                      <a:r>
+                        <a:rPr lang="en-US" sz="3000" dirty="0"/>
+                        <a:t> can be predicted, and whether certain behavioral or genetic features are especially relevant in determining </a:t>
+                      </a:r>
+                      <a:r>
+                        <a:rPr lang="en-US" sz="3000" dirty="0" err="1"/>
+                        <a:t>consortship</a:t>
+                      </a:r>
+                      <a:r>
+                        <a:rPr lang="en-US" sz="3000" dirty="0"/>
+                        <a:t>.</a:t>
+                      </a:r>
+                      <a:endParaRPr lang="en-US" sz="3000" dirty="0">
+                        <a:solidFill>
+                          <a:schemeClr val="tx1"/>
+                        </a:solidFill>
+                      </a:endParaRPr>
+                    </a:p>
+                  </a:txBody>
+                  <a:tcPr>
+                    <a:lnL w="12700" cap="flat" cmpd="sng" algn="ctr">
+                      <a:solidFill>
+                        <a:schemeClr val="tx1"/>
+                      </a:solidFill>
+                      <a:prstDash val="solid"/>
+                      <a:round/>
+                      <a:headEnd type="none" w="med" len="med"/>
+                      <a:tailEnd type="none" w="med" len="med"/>
+                    </a:lnL>
+                    <a:lnR w="12700" cap="flat" cmpd="sng" algn="ctr">
+                      <a:solidFill>
+                        <a:schemeClr val="tx1"/>
+                      </a:solidFill>
+                      <a:prstDash val="solid"/>
+                      <a:round/>
+                      <a:headEnd type="none" w="med" len="med"/>
+                      <a:tailEnd type="none" w="med" len="med"/>
+                    </a:lnR>
+                    <a:lnT w="12700" cap="flat" cmpd="sng" algn="ctr">
+                      <a:solidFill>
+                        <a:schemeClr val="tx1"/>
+                      </a:solidFill>
+                      <a:prstDash val="solid"/>
+                      <a:round/>
+                      <a:headEnd type="none" w="med" len="med"/>
+                      <a:tailEnd type="none" w="med" len="med"/>
+                    </a:lnT>
+                    <a:lnB w="12700" cap="flat" cmpd="sng" algn="ctr">
+                      <a:solidFill>
+                        <a:schemeClr val="tx1"/>
+                      </a:solidFill>
+                      <a:prstDash val="solid"/>
+                      <a:round/>
+                      <a:headEnd type="none" w="med" len="med"/>
+                      <a:tailEnd type="none" w="med" len="med"/>
+                    </a:lnB>
+                    <a:lnTlToBr w="12700" cmpd="sng">
+                      <a:noFill/>
+                      <a:prstDash val="solid"/>
+                    </a:lnTlToBr>
+                    <a:lnBlToTr w="12700" cmpd="sng">
+                      <a:noFill/>
+                      <a:prstDash val="solid"/>
+                    </a:lnBlToTr>
+                    <a:solidFill>
+                      <a:schemeClr val="bg1"/>
+                    </a:solidFill>
+                  </a:tcPr>
+                </a:tc>
+                <a:extLst>
+                  <a:ext uri="{0D108BD9-81ED-4DB2-BD59-A6C34878D82A}">
+                    <a16:rowId xmlns:a16="http://schemas.microsoft.com/office/drawing/2014/main" val="2249248458"/>
+                  </a:ext>
+                </a:extLst>
+              </a:tr>
+            </a:tbl>
+          </a:graphicData>
+        </a:graphic>
+      </p:graphicFrame>
+      <p:graphicFrame>
+        <p:nvGraphicFramePr>
+          <p:cNvPr id="26" name="Table 25"/>
+          <p:cNvGraphicFramePr>
+            <a:graphicFrameLocks noGrp="1"/>
+          </p:cNvGraphicFramePr>
+          <p:nvPr>
+            <p:extLst>
+              <p:ext uri="{D42A27DB-BD31-4B8C-83A1-F6EECF244321}">
+                <p14:modId xmlns:p14="http://schemas.microsoft.com/office/powerpoint/2010/main" val="230216139"/>
+              </p:ext>
+            </p:extLst>
+          </p:nvPr>
+        </p:nvGraphicFramePr>
+        <p:xfrm>
+          <a:off x="457200" y="7924799"/>
+          <a:ext cx="9525000" cy="8046720"/>
+        </p:xfrm>
+        <a:graphic>
+          <a:graphicData uri="http://schemas.openxmlformats.org/drawingml/2006/table">
+            <a:tbl>
+              <a:tblPr firstRow="1" bandRow="1">
+                <a:tableStyleId>{5C22544A-7EE6-4342-B048-85BDC9FD1C3A}</a:tableStyleId>
+              </a:tblPr>
+              <a:tblGrid>
+                <a:gridCol w="9525000">
+                  <a:extLst>
+                    <a:ext uri="{9D8B030D-6E8A-4147-A177-3AD203B41FA5}">
+                      <a16:colId xmlns:a16="http://schemas.microsoft.com/office/drawing/2014/main" val="4214904625"/>
+                    </a:ext>
+                  </a:extLst>
+                </a:gridCol>
+              </a:tblGrid>
+              <a:tr h="640080">
+                <a:tc>
+                  <a:txBody>
+                    <a:bodyPr/>
+                    <a:lstStyle/>
+                    <a:p>
+                      <a:pPr algn="ctr"/>
+                      <a:r>
+                        <a:rPr lang="en-US" sz="3600" dirty="0"/>
+                        <a:t>Data</a:t>
+                      </a:r>
+                    </a:p>
+                  </a:txBody>
+                  <a:tcPr>
+                    <a:lnL w="12700" cmpd="sng">
+                      <a:noFill/>
+                    </a:lnL>
+                    <a:lnR w="12700" cmpd="sng">
+                      <a:noFill/>
+                    </a:lnR>
+                    <a:lnT w="12700" cmpd="sng">
+                      <a:noFill/>
+                    </a:lnT>
+                    <a:lnB w="12700" cap="flat" cmpd="sng" algn="ctr">
+                      <a:solidFill>
+                        <a:schemeClr val="tx1"/>
+                      </a:solidFill>
+                      <a:prstDash val="solid"/>
+                      <a:round/>
+                      <a:headEnd type="none" w="med" len="med"/>
+                      <a:tailEnd type="none" w="med" len="med"/>
+                    </a:lnB>
+                    <a:lnTlToBr w="12700" cmpd="sng">
+                      <a:noFill/>
+                      <a:prstDash val="solid"/>
+                    </a:lnTlToBr>
+                    <a:lnBlToTr w="12700" cmpd="sng">
+                      <a:noFill/>
+                      <a:prstDash val="solid"/>
+                    </a:lnBlToTr>
+                    <a:solidFill>
+                      <a:srgbClr val="C00000"/>
+                    </a:solidFill>
+                  </a:tcPr>
+                </a:tc>
+                <a:extLst>
+                  <a:ext uri="{0D108BD9-81ED-4DB2-BD59-A6C34878D82A}">
+                    <a16:rowId xmlns:a16="http://schemas.microsoft.com/office/drawing/2014/main" val="486491692"/>
+                  </a:ext>
+                </a:extLst>
+              </a:tr>
+              <a:tr h="7406640">
+                <a:tc>
+                  <a:txBody>
+                    <a:bodyPr/>
+                    <a:lstStyle/>
+                    <a:p>
+                      <a:endParaRPr lang="en-US" sz="3000" dirty="0"/>
+                    </a:p>
+                    <a:p>
+                      <a:endParaRPr lang="en-US" sz="3000" dirty="0"/>
+                    </a:p>
+                    <a:p>
+                      <a:endParaRPr lang="en-US" sz="3000" dirty="0"/>
+                    </a:p>
+                    <a:p>
+                      <a:endParaRPr lang="en-US" sz="3000" dirty="0"/>
+                    </a:p>
+                    <a:p>
+                      <a:endParaRPr lang="en-US" sz="3000" dirty="0"/>
+                    </a:p>
+                    <a:p>
+                      <a:endParaRPr lang="en-US" sz="3000" dirty="0"/>
+                    </a:p>
+                    <a:p>
+                      <a:endParaRPr lang="en-US" sz="3000" dirty="0"/>
+                    </a:p>
+                    <a:p>
+                      <a:r>
+                        <a:rPr lang="en-US" sz="3000" dirty="0"/>
+                        <a:t>Our input dataset, from Tung et al (2012) is a set of genetic and behavioral features between potentially mating pairs, and a label indicating whether </a:t>
+                      </a:r>
+                      <a:r>
+                        <a:rPr lang="en-US" sz="3000" dirty="0" err="1"/>
+                        <a:t>consortship</a:t>
+                      </a:r>
+                      <a:r>
+                        <a:rPr lang="en-US" sz="3000" dirty="0"/>
+                        <a:t> occurred. </a:t>
+                      </a:r>
+                    </a:p>
+                    <a:p>
+                      <a:pPr marL="571500" indent="-571500">
+                        <a:buFontTx/>
+                        <a:buChar char="-"/>
+                      </a:pPr>
+                      <a:r>
+                        <a:rPr lang="en-US" sz="3000" dirty="0"/>
+                        <a:t>12,000 observations, 115 females, 121 males </a:t>
+                      </a:r>
+                    </a:p>
+                    <a:p>
+                      <a:pPr marL="571500" indent="-571500">
+                        <a:buFontTx/>
+                        <a:buChar char="-"/>
+                      </a:pPr>
+                      <a:r>
+                        <a:rPr lang="en-US" sz="3000" dirty="0"/>
+                        <a:t>1648 consorts, 10493 non-consorts</a:t>
+                      </a:r>
+                    </a:p>
+                    <a:p>
+                      <a:pPr marL="0" indent="0">
+                        <a:buFontTx/>
+                        <a:buNone/>
+                      </a:pPr>
+                      <a:r>
+                        <a:rPr lang="en-US" sz="3000" dirty="0"/>
+                        <a:t>Additional preprocessing applied to standardize features and remove points that had conflicting labels. We also tried PCA whitening and data augmentation but found that they did not improve results.</a:t>
+                      </a:r>
+                      <a:endParaRPr lang="en-US" sz="3000" dirty="0">
+                        <a:solidFill>
+                          <a:schemeClr val="tx1"/>
+                        </a:solidFill>
+                      </a:endParaRPr>
+                    </a:p>
+                  </a:txBody>
+                  <a:tcPr>
+                    <a:lnL w="12700" cap="flat" cmpd="sng" algn="ctr">
+                      <a:solidFill>
+                        <a:schemeClr val="tx1"/>
+                      </a:solidFill>
+                      <a:prstDash val="solid"/>
+                      <a:round/>
+                      <a:headEnd type="none" w="med" len="med"/>
+                      <a:tailEnd type="none" w="med" len="med"/>
+                    </a:lnL>
+                    <a:lnR w="12700" cap="flat" cmpd="sng" algn="ctr">
+                      <a:solidFill>
+                        <a:schemeClr val="tx1"/>
+                      </a:solidFill>
+                      <a:prstDash val="solid"/>
+                      <a:round/>
+                      <a:headEnd type="none" w="med" len="med"/>
+                      <a:tailEnd type="none" w="med" len="med"/>
+                    </a:lnR>
+                    <a:lnT w="12700" cap="flat" cmpd="sng" algn="ctr">
+                      <a:solidFill>
+                        <a:schemeClr val="tx1"/>
+                      </a:solidFill>
+                      <a:prstDash val="solid"/>
+                      <a:round/>
+                      <a:headEnd type="none" w="med" len="med"/>
+                      <a:tailEnd type="none" w="med" len="med"/>
+                    </a:lnT>
+                    <a:lnB w="12700" cap="flat" cmpd="sng" algn="ctr">
+                      <a:solidFill>
+                        <a:schemeClr val="tx1"/>
+                      </a:solidFill>
+                      <a:prstDash val="solid"/>
+                      <a:round/>
+                      <a:headEnd type="none" w="med" len="med"/>
+                      <a:tailEnd type="none" w="med" len="med"/>
+                    </a:lnB>
+                    <a:lnTlToBr w="12700" cmpd="sng">
+                      <a:noFill/>
+                      <a:prstDash val="solid"/>
+                    </a:lnTlToBr>
+                    <a:lnBlToTr w="12700" cmpd="sng">
+                      <a:noFill/>
+                      <a:prstDash val="solid"/>
+                    </a:lnBlToTr>
+                    <a:solidFill>
+                      <a:schemeClr val="bg1"/>
+                    </a:solidFill>
+                  </a:tcPr>
+                </a:tc>
+                <a:extLst>
+                  <a:ext uri="{0D108BD9-81ED-4DB2-BD59-A6C34878D82A}">
+                    <a16:rowId xmlns:a16="http://schemas.microsoft.com/office/drawing/2014/main" val="2249248458"/>
+                  </a:ext>
+                </a:extLst>
+              </a:tr>
+            </a:tbl>
+          </a:graphicData>
+        </a:graphic>
+      </p:graphicFrame>
+      <p:graphicFrame>
+        <p:nvGraphicFramePr>
+          <p:cNvPr id="28" name="Table 27"/>
+          <p:cNvGraphicFramePr>
+            <a:graphicFrameLocks noGrp="1"/>
+          </p:cNvGraphicFramePr>
+          <p:nvPr>
+            <p:extLst>
+              <p:ext uri="{D42A27DB-BD31-4B8C-83A1-F6EECF244321}">
+                <p14:modId xmlns:p14="http://schemas.microsoft.com/office/powerpoint/2010/main" val="2446265941"/>
+              </p:ext>
+            </p:extLst>
+          </p:nvPr>
+        </p:nvGraphicFramePr>
+        <p:xfrm>
+          <a:off x="457200" y="16078200"/>
+          <a:ext cx="9525000" cy="5455920"/>
+        </p:xfrm>
+        <a:graphic>
+          <a:graphicData uri="http://schemas.openxmlformats.org/drawingml/2006/table">
+            <a:tbl>
+              <a:tblPr firstRow="1" bandRow="1">
+                <a:tableStyleId>{5C22544A-7EE6-4342-B048-85BDC9FD1C3A}</a:tableStyleId>
+              </a:tblPr>
+              <a:tblGrid>
+                <a:gridCol w="9525000">
+                  <a:extLst>
+                    <a:ext uri="{9D8B030D-6E8A-4147-A177-3AD203B41FA5}">
+                      <a16:colId xmlns:a16="http://schemas.microsoft.com/office/drawing/2014/main" val="4214904625"/>
+                    </a:ext>
+                  </a:extLst>
+                </a:gridCol>
+              </a:tblGrid>
+              <a:tr h="701040">
+                <a:tc>
+                  <a:txBody>
+                    <a:bodyPr/>
+                    <a:lstStyle/>
+                    <a:p>
+                      <a:pPr algn="ctr"/>
+                      <a:r>
+                        <a:rPr lang="en-US" sz="4000" dirty="0"/>
+                        <a:t>Features</a:t>
+                      </a:r>
+                    </a:p>
+                  </a:txBody>
+                  <a:tcPr>
+                    <a:lnL w="12700" cmpd="sng">
+                      <a:noFill/>
+                    </a:lnL>
+                    <a:lnR w="12700" cmpd="sng">
+                      <a:noFill/>
+                    </a:lnR>
+                    <a:lnT w="12700" cmpd="sng">
+                      <a:noFill/>
+                    </a:lnT>
+                    <a:lnB w="12700" cap="flat" cmpd="sng" algn="ctr">
+                      <a:solidFill>
+                        <a:schemeClr val="tx1"/>
+                      </a:solidFill>
+                      <a:prstDash val="solid"/>
+                      <a:round/>
+                      <a:headEnd type="none" w="med" len="med"/>
+                      <a:tailEnd type="none" w="med" len="med"/>
+                    </a:lnB>
+                    <a:lnTlToBr w="12700" cmpd="sng">
+                      <a:noFill/>
+                      <a:prstDash val="solid"/>
+                    </a:lnTlToBr>
+                    <a:lnBlToTr w="12700" cmpd="sng">
+                      <a:noFill/>
+                      <a:prstDash val="solid"/>
+                    </a:lnBlToTr>
+                    <a:solidFill>
+                      <a:srgbClr val="C00000"/>
+                    </a:solidFill>
+                  </a:tcPr>
+                </a:tc>
+                <a:extLst>
+                  <a:ext uri="{0D108BD9-81ED-4DB2-BD59-A6C34878D82A}">
+                    <a16:rowId xmlns:a16="http://schemas.microsoft.com/office/drawing/2014/main" val="486491692"/>
+                  </a:ext>
+                </a:extLst>
+              </a:tr>
+              <a:tr h="4754880">
+                <a:tc>
+                  <a:txBody>
+                    <a:bodyPr/>
+                    <a:lstStyle/>
+                    <a:p>
+                      <a:pPr marL="571500" marR="0" lvl="0" indent="-571500" algn="l" defTabSz="2717320" rtl="0" eaLnBrk="1" fontAlgn="auto" latinLnBrk="0" hangingPunct="1">
+                        <a:lnSpc>
+                          <a:spcPct val="100000"/>
+                        </a:lnSpc>
+                        <a:spcBef>
+                          <a:spcPts val="0"/>
+                        </a:spcBef>
+                        <a:spcAft>
+                          <a:spcPts val="0"/>
+                        </a:spcAft>
+                        <a:buClrTx/>
+                        <a:buSzTx/>
+                        <a:buFont typeface="Arial" panose="020B0604020202020204" pitchFamily="34" charset="0"/>
+                        <a:buChar char="•"/>
+                        <a:tabLst/>
+                        <a:defRPr/>
+                      </a:pPr>
+                      <a:r>
+                        <a:rPr lang="en-US" sz="3000" b="1" dirty="0">
+                          <a:solidFill>
+                            <a:schemeClr val="tx1"/>
+                          </a:solidFill>
+                        </a:rPr>
+                        <a:t>Genetic/Biological</a:t>
+                      </a:r>
+                      <a:r>
+                        <a:rPr lang="en-US" sz="3000" dirty="0">
+                          <a:solidFill>
+                            <a:schemeClr val="tx1"/>
+                          </a:solidFill>
+                        </a:rPr>
+                        <a:t>: </a:t>
+                      </a:r>
+                      <a:r>
+                        <a:rPr lang="en-US" sz="3000" dirty="0"/>
+                        <a:t>two measure of genetic diversity of each of the pair, estimated genetic distance of the pair, age, </a:t>
+                      </a:r>
+                      <a:r>
+                        <a:rPr lang="en-US" sz="3000" dirty="0" err="1"/>
+                        <a:t>conceptiveness</a:t>
+                      </a:r>
+                      <a:r>
+                        <a:rPr lang="en-US" sz="3000" dirty="0"/>
+                        <a:t> of female</a:t>
+                      </a:r>
+                      <a:endParaRPr lang="en-US" sz="3000" dirty="0">
+                        <a:solidFill>
+                          <a:schemeClr val="tx1"/>
+                        </a:solidFill>
+                      </a:endParaRPr>
+                    </a:p>
+                    <a:p>
+                      <a:pPr marL="571500" marR="0" lvl="0" indent="-571500" algn="l" defTabSz="2717320" rtl="0" eaLnBrk="1" fontAlgn="auto" latinLnBrk="0" hangingPunct="1">
+                        <a:lnSpc>
+                          <a:spcPct val="100000"/>
+                        </a:lnSpc>
+                        <a:spcBef>
+                          <a:spcPts val="0"/>
+                        </a:spcBef>
+                        <a:spcAft>
+                          <a:spcPts val="0"/>
+                        </a:spcAft>
+                        <a:buClrTx/>
+                        <a:buSzTx/>
+                        <a:buFont typeface="Arial" panose="020B0604020202020204" pitchFamily="34" charset="0"/>
+                        <a:buChar char="•"/>
+                        <a:tabLst/>
+                        <a:defRPr/>
+                      </a:pPr>
+                      <a:r>
+                        <a:rPr lang="en-US" sz="3000" b="1" dirty="0">
+                          <a:solidFill>
+                            <a:schemeClr val="tx1"/>
+                          </a:solidFill>
+                        </a:rPr>
+                        <a:t>Social/Behavioral</a:t>
+                      </a:r>
+                      <a:r>
+                        <a:rPr lang="en-US" sz="3000" dirty="0">
+                          <a:solidFill>
+                            <a:schemeClr val="tx1"/>
+                          </a:solidFill>
+                        </a:rPr>
+                        <a:t>: </a:t>
+                      </a:r>
+                      <a:r>
+                        <a:rPr lang="en-US" sz="3000" dirty="0"/>
+                        <a:t>male rank, males/females present during </a:t>
+                      </a:r>
+                      <a:r>
+                        <a:rPr lang="en-US" sz="3000" dirty="0" err="1"/>
+                        <a:t>consortship</a:t>
+                      </a:r>
+                      <a:endParaRPr lang="en-US" sz="3000" dirty="0">
+                        <a:solidFill>
+                          <a:schemeClr val="tx1"/>
+                        </a:solidFill>
+                      </a:endParaRPr>
+                    </a:p>
+                    <a:p>
+                      <a:pPr marL="571500" marR="0" lvl="0" indent="-571500" algn="l" defTabSz="2717320" rtl="0" eaLnBrk="1" fontAlgn="auto" latinLnBrk="0" hangingPunct="1">
+                        <a:lnSpc>
+                          <a:spcPct val="100000"/>
+                        </a:lnSpc>
+                        <a:spcBef>
+                          <a:spcPts val="0"/>
+                        </a:spcBef>
+                        <a:spcAft>
+                          <a:spcPts val="0"/>
+                        </a:spcAft>
+                        <a:buClrTx/>
+                        <a:buSzTx/>
+                        <a:buFont typeface="Arial" panose="020B0604020202020204" pitchFamily="34" charset="0"/>
+                        <a:buChar char="•"/>
+                        <a:tabLst/>
+                        <a:defRPr/>
+                      </a:pPr>
+                      <a:r>
+                        <a:rPr lang="en-US" sz="3000" b="1" dirty="0">
+                          <a:solidFill>
+                            <a:schemeClr val="tx1"/>
+                          </a:solidFill>
+                        </a:rPr>
+                        <a:t>Transformations</a:t>
+                      </a:r>
+                      <a:r>
+                        <a:rPr lang="en-US" sz="3000" dirty="0">
+                          <a:solidFill>
+                            <a:schemeClr val="tx1"/>
+                          </a:solidFill>
+                        </a:rPr>
+                        <a:t>: </a:t>
+                      </a:r>
+                      <a:r>
+                        <a:rPr lang="en-US" sz="3000" dirty="0"/>
+                        <a:t>non-linear transformations of genetic distance rank, and age, as well as indices derived from the combination of genetic diversity of the pair</a:t>
+                      </a:r>
+                      <a:endParaRPr lang="en-US" sz="3000" dirty="0">
+                        <a:solidFill>
+                          <a:schemeClr val="tx1"/>
+                        </a:solidFill>
+                      </a:endParaRPr>
+                    </a:p>
+                    <a:p>
+                      <a:pPr marL="571500" marR="0" lvl="0" indent="-571500" algn="l" defTabSz="2717320" rtl="0" eaLnBrk="1" fontAlgn="auto" latinLnBrk="0" hangingPunct="1">
+                        <a:lnSpc>
+                          <a:spcPct val="100000"/>
+                        </a:lnSpc>
+                        <a:spcBef>
+                          <a:spcPts val="0"/>
+                        </a:spcBef>
+                        <a:spcAft>
+                          <a:spcPts val="0"/>
+                        </a:spcAft>
+                        <a:buClrTx/>
+                        <a:buSzTx/>
+                        <a:buFont typeface="Arial" panose="020B0604020202020204" pitchFamily="34" charset="0"/>
+                        <a:buChar char="•"/>
+                        <a:tabLst/>
+                        <a:defRPr/>
+                      </a:pPr>
+                      <a:r>
+                        <a:rPr lang="en-US" sz="3000" b="1" dirty="0">
+                          <a:solidFill>
+                            <a:schemeClr val="tx1"/>
+                          </a:solidFill>
+                        </a:rPr>
+                        <a:t>Graph-Based</a:t>
+                      </a:r>
+                      <a:r>
+                        <a:rPr lang="en-US" sz="3000" dirty="0">
+                          <a:solidFill>
+                            <a:schemeClr val="tx1"/>
+                          </a:solidFill>
+                        </a:rPr>
+                        <a:t>: </a:t>
+                      </a:r>
+                      <a:r>
+                        <a:rPr lang="en-US" sz="3000" dirty="0"/>
+                        <a:t>PageRank,</a:t>
+                      </a:r>
+                      <a:r>
+                        <a:rPr lang="en-US" sz="3000" baseline="0" dirty="0"/>
+                        <a:t> HITS</a:t>
+                      </a:r>
+                      <a:endParaRPr lang="en-US" sz="3000" dirty="0"/>
+                    </a:p>
+                    <a:p>
+                      <a:pPr marL="0" indent="0">
+                        <a:buFont typeface="Arial" panose="020B0604020202020204" pitchFamily="34" charset="0"/>
+                        <a:buNone/>
+                      </a:pPr>
+                      <a:endParaRPr lang="en-US" sz="3600" dirty="0">
+                        <a:solidFill>
+                          <a:schemeClr val="tx1"/>
+                        </a:solidFill>
+                      </a:endParaRPr>
+                    </a:p>
+                  </a:txBody>
+                  <a:tcPr>
+                    <a:lnL w="12700" cap="flat" cmpd="sng" algn="ctr">
+                      <a:solidFill>
+                        <a:schemeClr val="tx1"/>
+                      </a:solidFill>
+                      <a:prstDash val="solid"/>
+                      <a:round/>
+                      <a:headEnd type="none" w="med" len="med"/>
+                      <a:tailEnd type="none" w="med" len="med"/>
+                    </a:lnL>
+                    <a:lnR w="12700" cap="flat" cmpd="sng" algn="ctr">
+                      <a:solidFill>
+                        <a:schemeClr val="tx1"/>
+                      </a:solidFill>
+                      <a:prstDash val="solid"/>
+                      <a:round/>
+                      <a:headEnd type="none" w="med" len="med"/>
+                      <a:tailEnd type="none" w="med" len="med"/>
+                    </a:lnR>
+                    <a:lnT w="12700" cap="flat" cmpd="sng" algn="ctr">
+                      <a:solidFill>
+                        <a:schemeClr val="tx1"/>
+                      </a:solidFill>
+                      <a:prstDash val="solid"/>
+                      <a:round/>
+                      <a:headEnd type="none" w="med" len="med"/>
+                      <a:tailEnd type="none" w="med" len="med"/>
+                    </a:lnT>
+                    <a:lnB w="12700" cap="flat" cmpd="sng" algn="ctr">
+                      <a:solidFill>
+                        <a:schemeClr val="tx1"/>
+                      </a:solidFill>
+                      <a:prstDash val="solid"/>
+                      <a:round/>
+                      <a:headEnd type="none" w="med" len="med"/>
+                      <a:tailEnd type="none" w="med" len="med"/>
+                    </a:lnB>
+                    <a:lnTlToBr w="12700" cmpd="sng">
+                      <a:noFill/>
+                      <a:prstDash val="solid"/>
+                    </a:lnTlToBr>
+                    <a:lnBlToTr w="12700" cmpd="sng">
+                      <a:noFill/>
+                      <a:prstDash val="solid"/>
+                    </a:lnBlToTr>
+                    <a:solidFill>
+                      <a:schemeClr val="bg1"/>
+                    </a:solidFill>
+                  </a:tcPr>
+                </a:tc>
+                <a:extLst>
+                  <a:ext uri="{0D108BD9-81ED-4DB2-BD59-A6C34878D82A}">
+                    <a16:rowId xmlns:a16="http://schemas.microsoft.com/office/drawing/2014/main" val="2249248458"/>
+                  </a:ext>
+                </a:extLst>
+              </a:tr>
+            </a:tbl>
+          </a:graphicData>
+        </a:graphic>
+      </p:graphicFrame>
+      <p:pic>
+        <p:nvPicPr>
+          <p:cNvPr id="30" name="Picture 29"/>
+          <p:cNvPicPr>
+            <a:picLocks noChangeAspect="1"/>
+          </p:cNvPicPr>
+          <p:nvPr/>
+        </p:nvPicPr>
+        <p:blipFill rotWithShape="1">
+          <a:blip r:embed="rId4">
+            <a:extLst>
+              <a:ext uri="{28A0092B-C50C-407E-A947-70E740481C1C}">
+                <a14:useLocalDpi xmlns:a14="http://schemas.microsoft.com/office/drawing/2010/main" val="0"/>
+              </a:ext>
+            </a:extLst>
+          </a:blip>
+          <a:srcRect l="20594" t="16854" r="18582" b="17275"/>
+          <a:stretch/>
+        </p:blipFill>
+        <p:spPr>
+          <a:xfrm>
+            <a:off x="2819400" y="8915398"/>
+            <a:ext cx="4800600" cy="2590800"/>
+          </a:xfrm>
+          <a:prstGeom prst="rect">
+            <a:avLst/>
+          </a:prstGeom>
+        </p:spPr>
+      </p:pic>
+      <p:sp>
+        <p:nvSpPr>
+          <p:cNvPr id="31" name="TextBox 30"/>
+          <p:cNvSpPr txBox="1"/>
+          <p:nvPr/>
+        </p:nvSpPr>
+        <p:spPr>
+          <a:xfrm>
+            <a:off x="2552700" y="11244588"/>
+            <a:ext cx="5334000" cy="523220"/>
+          </a:xfrm>
+          <a:prstGeom prst="rect">
+            <a:avLst/>
+          </a:prstGeom>
+          <a:noFill/>
+        </p:spPr>
+        <p:txBody>
+          <a:bodyPr wrap="square" rtlCol="0">
+            <a:spAutoFit/>
+          </a:bodyPr>
+          <a:lstStyle/>
+          <a:p>
+            <a:r>
+              <a:rPr lang="en-US" sz="2800" dirty="0"/>
+              <a:t>2-D PCA visualization  of dataset</a:t>
+            </a:r>
+          </a:p>
+        </p:txBody>
+      </p:sp>
+      <p:sp>
+        <p:nvSpPr>
+          <p:cNvPr id="2048" name="Rectangle 2047"/>
+          <p:cNvSpPr/>
+          <p:nvPr/>
+        </p:nvSpPr>
+        <p:spPr>
+          <a:xfrm>
+            <a:off x="2019300" y="8686798"/>
+            <a:ext cx="6400800" cy="3081010"/>
+          </a:xfrm>
+          <a:prstGeom prst="rect">
+            <a:avLst/>
+          </a:prstGeom>
+          <a:noFill/>
+          <a:ln>
+            <a:solidFill>
+              <a:schemeClr val="tx1"/>
+            </a:solidFill>
+          </a:ln>
+        </p:spPr>
+        <p:style>
+          <a:lnRef idx="2">
+            <a:schemeClr val="accent1">
+              <a:shade val="50000"/>
+            </a:schemeClr>
+          </a:lnRef>
+          <a:fillRef idx="1">
+            <a:schemeClr val="accent1"/>
+          </a:fillRef>
+          <a:effectRef idx="0">
+            <a:schemeClr val="accent1"/>
+          </a:effectRef>
+          <a:fontRef idx="minor">
+            <a:schemeClr val="lt1"/>
+          </a:fontRef>
+        </p:style>
+        <p:txBody>
+          <a:bodyPr rtlCol="0" anchor="ctr"/>
+          <a:lstStyle/>
+          <a:p>
+            <a:pPr algn="ctr"/>
+            <a:endParaRPr lang="en-US"/>
+          </a:p>
+        </p:txBody>
+      </p:sp>
+      <p:graphicFrame>
+        <p:nvGraphicFramePr>
+          <p:cNvPr id="36" name="Table 35"/>
+          <p:cNvGraphicFramePr>
+            <a:graphicFrameLocks noGrp="1"/>
+          </p:cNvGraphicFramePr>
+          <p:nvPr>
+            <p:extLst>
+              <p:ext uri="{D42A27DB-BD31-4B8C-83A1-F6EECF244321}">
+                <p14:modId xmlns:p14="http://schemas.microsoft.com/office/powerpoint/2010/main" val="1330102958"/>
+              </p:ext>
+            </p:extLst>
+          </p:nvPr>
+        </p:nvGraphicFramePr>
+        <p:xfrm>
+          <a:off x="10744200" y="3853003"/>
+          <a:ext cx="9525000" cy="5834212"/>
+        </p:xfrm>
+        <a:graphic>
+          <a:graphicData uri="http://schemas.openxmlformats.org/drawingml/2006/table">
+            <a:tbl>
+              <a:tblPr firstRow="1" bandRow="1">
+                <a:tableStyleId>{5C22544A-7EE6-4342-B048-85BDC9FD1C3A}</a:tableStyleId>
+              </a:tblPr>
+              <a:tblGrid>
+                <a:gridCol w="9525000">
+                  <a:extLst>
+                    <a:ext uri="{9D8B030D-6E8A-4147-A177-3AD203B41FA5}">
+                      <a16:colId xmlns:a16="http://schemas.microsoft.com/office/drawing/2014/main" val="4214904625"/>
+                    </a:ext>
+                  </a:extLst>
+                </a:gridCol>
+              </a:tblGrid>
+              <a:tr h="640080">
+                <a:tc>
+                  <a:txBody>
+                    <a:bodyPr/>
+                    <a:lstStyle/>
+                    <a:p>
+                      <a:pPr algn="ctr"/>
+                      <a:r>
+                        <a:rPr lang="en-US" sz="3600" dirty="0"/>
+                        <a:t>Models</a:t>
+                      </a:r>
+                    </a:p>
+                  </a:txBody>
+                  <a:tcPr>
+                    <a:lnL w="12700" cmpd="sng">
+                      <a:noFill/>
+                    </a:lnL>
+                    <a:lnR w="12700" cmpd="sng">
+                      <a:noFill/>
+                    </a:lnR>
+                    <a:lnT w="12700" cmpd="sng">
+                      <a:noFill/>
+                    </a:lnT>
+                    <a:lnB w="12700" cap="flat" cmpd="sng" algn="ctr">
+                      <a:solidFill>
+                        <a:schemeClr val="tx1"/>
+                      </a:solidFill>
+                      <a:prstDash val="solid"/>
+                      <a:round/>
+                      <a:headEnd type="none" w="med" len="med"/>
+                      <a:tailEnd type="none" w="med" len="med"/>
+                    </a:lnB>
+                    <a:lnTlToBr w="12700" cmpd="sng">
+                      <a:noFill/>
+                      <a:prstDash val="solid"/>
+                    </a:lnTlToBr>
+                    <a:lnBlToTr w="12700" cmpd="sng">
+                      <a:noFill/>
+                      <a:prstDash val="solid"/>
+                    </a:lnBlToTr>
+                    <a:solidFill>
+                      <a:srgbClr val="C00000"/>
+                    </a:solidFill>
+                  </a:tcPr>
+                </a:tc>
+                <a:extLst>
+                  <a:ext uri="{0D108BD9-81ED-4DB2-BD59-A6C34878D82A}">
+                    <a16:rowId xmlns:a16="http://schemas.microsoft.com/office/drawing/2014/main" val="486491692"/>
+                  </a:ext>
+                </a:extLst>
+              </a:tr>
+              <a:tr h="5194132">
+                <a:tc>
+                  <a:txBody>
+                    <a:bodyPr/>
+                    <a:lstStyle/>
+                    <a:p>
+                      <a:pPr marL="457200" indent="-457200">
+                        <a:buFont typeface="Arial" panose="020B0604020202020204" pitchFamily="34" charset="0"/>
+                        <a:buChar char="•"/>
+                      </a:pPr>
+                      <a:r>
+                        <a:rPr lang="en-US" sz="3000" dirty="0"/>
+                        <a:t>Gaussian SVM</a:t>
+                      </a:r>
+                    </a:p>
+                    <a:p>
+                      <a:pPr marL="457200" marR="0" lvl="0" indent="-457200" algn="l" defTabSz="2717320" rtl="0" eaLnBrk="1" fontAlgn="auto" latinLnBrk="0" hangingPunct="1">
+                        <a:lnSpc>
+                          <a:spcPct val="100000"/>
+                        </a:lnSpc>
+                        <a:spcBef>
+                          <a:spcPts val="0"/>
+                        </a:spcBef>
+                        <a:spcAft>
+                          <a:spcPts val="0"/>
+                        </a:spcAft>
+                        <a:buClrTx/>
+                        <a:buSzTx/>
+                        <a:buFont typeface="Arial" panose="020B0604020202020204" pitchFamily="34" charset="0"/>
+                        <a:buChar char="•"/>
+                        <a:tabLst/>
+                        <a:defRPr/>
+                      </a:pPr>
+                      <a:endParaRPr lang="en-US" sz="3000" dirty="0"/>
+                    </a:p>
+                    <a:p>
+                      <a:pPr marL="457200" marR="0" lvl="0" indent="-457200" algn="l" defTabSz="2717320" rtl="0" eaLnBrk="1" fontAlgn="auto" latinLnBrk="0" hangingPunct="1">
+                        <a:lnSpc>
+                          <a:spcPct val="100000"/>
+                        </a:lnSpc>
+                        <a:spcBef>
+                          <a:spcPts val="0"/>
+                        </a:spcBef>
+                        <a:spcAft>
+                          <a:spcPts val="0"/>
+                        </a:spcAft>
+                        <a:buClrTx/>
+                        <a:buSzTx/>
+                        <a:buFont typeface="Arial" panose="020B0604020202020204" pitchFamily="34" charset="0"/>
+                        <a:buChar char="•"/>
+                        <a:tabLst/>
+                        <a:defRPr/>
+                      </a:pPr>
+                      <a:endParaRPr lang="en-US" sz="3000" dirty="0"/>
+                    </a:p>
+                    <a:p>
+                      <a:pPr marL="457200" marR="0" lvl="0" indent="-457200" algn="l" defTabSz="2717320" rtl="0" eaLnBrk="1" fontAlgn="auto" latinLnBrk="0" hangingPunct="1">
+                        <a:lnSpc>
+                          <a:spcPct val="100000"/>
+                        </a:lnSpc>
+                        <a:spcBef>
+                          <a:spcPts val="0"/>
+                        </a:spcBef>
+                        <a:spcAft>
+                          <a:spcPts val="0"/>
+                        </a:spcAft>
+                        <a:buClrTx/>
+                        <a:buSzTx/>
+                        <a:buFont typeface="Arial" panose="020B0604020202020204" pitchFamily="34" charset="0"/>
+                        <a:buChar char="•"/>
+                        <a:tabLst/>
+                        <a:defRPr/>
+                      </a:pPr>
+                      <a:r>
+                        <a:rPr lang="en-US" sz="3000" dirty="0" err="1"/>
+                        <a:t>AdaBoosting</a:t>
+                      </a:r>
+                      <a:r>
+                        <a:rPr lang="en-US" sz="3000" dirty="0"/>
+                        <a:t> with Decision Stumps</a:t>
+                      </a:r>
+                    </a:p>
+                    <a:p>
+                      <a:pPr marL="457200" marR="0" lvl="0" indent="-457200" algn="l" defTabSz="2717320" rtl="0" eaLnBrk="1" fontAlgn="auto" latinLnBrk="0" hangingPunct="1">
+                        <a:lnSpc>
+                          <a:spcPct val="100000"/>
+                        </a:lnSpc>
+                        <a:spcBef>
+                          <a:spcPts val="0"/>
+                        </a:spcBef>
+                        <a:spcAft>
+                          <a:spcPts val="0"/>
+                        </a:spcAft>
+                        <a:buClrTx/>
+                        <a:buSzTx/>
+                        <a:buFont typeface="Arial" panose="020B0604020202020204" pitchFamily="34" charset="0"/>
+                        <a:buChar char="•"/>
+                        <a:tabLst/>
+                        <a:defRPr/>
+                      </a:pPr>
+                      <a:endParaRPr lang="en-US" sz="3000" dirty="0"/>
+                    </a:p>
+                    <a:p>
+                      <a:pPr marL="457200" marR="0" lvl="0" indent="-457200" algn="l" defTabSz="2717320" rtl="0" eaLnBrk="1" fontAlgn="auto" latinLnBrk="0" hangingPunct="1">
+                        <a:lnSpc>
+                          <a:spcPct val="100000"/>
+                        </a:lnSpc>
+                        <a:spcBef>
+                          <a:spcPts val="0"/>
+                        </a:spcBef>
+                        <a:spcAft>
+                          <a:spcPts val="0"/>
+                        </a:spcAft>
+                        <a:buClrTx/>
+                        <a:buSzTx/>
+                        <a:buFont typeface="Arial" panose="020B0604020202020204" pitchFamily="34" charset="0"/>
+                        <a:buChar char="•"/>
+                        <a:tabLst/>
+                        <a:defRPr/>
+                      </a:pPr>
+                      <a:endParaRPr lang="en-US" sz="3000" dirty="0"/>
+                    </a:p>
+                    <a:p>
+                      <a:pPr marL="457200" marR="0" lvl="0" indent="-457200" algn="l" defTabSz="2717320" rtl="0" eaLnBrk="1" fontAlgn="auto" latinLnBrk="0" hangingPunct="1">
+                        <a:lnSpc>
+                          <a:spcPct val="100000"/>
+                        </a:lnSpc>
+                        <a:spcBef>
+                          <a:spcPts val="0"/>
+                        </a:spcBef>
+                        <a:spcAft>
+                          <a:spcPts val="0"/>
+                        </a:spcAft>
+                        <a:buClrTx/>
+                        <a:buSzTx/>
+                        <a:buFont typeface="Arial" panose="020B0604020202020204" pitchFamily="34" charset="0"/>
+                        <a:buChar char="•"/>
+                        <a:tabLst/>
+                        <a:defRPr/>
+                      </a:pPr>
+                      <a:endParaRPr lang="en-US" sz="3000" dirty="0"/>
+                    </a:p>
+                    <a:p>
+                      <a:pPr marL="457200" marR="0" lvl="0" indent="-457200" algn="l" defTabSz="2717320" rtl="0" eaLnBrk="1" fontAlgn="auto" latinLnBrk="0" hangingPunct="1">
+                        <a:lnSpc>
+                          <a:spcPct val="100000"/>
+                        </a:lnSpc>
+                        <a:spcBef>
+                          <a:spcPts val="0"/>
+                        </a:spcBef>
+                        <a:spcAft>
+                          <a:spcPts val="0"/>
+                        </a:spcAft>
+                        <a:buClrTx/>
+                        <a:buSzTx/>
+                        <a:buFont typeface="Arial" panose="020B0604020202020204" pitchFamily="34" charset="0"/>
+                        <a:buChar char="•"/>
+                        <a:tabLst/>
+                        <a:defRPr/>
+                      </a:pPr>
+                      <a:r>
+                        <a:rPr lang="en-US" sz="3000" dirty="0"/>
+                        <a:t>Random</a:t>
+                      </a:r>
+                      <a:r>
+                        <a:rPr lang="en-US" sz="3000" baseline="0" dirty="0"/>
+                        <a:t> Forest</a:t>
+                      </a:r>
+                      <a:endParaRPr lang="en-US" sz="3000" dirty="0"/>
+                    </a:p>
+                    <a:p>
+                      <a:pPr marL="457200" marR="0" lvl="0" indent="-457200" algn="l" defTabSz="2717320" rtl="0" eaLnBrk="1" fontAlgn="auto" latinLnBrk="0" hangingPunct="1">
+                        <a:lnSpc>
+                          <a:spcPct val="100000"/>
+                        </a:lnSpc>
+                        <a:spcBef>
+                          <a:spcPts val="0"/>
+                        </a:spcBef>
+                        <a:spcAft>
+                          <a:spcPts val="0"/>
+                        </a:spcAft>
+                        <a:buClrTx/>
+                        <a:buSzTx/>
+                        <a:buFont typeface="Arial" panose="020B0604020202020204" pitchFamily="34" charset="0"/>
+                        <a:buChar char="•"/>
+                        <a:tabLst/>
+                        <a:defRPr/>
+                      </a:pPr>
+                      <a:r>
+                        <a:rPr lang="en-US" sz="3000" dirty="0"/>
+                        <a:t>Edge Prediction</a:t>
+                      </a:r>
+                    </a:p>
+                    <a:p>
+                      <a:pPr marL="0" indent="0">
+                        <a:buFont typeface="Arial" panose="020B0604020202020204" pitchFamily="34" charset="0"/>
+                        <a:buNone/>
+                      </a:pPr>
+                      <a:r>
+                        <a:rPr lang="en-US" sz="3000" dirty="0"/>
+                        <a:t>For</a:t>
+                      </a:r>
+                      <a:r>
+                        <a:rPr lang="en-US" sz="3000" baseline="0" dirty="0"/>
+                        <a:t> all models, Classes were w</a:t>
+                      </a:r>
+                      <a:r>
+                        <a:rPr lang="en-US" sz="3000" dirty="0"/>
+                        <a:t>eighted to address imbalanced dataset</a:t>
+                      </a:r>
+                      <a:r>
+                        <a:rPr lang="en-US" sz="3000" baseline="0" dirty="0"/>
+                        <a:t>.</a:t>
+                      </a:r>
+                      <a:endParaRPr lang="en-US" sz="3000" dirty="0">
+                        <a:solidFill>
+                          <a:schemeClr val="tx1"/>
+                        </a:solidFill>
+                      </a:endParaRPr>
+                    </a:p>
+                  </a:txBody>
+                  <a:tcPr>
+                    <a:lnL w="12700" cap="flat" cmpd="sng" algn="ctr">
+                      <a:solidFill>
+                        <a:schemeClr val="tx1"/>
+                      </a:solidFill>
+                      <a:prstDash val="solid"/>
+                      <a:round/>
+                      <a:headEnd type="none" w="med" len="med"/>
+                      <a:tailEnd type="none" w="med" len="med"/>
+                    </a:lnL>
+                    <a:lnR w="12700" cap="flat" cmpd="sng" algn="ctr">
+                      <a:solidFill>
+                        <a:schemeClr val="tx1"/>
+                      </a:solidFill>
+                      <a:prstDash val="solid"/>
+                      <a:round/>
+                      <a:headEnd type="none" w="med" len="med"/>
+                      <a:tailEnd type="none" w="med" len="med"/>
+                    </a:lnR>
+                    <a:lnT w="12700" cap="flat" cmpd="sng" algn="ctr">
+                      <a:solidFill>
+                        <a:schemeClr val="tx1"/>
+                      </a:solidFill>
+                      <a:prstDash val="solid"/>
+                      <a:round/>
+                      <a:headEnd type="none" w="med" len="med"/>
+                      <a:tailEnd type="none" w="med" len="med"/>
+                    </a:lnT>
+                    <a:lnB w="12700" cap="flat" cmpd="sng" algn="ctr">
+                      <a:solidFill>
+                        <a:schemeClr val="tx1"/>
+                      </a:solidFill>
+                      <a:prstDash val="solid"/>
+                      <a:round/>
+                      <a:headEnd type="none" w="med" len="med"/>
+                      <a:tailEnd type="none" w="med" len="med"/>
+                    </a:lnB>
+                    <a:lnTlToBr w="12700" cmpd="sng">
+                      <a:noFill/>
+                      <a:prstDash val="solid"/>
+                    </a:lnTlToBr>
+                    <a:lnBlToTr w="12700" cmpd="sng">
+                      <a:noFill/>
+                      <a:prstDash val="solid"/>
+                    </a:lnBlToTr>
+                    <a:solidFill>
+                      <a:schemeClr val="bg1"/>
+                    </a:solidFill>
+                  </a:tcPr>
+                </a:tc>
+                <a:extLst>
+                  <a:ext uri="{0D108BD9-81ED-4DB2-BD59-A6C34878D82A}">
+                    <a16:rowId xmlns:a16="http://schemas.microsoft.com/office/drawing/2014/main" val="2249248458"/>
+                  </a:ext>
+                </a:extLst>
+              </a:tr>
+            </a:tbl>
+          </a:graphicData>
+        </a:graphic>
+      </p:graphicFrame>
+      <p:pic>
+        <p:nvPicPr>
+          <p:cNvPr id="2049" name="Picture 2048"/>
+          <p:cNvPicPr>
+            <a:picLocks noChangeAspect="1"/>
+          </p:cNvPicPr>
+          <p:nvPr/>
+        </p:nvPicPr>
+        <p:blipFill rotWithShape="1">
+          <a:blip r:embed="rId5">
+            <a:extLst>
+              <a:ext uri="{28A0092B-C50C-407E-A947-70E740481C1C}">
+                <a14:useLocalDpi xmlns:a14="http://schemas.microsoft.com/office/drawing/2010/main" val="0"/>
+              </a:ext>
+            </a:extLst>
+          </a:blip>
+          <a:srcRect t="-1943" r="6286" b="83268"/>
+          <a:stretch/>
+        </p:blipFill>
+        <p:spPr>
+          <a:xfrm>
+            <a:off x="11223806" y="6477000"/>
+            <a:ext cx="3986392" cy="476505"/>
+          </a:xfrm>
+          <a:prstGeom prst="rect">
+            <a:avLst/>
+          </a:prstGeom>
+        </p:spPr>
+      </p:pic>
+      <p:pic>
+        <p:nvPicPr>
+          <p:cNvPr id="2050" name="Picture 2049"/>
+          <p:cNvPicPr>
+            <a:picLocks noChangeAspect="1"/>
+          </p:cNvPicPr>
+          <p:nvPr/>
+        </p:nvPicPr>
+        <p:blipFill rotWithShape="1">
+          <a:blip r:embed="rId6"/>
+          <a:srcRect t="5939" b="10907"/>
+          <a:stretch/>
+        </p:blipFill>
+        <p:spPr>
+          <a:xfrm>
+            <a:off x="10972800" y="5029200"/>
+            <a:ext cx="8382000" cy="1005660"/>
+          </a:xfrm>
+          <a:prstGeom prst="rect">
+            <a:avLst/>
+          </a:prstGeom>
+        </p:spPr>
+      </p:pic>
+      <p:graphicFrame>
+        <p:nvGraphicFramePr>
+          <p:cNvPr id="40" name="Table 39"/>
+          <p:cNvGraphicFramePr>
+            <a:graphicFrameLocks noGrp="1"/>
+          </p:cNvGraphicFramePr>
+          <p:nvPr>
+            <p:extLst>
+              <p:ext uri="{D42A27DB-BD31-4B8C-83A1-F6EECF244321}">
+                <p14:modId xmlns:p14="http://schemas.microsoft.com/office/powerpoint/2010/main" val="2043003777"/>
+              </p:ext>
+            </p:extLst>
+          </p:nvPr>
+        </p:nvGraphicFramePr>
+        <p:xfrm>
+          <a:off x="20802600" y="3886200"/>
+          <a:ext cx="11353800" cy="12344400"/>
+        </p:xfrm>
+        <a:graphic>
+          <a:graphicData uri="http://schemas.openxmlformats.org/drawingml/2006/table">
+            <a:tbl>
+              <a:tblPr firstRow="1" bandRow="1">
+                <a:tableStyleId>{5C22544A-7EE6-4342-B048-85BDC9FD1C3A}</a:tableStyleId>
+              </a:tblPr>
+              <a:tblGrid>
+                <a:gridCol w="11353800">
+                  <a:extLst>
+                    <a:ext uri="{9D8B030D-6E8A-4147-A177-3AD203B41FA5}">
+                      <a16:colId xmlns:a16="http://schemas.microsoft.com/office/drawing/2014/main" val="4214904625"/>
+                    </a:ext>
+                  </a:extLst>
+                </a:gridCol>
+              </a:tblGrid>
+              <a:tr h="1548862">
+                <a:tc>
+                  <a:txBody>
+                    <a:bodyPr/>
+                    <a:lstStyle/>
+                    <a:p>
+                      <a:pPr algn="ctr"/>
+                      <a:r>
+                        <a:rPr lang="en-US" sz="3600" dirty="0"/>
+                        <a:t>Results</a:t>
+                      </a:r>
+                    </a:p>
+                  </a:txBody>
+                  <a:tcPr>
+                    <a:lnL w="12700" cmpd="sng">
+                      <a:noFill/>
+                    </a:lnL>
+                    <a:lnR w="12700" cmpd="sng">
+                      <a:noFill/>
+                    </a:lnR>
+                    <a:lnT w="12700" cmpd="sng">
+                      <a:noFill/>
+                    </a:lnT>
+                    <a:lnB w="12700" cap="flat" cmpd="sng" algn="ctr">
+                      <a:solidFill>
+                        <a:schemeClr val="tx1"/>
+                      </a:solidFill>
+                      <a:prstDash val="solid"/>
+                      <a:round/>
+                      <a:headEnd type="none" w="med" len="med"/>
+                      <a:tailEnd type="none" w="med" len="med"/>
+                    </a:lnB>
+                    <a:lnTlToBr w="12700" cmpd="sng">
+                      <a:noFill/>
+                      <a:prstDash val="solid"/>
+                    </a:lnTlToBr>
+                    <a:lnBlToTr w="12700" cmpd="sng">
+                      <a:noFill/>
+                      <a:prstDash val="solid"/>
+                    </a:lnBlToTr>
+                    <a:solidFill>
+                      <a:srgbClr val="C00000"/>
+                    </a:solidFill>
+                  </a:tcPr>
+                </a:tc>
+                <a:extLst>
+                  <a:ext uri="{0D108BD9-81ED-4DB2-BD59-A6C34878D82A}">
+                    <a16:rowId xmlns:a16="http://schemas.microsoft.com/office/drawing/2014/main" val="486491692"/>
+                  </a:ext>
+                </a:extLst>
+              </a:tr>
+              <a:tr h="10795538">
+                <a:tc>
+                  <a:txBody>
+                    <a:bodyPr/>
+                    <a:lstStyle/>
+                    <a:p>
+                      <a:pPr marL="0" indent="0">
+                        <a:buFont typeface="Arial" panose="020B0604020202020204" pitchFamily="34" charset="0"/>
+                        <a:buNone/>
+                      </a:pPr>
+                      <a:r>
+                        <a:rPr lang="en-US" sz="3000" dirty="0">
+                          <a:solidFill>
+                            <a:schemeClr val="tx1"/>
+                          </a:solidFill>
+                        </a:rPr>
+                        <a:t>// TABLE</a:t>
+                      </a:r>
+                      <a:r>
+                        <a:rPr lang="en-US" sz="3000" baseline="0" dirty="0">
+                          <a:solidFill>
+                            <a:schemeClr val="tx1"/>
+                          </a:solidFill>
+                        </a:rPr>
+                        <a:t> of test/training metrics</a:t>
+                      </a:r>
+                    </a:p>
+                    <a:p>
+                      <a:pPr marL="0" indent="0">
+                        <a:buFont typeface="Arial" panose="020B0604020202020204" pitchFamily="34" charset="0"/>
+                        <a:buNone/>
+                      </a:pPr>
+                      <a:r>
+                        <a:rPr lang="en-US" sz="3000" baseline="0" dirty="0">
+                          <a:solidFill>
+                            <a:schemeClr val="tx1"/>
+                          </a:solidFill>
+                        </a:rPr>
+                        <a:t>// feature selection results</a:t>
+                      </a:r>
+                    </a:p>
+                    <a:p>
+                      <a:pPr marL="0" indent="0">
+                        <a:buFont typeface="Arial" panose="020B0604020202020204" pitchFamily="34" charset="0"/>
+                        <a:buNone/>
+                      </a:pPr>
+                      <a:r>
+                        <a:rPr lang="en-US" sz="3000" baseline="0" dirty="0">
+                          <a:solidFill>
+                            <a:schemeClr val="tx1"/>
+                          </a:solidFill>
+                        </a:rPr>
+                        <a:t>// confusion matrix</a:t>
+                      </a:r>
+                      <a:endParaRPr lang="en-US" sz="3000" dirty="0">
+                        <a:solidFill>
+                          <a:schemeClr val="tx1"/>
+                        </a:solidFill>
+                      </a:endParaRPr>
+                    </a:p>
+                  </a:txBody>
+                  <a:tcPr>
+                    <a:lnL w="12700" cap="flat" cmpd="sng" algn="ctr">
+                      <a:solidFill>
+                        <a:schemeClr val="tx1"/>
+                      </a:solidFill>
+                      <a:prstDash val="solid"/>
+                      <a:round/>
+                      <a:headEnd type="none" w="med" len="med"/>
+                      <a:tailEnd type="none" w="med" len="med"/>
+                    </a:lnL>
+                    <a:lnR w="12700" cap="flat" cmpd="sng" algn="ctr">
+                      <a:solidFill>
+                        <a:schemeClr val="tx1"/>
+                      </a:solidFill>
+                      <a:prstDash val="solid"/>
+                      <a:round/>
+                      <a:headEnd type="none" w="med" len="med"/>
+                      <a:tailEnd type="none" w="med" len="med"/>
+                    </a:lnR>
+                    <a:lnT w="12700" cap="flat" cmpd="sng" algn="ctr">
+                      <a:solidFill>
+                        <a:schemeClr val="tx1"/>
+                      </a:solidFill>
+                      <a:prstDash val="solid"/>
+                      <a:round/>
+                      <a:headEnd type="none" w="med" len="med"/>
+                      <a:tailEnd type="none" w="med" len="med"/>
+                    </a:lnT>
+                    <a:lnB w="12700" cap="flat" cmpd="sng" algn="ctr">
+                      <a:solidFill>
+                        <a:schemeClr val="tx1"/>
+                      </a:solidFill>
+                      <a:prstDash val="solid"/>
+                      <a:round/>
+                      <a:headEnd type="none" w="med" len="med"/>
+                      <a:tailEnd type="none" w="med" len="med"/>
+                    </a:lnB>
+                    <a:lnTlToBr w="12700" cmpd="sng">
+                      <a:noFill/>
+                      <a:prstDash val="solid"/>
+                    </a:lnTlToBr>
+                    <a:lnBlToTr w="12700" cmpd="sng">
+                      <a:noFill/>
+                      <a:prstDash val="solid"/>
+                    </a:lnBlToTr>
+                    <a:solidFill>
+                      <a:schemeClr val="bg1"/>
+                    </a:solidFill>
+                  </a:tcPr>
+                </a:tc>
+                <a:extLst>
+                  <a:ext uri="{0D108BD9-81ED-4DB2-BD59-A6C34878D82A}">
+                    <a16:rowId xmlns:a16="http://schemas.microsoft.com/office/drawing/2014/main" val="2249248458"/>
+                  </a:ext>
+                </a:extLst>
+              </a:tr>
+            </a:tbl>
+          </a:graphicData>
+        </a:graphic>
+      </p:graphicFrame>
+      <p:graphicFrame>
+        <p:nvGraphicFramePr>
+          <p:cNvPr id="41" name="Table 40"/>
+          <p:cNvGraphicFramePr>
+            <a:graphicFrameLocks noGrp="1"/>
+          </p:cNvGraphicFramePr>
+          <p:nvPr>
+            <p:extLst>
+              <p:ext uri="{D42A27DB-BD31-4B8C-83A1-F6EECF244321}">
+                <p14:modId xmlns:p14="http://schemas.microsoft.com/office/powerpoint/2010/main" val="3578768761"/>
+              </p:ext>
+            </p:extLst>
+          </p:nvPr>
+        </p:nvGraphicFramePr>
+        <p:xfrm>
+          <a:off x="10706100" y="9996558"/>
+          <a:ext cx="9563100" cy="11724087"/>
+        </p:xfrm>
+        <a:graphic>
+          <a:graphicData uri="http://schemas.openxmlformats.org/drawingml/2006/table">
+            <a:tbl>
+              <a:tblPr firstRow="1" bandRow="1">
+                <a:tableStyleId>{5C22544A-7EE6-4342-B048-85BDC9FD1C3A}</a:tableStyleId>
+              </a:tblPr>
+              <a:tblGrid>
+                <a:gridCol w="9563100">
+                  <a:extLst>
+                    <a:ext uri="{9D8B030D-6E8A-4147-A177-3AD203B41FA5}">
+                      <a16:colId xmlns:a16="http://schemas.microsoft.com/office/drawing/2014/main" val="4214904625"/>
+                    </a:ext>
+                  </a:extLst>
+                </a:gridCol>
+              </a:tblGrid>
+              <a:tr h="873207">
+                <a:tc>
+                  <a:txBody>
+                    <a:bodyPr/>
+                    <a:lstStyle/>
+                    <a:p>
+                      <a:pPr algn="ctr"/>
+                      <a:r>
+                        <a:rPr lang="en-US" sz="3600" dirty="0"/>
+                        <a:t>Discussion</a:t>
+                      </a:r>
+                    </a:p>
+                  </a:txBody>
+                  <a:tcPr>
+                    <a:lnL w="12700" cmpd="sng">
+                      <a:noFill/>
+                    </a:lnL>
+                    <a:lnR w="12700" cmpd="sng">
+                      <a:noFill/>
+                    </a:lnR>
+                    <a:lnT w="12700" cmpd="sng">
+                      <a:noFill/>
+                    </a:lnT>
+                    <a:lnB w="12700" cap="flat" cmpd="sng" algn="ctr">
+                      <a:solidFill>
+                        <a:schemeClr val="tx1"/>
+                      </a:solidFill>
+                      <a:prstDash val="solid"/>
+                      <a:round/>
+                      <a:headEnd type="none" w="med" len="med"/>
+                      <a:tailEnd type="none" w="med" len="med"/>
+                    </a:lnB>
+                    <a:lnTlToBr w="12700" cmpd="sng">
+                      <a:noFill/>
+                      <a:prstDash val="solid"/>
+                    </a:lnTlToBr>
+                    <a:lnBlToTr w="12700" cmpd="sng">
+                      <a:noFill/>
+                      <a:prstDash val="solid"/>
+                    </a:lnBlToTr>
+                    <a:solidFill>
+                      <a:srgbClr val="C00000"/>
+                    </a:solidFill>
+                  </a:tcPr>
+                </a:tc>
+                <a:extLst>
+                  <a:ext uri="{0D108BD9-81ED-4DB2-BD59-A6C34878D82A}">
+                    <a16:rowId xmlns:a16="http://schemas.microsoft.com/office/drawing/2014/main" val="486491692"/>
+                  </a:ext>
+                </a:extLst>
+              </a:tr>
+              <a:tr h="10850880">
+                <a:tc>
+                  <a:txBody>
+                    <a:bodyPr/>
+                    <a:lstStyle/>
+                    <a:p>
+                      <a:pPr marL="457200" indent="-457200">
+                        <a:buFont typeface="Arial" panose="020B0604020202020204" pitchFamily="34" charset="0"/>
+                        <a:buChar char="•"/>
+                      </a:pPr>
+                      <a:endParaRPr lang="en-US" sz="3200" dirty="0"/>
+                    </a:p>
+                    <a:p>
+                      <a:pPr marL="457200" indent="-457200">
+                        <a:buFont typeface="Arial" panose="020B0604020202020204" pitchFamily="34" charset="0"/>
+                        <a:buChar char="•"/>
+                      </a:pPr>
+                      <a:endParaRPr lang="en-US" sz="3200" dirty="0"/>
+                    </a:p>
+                    <a:p>
+                      <a:pPr marL="457200" indent="-457200">
+                        <a:buFont typeface="Arial" panose="020B0604020202020204" pitchFamily="34" charset="0"/>
+                        <a:buChar char="•"/>
+                      </a:pPr>
+                      <a:endParaRPr lang="en-US" sz="3200" dirty="0"/>
+                    </a:p>
+                    <a:p>
+                      <a:pPr marL="0" indent="0">
+                        <a:buFont typeface="Arial" panose="020B0604020202020204" pitchFamily="34" charset="0"/>
+                        <a:buNone/>
+                      </a:pPr>
+                      <a:br>
+                        <a:rPr lang="en-US" sz="3200" dirty="0"/>
+                      </a:br>
+                      <a:br>
+                        <a:rPr lang="en-US" sz="3200" dirty="0"/>
+                      </a:br>
+                      <a:endParaRPr lang="en-US" sz="3200" dirty="0"/>
+                    </a:p>
+                    <a:p>
+                      <a:pPr marL="457200" indent="-457200">
+                        <a:buFont typeface="Arial" panose="020B0604020202020204" pitchFamily="34" charset="0"/>
+                        <a:buChar char="•"/>
+                      </a:pPr>
+                      <a:endParaRPr lang="en-US" sz="3200" dirty="0"/>
+                    </a:p>
+                    <a:p>
+                      <a:pPr marL="457200" indent="-457200">
+                        <a:buFont typeface="Arial" panose="020B0604020202020204" pitchFamily="34" charset="0"/>
+                        <a:buChar char="•"/>
+                      </a:pPr>
+                      <a:r>
+                        <a:rPr lang="en-US" sz="3000" dirty="0"/>
+                        <a:t>Could predict </a:t>
+                      </a:r>
+                      <a:r>
+                        <a:rPr lang="en-US" sz="3000" dirty="0" err="1"/>
+                        <a:t>consortship</a:t>
+                      </a:r>
+                      <a:r>
+                        <a:rPr lang="en-US" sz="3000" dirty="0"/>
+                        <a:t> to some extent, but high false positive rate, even after trying to account for data imbalance </a:t>
+                      </a:r>
+                    </a:p>
+                    <a:p>
+                      <a:pPr marL="457200" indent="-457200">
+                        <a:buFont typeface="Arial" panose="020B0604020202020204" pitchFamily="34" charset="0"/>
+                        <a:buChar char="•"/>
+                      </a:pPr>
+                      <a:r>
+                        <a:rPr lang="en-US" sz="3000" dirty="0"/>
+                        <a:t>Both social and genetic factors contribute to models - Difficult to cluster non-consorting pairs. Clusters of consorting pairs included</a:t>
+                      </a:r>
+                      <a:r>
+                        <a:rPr lang="en-US" sz="3000"/>
+                        <a:t>: &lt;&lt;&lt;&lt;&lt;TODO&gt;&gt;&gt;&gt;&gt;</a:t>
+                      </a:r>
+                      <a:endParaRPr lang="en-US" sz="3000" dirty="0"/>
+                    </a:p>
+                    <a:p>
+                      <a:pPr marL="457200" indent="-457200">
+                        <a:buFont typeface="Arial" panose="020B0604020202020204" pitchFamily="34" charset="0"/>
+                        <a:buChar char="•"/>
+                      </a:pPr>
+                      <a:r>
+                        <a:rPr lang="en-US" sz="3000" dirty="0"/>
+                        <a:t> </a:t>
+                      </a:r>
+                      <a:r>
+                        <a:rPr lang="en-US" sz="3000" dirty="0" err="1"/>
+                        <a:t>AdaBoosting</a:t>
+                      </a:r>
+                      <a:r>
+                        <a:rPr lang="en-US" sz="3000" dirty="0"/>
+                        <a:t>: female hybrid score, male genetic diversity, female age, male rank, males present - Gaussian SVM: male/female hybrid scores, male/female genetic diversity, female age, male/female rank, males present, females present - No gains from using researcher-added transformed features from initial dataset</a:t>
+                      </a:r>
+                    </a:p>
+                    <a:p>
+                      <a:pPr marL="457200" indent="-457200">
+                        <a:buFont typeface="Arial" panose="020B0604020202020204" pitchFamily="34" charset="0"/>
+                        <a:buChar char="•"/>
+                      </a:pPr>
+                      <a:r>
+                        <a:rPr lang="en-US" sz="3000" dirty="0"/>
+                        <a:t>Graphical features helped marginally </a:t>
+                      </a:r>
+                    </a:p>
+                    <a:p>
+                      <a:pPr marL="457200" indent="-457200">
+                        <a:buFont typeface="Arial" panose="020B0604020202020204" pitchFamily="34" charset="0"/>
+                        <a:buChar char="•"/>
+                      </a:pPr>
+                      <a:r>
+                        <a:rPr lang="en-US" sz="3000" dirty="0"/>
+                        <a:t> Relationships in social mammals are messy, even machine learning can only do so much</a:t>
+                      </a:r>
+                      <a:endParaRPr lang="en-US" sz="3000" dirty="0">
+                        <a:solidFill>
+                          <a:schemeClr val="tx1"/>
+                        </a:solidFill>
+                      </a:endParaRPr>
+                    </a:p>
+                  </a:txBody>
+                  <a:tcPr>
+                    <a:lnL w="12700" cap="flat" cmpd="sng" algn="ctr">
+                      <a:solidFill>
+                        <a:schemeClr val="tx1"/>
+                      </a:solidFill>
+                      <a:prstDash val="solid"/>
+                      <a:round/>
+                      <a:headEnd type="none" w="med" len="med"/>
+                      <a:tailEnd type="none" w="med" len="med"/>
+                    </a:lnL>
+                    <a:lnR w="12700" cap="flat" cmpd="sng" algn="ctr">
+                      <a:solidFill>
+                        <a:schemeClr val="tx1"/>
+                      </a:solidFill>
+                      <a:prstDash val="solid"/>
+                      <a:round/>
+                      <a:headEnd type="none" w="med" len="med"/>
+                      <a:tailEnd type="none" w="med" len="med"/>
+                    </a:lnR>
+                    <a:lnT w="12700" cap="flat" cmpd="sng" algn="ctr">
+                      <a:solidFill>
+                        <a:schemeClr val="tx1"/>
+                      </a:solidFill>
+                      <a:prstDash val="solid"/>
+                      <a:round/>
+                      <a:headEnd type="none" w="med" len="med"/>
+                      <a:tailEnd type="none" w="med" len="med"/>
+                    </a:lnT>
+                    <a:lnB w="12700" cap="flat" cmpd="sng" algn="ctr">
+                      <a:solidFill>
+                        <a:schemeClr val="tx1"/>
+                      </a:solidFill>
+                      <a:prstDash val="solid"/>
+                      <a:round/>
+                      <a:headEnd type="none" w="med" len="med"/>
+                      <a:tailEnd type="none" w="med" len="med"/>
+                    </a:lnB>
+                    <a:lnTlToBr w="12700" cmpd="sng">
+                      <a:noFill/>
+                      <a:prstDash val="solid"/>
+                    </a:lnTlToBr>
+                    <a:lnBlToTr w="12700" cmpd="sng">
+                      <a:noFill/>
+                      <a:prstDash val="solid"/>
+                    </a:lnBlToTr>
+                    <a:solidFill>
+                      <a:schemeClr val="bg1"/>
+                    </a:solidFill>
+                  </a:tcPr>
+                </a:tc>
+                <a:extLst>
+                  <a:ext uri="{0D108BD9-81ED-4DB2-BD59-A6C34878D82A}">
+                    <a16:rowId xmlns:a16="http://schemas.microsoft.com/office/drawing/2014/main" val="2249248458"/>
+                  </a:ext>
+                </a:extLst>
+              </a:tr>
+            </a:tbl>
+          </a:graphicData>
+        </a:graphic>
+      </p:graphicFrame>
+      <p:graphicFrame>
+        <p:nvGraphicFramePr>
+          <p:cNvPr id="43" name="Table 42"/>
+          <p:cNvGraphicFramePr>
+            <a:graphicFrameLocks noGrp="1"/>
+          </p:cNvGraphicFramePr>
+          <p:nvPr>
+            <p:extLst>
+              <p:ext uri="{D42A27DB-BD31-4B8C-83A1-F6EECF244321}">
+                <p14:modId xmlns:p14="http://schemas.microsoft.com/office/powerpoint/2010/main" val="1907380872"/>
+              </p:ext>
+            </p:extLst>
+          </p:nvPr>
+        </p:nvGraphicFramePr>
+        <p:xfrm>
+          <a:off x="20820743" y="16306800"/>
+          <a:ext cx="11353800" cy="2682240"/>
+        </p:xfrm>
+        <a:graphic>
+          <a:graphicData uri="http://schemas.openxmlformats.org/drawingml/2006/table">
+            <a:tbl>
+              <a:tblPr firstRow="1" bandRow="1">
+                <a:tableStyleId>{5C22544A-7EE6-4342-B048-85BDC9FD1C3A}</a:tableStyleId>
+              </a:tblPr>
+              <a:tblGrid>
+                <a:gridCol w="11353800">
+                  <a:extLst>
+                    <a:ext uri="{9D8B030D-6E8A-4147-A177-3AD203B41FA5}">
+                      <a16:colId xmlns:a16="http://schemas.microsoft.com/office/drawing/2014/main" val="4214904625"/>
+                    </a:ext>
+                  </a:extLst>
+                </a:gridCol>
+              </a:tblGrid>
+              <a:tr h="640080">
+                <a:tc>
+                  <a:txBody>
+                    <a:bodyPr/>
+                    <a:lstStyle/>
+                    <a:p>
+                      <a:pPr algn="ctr"/>
+                      <a:r>
+                        <a:rPr lang="en-US" sz="3000" dirty="0"/>
+                        <a:t>Future Work</a:t>
+                      </a:r>
+                    </a:p>
+                  </a:txBody>
+                  <a:tcPr>
+                    <a:lnL w="12700" cmpd="sng">
+                      <a:noFill/>
+                    </a:lnL>
+                    <a:lnR w="12700" cmpd="sng">
+                      <a:noFill/>
+                    </a:lnR>
+                    <a:lnT w="12700" cmpd="sng">
+                      <a:noFill/>
+                    </a:lnT>
+                    <a:lnB w="12700" cap="flat" cmpd="sng" algn="ctr">
+                      <a:solidFill>
+                        <a:schemeClr val="tx1"/>
+                      </a:solidFill>
+                      <a:prstDash val="solid"/>
+                      <a:round/>
+                      <a:headEnd type="none" w="med" len="med"/>
+                      <a:tailEnd type="none" w="med" len="med"/>
+                    </a:lnB>
+                    <a:lnTlToBr w="12700" cmpd="sng">
+                      <a:noFill/>
+                      <a:prstDash val="solid"/>
+                    </a:lnTlToBr>
+                    <a:lnBlToTr w="12700" cmpd="sng">
+                      <a:noFill/>
+                      <a:prstDash val="solid"/>
+                    </a:lnBlToTr>
+                    <a:solidFill>
+                      <a:srgbClr val="C00000"/>
+                    </a:solidFill>
+                  </a:tcPr>
+                </a:tc>
+                <a:extLst>
+                  <a:ext uri="{0D108BD9-81ED-4DB2-BD59-A6C34878D82A}">
+                    <a16:rowId xmlns:a16="http://schemas.microsoft.com/office/drawing/2014/main" val="486491692"/>
+                  </a:ext>
+                </a:extLst>
+              </a:tr>
+              <a:tr h="2042160">
+                <a:tc>
+                  <a:txBody>
+                    <a:bodyPr/>
+                    <a:lstStyle/>
+                    <a:p>
+                      <a:pPr marL="457200" indent="-457200">
+                        <a:buFont typeface="Arial" panose="020B0604020202020204" pitchFamily="34" charset="0"/>
+                        <a:buChar char="•"/>
+                      </a:pPr>
+                      <a:r>
+                        <a:rPr lang="en-US" sz="3000" dirty="0"/>
+                        <a:t>Model groups separately</a:t>
+                      </a:r>
+                    </a:p>
+                    <a:p>
+                      <a:pPr marL="457200" indent="-457200">
+                        <a:buFont typeface="Arial" panose="020B0604020202020204" pitchFamily="34" charset="0"/>
+                        <a:buChar char="•"/>
+                      </a:pPr>
+                      <a:r>
+                        <a:rPr lang="en-US" sz="3000" dirty="0"/>
+                        <a:t>Continue to investigate graphical methods and other ways to augment features for existing dataset</a:t>
+                      </a:r>
+                    </a:p>
+                    <a:p>
+                      <a:pPr marL="457200" indent="-457200">
+                        <a:buFont typeface="Arial" panose="020B0604020202020204" pitchFamily="34" charset="0"/>
+                        <a:buChar char="•"/>
+                      </a:pPr>
+                      <a:r>
+                        <a:rPr lang="en-US" sz="3000" dirty="0"/>
+                        <a:t>Find or generate a larger dataset with additional features</a:t>
+                      </a:r>
+                      <a:endParaRPr lang="en-US" sz="3000" dirty="0">
+                        <a:solidFill>
+                          <a:schemeClr val="tx1"/>
+                        </a:solidFill>
+                      </a:endParaRPr>
+                    </a:p>
+                  </a:txBody>
+                  <a:tcPr>
+                    <a:lnL w="12700" cap="flat" cmpd="sng" algn="ctr">
+                      <a:solidFill>
+                        <a:schemeClr val="tx1"/>
+                      </a:solidFill>
+                      <a:prstDash val="solid"/>
+                      <a:round/>
+                      <a:headEnd type="none" w="med" len="med"/>
+                      <a:tailEnd type="none" w="med" len="med"/>
+                    </a:lnL>
+                    <a:lnR w="12700" cap="flat" cmpd="sng" algn="ctr">
+                      <a:solidFill>
+                        <a:schemeClr val="tx1"/>
+                      </a:solidFill>
+                      <a:prstDash val="solid"/>
+                      <a:round/>
+                      <a:headEnd type="none" w="med" len="med"/>
+                      <a:tailEnd type="none" w="med" len="med"/>
+                    </a:lnR>
+                    <a:lnT w="12700" cap="flat" cmpd="sng" algn="ctr">
+                      <a:solidFill>
+                        <a:schemeClr val="tx1"/>
+                      </a:solidFill>
+                      <a:prstDash val="solid"/>
+                      <a:round/>
+                      <a:headEnd type="none" w="med" len="med"/>
+                      <a:tailEnd type="none" w="med" len="med"/>
+                    </a:lnT>
+                    <a:lnB w="12700" cap="flat" cmpd="sng" algn="ctr">
+                      <a:solidFill>
+                        <a:schemeClr val="tx1"/>
+                      </a:solidFill>
+                      <a:prstDash val="solid"/>
+                      <a:round/>
+                      <a:headEnd type="none" w="med" len="med"/>
+                      <a:tailEnd type="none" w="med" len="med"/>
+                    </a:lnB>
+                    <a:lnTlToBr w="12700" cmpd="sng">
+                      <a:noFill/>
+                      <a:prstDash val="solid"/>
+                    </a:lnTlToBr>
+                    <a:lnBlToTr w="12700" cmpd="sng">
+                      <a:noFill/>
+                      <a:prstDash val="solid"/>
+                    </a:lnBlToTr>
+                    <a:solidFill>
+                      <a:schemeClr val="bg1"/>
+                    </a:solidFill>
+                  </a:tcPr>
+                </a:tc>
+                <a:extLst>
+                  <a:ext uri="{0D108BD9-81ED-4DB2-BD59-A6C34878D82A}">
+                    <a16:rowId xmlns:a16="http://schemas.microsoft.com/office/drawing/2014/main" val="2249248458"/>
+                  </a:ext>
+                </a:extLst>
+              </a:tr>
+            </a:tbl>
+          </a:graphicData>
+        </a:graphic>
+      </p:graphicFrame>
+      <p:graphicFrame>
+        <p:nvGraphicFramePr>
+          <p:cNvPr id="44" name="Table 43"/>
+          <p:cNvGraphicFramePr>
+            <a:graphicFrameLocks noGrp="1"/>
+          </p:cNvGraphicFramePr>
+          <p:nvPr>
+            <p:extLst>
+              <p:ext uri="{D42A27DB-BD31-4B8C-83A1-F6EECF244321}">
+                <p14:modId xmlns:p14="http://schemas.microsoft.com/office/powerpoint/2010/main" val="1980443336"/>
+              </p:ext>
+            </p:extLst>
+          </p:nvPr>
+        </p:nvGraphicFramePr>
+        <p:xfrm>
+          <a:off x="20791714" y="19202400"/>
+          <a:ext cx="11353800" cy="2517938"/>
+        </p:xfrm>
+        <a:graphic>
+          <a:graphicData uri="http://schemas.openxmlformats.org/drawingml/2006/table">
+            <a:tbl>
+              <a:tblPr firstRow="1" bandRow="1">
+                <a:tableStyleId>{5C22544A-7EE6-4342-B048-85BDC9FD1C3A}</a:tableStyleId>
+              </a:tblPr>
+              <a:tblGrid>
+                <a:gridCol w="11353800">
+                  <a:extLst>
+                    <a:ext uri="{9D8B030D-6E8A-4147-A177-3AD203B41FA5}">
+                      <a16:colId xmlns:a16="http://schemas.microsoft.com/office/drawing/2014/main" val="4214904625"/>
+                    </a:ext>
+                  </a:extLst>
+                </a:gridCol>
+              </a:tblGrid>
+              <a:tr h="640080">
+                <a:tc>
+                  <a:txBody>
+                    <a:bodyPr/>
+                    <a:lstStyle/>
+                    <a:p>
+                      <a:pPr algn="ctr"/>
+                      <a:r>
+                        <a:rPr lang="en-US" sz="3600" dirty="0"/>
+                        <a:t>References</a:t>
+                      </a:r>
+                    </a:p>
+                  </a:txBody>
+                  <a:tcPr>
+                    <a:lnL w="12700" cmpd="sng">
+                      <a:noFill/>
+                    </a:lnL>
+                    <a:lnR w="12700" cmpd="sng">
+                      <a:noFill/>
+                    </a:lnR>
+                    <a:lnT w="12700" cmpd="sng">
+                      <a:noFill/>
+                    </a:lnT>
+                    <a:lnB w="12700" cap="flat" cmpd="sng" algn="ctr">
+                      <a:solidFill>
+                        <a:schemeClr val="tx1"/>
+                      </a:solidFill>
+                      <a:prstDash val="solid"/>
+                      <a:round/>
+                      <a:headEnd type="none" w="med" len="med"/>
+                      <a:tailEnd type="none" w="med" len="med"/>
+                    </a:lnB>
+                    <a:lnTlToBr w="12700" cmpd="sng">
+                      <a:noFill/>
+                      <a:prstDash val="solid"/>
+                    </a:lnTlToBr>
+                    <a:lnBlToTr w="12700" cmpd="sng">
+                      <a:noFill/>
+                      <a:prstDash val="solid"/>
+                    </a:lnBlToTr>
+                    <a:solidFill>
+                      <a:srgbClr val="C00000"/>
+                    </a:solidFill>
+                  </a:tcPr>
+                </a:tc>
+                <a:extLst>
+                  <a:ext uri="{0D108BD9-81ED-4DB2-BD59-A6C34878D82A}">
+                    <a16:rowId xmlns:a16="http://schemas.microsoft.com/office/drawing/2014/main" val="486491692"/>
+                  </a:ext>
+                </a:extLst>
+              </a:tr>
+              <a:tr h="1877858">
+                <a:tc>
+                  <a:txBody>
+                    <a:bodyPr/>
+                    <a:lstStyle/>
+                    <a:p>
+                      <a:pPr marL="0" indent="0">
+                        <a:buFont typeface="Arial" panose="020B0604020202020204" pitchFamily="34" charset="0"/>
+                        <a:buNone/>
+                      </a:pPr>
+                      <a:r>
+                        <a:rPr lang="en-US" sz="2500" dirty="0"/>
+                        <a:t>Jenny Tung, Marie J. E. </a:t>
+                      </a:r>
+                      <a:r>
+                        <a:rPr lang="en-US" sz="2500" dirty="0" err="1"/>
+                        <a:t>Charpentier</a:t>
+                      </a:r>
+                      <a:r>
+                        <a:rPr lang="en-US" sz="2500" dirty="0"/>
+                        <a:t>, </a:t>
+                      </a:r>
+                      <a:r>
+                        <a:rPr lang="en-US" sz="2500" dirty="0" err="1"/>
+                        <a:t>Sayan</a:t>
+                      </a:r>
+                      <a:r>
+                        <a:rPr lang="en-US" sz="2500" dirty="0"/>
+                        <a:t> Mukherjee, Jeanne </a:t>
+                      </a:r>
+                      <a:r>
+                        <a:rPr lang="en-US" sz="2500" dirty="0" err="1"/>
+                        <a:t>Altmann</a:t>
+                      </a:r>
+                      <a:r>
+                        <a:rPr lang="en-US" sz="2500" dirty="0"/>
+                        <a:t>, and Susan C. Alberts (2012) Genetic Effects on Mating Success and Partner Choice in a Social Mammal. The American Naturalist, 2012 180:1, 113--129.</a:t>
+                      </a:r>
+                      <a:endParaRPr lang="en-US" sz="2500" dirty="0">
+                        <a:solidFill>
+                          <a:schemeClr val="tx1"/>
+                        </a:solidFill>
+                      </a:endParaRPr>
+                    </a:p>
+                  </a:txBody>
+                  <a:tcPr>
+                    <a:lnL w="12700" cap="flat" cmpd="sng" algn="ctr">
+                      <a:solidFill>
+                        <a:schemeClr val="tx1"/>
+                      </a:solidFill>
+                      <a:prstDash val="solid"/>
+                      <a:round/>
+                      <a:headEnd type="none" w="med" len="med"/>
+                      <a:tailEnd type="none" w="med" len="med"/>
+                    </a:lnL>
+                    <a:lnR w="12700" cap="flat" cmpd="sng" algn="ctr">
+                      <a:solidFill>
+                        <a:schemeClr val="tx1"/>
+                      </a:solidFill>
+                      <a:prstDash val="solid"/>
+                      <a:round/>
+                      <a:headEnd type="none" w="med" len="med"/>
+                      <a:tailEnd type="none" w="med" len="med"/>
+                    </a:lnR>
+                    <a:lnT w="12700" cap="flat" cmpd="sng" algn="ctr">
+                      <a:solidFill>
+                        <a:schemeClr val="tx1"/>
+                      </a:solidFill>
+                      <a:prstDash val="solid"/>
+                      <a:round/>
+                      <a:headEnd type="none" w="med" len="med"/>
+                      <a:tailEnd type="none" w="med" len="med"/>
+                    </a:lnT>
+                    <a:lnB w="12700" cap="flat" cmpd="sng" algn="ctr">
+                      <a:solidFill>
+                        <a:schemeClr val="tx1"/>
+                      </a:solidFill>
+                      <a:prstDash val="solid"/>
+                      <a:round/>
+                      <a:headEnd type="none" w="med" len="med"/>
+                      <a:tailEnd type="none" w="med" len="med"/>
+                    </a:lnB>
+                    <a:lnTlToBr w="12700" cmpd="sng">
+                      <a:noFill/>
+                      <a:prstDash val="solid"/>
+                    </a:lnTlToBr>
+                    <a:lnBlToTr w="12700" cmpd="sng">
+                      <a:noFill/>
+                      <a:prstDash val="solid"/>
+                    </a:lnBlToTr>
+                    <a:solidFill>
+                      <a:schemeClr val="bg1"/>
+                    </a:solidFill>
+                  </a:tcPr>
+                </a:tc>
+                <a:extLst>
+                  <a:ext uri="{0D108BD9-81ED-4DB2-BD59-A6C34878D82A}">
+                    <a16:rowId xmlns:a16="http://schemas.microsoft.com/office/drawing/2014/main" val="2249248458"/>
+                  </a:ext>
+                </a:extLst>
+              </a:tr>
+            </a:tbl>
+          </a:graphicData>
+        </a:graphic>
+      </p:graphicFrame>
+      <p:pic>
+        <p:nvPicPr>
+          <p:cNvPr id="46" name="Picture 45"/>
+          <p:cNvPicPr>
+            <a:picLocks noChangeAspect="1"/>
+          </p:cNvPicPr>
+          <p:nvPr/>
+        </p:nvPicPr>
+        <p:blipFill rotWithShape="1">
+          <a:blip r:embed="rId5">
+            <a:extLst>
+              <a:ext uri="{28A0092B-C50C-407E-A947-70E740481C1C}">
+                <a14:useLocalDpi xmlns:a14="http://schemas.microsoft.com/office/drawing/2010/main" val="0"/>
+              </a:ext>
+            </a:extLst>
+          </a:blip>
+          <a:srcRect l="11620" t="31928" r="18100" b="30017"/>
+          <a:stretch/>
+        </p:blipFill>
+        <p:spPr>
+          <a:xfrm>
+            <a:off x="15383352" y="6344204"/>
+            <a:ext cx="2989568" cy="970996"/>
+          </a:xfrm>
+          <a:prstGeom prst="rect">
+            <a:avLst/>
+          </a:prstGeom>
+        </p:spPr>
+      </p:pic>
+      <p:pic>
+        <p:nvPicPr>
+          <p:cNvPr id="47" name="Picture 46"/>
+          <p:cNvPicPr>
+            <a:picLocks noChangeAspect="1"/>
+          </p:cNvPicPr>
+          <p:nvPr/>
+        </p:nvPicPr>
+        <p:blipFill rotWithShape="1">
+          <a:blip r:embed="rId5">
+            <a:extLst>
+              <a:ext uri="{28A0092B-C50C-407E-A947-70E740481C1C}">
+                <a14:useLocalDpi xmlns:a14="http://schemas.microsoft.com/office/drawing/2010/main" val="0"/>
+              </a:ext>
+            </a:extLst>
+          </a:blip>
+          <a:srcRect l="19054" t="68974" r="26733"/>
+          <a:stretch/>
+        </p:blipFill>
+        <p:spPr>
+          <a:xfrm>
+            <a:off x="11281446" y="6952134"/>
+            <a:ext cx="2167526" cy="744066"/>
+          </a:xfrm>
+          <a:prstGeom prst="rect">
+            <a:avLst/>
+          </a:prstGeom>
+        </p:spPr>
+      </p:pic>
+      <p:pic>
+        <p:nvPicPr>
+          <p:cNvPr id="2052" name="Picture 2051"/>
+          <p:cNvPicPr>
+            <a:picLocks noChangeAspect="1"/>
+          </p:cNvPicPr>
+          <p:nvPr/>
+        </p:nvPicPr>
+        <p:blipFill>
+          <a:blip r:embed="rId7">
+            <a:extLst>
+              <a:ext uri="{28A0092B-C50C-407E-A947-70E740481C1C}">
+                <a14:useLocalDpi xmlns:a14="http://schemas.microsoft.com/office/drawing/2010/main" val="0"/>
+              </a:ext>
+            </a:extLst>
+          </a:blip>
+          <a:stretch>
+            <a:fillRect/>
+          </a:stretch>
+        </p:blipFill>
+        <p:spPr>
+          <a:xfrm>
+            <a:off x="12211050" y="11049000"/>
+            <a:ext cx="6381750" cy="3290469"/>
           </a:xfrm>
           <a:prstGeom prst="rect">
             <a:avLst/>
@@ -3951,4 +6547,299 @@
   <a:objectDefaults/>
   <a:extraClrSchemeLst/>
 </a:theme>
+</file>
+
+<file path=ppt/theme/theme2.xml><?xml version="1.0" encoding="utf-8"?>
+<a:theme xmlns:a="http://schemas.openxmlformats.org/drawingml/2006/main" name="Office Theme">
+  <a:themeElements>
+    <a:clrScheme name="Office">
+      <a:dk1>
+        <a:sysClr val="windowText" lastClr="000000"/>
+      </a:dk1>
+      <a:lt1>
+        <a:sysClr val="window" lastClr="FFFFFF"/>
+      </a:lt1>
+      <a:dk2>
+        <a:srgbClr val="44546A"/>
+      </a:dk2>
+      <a:lt2>
+        <a:srgbClr val="E7E6E6"/>
+      </a:lt2>
+      <a:accent1>
+        <a:srgbClr val="5B9BD5"/>
+      </a:accent1>
+      <a:accent2>
+        <a:srgbClr val="ED7D31"/>
+      </a:accent2>
+      <a:accent3>
+        <a:srgbClr val="A5A5A5"/>
+      </a:accent3>
+      <a:accent4>
+        <a:srgbClr val="FFC000"/>
+      </a:accent4>
+      <a:accent5>
+        <a:srgbClr val="4472C4"/>
+      </a:accent5>
+      <a:accent6>
+        <a:srgbClr val="70AD47"/>
+      </a:accent6>
+      <a:hlink>
+        <a:srgbClr val="0563C1"/>
+      </a:hlink>
+      <a:folHlink>
+        <a:srgbClr val="954F72"/>
+      </a:folHlink>
+    </a:clrScheme>
+    <a:fontScheme name="Office">
+      <a:majorFont>
+        <a:latin typeface="Calibri Light" panose="020F0302020204030204"/>
+        <a:ea typeface=""/>
+        <a:cs typeface=""/>
+        <a:font script="Jpan" typeface="游ゴシック Light"/>
+        <a:font script="Hang" typeface="맑은 고딕"/>
+        <a:font script="Hans" typeface="等线 Light"/>
+        <a:font script="Hant" typeface="新細明體"/>
+        <a:font script="Arab" typeface="Times New Roman"/>
+        <a:font script="Hebr" typeface="Times New Roman"/>
+        <a:font script="Thai" typeface="Angsana New"/>
+        <a:font script="Ethi" typeface="Nyala"/>
+        <a:font script="Beng" typeface="Vrinda"/>
+        <a:font script="Gujr" typeface="Shruti"/>
+        <a:font script="Khmr" typeface="MoolBoran"/>
+        <a:font script="Knda" typeface="Tunga"/>
+        <a:font script="Guru" typeface="Raavi"/>
+        <a:font script="Cans" typeface="Euphemia"/>
+        <a:font script="Cher" typeface="Plantagenet Cherokee"/>
+        <a:font script="Yiii" typeface="Microsoft Yi Baiti"/>
+        <a:font script="Tibt" typeface="Microsoft Himalaya"/>
+        <a:font script="Thaa" typeface="MV Boli"/>
+        <a:font script="Deva" typeface="Mangal"/>
+        <a:font script="Telu" typeface="Gautami"/>
+        <a:font script="Taml" typeface="Latha"/>
+        <a:font script="Syrc" typeface="Estrangelo Edessa"/>
+        <a:font script="Orya" typeface="Kalinga"/>
+        <a:font script="Mlym" typeface="Kartika"/>
+        <a:font script="Laoo" typeface="DokChampa"/>
+        <a:font script="Sinh" typeface="Iskoola Pota"/>
+        <a:font script="Mong" typeface="Mongolian Baiti"/>
+        <a:font script="Viet" typeface="Times New Roman"/>
+        <a:font script="Uigh" typeface="Microsoft Uighur"/>
+        <a:font script="Geor" typeface="Sylfaen"/>
+        <a:font script="Armn" typeface="Arial"/>
+        <a:font script="Bugi" typeface="Leelawadee UI"/>
+        <a:font script="Bopo" typeface="Microsoft JhengHei"/>
+        <a:font script="Java" typeface="Javanese Text"/>
+        <a:font script="Lisu" typeface="Segoe UI"/>
+        <a:font script="Mymr" typeface="Myanmar Text"/>
+        <a:font script="Nkoo" typeface="Ebrima"/>
+        <a:font script="Olck" typeface="Nirmala UI"/>
+        <a:font script="Osma" typeface="Ebrima"/>
+        <a:font script="Phag" typeface="Phagspa"/>
+        <a:font script="Syrn" typeface="Estrangelo Edessa"/>
+        <a:font script="Syrj" typeface="Estrangelo Edessa"/>
+        <a:font script="Syre" typeface="Estrangelo Edessa"/>
+        <a:font script="Sora" typeface="Nirmala UI"/>
+        <a:font script="Tale" typeface="Microsoft Tai Le"/>
+        <a:font script="Talu" typeface="Microsoft New Tai Lue"/>
+        <a:font script="Tfng" typeface="Ebrima"/>
+      </a:majorFont>
+      <a:minorFont>
+        <a:latin typeface="Calibri" panose="020F0502020204030204"/>
+        <a:ea typeface=""/>
+        <a:cs typeface=""/>
+        <a:font script="Jpan" typeface="游ゴシック"/>
+        <a:font script="Hang" typeface="맑은 고딕"/>
+        <a:font script="Hans" typeface="等线"/>
+        <a:font script="Hant" typeface="新細明體"/>
+        <a:font script="Arab" typeface="Arial"/>
+        <a:font script="Hebr" typeface="Arial"/>
+        <a:font script="Thai" typeface="Cordia New"/>
+        <a:font script="Ethi" typeface="Nyala"/>
+        <a:font script="Beng" typeface="Vrinda"/>
+        <a:font script="Gujr" typeface="Shruti"/>
+        <a:font script="Khmr" typeface="DaunPenh"/>
+        <a:font script="Knda" typeface="Tunga"/>
+        <a:font script="Guru" typeface="Raavi"/>
+        <a:font script="Cans" typeface="Euphemia"/>
+        <a:font script="Cher" typeface="Plantagenet Cherokee"/>
+        <a:font script="Yiii" typeface="Microsoft Yi Baiti"/>
+        <a:font script="Tibt" typeface="Microsoft Himalaya"/>
+        <a:font script="Thaa" typeface="MV Boli"/>
+        <a:font script="Deva" typeface="Mangal"/>
+        <a:font script="Telu" typeface="Gautami"/>
+        <a:font script="Taml" typeface="Latha"/>
+        <a:font script="Syrc" typeface="Estrangelo Edessa"/>
+        <a:font script="Orya" typeface="Kalinga"/>
+        <a:font script="Mlym" typeface="Kartika"/>
+        <a:font script="Laoo" typeface="DokChampa"/>
+        <a:font script="Sinh" typeface="Iskoola Pota"/>
+        <a:font script="Mong" typeface="Mongolian Baiti"/>
+        <a:font script="Viet" typeface="Arial"/>
+        <a:font script="Uigh" typeface="Microsoft Uighur"/>
+        <a:font script="Geor" typeface="Sylfaen"/>
+        <a:font script="Armn" typeface="Arial"/>
+        <a:font script="Bugi" typeface="Leelawadee UI"/>
+        <a:font script="Bopo" typeface="Microsoft JhengHei"/>
+        <a:font script="Java" typeface="Javanese Text"/>
+        <a:font script="Lisu" typeface="Segoe UI"/>
+        <a:font script="Mymr" typeface="Myanmar Text"/>
+        <a:font script="Nkoo" typeface="Ebrima"/>
+        <a:font script="Olck" typeface="Nirmala UI"/>
+        <a:font script="Osma" typeface="Ebrima"/>
+        <a:font script="Phag" typeface="Phagspa"/>
+        <a:font script="Syrn" typeface="Estrangelo Edessa"/>
+        <a:font script="Syrj" typeface="Estrangelo Edessa"/>
+        <a:font script="Syre" typeface="Estrangelo Edessa"/>
+        <a:font script="Sora" typeface="Nirmala UI"/>
+        <a:font script="Tale" typeface="Microsoft Tai Le"/>
+        <a:font script="Talu" typeface="Microsoft New Tai Lue"/>
+        <a:font script="Tfng" typeface="Ebrima"/>
+      </a:minorFont>
+    </a:fontScheme>
+    <a:fmtScheme name="Office">
+      <a:fillStyleLst>
+        <a:solidFill>
+          <a:schemeClr val="phClr"/>
+        </a:solidFill>
+        <a:gradFill rotWithShape="1">
+          <a:gsLst>
+            <a:gs pos="0">
+              <a:schemeClr val="phClr">
+                <a:lumMod val="110000"/>
+                <a:satMod val="105000"/>
+                <a:tint val="67000"/>
+              </a:schemeClr>
+            </a:gs>
+            <a:gs pos="50000">
+              <a:schemeClr val="phClr">
+                <a:lumMod val="105000"/>
+                <a:satMod val="103000"/>
+                <a:tint val="73000"/>
+              </a:schemeClr>
+            </a:gs>
+            <a:gs pos="100000">
+              <a:schemeClr val="phClr">
+                <a:lumMod val="105000"/>
+                <a:satMod val="109000"/>
+                <a:tint val="81000"/>
+              </a:schemeClr>
+            </a:gs>
+          </a:gsLst>
+          <a:lin ang="5400000" scaled="0"/>
+        </a:gradFill>
+        <a:gradFill rotWithShape="1">
+          <a:gsLst>
+            <a:gs pos="0">
+              <a:schemeClr val="phClr">
+                <a:satMod val="103000"/>
+                <a:lumMod val="102000"/>
+                <a:tint val="94000"/>
+              </a:schemeClr>
+            </a:gs>
+            <a:gs pos="50000">
+              <a:schemeClr val="phClr">
+                <a:satMod val="110000"/>
+                <a:lumMod val="100000"/>
+                <a:shade val="100000"/>
+              </a:schemeClr>
+            </a:gs>
+            <a:gs pos="100000">
+              <a:schemeClr val="phClr">
+                <a:lumMod val="99000"/>
+                <a:satMod val="120000"/>
+                <a:shade val="78000"/>
+              </a:schemeClr>
+            </a:gs>
+          </a:gsLst>
+          <a:lin ang="5400000" scaled="0"/>
+        </a:gradFill>
+      </a:fillStyleLst>
+      <a:lnStyleLst>
+        <a:ln w="6350" cap="flat" cmpd="sng" algn="ctr">
+          <a:solidFill>
+            <a:schemeClr val="phClr"/>
+          </a:solidFill>
+          <a:prstDash val="solid"/>
+          <a:miter lim="800000"/>
+        </a:ln>
+        <a:ln w="12700" cap="flat" cmpd="sng" algn="ctr">
+          <a:solidFill>
+            <a:schemeClr val="phClr"/>
+          </a:solidFill>
+          <a:prstDash val="solid"/>
+          <a:miter lim="800000"/>
+        </a:ln>
+        <a:ln w="19050" cap="flat" cmpd="sng" algn="ctr">
+          <a:solidFill>
+            <a:schemeClr val="phClr"/>
+          </a:solidFill>
+          <a:prstDash val="solid"/>
+          <a:miter lim="800000"/>
+        </a:ln>
+      </a:lnStyleLst>
+      <a:effectStyleLst>
+        <a:effectStyle>
+          <a:effectLst/>
+        </a:effectStyle>
+        <a:effectStyle>
+          <a:effectLst/>
+        </a:effectStyle>
+        <a:effectStyle>
+          <a:effectLst>
+            <a:outerShdw blurRad="57150" dist="19050" dir="5400000" algn="ctr" rotWithShape="0">
+              <a:srgbClr val="000000">
+                <a:alpha val="63000"/>
+              </a:srgbClr>
+            </a:outerShdw>
+          </a:effectLst>
+        </a:effectStyle>
+      </a:effectStyleLst>
+      <a:bgFillStyleLst>
+        <a:solidFill>
+          <a:schemeClr val="phClr"/>
+        </a:solidFill>
+        <a:solidFill>
+          <a:schemeClr val="phClr">
+            <a:tint val="95000"/>
+            <a:satMod val="170000"/>
+          </a:schemeClr>
+        </a:solidFill>
+        <a:gradFill rotWithShape="1">
+          <a:gsLst>
+            <a:gs pos="0">
+              <a:schemeClr val="phClr">
+                <a:tint val="93000"/>
+                <a:satMod val="150000"/>
+                <a:shade val="98000"/>
+                <a:lumMod val="102000"/>
+              </a:schemeClr>
+            </a:gs>
+            <a:gs pos="50000">
+              <a:schemeClr val="phClr">
+                <a:tint val="98000"/>
+                <a:satMod val="130000"/>
+                <a:shade val="90000"/>
+                <a:lumMod val="103000"/>
+              </a:schemeClr>
+            </a:gs>
+            <a:gs pos="100000">
+              <a:schemeClr val="phClr">
+                <a:shade val="63000"/>
+                <a:satMod val="120000"/>
+              </a:schemeClr>
+            </a:gs>
+          </a:gsLst>
+          <a:lin ang="5400000" scaled="0"/>
+        </a:gradFill>
+      </a:bgFillStyleLst>
+    </a:fmtScheme>
+  </a:themeElements>
+  <a:objectDefaults/>
+  <a:extraClrSchemeLst/>
+  <a:extLst>
+    <a:ext uri="{05A4C25C-085E-4340-85A3-A5531E510DB2}">
+      <thm15:themeFamily xmlns:thm15="http://schemas.microsoft.com/office/thememl/2012/main" name="Office Theme" id="{62F939B6-93AF-4DB8-9C6B-D6C7DFDC589F}" vid="{4A3C46E8-61CC-4603-A589-7422A47A8E4A}"/>
+    </a:ext>
+  </a:extLst>
+</a:theme>
 </file>
--- a/Poster/CS229_poster.pptx
+++ b/Poster/CS229_poster.pptx
@@ -333,7 +333,6 @@
               <a:rPr lang="en-US"/>
               <a:t>Fifth level</a:t>
             </a:r>
-            <a:endParaRPr lang="en-US"/>
           </a:p>
         </p:txBody>
       </p:sp>
@@ -504,6 +503,90 @@
     </a:lvl9pPr>
   </p:notesStyle>
 </p:notesMaster>
+</file>
+
+<file path=ppt/notesSlides/notesSlide1.xml><?xml version="1.0" encoding="utf-8"?>
+<p:notes xmlns:a="http://schemas.openxmlformats.org/drawingml/2006/main" xmlns:r="http://schemas.openxmlformats.org/officeDocument/2006/relationships" xmlns:p="http://schemas.openxmlformats.org/presentationml/2006/main">
+  <p:cSld>
+    <p:spTree>
+      <p:nvGrpSpPr>
+        <p:cNvPr id="1" name=""/>
+        <p:cNvGrpSpPr/>
+        <p:nvPr/>
+      </p:nvGrpSpPr>
+      <p:grpSpPr>
+        <a:xfrm>
+          <a:off x="0" y="0"/>
+          <a:ext cx="0" cy="0"/>
+          <a:chOff x="0" y="0"/>
+          <a:chExt cx="0" cy="0"/>
+        </a:xfrm>
+      </p:grpSpPr>
+      <p:sp>
+        <p:nvSpPr>
+          <p:cNvPr id="2" name="Slide Image Placeholder 1"/>
+          <p:cNvSpPr>
+            <a:spLocks noGrp="1" noRot="1" noChangeAspect="1"/>
+          </p:cNvSpPr>
+          <p:nvPr>
+            <p:ph type="sldImg"/>
+          </p:nvPr>
+        </p:nvSpPr>
+        <p:spPr/>
+      </p:sp>
+      <p:sp>
+        <p:nvSpPr>
+          <p:cNvPr id="3" name="Notes Placeholder 2"/>
+          <p:cNvSpPr>
+            <a:spLocks noGrp="1"/>
+          </p:cNvSpPr>
+          <p:nvPr>
+            <p:ph type="body" idx="1"/>
+          </p:nvPr>
+        </p:nvSpPr>
+        <p:spPr/>
+        <p:txBody>
+          <a:bodyPr/>
+          <a:lstStyle/>
+          <a:p>
+            <a:endParaRPr lang="en-US" dirty="0"/>
+          </a:p>
+        </p:txBody>
+      </p:sp>
+      <p:sp>
+        <p:nvSpPr>
+          <p:cNvPr id="4" name="Slide Number Placeholder 3"/>
+          <p:cNvSpPr>
+            <a:spLocks noGrp="1"/>
+          </p:cNvSpPr>
+          <p:nvPr>
+            <p:ph type="sldNum" sz="quarter" idx="10"/>
+          </p:nvPr>
+        </p:nvSpPr>
+        <p:spPr/>
+        <p:txBody>
+          <a:bodyPr/>
+          <a:lstStyle/>
+          <a:p>
+            <a:fld id="{640AD9DD-D5F3-47D5-A031-80F5D0FD2543}" type="slidenum">
+              <a:rPr lang="en-US" smtClean="0"/>
+              <a:t>1</a:t>
+            </a:fld>
+            <a:endParaRPr lang="en-US"/>
+          </a:p>
+        </p:txBody>
+      </p:sp>
+    </p:spTree>
+    <p:extLst>
+      <p:ext uri="{BB962C8B-B14F-4D97-AF65-F5344CB8AC3E}">
+        <p14:creationId xmlns:p14="http://schemas.microsoft.com/office/powerpoint/2010/main" val="2193160505"/>
+      </p:ext>
+    </p:extLst>
+  </p:cSld>
+  <p:clrMapOvr>
+    <a:masterClrMapping/>
+  </p:clrMapOvr>
+</p:notes>
 </file>
 
 <file path=ppt/slideLayouts/slideLayout1.xml><?xml version="1.0" encoding="utf-8"?>
@@ -3938,7 +4021,7 @@
           <p:nvPr/>
         </p:nvPicPr>
         <p:blipFill>
-          <a:blip r:embed="rId2">
+          <a:blip r:embed="rId3">
             <a:extLst>
               <a:ext uri="{28A0092B-C50C-407E-A947-70E740481C1C}">
                 <a14:useLocalDpi xmlns:a14="http://schemas.microsoft.com/office/drawing/2010/main" val="0"/>
@@ -3952,7 +4035,7 @@
         </p:blipFill>
         <p:spPr bwMode="auto">
           <a:xfrm>
-            <a:off x="533400" y="533400"/>
+            <a:off x="685800" y="417982"/>
             <a:ext cx="3218392" cy="3218392"/>
           </a:xfrm>
           <a:prstGeom prst="rect">
@@ -3992,7 +4075,7 @@
           <p:nvPr/>
         </p:nvPicPr>
         <p:blipFill>
-          <a:blip r:embed="rId3">
+          <a:blip r:embed="rId4">
             <a:extLst>
               <a:ext uri="{28A0092B-C50C-407E-A947-70E740481C1C}">
                 <a14:useLocalDpi xmlns:a14="http://schemas.microsoft.com/office/drawing/2010/main" val="0"/>
@@ -4005,7 +4088,7 @@
         </p:blipFill>
         <p:spPr>
           <a:xfrm>
-            <a:off x="28956000" y="152401"/>
+            <a:off x="28498800" y="135068"/>
             <a:ext cx="3886200" cy="3599392"/>
           </a:xfrm>
           <a:prstGeom prst="rect">
@@ -4021,7 +4104,7 @@
         </p:nvSpPr>
         <p:spPr>
           <a:xfrm>
-            <a:off x="4648200" y="1126933"/>
+            <a:off x="4610100" y="1112575"/>
             <a:ext cx="23622000" cy="1631216"/>
           </a:xfrm>
           <a:prstGeom prst="rect">
@@ -4038,13 +4121,8 @@
             <a:pPr algn="ctr"/>
             <a:r>
               <a:rPr lang="en-US" sz="6000" b="1" dirty="0"/>
-              <a:t>Applying Machine Learning to Predict and Explain Primate </a:t>
+              <a:t>Applying Machine Learning to Predict and Explain Primate Consortship</a:t>
             </a:r>
-            <a:r>
-              <a:rPr lang="en-US" sz="6000" b="1" dirty="0" err="1"/>
-              <a:t>Consortship</a:t>
-            </a:r>
-            <a:endParaRPr lang="en-US" sz="6000" b="1" dirty="0"/>
           </a:p>
           <a:p>
             <a:pPr algn="ctr"/>
@@ -4064,19 +4142,26 @@
           <p:nvPr>
             <p:extLst>
               <p:ext uri="{D42A27DB-BD31-4B8C-83A1-F6EECF244321}">
-                <p14:modId xmlns:p14="http://schemas.microsoft.com/office/powerpoint/2010/main" val="2363621681"/>
+                <p14:modId xmlns:p14="http://schemas.microsoft.com/office/powerpoint/2010/main" val="387080465"/>
               </p:ext>
             </p:extLst>
           </p:nvPr>
         </p:nvGraphicFramePr>
         <p:xfrm>
-          <a:off x="457200" y="3886200"/>
+          <a:off x="419100" y="3871842"/>
           <a:ext cx="9525000" cy="3803131"/>
         </p:xfrm>
         <a:graphic>
           <a:graphicData uri="http://schemas.openxmlformats.org/drawingml/2006/table">
             <a:tbl>
               <a:tblPr firstRow="1" bandRow="1">
+                <a:effectLst>
+                  <a:outerShdw blurRad="50800" dist="38100" dir="2700000" algn="tl" rotWithShape="0">
+                    <a:prstClr val="black">
+                      <a:alpha val="40000"/>
+                    </a:prstClr>
+                  </a:outerShdw>
+                </a:effectLst>
                 <a:tableStyleId>{5C22544A-7EE6-4342-B048-85BDC9FD1C3A}</a:tableStyleId>
               </a:tblPr>
               <a:tblGrid>
@@ -4096,7 +4181,10 @@
                     <a:p>
                       <a:pPr algn="ctr"/>
                       <a:r>
-                        <a:rPr lang="en-US" sz="3600" dirty="0"/>
+                        <a:rPr lang="en-US" sz="3600" dirty="0">
+                          <a:latin typeface="Times New Roman" panose="02020603050405020304" pitchFamily="18" charset="0"/>
+                          <a:cs typeface="Times New Roman" panose="02020603050405020304" pitchFamily="18" charset="0"/>
+                        </a:rPr>
                         <a:t>Predicting</a:t>
                       </a:r>
                     </a:p>
@@ -4146,29 +4234,18 @@
                     <a:lstStyle/>
                     <a:p>
                       <a:r>
-                        <a:rPr lang="en-US" sz="3000" dirty="0"/>
-                        <a:t>We investigate the reasons for success and failure of mating between wild yellow baboon pairs. Our analysis applies classification methods to examine whether successful </a:t>
-                      </a:r>
-                      <a:r>
-                        <a:rPr lang="en-US" sz="3000" dirty="0" err="1"/>
-                        <a:t>consortships</a:t>
-                      </a:r>
-                      <a:r>
-                        <a:rPr lang="en-US" sz="3000" dirty="0"/>
-                        <a:t> can be predicted, and whether certain behavioral or genetic features are especially relevant in determining </a:t>
-                      </a:r>
-                      <a:r>
-                        <a:rPr lang="en-US" sz="3000" dirty="0" err="1"/>
-                        <a:t>consortship</a:t>
-                      </a:r>
-                      <a:r>
-                        <a:rPr lang="en-US" sz="3000" dirty="0"/>
-                        <a:t>.</a:t>
+                        <a:rPr lang="en-US" sz="3000" dirty="0">
+                          <a:latin typeface="Times New Roman" panose="02020603050405020304" pitchFamily="18" charset="0"/>
+                          <a:cs typeface="Times New Roman" panose="02020603050405020304" pitchFamily="18" charset="0"/>
+                        </a:rPr>
+                        <a:t>We investigate the reasons for success and failure of mating between wild yellow baboon pairs. Our analysis applies classification methods to examine whether successful consortships can be predicted, and whether certain behavioral or genetic features are especially relevant in determining consortship.</a:t>
                       </a:r>
                       <a:endParaRPr lang="en-US" sz="3000" dirty="0">
                         <a:solidFill>
                           <a:schemeClr val="tx1"/>
                         </a:solidFill>
+                        <a:latin typeface="Times New Roman" panose="02020603050405020304" pitchFamily="18" charset="0"/>
+                        <a:cs typeface="Times New Roman" panose="02020603050405020304" pitchFamily="18" charset="0"/>
                       </a:endParaRPr>
                     </a:p>
                   </a:txBody>
@@ -4217,9 +4294,7 @@
                       <a:noFill/>
                       <a:prstDash val="solid"/>
                     </a:lnBlToTr>
-                    <a:solidFill>
-                      <a:schemeClr val="bg1"/>
-                    </a:solidFill>
+                    <a:noFill/>
                   </a:tcPr>
                 </a:tc>
                 <a:extLst>
@@ -4241,19 +4316,26 @@
           <p:nvPr>
             <p:extLst>
               <p:ext uri="{D42A27DB-BD31-4B8C-83A1-F6EECF244321}">
-                <p14:modId xmlns:p14="http://schemas.microsoft.com/office/powerpoint/2010/main" val="230216139"/>
+                <p14:modId xmlns:p14="http://schemas.microsoft.com/office/powerpoint/2010/main" val="2120274305"/>
               </p:ext>
             </p:extLst>
           </p:nvPr>
         </p:nvGraphicFramePr>
         <p:xfrm>
-          <a:off x="457200" y="7924799"/>
+          <a:off x="419100" y="7910441"/>
           <a:ext cx="9525000" cy="8046720"/>
         </p:xfrm>
         <a:graphic>
           <a:graphicData uri="http://schemas.openxmlformats.org/drawingml/2006/table">
             <a:tbl>
               <a:tblPr firstRow="1" bandRow="1">
+                <a:effectLst>
+                  <a:outerShdw blurRad="50800" dist="38100" dir="2700000" algn="tl" rotWithShape="0">
+                    <a:prstClr val="black">
+                      <a:alpha val="40000"/>
+                    </a:prstClr>
+                  </a:outerShdw>
+                </a:effectLst>
                 <a:tableStyleId>{5C22544A-7EE6-4342-B048-85BDC9FD1C3A}</a:tableStyleId>
               </a:tblPr>
               <a:tblGrid>
@@ -4273,7 +4355,10 @@
                     <a:p>
                       <a:pPr algn="ctr"/>
                       <a:r>
-                        <a:rPr lang="en-US" sz="3600" dirty="0"/>
+                        <a:rPr lang="en-US" sz="3600" dirty="0">
+                          <a:latin typeface="Times New Roman" panose="02020603050405020304" pitchFamily="18" charset="0"/>
+                          <a:cs typeface="Times New Roman" panose="02020603050405020304" pitchFamily="18" charset="0"/>
+                        </a:rPr>
                         <a:t>Data</a:t>
                       </a:r>
                     </a:p>
@@ -4322,38 +4407,54 @@
                     <a:bodyPr/>
                     <a:lstStyle/>
                     <a:p>
-                      <a:endParaRPr lang="en-US" sz="3000" dirty="0"/>
-                    </a:p>
-                    <a:p>
-                      <a:endParaRPr lang="en-US" sz="3000" dirty="0"/>
-                    </a:p>
-                    <a:p>
-                      <a:endParaRPr lang="en-US" sz="3000" dirty="0"/>
-                    </a:p>
-                    <a:p>
-                      <a:endParaRPr lang="en-US" sz="3000" dirty="0"/>
-                    </a:p>
-                    <a:p>
-                      <a:endParaRPr lang="en-US" sz="3000" dirty="0"/>
-                    </a:p>
-                    <a:p>
-                      <a:endParaRPr lang="en-US" sz="3000" dirty="0"/>
-                    </a:p>
-                    <a:p>
-                      <a:endParaRPr lang="en-US" sz="3000" dirty="0"/>
-                    </a:p>
-                    <a:p>
-                      <a:r>
-                        <a:rPr lang="en-US" sz="3000" dirty="0"/>
-                        <a:t>Our input dataset, from Tung et al (2012) is a set of genetic and behavioral features between potentially mating pairs, and a label indicating whether </a:t>
-                      </a:r>
-                      <a:r>
-                        <a:rPr lang="en-US" sz="3000" dirty="0" err="1"/>
-                        <a:t>consortship</a:t>
-                      </a:r>
-                      <a:r>
-                        <a:rPr lang="en-US" sz="3000" dirty="0"/>
-                        <a:t> occurred. </a:t>
+                      <a:endParaRPr lang="en-US" sz="3000" dirty="0">
+                        <a:latin typeface="Times New Roman" panose="02020603050405020304" pitchFamily="18" charset="0"/>
+                        <a:cs typeface="Times New Roman" panose="02020603050405020304" pitchFamily="18" charset="0"/>
+                      </a:endParaRPr>
+                    </a:p>
+                    <a:p>
+                      <a:endParaRPr lang="en-US" sz="3000" dirty="0">
+                        <a:latin typeface="Times New Roman" panose="02020603050405020304" pitchFamily="18" charset="0"/>
+                        <a:cs typeface="Times New Roman" panose="02020603050405020304" pitchFamily="18" charset="0"/>
+                      </a:endParaRPr>
+                    </a:p>
+                    <a:p>
+                      <a:endParaRPr lang="en-US" sz="3000" dirty="0">
+                        <a:latin typeface="Times New Roman" panose="02020603050405020304" pitchFamily="18" charset="0"/>
+                        <a:cs typeface="Times New Roman" panose="02020603050405020304" pitchFamily="18" charset="0"/>
+                      </a:endParaRPr>
+                    </a:p>
+                    <a:p>
+                      <a:endParaRPr lang="en-US" sz="3000" dirty="0">
+                        <a:latin typeface="Times New Roman" panose="02020603050405020304" pitchFamily="18" charset="0"/>
+                        <a:cs typeface="Times New Roman" panose="02020603050405020304" pitchFamily="18" charset="0"/>
+                      </a:endParaRPr>
+                    </a:p>
+                    <a:p>
+                      <a:endParaRPr lang="en-US" sz="3000" dirty="0">
+                        <a:latin typeface="Times New Roman" panose="02020603050405020304" pitchFamily="18" charset="0"/>
+                        <a:cs typeface="Times New Roman" panose="02020603050405020304" pitchFamily="18" charset="0"/>
+                      </a:endParaRPr>
+                    </a:p>
+                    <a:p>
+                      <a:endParaRPr lang="en-US" sz="3000" dirty="0">
+                        <a:latin typeface="Times New Roman" panose="02020603050405020304" pitchFamily="18" charset="0"/>
+                        <a:cs typeface="Times New Roman" panose="02020603050405020304" pitchFamily="18" charset="0"/>
+                      </a:endParaRPr>
+                    </a:p>
+                    <a:p>
+                      <a:endParaRPr lang="en-US" sz="3000" dirty="0">
+                        <a:latin typeface="Times New Roman" panose="02020603050405020304" pitchFamily="18" charset="0"/>
+                        <a:cs typeface="Times New Roman" panose="02020603050405020304" pitchFamily="18" charset="0"/>
+                      </a:endParaRPr>
+                    </a:p>
+                    <a:p>
+                      <a:r>
+                        <a:rPr lang="en-US" sz="3000" dirty="0">
+                          <a:latin typeface="Times New Roman" panose="02020603050405020304" pitchFamily="18" charset="0"/>
+                          <a:cs typeface="Times New Roman" panose="02020603050405020304" pitchFamily="18" charset="0"/>
+                        </a:rPr>
+                        <a:t>Our input dataset, from Tung et al (2012) is a set of genetic and behavioral features between potentially mating pairs, and a label indicating whether consortship occurred. </a:t>
                       </a:r>
                     </a:p>
                     <a:p>
@@ -4362,7 +4463,10 @@
                         <a:buChar char="-"/>
                       </a:pPr>
                       <a:r>
-                        <a:rPr lang="en-US" sz="3000" dirty="0"/>
+                        <a:rPr lang="en-US" sz="3000" dirty="0">
+                          <a:latin typeface="Times New Roman" panose="02020603050405020304" pitchFamily="18" charset="0"/>
+                          <a:cs typeface="Times New Roman" panose="02020603050405020304" pitchFamily="18" charset="0"/>
+                        </a:rPr>
                         <a:t>12,000 observations, 115 females, 121 males </a:t>
                       </a:r>
                     </a:p>
@@ -4372,7 +4476,10 @@
                         <a:buChar char="-"/>
                       </a:pPr>
                       <a:r>
-                        <a:rPr lang="en-US" sz="3000" dirty="0"/>
+                        <a:rPr lang="en-US" sz="3000" dirty="0">
+                          <a:latin typeface="Times New Roman" panose="02020603050405020304" pitchFamily="18" charset="0"/>
+                          <a:cs typeface="Times New Roman" panose="02020603050405020304" pitchFamily="18" charset="0"/>
+                        </a:rPr>
                         <a:t>1648 consorts, 10493 non-consorts</a:t>
                       </a:r>
                     </a:p>
@@ -4382,13 +4489,18 @@
                         <a:buNone/>
                       </a:pPr>
                       <a:r>
-                        <a:rPr lang="en-US" sz="3000" dirty="0"/>
+                        <a:rPr lang="en-US" sz="3000" dirty="0">
+                          <a:latin typeface="Times New Roman" panose="02020603050405020304" pitchFamily="18" charset="0"/>
+                          <a:cs typeface="Times New Roman" panose="02020603050405020304" pitchFamily="18" charset="0"/>
+                        </a:rPr>
                         <a:t>Additional preprocessing applied to standardize features and remove points that had conflicting labels. We also tried PCA whitening and data augmentation but found that they did not improve results.</a:t>
                       </a:r>
                       <a:endParaRPr lang="en-US" sz="3000" dirty="0">
                         <a:solidFill>
                           <a:schemeClr val="tx1"/>
                         </a:solidFill>
+                        <a:latin typeface="Times New Roman" panose="02020603050405020304" pitchFamily="18" charset="0"/>
+                        <a:cs typeface="Times New Roman" panose="02020603050405020304" pitchFamily="18" charset="0"/>
                       </a:endParaRPr>
                     </a:p>
                   </a:txBody>
@@ -4461,19 +4573,26 @@
           <p:nvPr>
             <p:extLst>
               <p:ext uri="{D42A27DB-BD31-4B8C-83A1-F6EECF244321}">
-                <p14:modId xmlns:p14="http://schemas.microsoft.com/office/powerpoint/2010/main" val="2446265941"/>
+                <p14:modId xmlns:p14="http://schemas.microsoft.com/office/powerpoint/2010/main" val="1035461994"/>
               </p:ext>
             </p:extLst>
           </p:nvPr>
         </p:nvGraphicFramePr>
         <p:xfrm>
-          <a:off x="457200" y="16078200"/>
+          <a:off x="419100" y="16063842"/>
           <a:ext cx="9525000" cy="5455920"/>
         </p:xfrm>
         <a:graphic>
           <a:graphicData uri="http://schemas.openxmlformats.org/drawingml/2006/table">
             <a:tbl>
               <a:tblPr firstRow="1" bandRow="1">
+                <a:effectLst>
+                  <a:outerShdw blurRad="50800" dist="38100" dir="2700000" algn="tl" rotWithShape="0">
+                    <a:prstClr val="black">
+                      <a:alpha val="40000"/>
+                    </a:prstClr>
+                  </a:outerShdw>
+                </a:effectLst>
                 <a:tableStyleId>{5C22544A-7EE6-4342-B048-85BDC9FD1C3A}</a:tableStyleId>
               </a:tblPr>
               <a:tblGrid>
@@ -4493,7 +4612,10 @@
                     <a:p>
                       <a:pPr algn="ctr"/>
                       <a:r>
-                        <a:rPr lang="en-US" sz="4000" dirty="0"/>
+                        <a:rPr lang="en-US" sz="3600" dirty="0">
+                          <a:latin typeface="Times New Roman" panose="02020603050405020304" pitchFamily="18" charset="0"/>
+                          <a:cs typeface="Times New Roman" panose="02020603050405020304" pitchFamily="18" charset="0"/>
+                        </a:rPr>
                         <a:t>Features</a:t>
                       </a:r>
                     </a:p>
@@ -4564,6 +4686,8 @@
                           <a:solidFill>
                             <a:schemeClr val="tx1"/>
                           </a:solidFill>
+                          <a:latin typeface="Times New Roman" panose="02020603050405020304" pitchFamily="18" charset="0"/>
+                          <a:cs typeface="Times New Roman" panose="02020603050405020304" pitchFamily="18" charset="0"/>
                         </a:rPr>
                         <a:t>Genetic/Biological</a:t>
                       </a:r>
@@ -4572,25 +4696,24 @@
                           <a:solidFill>
                             <a:schemeClr val="tx1"/>
                           </a:solidFill>
+                          <a:latin typeface="Times New Roman" panose="02020603050405020304" pitchFamily="18" charset="0"/>
+                          <a:cs typeface="Times New Roman" panose="02020603050405020304" pitchFamily="18" charset="0"/>
                         </a:rPr>
                         <a:t>: </a:t>
                       </a:r>
                       <a:r>
-                        <a:rPr lang="en-US" sz="3000" dirty="0"/>
-                        <a:t>two measure of genetic diversity of each of the pair, estimated genetic distance of the pair, age, </a:t>
-                      </a:r>
-                      <a:r>
-                        <a:rPr lang="en-US" sz="3000" dirty="0" err="1"/>
-                        <a:t>conceptiveness</a:t>
-                      </a:r>
-                      <a:r>
-                        <a:rPr lang="en-US" sz="3000" dirty="0"/>
-                        <a:t> of female</a:t>
+                        <a:rPr lang="en-US" sz="3000" dirty="0">
+                          <a:latin typeface="Times New Roman" panose="02020603050405020304" pitchFamily="18" charset="0"/>
+                          <a:cs typeface="Times New Roman" panose="02020603050405020304" pitchFamily="18" charset="0"/>
+                        </a:rPr>
+                        <a:t>two measure of genetic diversity of each of the pair, estimated genetic distance of the pair, age, conceptiveness of female.</a:t>
                       </a:r>
                       <a:endParaRPr lang="en-US" sz="3000" dirty="0">
                         <a:solidFill>
                           <a:schemeClr val="tx1"/>
                         </a:solidFill>
+                        <a:latin typeface="Times New Roman" panose="02020603050405020304" pitchFamily="18" charset="0"/>
+                        <a:cs typeface="Times New Roman" panose="02020603050405020304" pitchFamily="18" charset="0"/>
                       </a:endParaRPr>
                     </a:p>
                     <a:p>
@@ -4616,6 +4739,8 @@
                           <a:solidFill>
                             <a:schemeClr val="tx1"/>
                           </a:solidFill>
+                          <a:latin typeface="Times New Roman" panose="02020603050405020304" pitchFamily="18" charset="0"/>
+                          <a:cs typeface="Times New Roman" panose="02020603050405020304" pitchFamily="18" charset="0"/>
                         </a:rPr>
                         <a:t>Social/Behavioral</a:t>
                       </a:r>
@@ -4624,21 +4749,24 @@
                           <a:solidFill>
                             <a:schemeClr val="tx1"/>
                           </a:solidFill>
+                          <a:latin typeface="Times New Roman" panose="02020603050405020304" pitchFamily="18" charset="0"/>
+                          <a:cs typeface="Times New Roman" panose="02020603050405020304" pitchFamily="18" charset="0"/>
                         </a:rPr>
                         <a:t>: </a:t>
                       </a:r>
                       <a:r>
-                        <a:rPr lang="en-US" sz="3000" dirty="0"/>
-                        <a:t>male rank, males/females present during </a:t>
-                      </a:r>
-                      <a:r>
-                        <a:rPr lang="en-US" sz="3000" dirty="0" err="1"/>
-                        <a:t>consortship</a:t>
+                        <a:rPr lang="en-US" sz="3000" dirty="0">
+                          <a:latin typeface="Times New Roman" panose="02020603050405020304" pitchFamily="18" charset="0"/>
+                          <a:cs typeface="Times New Roman" panose="02020603050405020304" pitchFamily="18" charset="0"/>
+                        </a:rPr>
+                        <a:t>male rank, males/females present during consortship.</a:t>
                       </a:r>
                       <a:endParaRPr lang="en-US" sz="3000" dirty="0">
                         <a:solidFill>
                           <a:schemeClr val="tx1"/>
                         </a:solidFill>
+                        <a:latin typeface="Times New Roman" panose="02020603050405020304" pitchFamily="18" charset="0"/>
+                        <a:cs typeface="Times New Roman" panose="02020603050405020304" pitchFamily="18" charset="0"/>
                       </a:endParaRPr>
                     </a:p>
                     <a:p>
@@ -4664,6 +4792,8 @@
                           <a:solidFill>
                             <a:schemeClr val="tx1"/>
                           </a:solidFill>
+                          <a:latin typeface="Times New Roman" panose="02020603050405020304" pitchFamily="18" charset="0"/>
+                          <a:cs typeface="Times New Roman" panose="02020603050405020304" pitchFamily="18" charset="0"/>
                         </a:rPr>
                         <a:t>Transformations</a:t>
                       </a:r>
@@ -4672,17 +4802,24 @@
                           <a:solidFill>
                             <a:schemeClr val="tx1"/>
                           </a:solidFill>
+                          <a:latin typeface="Times New Roman" panose="02020603050405020304" pitchFamily="18" charset="0"/>
+                          <a:cs typeface="Times New Roman" panose="02020603050405020304" pitchFamily="18" charset="0"/>
                         </a:rPr>
                         <a:t>: </a:t>
                       </a:r>
                       <a:r>
-                        <a:rPr lang="en-US" sz="3000" dirty="0"/>
-                        <a:t>non-linear transformations of genetic distance rank, and age, as well as indices derived from the combination of genetic diversity of the pair</a:t>
+                        <a:rPr lang="en-US" sz="3000" dirty="0">
+                          <a:latin typeface="Times New Roman" panose="02020603050405020304" pitchFamily="18" charset="0"/>
+                          <a:cs typeface="Times New Roman" panose="02020603050405020304" pitchFamily="18" charset="0"/>
+                        </a:rPr>
+                        <a:t>non-linear transformations of genetic distance rank, and age, as well as indices derived from the combination of genetic diversity of the pair.</a:t>
                       </a:r>
                       <a:endParaRPr lang="en-US" sz="3000" dirty="0">
                         <a:solidFill>
                           <a:schemeClr val="tx1"/>
                         </a:solidFill>
+                        <a:latin typeface="Times New Roman" panose="02020603050405020304" pitchFamily="18" charset="0"/>
+                        <a:cs typeface="Times New Roman" panose="02020603050405020304" pitchFamily="18" charset="0"/>
                       </a:endParaRPr>
                     </a:p>
                     <a:p>
@@ -4708,6 +4845,8 @@
                           <a:solidFill>
                             <a:schemeClr val="tx1"/>
                           </a:solidFill>
+                          <a:latin typeface="Times New Roman" panose="02020603050405020304" pitchFamily="18" charset="0"/>
+                          <a:cs typeface="Times New Roman" panose="02020603050405020304" pitchFamily="18" charset="0"/>
                         </a:rPr>
                         <a:t>Graph-Based</a:t>
                       </a:r>
@@ -4716,18 +4855,29 @@
                           <a:solidFill>
                             <a:schemeClr val="tx1"/>
                           </a:solidFill>
+                          <a:latin typeface="Times New Roman" panose="02020603050405020304" pitchFamily="18" charset="0"/>
+                          <a:cs typeface="Times New Roman" panose="02020603050405020304" pitchFamily="18" charset="0"/>
                         </a:rPr>
                         <a:t>: </a:t>
                       </a:r>
                       <a:r>
-                        <a:rPr lang="en-US" sz="3000" dirty="0"/>
+                        <a:rPr lang="en-US" sz="3000" dirty="0">
+                          <a:latin typeface="Times New Roman" panose="02020603050405020304" pitchFamily="18" charset="0"/>
+                          <a:cs typeface="Times New Roman" panose="02020603050405020304" pitchFamily="18" charset="0"/>
+                        </a:rPr>
                         <a:t>PageRank,</a:t>
                       </a:r>
                       <a:r>
-                        <a:rPr lang="en-US" sz="3000" baseline="0" dirty="0"/>
-                        <a:t> HITS</a:t>
-                      </a:r>
-                      <a:endParaRPr lang="en-US" sz="3000" dirty="0"/>
+                        <a:rPr lang="en-US" sz="3000" baseline="0" dirty="0">
+                          <a:latin typeface="Times New Roman" panose="02020603050405020304" pitchFamily="18" charset="0"/>
+                          <a:cs typeface="Times New Roman" panose="02020603050405020304" pitchFamily="18" charset="0"/>
+                        </a:rPr>
+                        <a:t> HITS.</a:t>
+                      </a:r>
+                      <a:endParaRPr lang="en-US" sz="3000" dirty="0">
+                        <a:latin typeface="Times New Roman" panose="02020603050405020304" pitchFamily="18" charset="0"/>
+                        <a:cs typeface="Times New Roman" panose="02020603050405020304" pitchFamily="18" charset="0"/>
+                      </a:endParaRPr>
                     </a:p>
                     <a:p>
                       <a:pPr marL="0" indent="0">
@@ -4738,6 +4888,8 @@
                         <a:solidFill>
                           <a:schemeClr val="tx1"/>
                         </a:solidFill>
+                        <a:latin typeface="Times New Roman" panose="02020603050405020304" pitchFamily="18" charset="0"/>
+                        <a:cs typeface="Times New Roman" panose="02020603050405020304" pitchFamily="18" charset="0"/>
                       </a:endParaRPr>
                     </a:p>
                   </a:txBody>
@@ -4810,7 +4962,7 @@
           <p:nvPr/>
         </p:nvPicPr>
         <p:blipFill rotWithShape="1">
-          <a:blip r:embed="rId4">
+          <a:blip r:embed="rId5">
             <a:extLst>
               <a:ext uri="{28A0092B-C50C-407E-A947-70E740481C1C}">
                 <a14:useLocalDpi xmlns:a14="http://schemas.microsoft.com/office/drawing/2010/main" val="0"/>
@@ -4822,7 +4974,7 @@
         </p:blipFill>
         <p:spPr>
           <a:xfrm>
-            <a:off x="2819400" y="8915398"/>
+            <a:off x="2781300" y="8901040"/>
             <a:ext cx="4800600" cy="2590800"/>
           </a:xfrm>
           <a:prstGeom prst="rect">
@@ -4838,8 +4990,8 @@
         </p:nvSpPr>
         <p:spPr>
           <a:xfrm>
-            <a:off x="2552700" y="11244588"/>
-            <a:ext cx="5334000" cy="523220"/>
+            <a:off x="2514600" y="11245618"/>
+            <a:ext cx="5334000" cy="492443"/>
           </a:xfrm>
           <a:prstGeom prst="rect">
             <a:avLst/>
@@ -4852,8 +5004,12 @@
           </a:bodyPr>
           <a:lstStyle/>
           <a:p>
+            <a:pPr algn="ctr"/>
             <a:r>
-              <a:rPr lang="en-US" sz="2800" dirty="0"/>
+              <a:rPr lang="en-US" sz="2600" dirty="0">
+                <a:latin typeface="Times New Roman" panose="02020603050405020304" pitchFamily="18" charset="0"/>
+                <a:cs typeface="Times New Roman" panose="02020603050405020304" pitchFamily="18" charset="0"/>
+              </a:rPr>
               <a:t>2-D PCA visualization  of dataset</a:t>
             </a:r>
           </a:p>
@@ -4867,7 +5023,7 @@
         </p:nvSpPr>
         <p:spPr>
           <a:xfrm>
-            <a:off x="2019300" y="8686798"/>
+            <a:off x="1981200" y="8672440"/>
             <a:ext cx="6400800" cy="3081010"/>
           </a:xfrm>
           <a:prstGeom prst="rect">
@@ -4914,23 +5070,30 @@
           <p:nvPr>
             <p:extLst>
               <p:ext uri="{D42A27DB-BD31-4B8C-83A1-F6EECF244321}">
-                <p14:modId xmlns:p14="http://schemas.microsoft.com/office/powerpoint/2010/main" val="1330102958"/>
+                <p14:modId xmlns:p14="http://schemas.microsoft.com/office/powerpoint/2010/main" val="4019737066"/>
               </p:ext>
             </p:extLst>
           </p:nvPr>
         </p:nvGraphicFramePr>
         <p:xfrm>
-          <a:off x="10744200" y="3853003"/>
-          <a:ext cx="9525000" cy="5834212"/>
+          <a:off x="10210425" y="3871842"/>
+          <a:ext cx="9696020" cy="5834212"/>
         </p:xfrm>
         <a:graphic>
           <a:graphicData uri="http://schemas.openxmlformats.org/drawingml/2006/table">
             <a:tbl>
               <a:tblPr firstRow="1" bandRow="1">
+                <a:effectLst>
+                  <a:outerShdw blurRad="50800" dist="38100" dir="2700000" algn="tl" rotWithShape="0">
+                    <a:prstClr val="black">
+                      <a:alpha val="40000"/>
+                    </a:prstClr>
+                  </a:outerShdw>
+                </a:effectLst>
                 <a:tableStyleId>{5C22544A-7EE6-4342-B048-85BDC9FD1C3A}</a:tableStyleId>
               </a:tblPr>
               <a:tblGrid>
-                <a:gridCol w="9525000">
+                <a:gridCol w="9696020">
                   <a:extLst>
                     <a:ext uri="{9D8B030D-6E8A-4147-A177-3AD203B41FA5}">
                       <a16:colId xmlns:a16="http://schemas.microsoft.com/office/drawing/2014/main" val="4214904625"/>
@@ -4946,7 +5109,10 @@
                     <a:p>
                       <a:pPr algn="ctr"/>
                       <a:r>
-                        <a:rPr lang="en-US" sz="3600" dirty="0"/>
+                        <a:rPr lang="en-US" sz="3600" dirty="0">
+                          <a:latin typeface="Times New Roman" panose="02020603050405020304" pitchFamily="18" charset="0"/>
+                          <a:cs typeface="Times New Roman" panose="02020603050405020304" pitchFamily="18" charset="0"/>
+                        </a:rPr>
                         <a:t>Models</a:t>
                       </a:r>
                     </a:p>
@@ -5000,7 +5166,10 @@
                         <a:buChar char="•"/>
                       </a:pPr>
                       <a:r>
-                        <a:rPr lang="en-US" sz="3000" dirty="0"/>
+                        <a:rPr lang="en-US" sz="3000" dirty="0">
+                          <a:latin typeface="Times New Roman" panose="02020603050405020304" pitchFamily="18" charset="0"/>
+                          <a:cs typeface="Times New Roman" panose="02020603050405020304" pitchFamily="18" charset="0"/>
+                        </a:rPr>
                         <a:t>Gaussian SVM</a:t>
                       </a:r>
                     </a:p>
@@ -5022,7 +5191,10 @@
                         <a:tabLst/>
                         <a:defRPr/>
                       </a:pPr>
-                      <a:endParaRPr lang="en-US" sz="3000" dirty="0"/>
+                      <a:endParaRPr lang="en-US" sz="3000" dirty="0">
+                        <a:latin typeface="Times New Roman" panose="02020603050405020304" pitchFamily="18" charset="0"/>
+                        <a:cs typeface="Times New Roman" panose="02020603050405020304" pitchFamily="18" charset="0"/>
+                      </a:endParaRPr>
                     </a:p>
                     <a:p>
                       <a:pPr marL="457200" marR="0" lvl="0" indent="-457200" algn="l" defTabSz="2717320" rtl="0" eaLnBrk="1" fontAlgn="auto" latinLnBrk="0" hangingPunct="1">
@@ -5042,7 +5214,10 @@
                         <a:tabLst/>
                         <a:defRPr/>
                       </a:pPr>
-                      <a:endParaRPr lang="en-US" sz="3000" dirty="0"/>
+                      <a:endParaRPr lang="en-US" sz="3000" dirty="0">
+                        <a:latin typeface="Times New Roman" panose="02020603050405020304" pitchFamily="18" charset="0"/>
+                        <a:cs typeface="Times New Roman" panose="02020603050405020304" pitchFamily="18" charset="0"/>
+                      </a:endParaRPr>
                     </a:p>
                     <a:p>
                       <a:pPr marL="457200" marR="0" lvl="0" indent="-457200" algn="l" defTabSz="2717320" rtl="0" eaLnBrk="1" fontAlgn="auto" latinLnBrk="0" hangingPunct="1">
@@ -5063,12 +5238,11 @@
                         <a:defRPr/>
                       </a:pPr>
                       <a:r>
-                        <a:rPr lang="en-US" sz="3000" dirty="0" err="1"/>
-                        <a:t>AdaBoosting</a:t>
-                      </a:r>
-                      <a:r>
-                        <a:rPr lang="en-US" sz="3000" dirty="0"/>
-                        <a:t> with Decision Stumps</a:t>
+                        <a:rPr lang="en-US" sz="3000" dirty="0">
+                          <a:latin typeface="Times New Roman" panose="02020603050405020304" pitchFamily="18" charset="0"/>
+                          <a:cs typeface="Times New Roman" panose="02020603050405020304" pitchFamily="18" charset="0"/>
+                        </a:rPr>
+                        <a:t>AdaBoosting with Decision Stumps</a:t>
                       </a:r>
                     </a:p>
                     <a:p>
@@ -5089,7 +5263,10 @@
                         <a:tabLst/>
                         <a:defRPr/>
                       </a:pPr>
-                      <a:endParaRPr lang="en-US" sz="3000" dirty="0"/>
+                      <a:endParaRPr lang="en-US" sz="3000" dirty="0">
+                        <a:latin typeface="Times New Roman" panose="02020603050405020304" pitchFamily="18" charset="0"/>
+                        <a:cs typeface="Times New Roman" panose="02020603050405020304" pitchFamily="18" charset="0"/>
+                      </a:endParaRPr>
                     </a:p>
                     <a:p>
                       <a:pPr marL="457200" marR="0" lvl="0" indent="-457200" algn="l" defTabSz="2717320" rtl="0" eaLnBrk="1" fontAlgn="auto" latinLnBrk="0" hangingPunct="1">
@@ -5109,7 +5286,10 @@
                         <a:tabLst/>
                         <a:defRPr/>
                       </a:pPr>
-                      <a:endParaRPr lang="en-US" sz="3000" dirty="0"/>
+                      <a:endParaRPr lang="en-US" sz="3000" dirty="0">
+                        <a:latin typeface="Times New Roman" panose="02020603050405020304" pitchFamily="18" charset="0"/>
+                        <a:cs typeface="Times New Roman" panose="02020603050405020304" pitchFamily="18" charset="0"/>
+                      </a:endParaRPr>
                     </a:p>
                     <a:p>
                       <a:pPr marL="457200" marR="0" lvl="0" indent="-457200" algn="l" defTabSz="2717320" rtl="0" eaLnBrk="1" fontAlgn="auto" latinLnBrk="0" hangingPunct="1">
@@ -5129,7 +5309,10 @@
                         <a:tabLst/>
                         <a:defRPr/>
                       </a:pPr>
-                      <a:endParaRPr lang="en-US" sz="3000" dirty="0"/>
+                      <a:endParaRPr lang="en-US" sz="3000" dirty="0">
+                        <a:latin typeface="Times New Roman" panose="02020603050405020304" pitchFamily="18" charset="0"/>
+                        <a:cs typeface="Times New Roman" panose="02020603050405020304" pitchFamily="18" charset="0"/>
+                      </a:endParaRPr>
                     </a:p>
                     <a:p>
                       <a:pPr marL="457200" marR="0" lvl="0" indent="-457200" algn="l" defTabSz="2717320" rtl="0" eaLnBrk="1" fontAlgn="auto" latinLnBrk="0" hangingPunct="1">
@@ -5150,14 +5333,23 @@
                         <a:defRPr/>
                       </a:pPr>
                       <a:r>
-                        <a:rPr lang="en-US" sz="3000" dirty="0"/>
+                        <a:rPr lang="en-US" sz="3000" dirty="0">
+                          <a:latin typeface="Times New Roman" panose="02020603050405020304" pitchFamily="18" charset="0"/>
+                          <a:cs typeface="Times New Roman" panose="02020603050405020304" pitchFamily="18" charset="0"/>
+                        </a:rPr>
                         <a:t>Random</a:t>
                       </a:r>
                       <a:r>
-                        <a:rPr lang="en-US" sz="3000" baseline="0" dirty="0"/>
+                        <a:rPr lang="en-US" sz="3000" baseline="0" dirty="0">
+                          <a:latin typeface="Times New Roman" panose="02020603050405020304" pitchFamily="18" charset="0"/>
+                          <a:cs typeface="Times New Roman" panose="02020603050405020304" pitchFamily="18" charset="0"/>
+                        </a:rPr>
                         <a:t> Forest</a:t>
                       </a:r>
-                      <a:endParaRPr lang="en-US" sz="3000" dirty="0"/>
+                      <a:endParaRPr lang="en-US" sz="3000" dirty="0">
+                        <a:latin typeface="Times New Roman" panose="02020603050405020304" pitchFamily="18" charset="0"/>
+                        <a:cs typeface="Times New Roman" panose="02020603050405020304" pitchFamily="18" charset="0"/>
+                      </a:endParaRPr>
                     </a:p>
                     <a:p>
                       <a:pPr marL="457200" marR="0" lvl="0" indent="-457200" algn="l" defTabSz="2717320" rtl="0" eaLnBrk="1" fontAlgn="auto" latinLnBrk="0" hangingPunct="1">
@@ -5178,7 +5370,10 @@
                         <a:defRPr/>
                       </a:pPr>
                       <a:r>
-                        <a:rPr lang="en-US" sz="3000" dirty="0"/>
+                        <a:rPr lang="en-US" sz="3000" dirty="0">
+                          <a:latin typeface="Times New Roman" panose="02020603050405020304" pitchFamily="18" charset="0"/>
+                          <a:cs typeface="Times New Roman" panose="02020603050405020304" pitchFamily="18" charset="0"/>
+                        </a:rPr>
                         <a:t>Edge Prediction</a:t>
                       </a:r>
                     </a:p>
@@ -5188,25 +5383,39 @@
                         <a:buNone/>
                       </a:pPr>
                       <a:r>
-                        <a:rPr lang="en-US" sz="3000" dirty="0"/>
+                        <a:rPr lang="en-US" sz="3000" dirty="0">
+                          <a:latin typeface="Times New Roman" panose="02020603050405020304" pitchFamily="18" charset="0"/>
+                          <a:cs typeface="Times New Roman" panose="02020603050405020304" pitchFamily="18" charset="0"/>
+                        </a:rPr>
                         <a:t>For</a:t>
                       </a:r>
                       <a:r>
-                        <a:rPr lang="en-US" sz="3000" baseline="0" dirty="0"/>
+                        <a:rPr lang="en-US" sz="3000" baseline="0" dirty="0">
+                          <a:latin typeface="Times New Roman" panose="02020603050405020304" pitchFamily="18" charset="0"/>
+                          <a:cs typeface="Times New Roman" panose="02020603050405020304" pitchFamily="18" charset="0"/>
+                        </a:rPr>
                         <a:t> all models, Classes were w</a:t>
                       </a:r>
                       <a:r>
-                        <a:rPr lang="en-US" sz="3000" dirty="0"/>
+                        <a:rPr lang="en-US" sz="3000" dirty="0">
+                          <a:latin typeface="Times New Roman" panose="02020603050405020304" pitchFamily="18" charset="0"/>
+                          <a:cs typeface="Times New Roman" panose="02020603050405020304" pitchFamily="18" charset="0"/>
+                        </a:rPr>
                         <a:t>eighted to address imbalanced dataset</a:t>
                       </a:r>
                       <a:r>
-                        <a:rPr lang="en-US" sz="3000" baseline="0" dirty="0"/>
+                        <a:rPr lang="en-US" sz="3000" baseline="0" dirty="0">
+                          <a:latin typeface="Times New Roman" panose="02020603050405020304" pitchFamily="18" charset="0"/>
+                          <a:cs typeface="Times New Roman" panose="02020603050405020304" pitchFamily="18" charset="0"/>
+                        </a:rPr>
                         <a:t>.</a:t>
                       </a:r>
                       <a:endParaRPr lang="en-US" sz="3000" dirty="0">
                         <a:solidFill>
                           <a:schemeClr val="tx1"/>
                         </a:solidFill>
+                        <a:latin typeface="Times New Roman" panose="02020603050405020304" pitchFamily="18" charset="0"/>
+                        <a:cs typeface="Times New Roman" panose="02020603050405020304" pitchFamily="18" charset="0"/>
                       </a:endParaRPr>
                     </a:p>
                   </a:txBody>
@@ -5279,7 +5488,7 @@
           <p:nvPr/>
         </p:nvPicPr>
         <p:blipFill rotWithShape="1">
-          <a:blip r:embed="rId5">
+          <a:blip r:embed="rId6">
             <a:extLst>
               <a:ext uri="{28A0092B-C50C-407E-A947-70E740481C1C}">
                 <a14:useLocalDpi xmlns:a14="http://schemas.microsoft.com/office/drawing/2010/main" val="0"/>
@@ -5291,7 +5500,7 @@
         </p:blipFill>
         <p:spPr>
           <a:xfrm>
-            <a:off x="11223806" y="6477000"/>
+            <a:off x="11177408" y="6490847"/>
             <a:ext cx="3986392" cy="476505"/>
           </a:xfrm>
           <a:prstGeom prst="rect">
@@ -5308,13 +5517,13 @@
           <p:nvPr/>
         </p:nvPicPr>
         <p:blipFill rotWithShape="1">
-          <a:blip r:embed="rId6"/>
+          <a:blip r:embed="rId7"/>
           <a:srcRect t="5939" b="10907"/>
           <a:stretch/>
         </p:blipFill>
         <p:spPr>
           <a:xfrm>
-            <a:off x="10972800" y="5029200"/>
+            <a:off x="10934700" y="4938642"/>
             <a:ext cx="8382000" cy="1005660"/>
           </a:xfrm>
           <a:prstGeom prst="rect">
@@ -5331,23 +5540,30 @@
           <p:nvPr>
             <p:extLst>
               <p:ext uri="{D42A27DB-BD31-4B8C-83A1-F6EECF244321}">
-                <p14:modId xmlns:p14="http://schemas.microsoft.com/office/powerpoint/2010/main" val="2043003777"/>
+                <p14:modId xmlns:p14="http://schemas.microsoft.com/office/powerpoint/2010/main" val="4277706681"/>
               </p:ext>
             </p:extLst>
           </p:nvPr>
         </p:nvGraphicFramePr>
         <p:xfrm>
-          <a:off x="20802600" y="3886200"/>
-          <a:ext cx="11353800" cy="12344400"/>
+          <a:off x="20178009" y="3871842"/>
+          <a:ext cx="12511791" cy="12282558"/>
         </p:xfrm>
         <a:graphic>
           <a:graphicData uri="http://schemas.openxmlformats.org/drawingml/2006/table">
             <a:tbl>
               <a:tblPr firstRow="1" bandRow="1">
+                <a:effectLst>
+                  <a:outerShdw blurRad="50800" dist="38100" dir="2700000" algn="tl" rotWithShape="0">
+                    <a:prstClr val="black">
+                      <a:alpha val="40000"/>
+                    </a:prstClr>
+                  </a:outerShdw>
+                </a:effectLst>
                 <a:tableStyleId>{5C22544A-7EE6-4342-B048-85BDC9FD1C3A}</a:tableStyleId>
               </a:tblPr>
               <a:tblGrid>
-                <a:gridCol w="11353800">
+                <a:gridCol w="12511791">
                   <a:extLst>
                     <a:ext uri="{9D8B030D-6E8A-4147-A177-3AD203B41FA5}">
                       <a16:colId xmlns:a16="http://schemas.microsoft.com/office/drawing/2014/main" val="4214904625"/>
@@ -5355,7 +5571,7 @@
                   </a:extLst>
                 </a:gridCol>
               </a:tblGrid>
-              <a:tr h="1548862">
+              <a:tr h="833319">
                 <a:tc>
                   <a:txBody>
                     <a:bodyPr/>
@@ -5363,12 +5579,15 @@
                     <a:p>
                       <a:pPr algn="ctr"/>
                       <a:r>
-                        <a:rPr lang="en-US" sz="3600" dirty="0"/>
+                        <a:rPr lang="en-US" sz="3600" dirty="0">
+                          <a:latin typeface="Times New Roman" panose="02020603050405020304" pitchFamily="18" charset="0"/>
+                          <a:cs typeface="Times New Roman" panose="02020603050405020304" pitchFamily="18" charset="0"/>
+                        </a:rPr>
                         <a:t>Results</a:t>
                       </a:r>
                     </a:p>
                   </a:txBody>
-                  <a:tcPr>
+                  <a:tcPr marL="90348" marR="90348" marT="45174" marB="45174">
                     <a:lnL w="12700" cmpd="sng">
                       <a:noFill/>
                     </a:lnL>
@@ -5406,7 +5625,7 @@
                   </a:ext>
                 </a:extLst>
               </a:tr>
-              <a:tr h="10795538">
+              <a:tr h="11449239">
                 <a:tc>
                   <a:txBody>
                     <a:bodyPr/>
@@ -5416,58 +5635,29 @@
                         <a:buFont typeface="Arial" panose="020B0604020202020204" pitchFamily="34" charset="0"/>
                         <a:buNone/>
                       </a:pPr>
-                      <a:r>
-                        <a:rPr lang="en-US" sz="3000" dirty="0">
-                          <a:solidFill>
-                            <a:schemeClr val="tx1"/>
-                          </a:solidFill>
-                        </a:rPr>
-                        <a:t>// TABLE</a:t>
-                      </a:r>
-                      <a:r>
-                        <a:rPr lang="en-US" sz="3000" baseline="0" dirty="0">
-                          <a:solidFill>
-                            <a:schemeClr val="tx1"/>
-                          </a:solidFill>
-                        </a:rPr>
-                        <a:t> of test/training metrics</a:t>
-                      </a:r>
+                      <a:endParaRPr lang="en-US" sz="3000" baseline="0">
+                        <a:solidFill>
+                          <a:schemeClr val="tx1"/>
+                        </a:solidFill>
+                        <a:latin typeface="Times New Roman" panose="02020603050405020304" pitchFamily="18" charset="0"/>
+                        <a:cs typeface="Times New Roman" panose="02020603050405020304" pitchFamily="18" charset="0"/>
+                      </a:endParaRPr>
                     </a:p>
                     <a:p>
                       <a:pPr marL="0" indent="0">
                         <a:buFont typeface="Arial" panose="020B0604020202020204" pitchFamily="34" charset="0"/>
                         <a:buNone/>
                       </a:pPr>
-                      <a:r>
-                        <a:rPr lang="en-US" sz="3000" baseline="0" dirty="0">
-                          <a:solidFill>
-                            <a:schemeClr val="tx1"/>
-                          </a:solidFill>
-                        </a:rPr>
-                        <a:t>// feature selection results</a:t>
-                      </a:r>
-                    </a:p>
-                    <a:p>
-                      <a:pPr marL="0" indent="0">
-                        <a:buFont typeface="Arial" panose="020B0604020202020204" pitchFamily="34" charset="0"/>
-                        <a:buNone/>
-                      </a:pPr>
-                      <a:r>
-                        <a:rPr lang="en-US" sz="3000" baseline="0" dirty="0">
-                          <a:solidFill>
-                            <a:schemeClr val="tx1"/>
-                          </a:solidFill>
-                        </a:rPr>
-                        <a:t>// confusion matrix</a:t>
-                      </a:r>
                       <a:endParaRPr lang="en-US" sz="3000" dirty="0">
                         <a:solidFill>
                           <a:schemeClr val="tx1"/>
                         </a:solidFill>
-                      </a:endParaRPr>
-                    </a:p>
-                  </a:txBody>
-                  <a:tcPr>
+                        <a:latin typeface="Times New Roman" panose="02020603050405020304" pitchFamily="18" charset="0"/>
+                        <a:cs typeface="Times New Roman" panose="02020603050405020304" pitchFamily="18" charset="0"/>
+                      </a:endParaRPr>
+                    </a:p>
+                  </a:txBody>
+                  <a:tcPr marL="90348" marR="90348" marT="45174" marB="45174">
                     <a:lnL w="12700" cap="flat" cmpd="sng" algn="ctr">
                       <a:solidFill>
                         <a:schemeClr val="tx1"/>
@@ -5536,23 +5726,30 @@
           <p:nvPr>
             <p:extLst>
               <p:ext uri="{D42A27DB-BD31-4B8C-83A1-F6EECF244321}">
-                <p14:modId xmlns:p14="http://schemas.microsoft.com/office/powerpoint/2010/main" val="3578768761"/>
+                <p14:modId xmlns:p14="http://schemas.microsoft.com/office/powerpoint/2010/main" val="3658330345"/>
               </p:ext>
             </p:extLst>
           </p:nvPr>
         </p:nvGraphicFramePr>
         <p:xfrm>
-          <a:off x="10706100" y="9996558"/>
-          <a:ext cx="9563100" cy="11724087"/>
+          <a:off x="10210425" y="9982665"/>
+          <a:ext cx="9701259" cy="11490960"/>
         </p:xfrm>
         <a:graphic>
           <a:graphicData uri="http://schemas.openxmlformats.org/drawingml/2006/table">
             <a:tbl>
               <a:tblPr firstRow="1" bandRow="1">
+                <a:effectLst>
+                  <a:outerShdw blurRad="50800" dist="38100" dir="2700000" algn="tl" rotWithShape="0">
+                    <a:prstClr val="black">
+                      <a:alpha val="40000"/>
+                    </a:prstClr>
+                  </a:outerShdw>
+                </a:effectLst>
                 <a:tableStyleId>{5C22544A-7EE6-4342-B048-85BDC9FD1C3A}</a:tableStyleId>
               </a:tblPr>
               <a:tblGrid>
-                <a:gridCol w="9563100">
+                <a:gridCol w="9701259">
                   <a:extLst>
                     <a:ext uri="{9D8B030D-6E8A-4147-A177-3AD203B41FA5}">
                       <a16:colId xmlns:a16="http://schemas.microsoft.com/office/drawing/2014/main" val="4214904625"/>
@@ -5560,7 +5757,7 @@
                   </a:extLst>
                 </a:gridCol>
               </a:tblGrid>
-              <a:tr h="873207">
+              <a:tr h="640080">
                 <a:tc>
                   <a:txBody>
                     <a:bodyPr/>
@@ -5568,7 +5765,10 @@
                     <a:p>
                       <a:pPr algn="ctr"/>
                       <a:r>
-                        <a:rPr lang="en-US" sz="3600" dirty="0"/>
+                        <a:rPr lang="en-US" sz="3600" dirty="0">
+                          <a:latin typeface="Times New Roman" panose="02020603050405020304" pitchFamily="18" charset="0"/>
+                          <a:cs typeface="Times New Roman" panose="02020603050405020304" pitchFamily="18" charset="0"/>
+                        </a:rPr>
                         <a:t>Discussion</a:t>
                       </a:r>
                     </a:p>
@@ -5662,18 +5862,10 @@
                         <a:buFont typeface="Arial" panose="020B0604020202020204" pitchFamily="34" charset="0"/>
                         <a:buChar char="•"/>
                       </a:pPr>
-                      <a:r>
-                        <a:rPr lang="en-US" sz="3000" dirty="0"/>
-                        <a:t>Could predict </a:t>
-                      </a:r>
-                      <a:r>
-                        <a:rPr lang="en-US" sz="3000" dirty="0" err="1"/>
-                        <a:t>consortship</a:t>
-                      </a:r>
-                      <a:r>
-                        <a:rPr lang="en-US" sz="3000" dirty="0"/>
-                        <a:t> to some extent, but high false positive rate, even after trying to account for data imbalance </a:t>
-                      </a:r>
+                      <a:endParaRPr lang="en-US" sz="3000" dirty="0">
+                        <a:latin typeface="Times New Roman" panose="02020603050405020304" pitchFamily="18" charset="0"/>
+                        <a:cs typeface="Times New Roman" panose="02020603050405020304" pitchFamily="18" charset="0"/>
+                      </a:endParaRPr>
                     </a:p>
                     <a:p>
                       <a:pPr marL="457200" indent="-457200">
@@ -5681,14 +5873,12 @@
                         <a:buChar char="•"/>
                       </a:pPr>
                       <a:r>
-                        <a:rPr lang="en-US" sz="3000" dirty="0"/>
-                        <a:t>Both social and genetic factors contribute to models - Difficult to cluster non-consorting pairs. Clusters of consorting pairs included</a:t>
-                      </a:r>
-                      <a:r>
-                        <a:rPr lang="en-US" sz="3000"/>
-                        <a:t>: &lt;&lt;&lt;&lt;&lt;TODO&gt;&gt;&gt;&gt;&gt;</a:t>
-                      </a:r>
-                      <a:endParaRPr lang="en-US" sz="3000" dirty="0"/>
+                        <a:rPr lang="en-US" sz="3000" dirty="0">
+                          <a:latin typeface="Times New Roman" panose="02020603050405020304" pitchFamily="18" charset="0"/>
+                          <a:cs typeface="Times New Roman" panose="02020603050405020304" pitchFamily="18" charset="0"/>
+                        </a:rPr>
+                        <a:t>Could predict consortship to some extent, but high false positive rate, even after trying to account for data imbalance.</a:t>
+                      </a:r>
                     </a:p>
                     <a:p>
                       <a:pPr marL="457200" indent="-457200">
@@ -5696,16 +5886,11 @@
                         <a:buChar char="•"/>
                       </a:pPr>
                       <a:r>
-                        <a:rPr lang="en-US" sz="3000" dirty="0"/>
-                        <a:t> </a:t>
-                      </a:r>
-                      <a:r>
-                        <a:rPr lang="en-US" sz="3000" dirty="0" err="1"/>
-                        <a:t>AdaBoosting</a:t>
-                      </a:r>
-                      <a:r>
-                        <a:rPr lang="en-US" sz="3000" dirty="0"/>
-                        <a:t>: female hybrid score, male genetic diversity, female age, male rank, males present - Gaussian SVM: male/female hybrid scores, male/female genetic diversity, female age, male/female rank, males present, females present - No gains from using researcher-added transformed features from initial dataset</a:t>
+                        <a:rPr lang="en-US" sz="3000" dirty="0">
+                          <a:latin typeface="Times New Roman" panose="02020603050405020304" pitchFamily="18" charset="0"/>
+                          <a:cs typeface="Times New Roman" panose="02020603050405020304" pitchFamily="18" charset="0"/>
+                        </a:rPr>
+                        <a:t>Both social and genetic factors contribute to models.</a:t>
                       </a:r>
                     </a:p>
                     <a:p>
@@ -5714,8 +5899,11 @@
                         <a:buChar char="•"/>
                       </a:pPr>
                       <a:r>
-                        <a:rPr lang="en-US" sz="3000" dirty="0"/>
-                        <a:t>Graphical features helped marginally </a:t>
+                        <a:rPr lang="en-US" sz="3000" dirty="0">
+                          <a:latin typeface="Times New Roman" panose="02020603050405020304" pitchFamily="18" charset="0"/>
+                          <a:cs typeface="Times New Roman" panose="02020603050405020304" pitchFamily="18" charset="0"/>
+                        </a:rPr>
+                        <a:t>AdaBoosting: female hybrid score, male genetic diversity, female age, male rank, males present.</a:t>
                       </a:r>
                     </a:p>
                     <a:p>
@@ -5724,13 +5912,74 @@
                         <a:buChar char="•"/>
                       </a:pPr>
                       <a:r>
-                        <a:rPr lang="en-US" sz="3000" dirty="0"/>
-                        <a:t> Relationships in social mammals are messy, even machine learning can only do so much</a:t>
+                        <a:rPr lang="en-US" sz="3000" dirty="0">
+                          <a:latin typeface="Times New Roman" panose="02020603050405020304" pitchFamily="18" charset="0"/>
+                          <a:cs typeface="Times New Roman" panose="02020603050405020304" pitchFamily="18" charset="0"/>
+                        </a:rPr>
+                        <a:t>Gaussian SVM: male/female hybrid scores, male/female genetic diversity, female age, male/female rank, males present, females present.</a:t>
                       </a:r>
                       <a:endParaRPr lang="en-US" sz="3000" dirty="0">
+                        <a:latin typeface="Times New Roman" panose="02020603050405020304" pitchFamily="18" charset="0"/>
+                        <a:cs typeface="Times New Roman" panose="02020603050405020304" pitchFamily="18" charset="0"/>
+                      </a:endParaRPr>
+                    </a:p>
+                    <a:p>
+                      <a:pPr marL="457200" indent="-457200">
+                        <a:buFont typeface="Arial" panose="020B0604020202020204" pitchFamily="34" charset="0"/>
+                        <a:buChar char="•"/>
+                      </a:pPr>
+                      <a:r>
+                        <a:rPr lang="en-US" sz="3000" dirty="0">
+                          <a:latin typeface="Times New Roman" panose="02020603050405020304" pitchFamily="18" charset="0"/>
+                          <a:cs typeface="Times New Roman" panose="02020603050405020304" pitchFamily="18" charset="0"/>
+                        </a:rPr>
+                        <a:t>Difficult to cluster non-consorting pairs.</a:t>
+                      </a:r>
+                    </a:p>
+                    <a:p>
+                      <a:pPr marL="457200" indent="-457200">
+                        <a:buFont typeface="Arial" panose="020B0604020202020204" pitchFamily="34" charset="0"/>
+                        <a:buChar char="•"/>
+                      </a:pPr>
+                      <a:r>
+                        <a:rPr lang="en-US" sz="3000" dirty="0">
+                          <a:latin typeface="Times New Roman" panose="02020603050405020304" pitchFamily="18" charset="0"/>
+                          <a:cs typeface="Times New Roman" panose="02020603050405020304" pitchFamily="18" charset="0"/>
+                        </a:rPr>
+                        <a:t>No gains from using researcher-added transformed features from initial dataset.</a:t>
+                      </a:r>
+                    </a:p>
+                    <a:p>
+                      <a:pPr marL="457200" indent="-457200">
+                        <a:buFont typeface="Arial" panose="020B0604020202020204" pitchFamily="34" charset="0"/>
+                        <a:buChar char="•"/>
+                      </a:pPr>
+                      <a:r>
+                        <a:rPr lang="en-US" sz="3000" dirty="0">
+                          <a:latin typeface="Times New Roman" panose="02020603050405020304" pitchFamily="18" charset="0"/>
+                          <a:cs typeface="Times New Roman" panose="02020603050405020304" pitchFamily="18" charset="0"/>
+                        </a:rPr>
+                        <a:t>Graphical features helped marginally.</a:t>
+                      </a:r>
+                    </a:p>
+                    <a:p>
+                      <a:pPr marL="457200" indent="-457200">
+                        <a:buFont typeface="Arial" panose="020B0604020202020204" pitchFamily="34" charset="0"/>
+                        <a:buChar char="•"/>
+                      </a:pPr>
+                      <a:r>
+                        <a:rPr lang="en-US" sz="3000" dirty="0">
+                          <a:latin typeface="Times New Roman" panose="02020603050405020304" pitchFamily="18" charset="0"/>
+                          <a:cs typeface="Times New Roman" panose="02020603050405020304" pitchFamily="18" charset="0"/>
+                        </a:rPr>
+                        <a:t>Relationships in social mammals are messy, even machine learning can only do so much.</a:t>
+                      </a:r>
+                      <a:endParaRPr lang="en-US" sz="3000" dirty="0">
                         <a:solidFill>
                           <a:schemeClr val="tx1"/>
                         </a:solidFill>
+                        <a:latin typeface="Times New Roman" panose="02020603050405020304" pitchFamily="18" charset="0"/>
+                        <a:cs typeface="Times New Roman" panose="02020603050405020304" pitchFamily="18" charset="0"/>
                       </a:endParaRPr>
                     </a:p>
                   </a:txBody>
@@ -5803,23 +6052,30 @@
           <p:nvPr>
             <p:extLst>
               <p:ext uri="{D42A27DB-BD31-4B8C-83A1-F6EECF244321}">
-                <p14:modId xmlns:p14="http://schemas.microsoft.com/office/powerpoint/2010/main" val="1907380872"/>
+                <p14:modId xmlns:p14="http://schemas.microsoft.com/office/powerpoint/2010/main" val="953741489"/>
               </p:ext>
             </p:extLst>
           </p:nvPr>
         </p:nvGraphicFramePr>
         <p:xfrm>
-          <a:off x="20820743" y="16306800"/>
-          <a:ext cx="11353800" cy="2682240"/>
+          <a:off x="20178010" y="16292442"/>
+          <a:ext cx="12511790" cy="2682240"/>
         </p:xfrm>
         <a:graphic>
           <a:graphicData uri="http://schemas.openxmlformats.org/drawingml/2006/table">
             <a:tbl>
               <a:tblPr firstRow="1" bandRow="1">
+                <a:effectLst>
+                  <a:outerShdw blurRad="50800" dist="38100" dir="2700000" algn="tl" rotWithShape="0">
+                    <a:prstClr val="black">
+                      <a:alpha val="40000"/>
+                    </a:prstClr>
+                  </a:outerShdw>
+                </a:effectLst>
                 <a:tableStyleId>{5C22544A-7EE6-4342-B048-85BDC9FD1C3A}</a:tableStyleId>
               </a:tblPr>
               <a:tblGrid>
-                <a:gridCol w="11353800">
+                <a:gridCol w="12511790">
                   <a:extLst>
                     <a:ext uri="{9D8B030D-6E8A-4147-A177-3AD203B41FA5}">
                       <a16:colId xmlns:a16="http://schemas.microsoft.com/office/drawing/2014/main" val="4214904625"/>
@@ -5835,7 +6091,10 @@
                     <a:p>
                       <a:pPr algn="ctr"/>
                       <a:r>
-                        <a:rPr lang="en-US" sz="3000" dirty="0"/>
+                        <a:rPr lang="en-US" sz="3000" dirty="0">
+                          <a:latin typeface="Times New Roman" panose="02020603050405020304" pitchFamily="18" charset="0"/>
+                          <a:cs typeface="Times New Roman" panose="02020603050405020304" pitchFamily="18" charset="0"/>
+                        </a:rPr>
                         <a:t>Future Work</a:t>
                       </a:r>
                     </a:p>
@@ -5889,8 +6148,11 @@
                         <a:buChar char="•"/>
                       </a:pPr>
                       <a:r>
-                        <a:rPr lang="en-US" sz="3000" dirty="0"/>
-                        <a:t>Model groups separately</a:t>
+                        <a:rPr lang="en-US" sz="3000" dirty="0">
+                          <a:latin typeface="Times New Roman" panose="02020603050405020304" pitchFamily="18" charset="0"/>
+                          <a:cs typeface="Times New Roman" panose="02020603050405020304" pitchFamily="18" charset="0"/>
+                        </a:rPr>
+                        <a:t>Model groups separately.</a:t>
                       </a:r>
                     </a:p>
                     <a:p>
@@ -5899,8 +6161,11 @@
                         <a:buChar char="•"/>
                       </a:pPr>
                       <a:r>
-                        <a:rPr lang="en-US" sz="3000" dirty="0"/>
-                        <a:t>Continue to investigate graphical methods and other ways to augment features for existing dataset</a:t>
+                        <a:rPr lang="en-US" sz="3000" dirty="0">
+                          <a:latin typeface="Times New Roman" panose="02020603050405020304" pitchFamily="18" charset="0"/>
+                          <a:cs typeface="Times New Roman" panose="02020603050405020304" pitchFamily="18" charset="0"/>
+                        </a:rPr>
+                        <a:t>Continue to investigate graphical methods and other ways to augment features for existing dataset.</a:t>
                       </a:r>
                     </a:p>
                     <a:p>
@@ -5909,13 +6174,18 @@
                         <a:buChar char="•"/>
                       </a:pPr>
                       <a:r>
-                        <a:rPr lang="en-US" sz="3000" dirty="0"/>
-                        <a:t>Find or generate a larger dataset with additional features</a:t>
+                        <a:rPr lang="en-US" sz="3000" dirty="0">
+                          <a:latin typeface="Times New Roman" panose="02020603050405020304" pitchFamily="18" charset="0"/>
+                          <a:cs typeface="Times New Roman" panose="02020603050405020304" pitchFamily="18" charset="0"/>
+                        </a:rPr>
+                        <a:t>Find or generate a larger dataset with additional features.</a:t>
                       </a:r>
                       <a:endParaRPr lang="en-US" sz="3000" dirty="0">
                         <a:solidFill>
                           <a:schemeClr val="tx1"/>
                         </a:solidFill>
+                        <a:latin typeface="Times New Roman" panose="02020603050405020304" pitchFamily="18" charset="0"/>
+                        <a:cs typeface="Times New Roman" panose="02020603050405020304" pitchFamily="18" charset="0"/>
                       </a:endParaRPr>
                     </a:p>
                   </a:txBody>
@@ -5988,23 +6258,30 @@
           <p:nvPr>
             <p:extLst>
               <p:ext uri="{D42A27DB-BD31-4B8C-83A1-F6EECF244321}">
-                <p14:modId xmlns:p14="http://schemas.microsoft.com/office/powerpoint/2010/main" val="1980443336"/>
+                <p14:modId xmlns:p14="http://schemas.microsoft.com/office/powerpoint/2010/main" val="1996035649"/>
               </p:ext>
             </p:extLst>
           </p:nvPr>
         </p:nvGraphicFramePr>
         <p:xfrm>
-          <a:off x="20791714" y="19202400"/>
-          <a:ext cx="11353800" cy="2517938"/>
+          <a:off x="20178009" y="19188042"/>
+          <a:ext cx="12511789" cy="2517938"/>
         </p:xfrm>
         <a:graphic>
           <a:graphicData uri="http://schemas.openxmlformats.org/drawingml/2006/table">
             <a:tbl>
               <a:tblPr firstRow="1" bandRow="1">
+                <a:effectLst>
+                  <a:outerShdw blurRad="50800" dist="38100" dir="2700000" algn="tl" rotWithShape="0">
+                    <a:prstClr val="black">
+                      <a:alpha val="40000"/>
+                    </a:prstClr>
+                  </a:outerShdw>
+                </a:effectLst>
                 <a:tableStyleId>{5C22544A-7EE6-4342-B048-85BDC9FD1C3A}</a:tableStyleId>
               </a:tblPr>
               <a:tblGrid>
-                <a:gridCol w="11353800">
+                <a:gridCol w="12511789">
                   <a:extLst>
                     <a:ext uri="{9D8B030D-6E8A-4147-A177-3AD203B41FA5}">
                       <a16:colId xmlns:a16="http://schemas.microsoft.com/office/drawing/2014/main" val="4214904625"/>
@@ -6020,7 +6297,10 @@
                     <a:p>
                       <a:pPr algn="ctr"/>
                       <a:r>
-                        <a:rPr lang="en-US" sz="3600" dirty="0"/>
+                        <a:rPr lang="en-US" sz="3600" dirty="0">
+                          <a:latin typeface="Times New Roman" panose="02020603050405020304" pitchFamily="18" charset="0"/>
+                          <a:cs typeface="Times New Roman" panose="02020603050405020304" pitchFamily="18" charset="0"/>
+                        </a:rPr>
                         <a:t>References</a:t>
                       </a:r>
                     </a:p>
@@ -6074,37 +6354,60 @@
                         <a:buNone/>
                       </a:pPr>
                       <a:r>
-                        <a:rPr lang="en-US" sz="2500" dirty="0"/>
+                        <a:rPr lang="en-US" sz="2500" dirty="0">
+                          <a:latin typeface="Times New Roman" panose="02020603050405020304" pitchFamily="18" charset="0"/>
+                          <a:cs typeface="Times New Roman" panose="02020603050405020304" pitchFamily="18" charset="0"/>
+                        </a:rPr>
                         <a:t>Jenny Tung, Marie J. E. </a:t>
                       </a:r>
                       <a:r>
-                        <a:rPr lang="en-US" sz="2500" dirty="0" err="1"/>
+                        <a:rPr lang="en-US" sz="2500" dirty="0" err="1">
+                          <a:latin typeface="Times New Roman" panose="02020603050405020304" pitchFamily="18" charset="0"/>
+                          <a:cs typeface="Times New Roman" panose="02020603050405020304" pitchFamily="18" charset="0"/>
+                        </a:rPr>
                         <a:t>Charpentier</a:t>
                       </a:r>
                       <a:r>
-                        <a:rPr lang="en-US" sz="2500" dirty="0"/>
+                        <a:rPr lang="en-US" sz="2500" dirty="0">
+                          <a:latin typeface="Times New Roman" panose="02020603050405020304" pitchFamily="18" charset="0"/>
+                          <a:cs typeface="Times New Roman" panose="02020603050405020304" pitchFamily="18" charset="0"/>
+                        </a:rPr>
                         <a:t>, </a:t>
                       </a:r>
                       <a:r>
-                        <a:rPr lang="en-US" sz="2500" dirty="0" err="1"/>
+                        <a:rPr lang="en-US" sz="2500" dirty="0" err="1">
+                          <a:latin typeface="Times New Roman" panose="02020603050405020304" pitchFamily="18" charset="0"/>
+                          <a:cs typeface="Times New Roman" panose="02020603050405020304" pitchFamily="18" charset="0"/>
+                        </a:rPr>
                         <a:t>Sayan</a:t>
                       </a:r>
                       <a:r>
-                        <a:rPr lang="en-US" sz="2500" dirty="0"/>
+                        <a:rPr lang="en-US" sz="2500" dirty="0">
+                          <a:latin typeface="Times New Roman" panose="02020603050405020304" pitchFamily="18" charset="0"/>
+                          <a:cs typeface="Times New Roman" panose="02020603050405020304" pitchFamily="18" charset="0"/>
+                        </a:rPr>
                         <a:t> Mukherjee, Jeanne </a:t>
                       </a:r>
                       <a:r>
-                        <a:rPr lang="en-US" sz="2500" dirty="0" err="1"/>
+                        <a:rPr lang="en-US" sz="2500" dirty="0" err="1">
+                          <a:latin typeface="Times New Roman" panose="02020603050405020304" pitchFamily="18" charset="0"/>
+                          <a:cs typeface="Times New Roman" panose="02020603050405020304" pitchFamily="18" charset="0"/>
+                        </a:rPr>
                         <a:t>Altmann</a:t>
                       </a:r>
                       <a:r>
-                        <a:rPr lang="en-US" sz="2500" dirty="0"/>
+                        <a:rPr lang="en-US" sz="2500" dirty="0">
+                          <a:latin typeface="Times New Roman" panose="02020603050405020304" pitchFamily="18" charset="0"/>
+                          <a:cs typeface="Times New Roman" panose="02020603050405020304" pitchFamily="18" charset="0"/>
+                        </a:rPr>
                         <a:t>, and Susan C. Alberts (2012) Genetic Effects on Mating Success and Partner Choice in a Social Mammal. The American Naturalist, 2012 180:1, 113--129.</a:t>
                       </a:r>
                       <a:endParaRPr lang="en-US" sz="2500" dirty="0">
                         <a:solidFill>
                           <a:schemeClr val="tx1"/>
                         </a:solidFill>
+                        <a:latin typeface="Times New Roman" panose="02020603050405020304" pitchFamily="18" charset="0"/>
+                        <a:cs typeface="Times New Roman" panose="02020603050405020304" pitchFamily="18" charset="0"/>
                       </a:endParaRPr>
                     </a:p>
                   </a:txBody>
@@ -6177,7 +6480,7 @@
           <p:nvPr/>
         </p:nvPicPr>
         <p:blipFill rotWithShape="1">
-          <a:blip r:embed="rId5">
+          <a:blip r:embed="rId6">
             <a:extLst>
               <a:ext uri="{28A0092B-C50C-407E-A947-70E740481C1C}">
                 <a14:useLocalDpi xmlns:a14="http://schemas.microsoft.com/office/drawing/2010/main" val="0"/>
@@ -6189,8 +6492,37 @@
         </p:blipFill>
         <p:spPr>
           <a:xfrm>
-            <a:off x="15383352" y="6344204"/>
+            <a:off x="15371081" y="6854182"/>
             <a:ext cx="2989568" cy="970996"/>
+          </a:xfrm>
+          <a:prstGeom prst="rect">
+            <a:avLst/>
+          </a:prstGeom>
+        </p:spPr>
+      </p:pic>
+      <p:pic>
+        <p:nvPicPr>
+          <p:cNvPr id="3" name="Picture 2"/>
+          <p:cNvPicPr>
+            <a:picLocks noChangeAspect="1"/>
+          </p:cNvPicPr>
+          <p:nvPr/>
+        </p:nvPicPr>
+        <p:blipFill rotWithShape="1">
+          <a:blip r:embed="rId8">
+            <a:extLst>
+              <a:ext uri="{28A0092B-C50C-407E-A947-70E740481C1C}">
+                <a14:useLocalDpi xmlns:a14="http://schemas.microsoft.com/office/drawing/2010/main" val="0"/>
+              </a:ext>
+            </a:extLst>
+          </a:blip>
+          <a:srcRect l="13838" t="6977" r="13387" b="8155"/>
+          <a:stretch/>
+        </p:blipFill>
+        <p:spPr>
+          <a:xfrm>
+            <a:off x="10274402" y="10772854"/>
+            <a:ext cx="6101716" cy="3732840"/>
           </a:xfrm>
           <a:prstGeom prst="rect">
             <a:avLst/>
@@ -6206,7 +6538,7 @@
           <p:nvPr/>
         </p:nvPicPr>
         <p:blipFill rotWithShape="1">
-          <a:blip r:embed="rId5">
+          <a:blip r:embed="rId6">
             <a:extLst>
               <a:ext uri="{28A0092B-C50C-407E-A947-70E740481C1C}">
                 <a14:useLocalDpi xmlns:a14="http://schemas.microsoft.com/office/drawing/2010/main" val="0"/>
@@ -6218,7 +6550,7 @@
         </p:blipFill>
         <p:spPr>
           <a:xfrm>
-            <a:off x="11281446" y="6952134"/>
+            <a:off x="11185706" y="7005711"/>
             <a:ext cx="2167526" cy="744066"/>
           </a:xfrm>
           <a:prstGeom prst="rect">
@@ -6226,36 +6558,6201 @@
           </a:prstGeom>
         </p:spPr>
       </p:pic>
-      <p:pic>
-        <p:nvPicPr>
-          <p:cNvPr id="2052" name="Picture 2051"/>
-          <p:cNvPicPr>
-            <a:picLocks noChangeAspect="1"/>
-          </p:cNvPicPr>
-          <p:nvPr/>
-        </p:nvPicPr>
-        <p:blipFill>
-          <a:blip r:embed="rId7">
-            <a:extLst>
-              <a:ext uri="{28A0092B-C50C-407E-A947-70E740481C1C}">
-                <a14:useLocalDpi xmlns:a14="http://schemas.microsoft.com/office/drawing/2010/main" val="0"/>
-              </a:ext>
-            </a:extLst>
-          </a:blip>
-          <a:stretch>
-            <a:fillRect/>
-          </a:stretch>
-        </p:blipFill>
-        <p:spPr>
-          <a:xfrm>
-            <a:off x="12211050" y="11049000"/>
-            <a:ext cx="6381750" cy="3290469"/>
-          </a:xfrm>
-          <a:prstGeom prst="rect">
-            <a:avLst/>
-          </a:prstGeom>
-        </p:spPr>
-      </p:pic>
+      <p:graphicFrame>
+        <p:nvGraphicFramePr>
+          <p:cNvPr id="8" name="Table 7"/>
+          <p:cNvGraphicFramePr>
+            <a:graphicFrameLocks noGrp="1"/>
+          </p:cNvGraphicFramePr>
+          <p:nvPr>
+            <p:extLst>
+              <p:ext uri="{D42A27DB-BD31-4B8C-83A1-F6EECF244321}">
+                <p14:modId xmlns:p14="http://schemas.microsoft.com/office/powerpoint/2010/main" val="3290795943"/>
+              </p:ext>
+            </p:extLst>
+          </p:nvPr>
+        </p:nvGraphicFramePr>
+        <p:xfrm>
+          <a:off x="16373765" y="12481998"/>
+          <a:ext cx="3428999" cy="1547815"/>
+        </p:xfrm>
+        <a:graphic>
+          <a:graphicData uri="http://schemas.openxmlformats.org/drawingml/2006/table">
+            <a:tbl>
+              <a:tblPr/>
+              <a:tblGrid>
+                <a:gridCol w="1629217">
+                  <a:extLst>
+                    <a:ext uri="{9D8B030D-6E8A-4147-A177-3AD203B41FA5}">
+                      <a16:colId xmlns:a16="http://schemas.microsoft.com/office/drawing/2014/main" val="860067142"/>
+                    </a:ext>
+                  </a:extLst>
+                </a:gridCol>
+                <a:gridCol w="1799782">
+                  <a:extLst>
+                    <a:ext uri="{9D8B030D-6E8A-4147-A177-3AD203B41FA5}">
+                      <a16:colId xmlns:a16="http://schemas.microsoft.com/office/drawing/2014/main" val="1348089891"/>
+                    </a:ext>
+                  </a:extLst>
+                </a:gridCol>
+              </a:tblGrid>
+              <a:tr h="309563">
+                <a:tc>
+                  <a:txBody>
+                    <a:bodyPr/>
+                    <a:lstStyle/>
+                    <a:p>
+                      <a:pPr algn="l" fontAlgn="b"/>
+                      <a:r>
+                        <a:rPr lang="en-US" sz="2000" b="0" i="0" u="none" strike="noStrike" dirty="0">
+                          <a:solidFill>
+                            <a:srgbClr val="FF0000"/>
+                          </a:solidFill>
+                          <a:effectLst/>
+                          <a:latin typeface="Calibri" panose="020F0502020204030204" pitchFamily="34" charset="0"/>
+                        </a:rPr>
+                        <a:t> High male rank</a:t>
+                      </a:r>
+                    </a:p>
+                  </a:txBody>
+                  <a:tcPr marL="4763" marR="4763" marT="4763" marB="0" anchor="b">
+                    <a:lnL w="12700" cap="flat" cmpd="sng" algn="ctr">
+                      <a:solidFill>
+                        <a:schemeClr val="tx1"/>
+                      </a:solidFill>
+                      <a:prstDash val="solid"/>
+                      <a:round/>
+                      <a:headEnd type="none" w="med" len="med"/>
+                      <a:tailEnd type="none" w="med" len="med"/>
+                    </a:lnL>
+                    <a:lnR>
+                      <a:noFill/>
+                    </a:lnR>
+                    <a:lnT w="12700" cap="flat" cmpd="sng" algn="ctr">
+                      <a:solidFill>
+                        <a:schemeClr val="tx1"/>
+                      </a:solidFill>
+                      <a:prstDash val="solid"/>
+                      <a:round/>
+                      <a:headEnd type="none" w="med" len="med"/>
+                      <a:tailEnd type="none" w="med" len="med"/>
+                    </a:lnT>
+                    <a:lnB>
+                      <a:noFill/>
+                    </a:lnB>
+                  </a:tcPr>
+                </a:tc>
+                <a:tc>
+                  <a:txBody>
+                    <a:bodyPr/>
+                    <a:lstStyle/>
+                    <a:p>
+                      <a:pPr algn="l" fontAlgn="b"/>
+                      <a:endParaRPr lang="en-US" sz="2000" b="0" i="0" u="none" strike="noStrike" dirty="0">
+                        <a:solidFill>
+                          <a:srgbClr val="000000"/>
+                        </a:solidFill>
+                        <a:effectLst/>
+                        <a:latin typeface="Calibri" panose="020F0502020204030204" pitchFamily="34" charset="0"/>
+                      </a:endParaRPr>
+                    </a:p>
+                  </a:txBody>
+                  <a:tcPr marL="4763" marR="4763" marT="4763" marB="0" anchor="b">
+                    <a:lnL>
+                      <a:noFill/>
+                    </a:lnL>
+                    <a:lnR w="12700" cap="flat" cmpd="sng" algn="ctr">
+                      <a:solidFill>
+                        <a:schemeClr val="tx1"/>
+                      </a:solidFill>
+                      <a:prstDash val="solid"/>
+                      <a:round/>
+                      <a:headEnd type="none" w="med" len="med"/>
+                      <a:tailEnd type="none" w="med" len="med"/>
+                    </a:lnR>
+                    <a:lnT w="12700" cap="flat" cmpd="sng" algn="ctr">
+                      <a:solidFill>
+                        <a:schemeClr val="tx1"/>
+                      </a:solidFill>
+                      <a:prstDash val="solid"/>
+                      <a:round/>
+                      <a:headEnd type="none" w="med" len="med"/>
+                      <a:tailEnd type="none" w="med" len="med"/>
+                    </a:lnT>
+                    <a:lnB>
+                      <a:noFill/>
+                    </a:lnB>
+                  </a:tcPr>
+                </a:tc>
+                <a:extLst>
+                  <a:ext uri="{0D108BD9-81ED-4DB2-BD59-A6C34878D82A}">
+                    <a16:rowId xmlns:a16="http://schemas.microsoft.com/office/drawing/2014/main" val="1294388605"/>
+                  </a:ext>
+                </a:extLst>
+              </a:tr>
+              <a:tr h="309563">
+                <a:tc>
+                  <a:txBody>
+                    <a:bodyPr/>
+                    <a:lstStyle/>
+                    <a:p>
+                      <a:pPr algn="l" fontAlgn="b"/>
+                      <a:r>
+                        <a:rPr lang="en-US" sz="2000" b="0" i="0" u="none" strike="noStrike" dirty="0">
+                          <a:solidFill>
+                            <a:srgbClr val="00FFFF"/>
+                          </a:solidFill>
+                          <a:effectLst/>
+                          <a:latin typeface="Calibri" panose="020F0502020204030204" pitchFamily="34" charset="0"/>
+                        </a:rPr>
+                        <a:t> Old females</a:t>
+                      </a:r>
+                    </a:p>
+                  </a:txBody>
+                  <a:tcPr marL="4763" marR="4763" marT="4763" marB="0" anchor="b">
+                    <a:lnL w="12700" cap="flat" cmpd="sng" algn="ctr">
+                      <a:solidFill>
+                        <a:schemeClr val="tx1"/>
+                      </a:solidFill>
+                      <a:prstDash val="solid"/>
+                      <a:round/>
+                      <a:headEnd type="none" w="med" len="med"/>
+                      <a:tailEnd type="none" w="med" len="med"/>
+                    </a:lnL>
+                    <a:lnR>
+                      <a:noFill/>
+                    </a:lnR>
+                    <a:lnT>
+                      <a:noFill/>
+                    </a:lnT>
+                    <a:lnB>
+                      <a:noFill/>
+                    </a:lnB>
+                  </a:tcPr>
+                </a:tc>
+                <a:tc>
+                  <a:txBody>
+                    <a:bodyPr/>
+                    <a:lstStyle/>
+                    <a:p>
+                      <a:pPr algn="l" fontAlgn="b"/>
+                      <a:endParaRPr lang="en-US" sz="2000" b="0" i="0" u="none" strike="noStrike" dirty="0">
+                        <a:solidFill>
+                          <a:srgbClr val="000000"/>
+                        </a:solidFill>
+                        <a:effectLst/>
+                        <a:latin typeface="Calibri" panose="020F0502020204030204" pitchFamily="34" charset="0"/>
+                      </a:endParaRPr>
+                    </a:p>
+                  </a:txBody>
+                  <a:tcPr marL="4763" marR="4763" marT="4763" marB="0" anchor="b">
+                    <a:lnL>
+                      <a:noFill/>
+                    </a:lnL>
+                    <a:lnR w="12700" cap="flat" cmpd="sng" algn="ctr">
+                      <a:solidFill>
+                        <a:schemeClr val="tx1"/>
+                      </a:solidFill>
+                      <a:prstDash val="solid"/>
+                      <a:round/>
+                      <a:headEnd type="none" w="med" len="med"/>
+                      <a:tailEnd type="none" w="med" len="med"/>
+                    </a:lnR>
+                    <a:lnT>
+                      <a:noFill/>
+                    </a:lnT>
+                    <a:lnB>
+                      <a:noFill/>
+                    </a:lnB>
+                  </a:tcPr>
+                </a:tc>
+                <a:extLst>
+                  <a:ext uri="{0D108BD9-81ED-4DB2-BD59-A6C34878D82A}">
+                    <a16:rowId xmlns:a16="http://schemas.microsoft.com/office/drawing/2014/main" val="3506446800"/>
+                  </a:ext>
+                </a:extLst>
+              </a:tr>
+              <a:tr h="309563">
+                <a:tc gridSpan="2">
+                  <a:txBody>
+                    <a:bodyPr/>
+                    <a:lstStyle/>
+                    <a:p>
+                      <a:pPr algn="l" fontAlgn="b"/>
+                      <a:r>
+                        <a:rPr lang="en-US" sz="2000" b="0" i="0" u="none" strike="noStrike" dirty="0">
+                          <a:solidFill>
+                            <a:srgbClr val="375623"/>
+                          </a:solidFill>
+                          <a:effectLst/>
+                          <a:latin typeface="Calibri" panose="020F0502020204030204" pitchFamily="34" charset="0"/>
+                        </a:rPr>
+                        <a:t> Low number of males present</a:t>
+                      </a:r>
+                    </a:p>
+                  </a:txBody>
+                  <a:tcPr marL="4763" marR="4763" marT="4763" marB="0" anchor="b">
+                    <a:lnL w="12700" cap="flat" cmpd="sng" algn="ctr">
+                      <a:solidFill>
+                        <a:schemeClr val="tx1"/>
+                      </a:solidFill>
+                      <a:prstDash val="solid"/>
+                      <a:round/>
+                      <a:headEnd type="none" w="med" len="med"/>
+                      <a:tailEnd type="none" w="med" len="med"/>
+                    </a:lnL>
+                    <a:lnR w="12700" cap="flat" cmpd="sng" algn="ctr">
+                      <a:solidFill>
+                        <a:schemeClr val="tx1"/>
+                      </a:solidFill>
+                      <a:prstDash val="solid"/>
+                      <a:round/>
+                      <a:headEnd type="none" w="med" len="med"/>
+                      <a:tailEnd type="none" w="med" len="med"/>
+                    </a:lnR>
+                    <a:lnT>
+                      <a:noFill/>
+                    </a:lnT>
+                    <a:lnB>
+                      <a:noFill/>
+                    </a:lnB>
+                  </a:tcPr>
+                </a:tc>
+                <a:tc hMerge="1">
+                  <a:txBody>
+                    <a:bodyPr/>
+                    <a:lstStyle/>
+                    <a:p>
+                      <a:endParaRPr lang="en-US"/>
+                    </a:p>
+                  </a:txBody>
+                  <a:tcPr/>
+                </a:tc>
+                <a:extLst>
+                  <a:ext uri="{0D108BD9-81ED-4DB2-BD59-A6C34878D82A}">
+                    <a16:rowId xmlns:a16="http://schemas.microsoft.com/office/drawing/2014/main" val="88276105"/>
+                  </a:ext>
+                </a:extLst>
+              </a:tr>
+              <a:tr h="309563">
+                <a:tc gridSpan="2">
+                  <a:txBody>
+                    <a:bodyPr/>
+                    <a:lstStyle/>
+                    <a:p>
+                      <a:pPr algn="l" fontAlgn="b"/>
+                      <a:r>
+                        <a:rPr lang="en-US" sz="2000" b="0" i="0" u="none" strike="noStrike" dirty="0">
+                          <a:solidFill>
+                            <a:srgbClr val="0070C0"/>
+                          </a:solidFill>
+                          <a:effectLst/>
+                          <a:latin typeface="Calibri" panose="020F0502020204030204" pitchFamily="34" charset="0"/>
+                        </a:rPr>
+                        <a:t> Low number of females present</a:t>
+                      </a:r>
+                    </a:p>
+                  </a:txBody>
+                  <a:tcPr marL="4763" marR="4763" marT="4763" marB="0" anchor="b">
+                    <a:lnL w="12700" cap="flat" cmpd="sng" algn="ctr">
+                      <a:solidFill>
+                        <a:schemeClr val="tx1"/>
+                      </a:solidFill>
+                      <a:prstDash val="solid"/>
+                      <a:round/>
+                      <a:headEnd type="none" w="med" len="med"/>
+                      <a:tailEnd type="none" w="med" len="med"/>
+                    </a:lnL>
+                    <a:lnR w="12700" cap="flat" cmpd="sng" algn="ctr">
+                      <a:solidFill>
+                        <a:schemeClr val="tx1"/>
+                      </a:solidFill>
+                      <a:prstDash val="solid"/>
+                      <a:round/>
+                      <a:headEnd type="none" w="med" len="med"/>
+                      <a:tailEnd type="none" w="med" len="med"/>
+                    </a:lnR>
+                    <a:lnT>
+                      <a:noFill/>
+                    </a:lnT>
+                    <a:lnB>
+                      <a:noFill/>
+                    </a:lnB>
+                  </a:tcPr>
+                </a:tc>
+                <a:tc hMerge="1">
+                  <a:txBody>
+                    <a:bodyPr/>
+                    <a:lstStyle/>
+                    <a:p>
+                      <a:endParaRPr lang="en-US"/>
+                    </a:p>
+                  </a:txBody>
+                  <a:tcPr/>
+                </a:tc>
+                <a:extLst>
+                  <a:ext uri="{0D108BD9-81ED-4DB2-BD59-A6C34878D82A}">
+                    <a16:rowId xmlns:a16="http://schemas.microsoft.com/office/drawing/2014/main" val="3431526430"/>
+                  </a:ext>
+                </a:extLst>
+              </a:tr>
+              <a:tr h="309563">
+                <a:tc gridSpan="2">
+                  <a:txBody>
+                    <a:bodyPr/>
+                    <a:lstStyle/>
+                    <a:p>
+                      <a:pPr algn="l" fontAlgn="b"/>
+                      <a:r>
+                        <a:rPr lang="en-US" sz="2000" b="0" i="0" u="none" strike="noStrike" dirty="0">
+                          <a:solidFill>
+                            <a:srgbClr val="ED7D31"/>
+                          </a:solidFill>
+                          <a:effectLst/>
+                          <a:latin typeface="Calibri" panose="020F0502020204030204" pitchFamily="34" charset="0"/>
+                        </a:rPr>
+                        <a:t> High number of males present</a:t>
+                      </a:r>
+                    </a:p>
+                  </a:txBody>
+                  <a:tcPr marL="4763" marR="4763" marT="4763" marB="0" anchor="b">
+                    <a:lnL w="12700" cap="flat" cmpd="sng" algn="ctr">
+                      <a:solidFill>
+                        <a:schemeClr val="tx1"/>
+                      </a:solidFill>
+                      <a:prstDash val="solid"/>
+                      <a:round/>
+                      <a:headEnd type="none" w="med" len="med"/>
+                      <a:tailEnd type="none" w="med" len="med"/>
+                    </a:lnL>
+                    <a:lnR w="12700" cap="flat" cmpd="sng" algn="ctr">
+                      <a:solidFill>
+                        <a:schemeClr val="tx1"/>
+                      </a:solidFill>
+                      <a:prstDash val="solid"/>
+                      <a:round/>
+                      <a:headEnd type="none" w="med" len="med"/>
+                      <a:tailEnd type="none" w="med" len="med"/>
+                    </a:lnR>
+                    <a:lnT>
+                      <a:noFill/>
+                    </a:lnT>
+                    <a:lnB w="12700" cap="flat" cmpd="sng" algn="ctr">
+                      <a:solidFill>
+                        <a:schemeClr val="tx1"/>
+                      </a:solidFill>
+                      <a:prstDash val="solid"/>
+                      <a:round/>
+                      <a:headEnd type="none" w="med" len="med"/>
+                      <a:tailEnd type="none" w="med" len="med"/>
+                    </a:lnB>
+                  </a:tcPr>
+                </a:tc>
+                <a:tc hMerge="1">
+                  <a:txBody>
+                    <a:bodyPr/>
+                    <a:lstStyle/>
+                    <a:p>
+                      <a:endParaRPr lang="en-US"/>
+                    </a:p>
+                  </a:txBody>
+                  <a:tcPr/>
+                </a:tc>
+                <a:extLst>
+                  <a:ext uri="{0D108BD9-81ED-4DB2-BD59-A6C34878D82A}">
+                    <a16:rowId xmlns:a16="http://schemas.microsoft.com/office/drawing/2014/main" val="1809261460"/>
+                  </a:ext>
+                </a:extLst>
+              </a:tr>
+            </a:tbl>
+          </a:graphicData>
+        </a:graphic>
+      </p:graphicFrame>
+      <p:graphicFrame>
+        <p:nvGraphicFramePr>
+          <p:cNvPr id="13" name="Table 12"/>
+          <p:cNvGraphicFramePr>
+            <a:graphicFrameLocks noGrp="1"/>
+          </p:cNvGraphicFramePr>
+          <p:nvPr>
+            <p:extLst>
+              <p:ext uri="{D42A27DB-BD31-4B8C-83A1-F6EECF244321}">
+                <p14:modId xmlns:p14="http://schemas.microsoft.com/office/powerpoint/2010/main" val="864440234"/>
+              </p:ext>
+            </p:extLst>
+          </p:nvPr>
+        </p:nvGraphicFramePr>
+        <p:xfrm>
+          <a:off x="22005549" y="11003645"/>
+          <a:ext cx="8105776" cy="1566747"/>
+        </p:xfrm>
+        <a:graphic>
+          <a:graphicData uri="http://schemas.openxmlformats.org/drawingml/2006/table">
+            <a:tbl>
+              <a:tblPr>
+                <a:tableStyleId>{5C22544A-7EE6-4342-B048-85BDC9FD1C3A}</a:tableStyleId>
+              </a:tblPr>
+              <a:tblGrid>
+                <a:gridCol w="2517056">
+                  <a:extLst>
+                    <a:ext uri="{9D8B030D-6E8A-4147-A177-3AD203B41FA5}">
+                      <a16:colId xmlns:a16="http://schemas.microsoft.com/office/drawing/2014/main" val="410667852"/>
+                    </a:ext>
+                  </a:extLst>
+                </a:gridCol>
+                <a:gridCol w="2453064">
+                  <a:extLst>
+                    <a:ext uri="{9D8B030D-6E8A-4147-A177-3AD203B41FA5}">
+                      <a16:colId xmlns:a16="http://schemas.microsoft.com/office/drawing/2014/main" val="769214438"/>
+                    </a:ext>
+                  </a:extLst>
+                </a:gridCol>
+                <a:gridCol w="3135656">
+                  <a:extLst>
+                    <a:ext uri="{9D8B030D-6E8A-4147-A177-3AD203B41FA5}">
+                      <a16:colId xmlns:a16="http://schemas.microsoft.com/office/drawing/2014/main" val="66819899"/>
+                    </a:ext>
+                  </a:extLst>
+                </a:gridCol>
+              </a:tblGrid>
+              <a:tr h="426195">
+                <a:tc gridSpan="3">
+                  <a:txBody>
+                    <a:bodyPr/>
+                    <a:lstStyle/>
+                    <a:p>
+                      <a:pPr algn="ctr" fontAlgn="b"/>
+                      <a:r>
+                        <a:rPr lang="en-US" sz="2400" b="1" u="none" strike="noStrike" dirty="0">
+                          <a:effectLst/>
+                          <a:latin typeface="Times New Roman" panose="02020603050405020304" pitchFamily="18" charset="0"/>
+                          <a:cs typeface="Times New Roman" panose="02020603050405020304" pitchFamily="18" charset="0"/>
+                        </a:rPr>
+                        <a:t>Normalized Confusion Matrix for AdaBoosting</a:t>
+                      </a:r>
+                      <a:endParaRPr lang="en-US" sz="2400" b="1" i="0" u="none" strike="noStrike" dirty="0">
+                        <a:solidFill>
+                          <a:srgbClr val="000000"/>
+                        </a:solidFill>
+                        <a:effectLst/>
+                        <a:latin typeface="Times New Roman" panose="02020603050405020304" pitchFamily="18" charset="0"/>
+                        <a:cs typeface="Times New Roman" panose="02020603050405020304" pitchFamily="18" charset="0"/>
+                      </a:endParaRPr>
+                    </a:p>
+                  </a:txBody>
+                  <a:tcPr marL="14424" marR="14424" marT="14424" marB="0" anchor="b">
+                    <a:lnL w="12700" cap="flat" cmpd="sng" algn="ctr">
+                      <a:solidFill>
+                        <a:schemeClr val="tx1"/>
+                      </a:solidFill>
+                      <a:prstDash val="solid"/>
+                      <a:round/>
+                      <a:headEnd type="none" w="med" len="med"/>
+                      <a:tailEnd type="none" w="med" len="med"/>
+                    </a:lnL>
+                    <a:lnR w="12700" cap="flat" cmpd="sng" algn="ctr">
+                      <a:solidFill>
+                        <a:schemeClr val="tx1"/>
+                      </a:solidFill>
+                      <a:prstDash val="solid"/>
+                      <a:round/>
+                      <a:headEnd type="none" w="med" len="med"/>
+                      <a:tailEnd type="none" w="med" len="med"/>
+                    </a:lnR>
+                    <a:lnT w="12700" cap="flat" cmpd="sng" algn="ctr">
+                      <a:solidFill>
+                        <a:schemeClr val="tx1"/>
+                      </a:solidFill>
+                      <a:prstDash val="solid"/>
+                      <a:round/>
+                      <a:headEnd type="none" w="med" len="med"/>
+                      <a:tailEnd type="none" w="med" len="med"/>
+                    </a:lnT>
+                    <a:lnB w="12700" cap="flat" cmpd="sng" algn="ctr">
+                      <a:solidFill>
+                        <a:schemeClr val="tx1"/>
+                      </a:solidFill>
+                      <a:prstDash val="solid"/>
+                      <a:round/>
+                      <a:headEnd type="none" w="med" len="med"/>
+                      <a:tailEnd type="none" w="med" len="med"/>
+                    </a:lnB>
+                    <a:noFill/>
+                  </a:tcPr>
+                </a:tc>
+                <a:tc hMerge="1">
+                  <a:txBody>
+                    <a:bodyPr/>
+                    <a:lstStyle/>
+                    <a:p>
+                      <a:endParaRPr lang="en-US"/>
+                    </a:p>
+                  </a:txBody>
+                  <a:tcPr/>
+                </a:tc>
+                <a:tc hMerge="1">
+                  <a:txBody>
+                    <a:bodyPr/>
+                    <a:lstStyle/>
+                    <a:p>
+                      <a:endParaRPr lang="en-US"/>
+                    </a:p>
+                  </a:txBody>
+                  <a:tcPr/>
+                </a:tc>
+                <a:extLst>
+                  <a:ext uri="{0D108BD9-81ED-4DB2-BD59-A6C34878D82A}">
+                    <a16:rowId xmlns:a16="http://schemas.microsoft.com/office/drawing/2014/main" val="2875092327"/>
+                  </a:ext>
+                </a:extLst>
+              </a:tr>
+              <a:tr h="380184">
+                <a:tc>
+                  <a:txBody>
+                    <a:bodyPr/>
+                    <a:lstStyle/>
+                    <a:p>
+                      <a:pPr algn="ctr" fontAlgn="b"/>
+                      <a:r>
+                        <a:rPr lang="en-US" sz="2400" u="none" strike="noStrike" dirty="0">
+                          <a:effectLst/>
+                          <a:latin typeface="Times New Roman" panose="02020603050405020304" pitchFamily="18" charset="0"/>
+                          <a:cs typeface="Times New Roman" panose="02020603050405020304" pitchFamily="18" charset="0"/>
+                        </a:rPr>
+                        <a:t> </a:t>
+                      </a:r>
+                      <a:endParaRPr lang="en-US" sz="2400" b="0" i="0" u="none" strike="noStrike" dirty="0">
+                        <a:solidFill>
+                          <a:srgbClr val="000000"/>
+                        </a:solidFill>
+                        <a:effectLst/>
+                        <a:latin typeface="Times New Roman" panose="02020603050405020304" pitchFamily="18" charset="0"/>
+                        <a:cs typeface="Times New Roman" panose="02020603050405020304" pitchFamily="18" charset="0"/>
+                      </a:endParaRPr>
+                    </a:p>
+                  </a:txBody>
+                  <a:tcPr marL="14424" marR="14424" marT="14424" marB="0" anchor="b">
+                    <a:lnL w="12700" cap="flat" cmpd="sng" algn="ctr">
+                      <a:solidFill>
+                        <a:schemeClr val="tx1"/>
+                      </a:solidFill>
+                      <a:prstDash val="solid"/>
+                      <a:round/>
+                      <a:headEnd type="none" w="med" len="med"/>
+                      <a:tailEnd type="none" w="med" len="med"/>
+                    </a:lnL>
+                    <a:lnR w="12700" cap="flat" cmpd="sng" algn="ctr">
+                      <a:solidFill>
+                        <a:schemeClr val="tx1"/>
+                      </a:solidFill>
+                      <a:prstDash val="solid"/>
+                      <a:round/>
+                      <a:headEnd type="none" w="med" len="med"/>
+                      <a:tailEnd type="none" w="med" len="med"/>
+                    </a:lnR>
+                    <a:lnT w="12700" cap="flat" cmpd="sng" algn="ctr">
+                      <a:solidFill>
+                        <a:schemeClr val="tx1"/>
+                      </a:solidFill>
+                      <a:prstDash val="solid"/>
+                      <a:round/>
+                      <a:headEnd type="none" w="med" len="med"/>
+                      <a:tailEnd type="none" w="med" len="med"/>
+                    </a:lnT>
+                    <a:noFill/>
+                  </a:tcPr>
+                </a:tc>
+                <a:tc>
+                  <a:txBody>
+                    <a:bodyPr/>
+                    <a:lstStyle/>
+                    <a:p>
+                      <a:pPr algn="ctr" fontAlgn="b"/>
+                      <a:r>
+                        <a:rPr lang="en-US" sz="2400" u="none" strike="noStrike" dirty="0">
+                          <a:effectLst/>
+                          <a:latin typeface="Times New Roman" panose="02020603050405020304" pitchFamily="18" charset="0"/>
+                          <a:cs typeface="Times New Roman" panose="02020603050405020304" pitchFamily="18" charset="0"/>
+                        </a:rPr>
+                        <a:t>Predicted Consort</a:t>
+                      </a:r>
+                      <a:endParaRPr lang="en-US" sz="2400" b="0" i="0" u="none" strike="noStrike" dirty="0">
+                        <a:solidFill>
+                          <a:srgbClr val="000000"/>
+                        </a:solidFill>
+                        <a:effectLst/>
+                        <a:latin typeface="Times New Roman" panose="02020603050405020304" pitchFamily="18" charset="0"/>
+                        <a:cs typeface="Times New Roman" panose="02020603050405020304" pitchFamily="18" charset="0"/>
+                      </a:endParaRPr>
+                    </a:p>
+                  </a:txBody>
+                  <a:tcPr marL="14424" marR="14424" marT="14424" marB="0" anchor="b">
+                    <a:lnL w="12700" cap="flat" cmpd="sng" algn="ctr">
+                      <a:solidFill>
+                        <a:schemeClr val="tx1"/>
+                      </a:solidFill>
+                      <a:prstDash val="solid"/>
+                      <a:round/>
+                      <a:headEnd type="none" w="med" len="med"/>
+                      <a:tailEnd type="none" w="med" len="med"/>
+                    </a:lnL>
+                    <a:lnT w="12700" cap="flat" cmpd="sng" algn="ctr">
+                      <a:solidFill>
+                        <a:schemeClr val="tx1"/>
+                      </a:solidFill>
+                      <a:prstDash val="solid"/>
+                      <a:round/>
+                      <a:headEnd type="none" w="med" len="med"/>
+                      <a:tailEnd type="none" w="med" len="med"/>
+                    </a:lnT>
+                    <a:lnB w="12700" cap="flat" cmpd="sng" algn="ctr">
+                      <a:solidFill>
+                        <a:schemeClr val="tx1"/>
+                      </a:solidFill>
+                      <a:prstDash val="solid"/>
+                      <a:round/>
+                      <a:headEnd type="none" w="med" len="med"/>
+                      <a:tailEnd type="none" w="med" len="med"/>
+                    </a:lnB>
+                    <a:noFill/>
+                  </a:tcPr>
+                </a:tc>
+                <a:tc>
+                  <a:txBody>
+                    <a:bodyPr/>
+                    <a:lstStyle/>
+                    <a:p>
+                      <a:pPr algn="ctr" fontAlgn="b"/>
+                      <a:r>
+                        <a:rPr lang="en-US" sz="2400" u="none" strike="noStrike" dirty="0">
+                          <a:effectLst/>
+                          <a:latin typeface="Times New Roman" panose="02020603050405020304" pitchFamily="18" charset="0"/>
+                          <a:cs typeface="Times New Roman" panose="02020603050405020304" pitchFamily="18" charset="0"/>
+                        </a:rPr>
+                        <a:t>Predicted Non-Consort</a:t>
+                      </a:r>
+                      <a:endParaRPr lang="en-US" sz="2400" b="0" i="0" u="none" strike="noStrike" dirty="0">
+                        <a:solidFill>
+                          <a:srgbClr val="000000"/>
+                        </a:solidFill>
+                        <a:effectLst/>
+                        <a:latin typeface="Times New Roman" panose="02020603050405020304" pitchFamily="18" charset="0"/>
+                        <a:cs typeface="Times New Roman" panose="02020603050405020304" pitchFamily="18" charset="0"/>
+                      </a:endParaRPr>
+                    </a:p>
+                  </a:txBody>
+                  <a:tcPr marL="14424" marR="14424" marT="14424" marB="0" anchor="b">
+                    <a:lnR w="12700" cap="flat" cmpd="sng" algn="ctr">
+                      <a:solidFill>
+                        <a:schemeClr val="tx1"/>
+                      </a:solidFill>
+                      <a:prstDash val="solid"/>
+                      <a:round/>
+                      <a:headEnd type="none" w="med" len="med"/>
+                      <a:tailEnd type="none" w="med" len="med"/>
+                    </a:lnR>
+                    <a:lnT w="12700" cap="flat" cmpd="sng" algn="ctr">
+                      <a:solidFill>
+                        <a:schemeClr val="tx1"/>
+                      </a:solidFill>
+                      <a:prstDash val="solid"/>
+                      <a:round/>
+                      <a:headEnd type="none" w="med" len="med"/>
+                      <a:tailEnd type="none" w="med" len="med"/>
+                    </a:lnT>
+                    <a:lnB w="12700" cap="flat" cmpd="sng" algn="ctr">
+                      <a:solidFill>
+                        <a:schemeClr val="tx1"/>
+                      </a:solidFill>
+                      <a:prstDash val="solid"/>
+                      <a:round/>
+                      <a:headEnd type="none" w="med" len="med"/>
+                      <a:tailEnd type="none" w="med" len="med"/>
+                    </a:lnB>
+                    <a:noFill/>
+                  </a:tcPr>
+                </a:tc>
+                <a:extLst>
+                  <a:ext uri="{0D108BD9-81ED-4DB2-BD59-A6C34878D82A}">
+                    <a16:rowId xmlns:a16="http://schemas.microsoft.com/office/drawing/2014/main" val="1242335025"/>
+                  </a:ext>
+                </a:extLst>
+              </a:tr>
+              <a:tr h="380184">
+                <a:tc>
+                  <a:txBody>
+                    <a:bodyPr/>
+                    <a:lstStyle/>
+                    <a:p>
+                      <a:pPr algn="ctr" fontAlgn="b"/>
+                      <a:r>
+                        <a:rPr lang="en-US" sz="2400" u="none" strike="noStrike" dirty="0">
+                          <a:effectLst/>
+                          <a:latin typeface="Times New Roman" panose="02020603050405020304" pitchFamily="18" charset="0"/>
+                          <a:cs typeface="Times New Roman" panose="02020603050405020304" pitchFamily="18" charset="0"/>
+                        </a:rPr>
+                        <a:t>True Consort</a:t>
+                      </a:r>
+                      <a:endParaRPr lang="en-US" sz="2400" b="0" i="0" u="none" strike="noStrike" dirty="0">
+                        <a:solidFill>
+                          <a:srgbClr val="000000"/>
+                        </a:solidFill>
+                        <a:effectLst/>
+                        <a:latin typeface="Times New Roman" panose="02020603050405020304" pitchFamily="18" charset="0"/>
+                        <a:cs typeface="Times New Roman" panose="02020603050405020304" pitchFamily="18" charset="0"/>
+                      </a:endParaRPr>
+                    </a:p>
+                  </a:txBody>
+                  <a:tcPr marL="14424" marR="14424" marT="14424" marB="0" anchor="b">
+                    <a:lnL w="12700" cap="flat" cmpd="sng" algn="ctr">
+                      <a:solidFill>
+                        <a:schemeClr val="tx1"/>
+                      </a:solidFill>
+                      <a:prstDash val="solid"/>
+                      <a:round/>
+                      <a:headEnd type="none" w="med" len="med"/>
+                      <a:tailEnd type="none" w="med" len="med"/>
+                    </a:lnL>
+                    <a:lnR w="12700" cap="flat" cmpd="sng" algn="ctr">
+                      <a:solidFill>
+                        <a:schemeClr val="tx1"/>
+                      </a:solidFill>
+                      <a:prstDash val="solid"/>
+                      <a:round/>
+                      <a:headEnd type="none" w="med" len="med"/>
+                      <a:tailEnd type="none" w="med" len="med"/>
+                    </a:lnR>
+                    <a:noFill/>
+                  </a:tcPr>
+                </a:tc>
+                <a:tc>
+                  <a:txBody>
+                    <a:bodyPr/>
+                    <a:lstStyle/>
+                    <a:p>
+                      <a:pPr algn="ctr" fontAlgn="b"/>
+                      <a:r>
+                        <a:rPr lang="en-US" sz="2400" u="none" strike="noStrike" dirty="0">
+                          <a:effectLst/>
+                          <a:latin typeface="Times New Roman" panose="02020603050405020304" pitchFamily="18" charset="0"/>
+                          <a:cs typeface="Times New Roman" panose="02020603050405020304" pitchFamily="18" charset="0"/>
+                        </a:rPr>
+                        <a:t>0.647</a:t>
+                      </a:r>
+                      <a:endParaRPr lang="en-US" sz="2400" b="0" i="0" u="none" strike="noStrike" dirty="0">
+                        <a:solidFill>
+                          <a:srgbClr val="000000"/>
+                        </a:solidFill>
+                        <a:effectLst/>
+                        <a:latin typeface="Times New Roman" panose="02020603050405020304" pitchFamily="18" charset="0"/>
+                        <a:cs typeface="Times New Roman" panose="02020603050405020304" pitchFamily="18" charset="0"/>
+                      </a:endParaRPr>
+                    </a:p>
+                  </a:txBody>
+                  <a:tcPr marL="14424" marR="14424" marT="14424" marB="0" anchor="b">
+                    <a:lnL w="12700" cap="flat" cmpd="sng" algn="ctr">
+                      <a:solidFill>
+                        <a:schemeClr val="tx1"/>
+                      </a:solidFill>
+                      <a:prstDash val="solid"/>
+                      <a:round/>
+                      <a:headEnd type="none" w="med" len="med"/>
+                      <a:tailEnd type="none" w="med" len="med"/>
+                    </a:lnL>
+                    <a:lnR w="12700" cap="flat" cmpd="sng" algn="ctr">
+                      <a:solidFill>
+                        <a:schemeClr val="tx1"/>
+                      </a:solidFill>
+                      <a:prstDash val="solid"/>
+                      <a:round/>
+                      <a:headEnd type="none" w="med" len="med"/>
+                      <a:tailEnd type="none" w="med" len="med"/>
+                    </a:lnR>
+                    <a:lnT w="12700" cap="flat" cmpd="sng" algn="ctr">
+                      <a:solidFill>
+                        <a:schemeClr val="tx1"/>
+                      </a:solidFill>
+                      <a:prstDash val="solid"/>
+                      <a:round/>
+                      <a:headEnd type="none" w="med" len="med"/>
+                      <a:tailEnd type="none" w="med" len="med"/>
+                    </a:lnT>
+                    <a:lnB w="12700" cap="flat" cmpd="sng" algn="ctr">
+                      <a:solidFill>
+                        <a:schemeClr val="tx1"/>
+                      </a:solidFill>
+                      <a:prstDash val="solid"/>
+                      <a:round/>
+                      <a:headEnd type="none" w="med" len="med"/>
+                      <a:tailEnd type="none" w="med" len="med"/>
+                    </a:lnB>
+                    <a:noFill/>
+                  </a:tcPr>
+                </a:tc>
+                <a:tc>
+                  <a:txBody>
+                    <a:bodyPr/>
+                    <a:lstStyle/>
+                    <a:p>
+                      <a:pPr algn="ctr" fontAlgn="b"/>
+                      <a:r>
+                        <a:rPr lang="en-US" sz="2400" u="none" strike="noStrike" dirty="0">
+                          <a:effectLst/>
+                          <a:latin typeface="Times New Roman" panose="02020603050405020304" pitchFamily="18" charset="0"/>
+                          <a:cs typeface="Times New Roman" panose="02020603050405020304" pitchFamily="18" charset="0"/>
+                        </a:rPr>
+                        <a:t>0.3525</a:t>
+                      </a:r>
+                      <a:endParaRPr lang="en-US" sz="2400" b="0" i="0" u="none" strike="noStrike" dirty="0">
+                        <a:solidFill>
+                          <a:srgbClr val="000000"/>
+                        </a:solidFill>
+                        <a:effectLst/>
+                        <a:latin typeface="Times New Roman" panose="02020603050405020304" pitchFamily="18" charset="0"/>
+                        <a:cs typeface="Times New Roman" panose="02020603050405020304" pitchFamily="18" charset="0"/>
+                      </a:endParaRPr>
+                    </a:p>
+                  </a:txBody>
+                  <a:tcPr marL="14424" marR="14424" marT="14424" marB="0" anchor="b">
+                    <a:lnL w="12700" cap="flat" cmpd="sng" algn="ctr">
+                      <a:solidFill>
+                        <a:schemeClr val="tx1"/>
+                      </a:solidFill>
+                      <a:prstDash val="solid"/>
+                      <a:round/>
+                      <a:headEnd type="none" w="med" len="med"/>
+                      <a:tailEnd type="none" w="med" len="med"/>
+                    </a:lnL>
+                    <a:lnR w="12700" cap="flat" cmpd="sng" algn="ctr">
+                      <a:solidFill>
+                        <a:schemeClr val="tx1"/>
+                      </a:solidFill>
+                      <a:prstDash val="solid"/>
+                      <a:round/>
+                      <a:headEnd type="none" w="med" len="med"/>
+                      <a:tailEnd type="none" w="med" len="med"/>
+                    </a:lnR>
+                    <a:lnT w="12700" cap="flat" cmpd="sng" algn="ctr">
+                      <a:solidFill>
+                        <a:schemeClr val="tx1"/>
+                      </a:solidFill>
+                      <a:prstDash val="solid"/>
+                      <a:round/>
+                      <a:headEnd type="none" w="med" len="med"/>
+                      <a:tailEnd type="none" w="med" len="med"/>
+                    </a:lnT>
+                    <a:lnB w="12700" cap="flat" cmpd="sng" algn="ctr">
+                      <a:solidFill>
+                        <a:schemeClr val="tx1"/>
+                      </a:solidFill>
+                      <a:prstDash val="solid"/>
+                      <a:round/>
+                      <a:headEnd type="none" w="med" len="med"/>
+                      <a:tailEnd type="none" w="med" len="med"/>
+                    </a:lnB>
+                    <a:noFill/>
+                  </a:tcPr>
+                </a:tc>
+                <a:extLst>
+                  <a:ext uri="{0D108BD9-81ED-4DB2-BD59-A6C34878D82A}">
+                    <a16:rowId xmlns:a16="http://schemas.microsoft.com/office/drawing/2014/main" val="1890732235"/>
+                  </a:ext>
+                </a:extLst>
+              </a:tr>
+              <a:tr h="380184">
+                <a:tc>
+                  <a:txBody>
+                    <a:bodyPr/>
+                    <a:lstStyle/>
+                    <a:p>
+                      <a:pPr algn="ctr" fontAlgn="b"/>
+                      <a:r>
+                        <a:rPr lang="en-US" sz="2400" u="none" strike="noStrike" dirty="0">
+                          <a:effectLst/>
+                          <a:latin typeface="Times New Roman" panose="02020603050405020304" pitchFamily="18" charset="0"/>
+                          <a:cs typeface="Times New Roman" panose="02020603050405020304" pitchFamily="18" charset="0"/>
+                        </a:rPr>
+                        <a:t>True Non-Consort</a:t>
+                      </a:r>
+                      <a:endParaRPr lang="en-US" sz="2400" b="0" i="0" u="none" strike="noStrike" dirty="0">
+                        <a:solidFill>
+                          <a:srgbClr val="000000"/>
+                        </a:solidFill>
+                        <a:effectLst/>
+                        <a:latin typeface="Times New Roman" panose="02020603050405020304" pitchFamily="18" charset="0"/>
+                        <a:cs typeface="Times New Roman" panose="02020603050405020304" pitchFamily="18" charset="0"/>
+                      </a:endParaRPr>
+                    </a:p>
+                  </a:txBody>
+                  <a:tcPr marL="14424" marR="14424" marT="14424" marB="0" anchor="b">
+                    <a:lnL w="12700" cap="flat" cmpd="sng" algn="ctr">
+                      <a:solidFill>
+                        <a:schemeClr val="tx1"/>
+                      </a:solidFill>
+                      <a:prstDash val="solid"/>
+                      <a:round/>
+                      <a:headEnd type="none" w="med" len="med"/>
+                      <a:tailEnd type="none" w="med" len="med"/>
+                    </a:lnL>
+                    <a:lnR w="12700" cap="flat" cmpd="sng" algn="ctr">
+                      <a:solidFill>
+                        <a:schemeClr val="tx1"/>
+                      </a:solidFill>
+                      <a:prstDash val="solid"/>
+                      <a:round/>
+                      <a:headEnd type="none" w="med" len="med"/>
+                      <a:tailEnd type="none" w="med" len="med"/>
+                    </a:lnR>
+                    <a:lnB w="12700" cap="flat" cmpd="sng" algn="ctr">
+                      <a:solidFill>
+                        <a:schemeClr val="tx1"/>
+                      </a:solidFill>
+                      <a:prstDash val="solid"/>
+                      <a:round/>
+                      <a:headEnd type="none" w="med" len="med"/>
+                      <a:tailEnd type="none" w="med" len="med"/>
+                    </a:lnB>
+                    <a:noFill/>
+                  </a:tcPr>
+                </a:tc>
+                <a:tc>
+                  <a:txBody>
+                    <a:bodyPr/>
+                    <a:lstStyle/>
+                    <a:p>
+                      <a:pPr algn="ctr" fontAlgn="b"/>
+                      <a:r>
+                        <a:rPr lang="en-US" sz="2400" u="none" strike="noStrike" dirty="0">
+                          <a:effectLst/>
+                          <a:latin typeface="Times New Roman" panose="02020603050405020304" pitchFamily="18" charset="0"/>
+                          <a:cs typeface="Times New Roman" panose="02020603050405020304" pitchFamily="18" charset="0"/>
+                        </a:rPr>
+                        <a:t>0.363</a:t>
+                      </a:r>
+                      <a:endParaRPr lang="en-US" sz="2400" b="0" i="0" u="none" strike="noStrike" dirty="0">
+                        <a:solidFill>
+                          <a:srgbClr val="000000"/>
+                        </a:solidFill>
+                        <a:effectLst/>
+                        <a:latin typeface="Times New Roman" panose="02020603050405020304" pitchFamily="18" charset="0"/>
+                        <a:cs typeface="Times New Roman" panose="02020603050405020304" pitchFamily="18" charset="0"/>
+                      </a:endParaRPr>
+                    </a:p>
+                  </a:txBody>
+                  <a:tcPr marL="14424" marR="14424" marT="14424" marB="0" anchor="b">
+                    <a:lnL w="12700" cap="flat" cmpd="sng" algn="ctr">
+                      <a:solidFill>
+                        <a:schemeClr val="tx1"/>
+                      </a:solidFill>
+                      <a:prstDash val="solid"/>
+                      <a:round/>
+                      <a:headEnd type="none" w="med" len="med"/>
+                      <a:tailEnd type="none" w="med" len="med"/>
+                    </a:lnL>
+                    <a:lnR w="12700" cap="flat" cmpd="sng" algn="ctr">
+                      <a:solidFill>
+                        <a:schemeClr val="tx1"/>
+                      </a:solidFill>
+                      <a:prstDash val="solid"/>
+                      <a:round/>
+                      <a:headEnd type="none" w="med" len="med"/>
+                      <a:tailEnd type="none" w="med" len="med"/>
+                    </a:lnR>
+                    <a:lnT w="12700" cap="flat" cmpd="sng" algn="ctr">
+                      <a:solidFill>
+                        <a:schemeClr val="tx1"/>
+                      </a:solidFill>
+                      <a:prstDash val="solid"/>
+                      <a:round/>
+                      <a:headEnd type="none" w="med" len="med"/>
+                      <a:tailEnd type="none" w="med" len="med"/>
+                    </a:lnT>
+                    <a:lnB w="12700" cap="flat" cmpd="sng" algn="ctr">
+                      <a:solidFill>
+                        <a:schemeClr val="tx1"/>
+                      </a:solidFill>
+                      <a:prstDash val="solid"/>
+                      <a:round/>
+                      <a:headEnd type="none" w="med" len="med"/>
+                      <a:tailEnd type="none" w="med" len="med"/>
+                    </a:lnB>
+                    <a:noFill/>
+                  </a:tcPr>
+                </a:tc>
+                <a:tc>
+                  <a:txBody>
+                    <a:bodyPr/>
+                    <a:lstStyle/>
+                    <a:p>
+                      <a:pPr algn="ctr" fontAlgn="b"/>
+                      <a:r>
+                        <a:rPr lang="en-US" sz="2400" u="none" strike="noStrike" dirty="0">
+                          <a:effectLst/>
+                          <a:latin typeface="Times New Roman" panose="02020603050405020304" pitchFamily="18" charset="0"/>
+                          <a:cs typeface="Times New Roman" panose="02020603050405020304" pitchFamily="18" charset="0"/>
+                        </a:rPr>
+                        <a:t>0.637</a:t>
+                      </a:r>
+                      <a:endParaRPr lang="en-US" sz="2400" b="0" i="0" u="none" strike="noStrike" dirty="0">
+                        <a:solidFill>
+                          <a:srgbClr val="000000"/>
+                        </a:solidFill>
+                        <a:effectLst/>
+                        <a:latin typeface="Times New Roman" panose="02020603050405020304" pitchFamily="18" charset="0"/>
+                        <a:cs typeface="Times New Roman" panose="02020603050405020304" pitchFamily="18" charset="0"/>
+                      </a:endParaRPr>
+                    </a:p>
+                  </a:txBody>
+                  <a:tcPr marL="14424" marR="14424" marT="14424" marB="0" anchor="b">
+                    <a:lnL w="12700" cap="flat" cmpd="sng" algn="ctr">
+                      <a:solidFill>
+                        <a:schemeClr val="tx1"/>
+                      </a:solidFill>
+                      <a:prstDash val="solid"/>
+                      <a:round/>
+                      <a:headEnd type="none" w="med" len="med"/>
+                      <a:tailEnd type="none" w="med" len="med"/>
+                    </a:lnL>
+                    <a:lnR w="12700" cap="flat" cmpd="sng" algn="ctr">
+                      <a:solidFill>
+                        <a:schemeClr val="tx1"/>
+                      </a:solidFill>
+                      <a:prstDash val="solid"/>
+                      <a:round/>
+                      <a:headEnd type="none" w="med" len="med"/>
+                      <a:tailEnd type="none" w="med" len="med"/>
+                    </a:lnR>
+                    <a:lnT w="12700" cap="flat" cmpd="sng" algn="ctr">
+                      <a:solidFill>
+                        <a:schemeClr val="tx1"/>
+                      </a:solidFill>
+                      <a:prstDash val="solid"/>
+                      <a:round/>
+                      <a:headEnd type="none" w="med" len="med"/>
+                      <a:tailEnd type="none" w="med" len="med"/>
+                    </a:lnT>
+                    <a:lnB w="12700" cap="flat" cmpd="sng" algn="ctr">
+                      <a:solidFill>
+                        <a:schemeClr val="tx1"/>
+                      </a:solidFill>
+                      <a:prstDash val="solid"/>
+                      <a:round/>
+                      <a:headEnd type="none" w="med" len="med"/>
+                      <a:tailEnd type="none" w="med" len="med"/>
+                    </a:lnB>
+                    <a:noFill/>
+                  </a:tcPr>
+                </a:tc>
+                <a:extLst>
+                  <a:ext uri="{0D108BD9-81ED-4DB2-BD59-A6C34878D82A}">
+                    <a16:rowId xmlns:a16="http://schemas.microsoft.com/office/drawing/2014/main" val="303429850"/>
+                  </a:ext>
+                </a:extLst>
+              </a:tr>
+            </a:tbl>
+          </a:graphicData>
+        </a:graphic>
+      </p:graphicFrame>
+      <p:graphicFrame>
+        <p:nvGraphicFramePr>
+          <p:cNvPr id="14" name="Table 13"/>
+          <p:cNvGraphicFramePr>
+            <a:graphicFrameLocks noGrp="1"/>
+          </p:cNvGraphicFramePr>
+          <p:nvPr>
+            <p:extLst>
+              <p:ext uri="{D42A27DB-BD31-4B8C-83A1-F6EECF244321}">
+                <p14:modId xmlns:p14="http://schemas.microsoft.com/office/powerpoint/2010/main" val="2638358317"/>
+              </p:ext>
+            </p:extLst>
+          </p:nvPr>
+        </p:nvGraphicFramePr>
+        <p:xfrm>
+          <a:off x="22005549" y="12845157"/>
+          <a:ext cx="8105777" cy="1523376"/>
+        </p:xfrm>
+        <a:graphic>
+          <a:graphicData uri="http://schemas.openxmlformats.org/drawingml/2006/table">
+            <a:tbl>
+              <a:tblPr>
+                <a:tableStyleId>{5C22544A-7EE6-4342-B048-85BDC9FD1C3A}</a:tableStyleId>
+              </a:tblPr>
+              <a:tblGrid>
+                <a:gridCol w="2517055">
+                  <a:extLst>
+                    <a:ext uri="{9D8B030D-6E8A-4147-A177-3AD203B41FA5}">
+                      <a16:colId xmlns:a16="http://schemas.microsoft.com/office/drawing/2014/main" val="3156700639"/>
+                    </a:ext>
+                  </a:extLst>
+                </a:gridCol>
+                <a:gridCol w="2453065">
+                  <a:extLst>
+                    <a:ext uri="{9D8B030D-6E8A-4147-A177-3AD203B41FA5}">
+                      <a16:colId xmlns:a16="http://schemas.microsoft.com/office/drawing/2014/main" val="2037466999"/>
+                    </a:ext>
+                  </a:extLst>
+                </a:gridCol>
+                <a:gridCol w="3135657">
+                  <a:extLst>
+                    <a:ext uri="{9D8B030D-6E8A-4147-A177-3AD203B41FA5}">
+                      <a16:colId xmlns:a16="http://schemas.microsoft.com/office/drawing/2014/main" val="1744646837"/>
+                    </a:ext>
+                  </a:extLst>
+                </a:gridCol>
+              </a:tblGrid>
+              <a:tr h="380844">
+                <a:tc gridSpan="3">
+                  <a:txBody>
+                    <a:bodyPr/>
+                    <a:lstStyle/>
+                    <a:p>
+                      <a:pPr algn="ctr" fontAlgn="b"/>
+                      <a:r>
+                        <a:rPr lang="en-US" sz="2400" b="1" u="none" strike="noStrike" dirty="0">
+                          <a:effectLst/>
+                          <a:latin typeface="Times New Roman" panose="02020603050405020304" pitchFamily="18" charset="0"/>
+                          <a:cs typeface="Times New Roman" panose="02020603050405020304" pitchFamily="18" charset="0"/>
+                        </a:rPr>
+                        <a:t>Normalized Confusion Matrix for SVM</a:t>
+                      </a:r>
+                      <a:endParaRPr lang="en-US" sz="2400" b="1" i="0" u="none" strike="noStrike" dirty="0">
+                        <a:solidFill>
+                          <a:srgbClr val="000000"/>
+                        </a:solidFill>
+                        <a:effectLst/>
+                        <a:latin typeface="Times New Roman" panose="02020603050405020304" pitchFamily="18" charset="0"/>
+                        <a:cs typeface="Times New Roman" panose="02020603050405020304" pitchFamily="18" charset="0"/>
+                      </a:endParaRPr>
+                    </a:p>
+                  </a:txBody>
+                  <a:tcPr marL="14425" marR="14425" marT="14425" marB="0" anchor="b">
+                    <a:lnL w="12700" cap="flat" cmpd="sng" algn="ctr">
+                      <a:solidFill>
+                        <a:schemeClr val="tx1"/>
+                      </a:solidFill>
+                      <a:prstDash val="solid"/>
+                      <a:round/>
+                      <a:headEnd type="none" w="med" len="med"/>
+                      <a:tailEnd type="none" w="med" len="med"/>
+                    </a:lnL>
+                    <a:lnR w="12700" cap="flat" cmpd="sng" algn="ctr">
+                      <a:solidFill>
+                        <a:schemeClr val="tx1"/>
+                      </a:solidFill>
+                      <a:prstDash val="solid"/>
+                      <a:round/>
+                      <a:headEnd type="none" w="med" len="med"/>
+                      <a:tailEnd type="none" w="med" len="med"/>
+                    </a:lnR>
+                    <a:lnT w="12700" cap="flat" cmpd="sng" algn="ctr">
+                      <a:solidFill>
+                        <a:schemeClr val="tx1"/>
+                      </a:solidFill>
+                      <a:prstDash val="solid"/>
+                      <a:round/>
+                      <a:headEnd type="none" w="med" len="med"/>
+                      <a:tailEnd type="none" w="med" len="med"/>
+                    </a:lnT>
+                    <a:lnB w="12700" cap="flat" cmpd="sng" algn="ctr">
+                      <a:solidFill>
+                        <a:schemeClr val="tx1"/>
+                      </a:solidFill>
+                      <a:prstDash val="solid"/>
+                      <a:round/>
+                      <a:headEnd type="none" w="med" len="med"/>
+                      <a:tailEnd type="none" w="med" len="med"/>
+                    </a:lnB>
+                    <a:noFill/>
+                  </a:tcPr>
+                </a:tc>
+                <a:tc hMerge="1">
+                  <a:txBody>
+                    <a:bodyPr/>
+                    <a:lstStyle/>
+                    <a:p>
+                      <a:endParaRPr lang="en-US"/>
+                    </a:p>
+                  </a:txBody>
+                  <a:tcPr/>
+                </a:tc>
+                <a:tc hMerge="1">
+                  <a:txBody>
+                    <a:bodyPr/>
+                    <a:lstStyle/>
+                    <a:p>
+                      <a:endParaRPr lang="en-US"/>
+                    </a:p>
+                  </a:txBody>
+                  <a:tcPr/>
+                </a:tc>
+                <a:extLst>
+                  <a:ext uri="{0D108BD9-81ED-4DB2-BD59-A6C34878D82A}">
+                    <a16:rowId xmlns:a16="http://schemas.microsoft.com/office/drawing/2014/main" val="1159533047"/>
+                  </a:ext>
+                </a:extLst>
+              </a:tr>
+              <a:tr h="380844">
+                <a:tc>
+                  <a:txBody>
+                    <a:bodyPr/>
+                    <a:lstStyle/>
+                    <a:p>
+                      <a:pPr algn="ctr" fontAlgn="b"/>
+                      <a:r>
+                        <a:rPr lang="en-US" sz="2400" u="none" strike="noStrike" dirty="0">
+                          <a:effectLst/>
+                          <a:latin typeface="Times New Roman" panose="02020603050405020304" pitchFamily="18" charset="0"/>
+                          <a:cs typeface="Times New Roman" panose="02020603050405020304" pitchFamily="18" charset="0"/>
+                        </a:rPr>
+                        <a:t> </a:t>
+                      </a:r>
+                      <a:endParaRPr lang="en-US" sz="2400" b="0" i="0" u="none" strike="noStrike" dirty="0">
+                        <a:solidFill>
+                          <a:srgbClr val="000000"/>
+                        </a:solidFill>
+                        <a:effectLst/>
+                        <a:latin typeface="Times New Roman" panose="02020603050405020304" pitchFamily="18" charset="0"/>
+                        <a:cs typeface="Times New Roman" panose="02020603050405020304" pitchFamily="18" charset="0"/>
+                      </a:endParaRPr>
+                    </a:p>
+                  </a:txBody>
+                  <a:tcPr marL="14425" marR="14425" marT="14425" marB="0" anchor="b">
+                    <a:lnL w="12700" cap="flat" cmpd="sng" algn="ctr">
+                      <a:solidFill>
+                        <a:schemeClr val="tx1"/>
+                      </a:solidFill>
+                      <a:prstDash val="solid"/>
+                      <a:round/>
+                      <a:headEnd type="none" w="med" len="med"/>
+                      <a:tailEnd type="none" w="med" len="med"/>
+                    </a:lnL>
+                    <a:lnR w="12700" cap="flat" cmpd="sng" algn="ctr">
+                      <a:solidFill>
+                        <a:schemeClr val="tx1"/>
+                      </a:solidFill>
+                      <a:prstDash val="solid"/>
+                      <a:round/>
+                      <a:headEnd type="none" w="med" len="med"/>
+                      <a:tailEnd type="none" w="med" len="med"/>
+                    </a:lnR>
+                    <a:lnT w="12700" cap="flat" cmpd="sng" algn="ctr">
+                      <a:solidFill>
+                        <a:schemeClr val="tx1"/>
+                      </a:solidFill>
+                      <a:prstDash val="solid"/>
+                      <a:round/>
+                      <a:headEnd type="none" w="med" len="med"/>
+                      <a:tailEnd type="none" w="med" len="med"/>
+                    </a:lnT>
+                    <a:noFill/>
+                  </a:tcPr>
+                </a:tc>
+                <a:tc>
+                  <a:txBody>
+                    <a:bodyPr/>
+                    <a:lstStyle/>
+                    <a:p>
+                      <a:pPr algn="ctr" fontAlgn="b"/>
+                      <a:r>
+                        <a:rPr lang="en-US" sz="2400" u="none" strike="noStrike" dirty="0">
+                          <a:effectLst/>
+                          <a:latin typeface="Times New Roman" panose="02020603050405020304" pitchFamily="18" charset="0"/>
+                          <a:cs typeface="Times New Roman" panose="02020603050405020304" pitchFamily="18" charset="0"/>
+                        </a:rPr>
+                        <a:t>Predicted Consort</a:t>
+                      </a:r>
+                      <a:endParaRPr lang="en-US" sz="2400" b="0" i="0" u="none" strike="noStrike" dirty="0">
+                        <a:solidFill>
+                          <a:srgbClr val="000000"/>
+                        </a:solidFill>
+                        <a:effectLst/>
+                        <a:latin typeface="Times New Roman" panose="02020603050405020304" pitchFamily="18" charset="0"/>
+                        <a:cs typeface="Times New Roman" panose="02020603050405020304" pitchFamily="18" charset="0"/>
+                      </a:endParaRPr>
+                    </a:p>
+                  </a:txBody>
+                  <a:tcPr marL="14425" marR="14425" marT="14425" marB="0" anchor="b">
+                    <a:lnL w="12700" cap="flat" cmpd="sng" algn="ctr">
+                      <a:solidFill>
+                        <a:schemeClr val="tx1"/>
+                      </a:solidFill>
+                      <a:prstDash val="solid"/>
+                      <a:round/>
+                      <a:headEnd type="none" w="med" len="med"/>
+                      <a:tailEnd type="none" w="med" len="med"/>
+                    </a:lnL>
+                    <a:lnT w="12700" cap="flat" cmpd="sng" algn="ctr">
+                      <a:solidFill>
+                        <a:schemeClr val="tx1"/>
+                      </a:solidFill>
+                      <a:prstDash val="solid"/>
+                      <a:round/>
+                      <a:headEnd type="none" w="med" len="med"/>
+                      <a:tailEnd type="none" w="med" len="med"/>
+                    </a:lnT>
+                    <a:lnB w="12700" cap="flat" cmpd="sng" algn="ctr">
+                      <a:solidFill>
+                        <a:schemeClr val="tx1"/>
+                      </a:solidFill>
+                      <a:prstDash val="solid"/>
+                      <a:round/>
+                      <a:headEnd type="none" w="med" len="med"/>
+                      <a:tailEnd type="none" w="med" len="med"/>
+                    </a:lnB>
+                    <a:noFill/>
+                  </a:tcPr>
+                </a:tc>
+                <a:tc>
+                  <a:txBody>
+                    <a:bodyPr/>
+                    <a:lstStyle/>
+                    <a:p>
+                      <a:pPr algn="ctr" fontAlgn="b"/>
+                      <a:r>
+                        <a:rPr lang="en-US" sz="2400" u="none" strike="noStrike" dirty="0">
+                          <a:effectLst/>
+                          <a:latin typeface="Times New Roman" panose="02020603050405020304" pitchFamily="18" charset="0"/>
+                          <a:cs typeface="Times New Roman" panose="02020603050405020304" pitchFamily="18" charset="0"/>
+                        </a:rPr>
+                        <a:t>Predicted Non-Consort</a:t>
+                      </a:r>
+                      <a:endParaRPr lang="en-US" sz="2400" b="0" i="0" u="none" strike="noStrike" dirty="0">
+                        <a:solidFill>
+                          <a:srgbClr val="000000"/>
+                        </a:solidFill>
+                        <a:effectLst/>
+                        <a:latin typeface="Times New Roman" panose="02020603050405020304" pitchFamily="18" charset="0"/>
+                        <a:cs typeface="Times New Roman" panose="02020603050405020304" pitchFamily="18" charset="0"/>
+                      </a:endParaRPr>
+                    </a:p>
+                  </a:txBody>
+                  <a:tcPr marL="14425" marR="14425" marT="14425" marB="0" anchor="b">
+                    <a:lnR w="12700" cap="flat" cmpd="sng" algn="ctr">
+                      <a:solidFill>
+                        <a:schemeClr val="tx1"/>
+                      </a:solidFill>
+                      <a:prstDash val="solid"/>
+                      <a:round/>
+                      <a:headEnd type="none" w="med" len="med"/>
+                      <a:tailEnd type="none" w="med" len="med"/>
+                    </a:lnR>
+                    <a:lnT w="12700" cap="flat" cmpd="sng" algn="ctr">
+                      <a:solidFill>
+                        <a:schemeClr val="tx1"/>
+                      </a:solidFill>
+                      <a:prstDash val="solid"/>
+                      <a:round/>
+                      <a:headEnd type="none" w="med" len="med"/>
+                      <a:tailEnd type="none" w="med" len="med"/>
+                    </a:lnT>
+                    <a:lnB w="12700" cap="flat" cmpd="sng" algn="ctr">
+                      <a:solidFill>
+                        <a:schemeClr val="tx1"/>
+                      </a:solidFill>
+                      <a:prstDash val="solid"/>
+                      <a:round/>
+                      <a:headEnd type="none" w="med" len="med"/>
+                      <a:tailEnd type="none" w="med" len="med"/>
+                    </a:lnB>
+                    <a:noFill/>
+                  </a:tcPr>
+                </a:tc>
+                <a:extLst>
+                  <a:ext uri="{0D108BD9-81ED-4DB2-BD59-A6C34878D82A}">
+                    <a16:rowId xmlns:a16="http://schemas.microsoft.com/office/drawing/2014/main" val="1744834384"/>
+                  </a:ext>
+                </a:extLst>
+              </a:tr>
+              <a:tr h="380844">
+                <a:tc>
+                  <a:txBody>
+                    <a:bodyPr/>
+                    <a:lstStyle/>
+                    <a:p>
+                      <a:pPr algn="ctr" fontAlgn="b"/>
+                      <a:r>
+                        <a:rPr lang="en-US" sz="2400" u="none" strike="noStrike" dirty="0">
+                          <a:effectLst/>
+                          <a:latin typeface="Times New Roman" panose="02020603050405020304" pitchFamily="18" charset="0"/>
+                          <a:cs typeface="Times New Roman" panose="02020603050405020304" pitchFamily="18" charset="0"/>
+                        </a:rPr>
+                        <a:t>True Consort</a:t>
+                      </a:r>
+                      <a:endParaRPr lang="en-US" sz="2400" b="0" i="0" u="none" strike="noStrike" dirty="0">
+                        <a:solidFill>
+                          <a:srgbClr val="000000"/>
+                        </a:solidFill>
+                        <a:effectLst/>
+                        <a:latin typeface="Times New Roman" panose="02020603050405020304" pitchFamily="18" charset="0"/>
+                        <a:cs typeface="Times New Roman" panose="02020603050405020304" pitchFamily="18" charset="0"/>
+                      </a:endParaRPr>
+                    </a:p>
+                  </a:txBody>
+                  <a:tcPr marL="14425" marR="14425" marT="14425" marB="0" anchor="b">
+                    <a:lnL w="12700" cap="flat" cmpd="sng" algn="ctr">
+                      <a:solidFill>
+                        <a:schemeClr val="tx1"/>
+                      </a:solidFill>
+                      <a:prstDash val="solid"/>
+                      <a:round/>
+                      <a:headEnd type="none" w="med" len="med"/>
+                      <a:tailEnd type="none" w="med" len="med"/>
+                    </a:lnL>
+                    <a:lnR w="12700" cap="flat" cmpd="sng" algn="ctr">
+                      <a:solidFill>
+                        <a:schemeClr val="tx1"/>
+                      </a:solidFill>
+                      <a:prstDash val="solid"/>
+                      <a:round/>
+                      <a:headEnd type="none" w="med" len="med"/>
+                      <a:tailEnd type="none" w="med" len="med"/>
+                    </a:lnR>
+                    <a:noFill/>
+                  </a:tcPr>
+                </a:tc>
+                <a:tc>
+                  <a:txBody>
+                    <a:bodyPr/>
+                    <a:lstStyle/>
+                    <a:p>
+                      <a:pPr algn="ctr" fontAlgn="b"/>
+                      <a:r>
+                        <a:rPr lang="en-US" sz="2400" u="none" strike="noStrike" dirty="0">
+                          <a:effectLst/>
+                          <a:latin typeface="Times New Roman" panose="02020603050405020304" pitchFamily="18" charset="0"/>
+                          <a:cs typeface="Times New Roman" panose="02020603050405020304" pitchFamily="18" charset="0"/>
+                        </a:rPr>
+                        <a:t>0.686</a:t>
+                      </a:r>
+                      <a:endParaRPr lang="en-US" sz="2400" b="0" i="0" u="none" strike="noStrike" dirty="0">
+                        <a:solidFill>
+                          <a:srgbClr val="000000"/>
+                        </a:solidFill>
+                        <a:effectLst/>
+                        <a:latin typeface="Times New Roman" panose="02020603050405020304" pitchFamily="18" charset="0"/>
+                        <a:cs typeface="Times New Roman" panose="02020603050405020304" pitchFamily="18" charset="0"/>
+                      </a:endParaRPr>
+                    </a:p>
+                  </a:txBody>
+                  <a:tcPr marL="14425" marR="14425" marT="14425" marB="0" anchor="b">
+                    <a:lnL w="12700" cap="flat" cmpd="sng" algn="ctr">
+                      <a:solidFill>
+                        <a:schemeClr val="tx1"/>
+                      </a:solidFill>
+                      <a:prstDash val="solid"/>
+                      <a:round/>
+                      <a:headEnd type="none" w="med" len="med"/>
+                      <a:tailEnd type="none" w="med" len="med"/>
+                    </a:lnL>
+                    <a:lnR w="12700" cap="flat" cmpd="sng" algn="ctr">
+                      <a:solidFill>
+                        <a:schemeClr val="tx1"/>
+                      </a:solidFill>
+                      <a:prstDash val="solid"/>
+                      <a:round/>
+                      <a:headEnd type="none" w="med" len="med"/>
+                      <a:tailEnd type="none" w="med" len="med"/>
+                    </a:lnR>
+                    <a:lnT w="12700" cap="flat" cmpd="sng" algn="ctr">
+                      <a:solidFill>
+                        <a:schemeClr val="tx1"/>
+                      </a:solidFill>
+                      <a:prstDash val="solid"/>
+                      <a:round/>
+                      <a:headEnd type="none" w="med" len="med"/>
+                      <a:tailEnd type="none" w="med" len="med"/>
+                    </a:lnT>
+                    <a:lnB w="12700" cap="flat" cmpd="sng" algn="ctr">
+                      <a:solidFill>
+                        <a:schemeClr val="tx1"/>
+                      </a:solidFill>
+                      <a:prstDash val="solid"/>
+                      <a:round/>
+                      <a:headEnd type="none" w="med" len="med"/>
+                      <a:tailEnd type="none" w="med" len="med"/>
+                    </a:lnB>
+                    <a:noFill/>
+                  </a:tcPr>
+                </a:tc>
+                <a:tc>
+                  <a:txBody>
+                    <a:bodyPr/>
+                    <a:lstStyle/>
+                    <a:p>
+                      <a:pPr algn="ctr" fontAlgn="b"/>
+                      <a:r>
+                        <a:rPr lang="en-US" sz="2400" u="none" strike="noStrike" dirty="0">
+                          <a:effectLst/>
+                          <a:latin typeface="Times New Roman" panose="02020603050405020304" pitchFamily="18" charset="0"/>
+                          <a:cs typeface="Times New Roman" panose="02020603050405020304" pitchFamily="18" charset="0"/>
+                        </a:rPr>
+                        <a:t>0.314</a:t>
+                      </a:r>
+                      <a:endParaRPr lang="en-US" sz="2400" b="0" i="0" u="none" strike="noStrike" dirty="0">
+                        <a:solidFill>
+                          <a:srgbClr val="000000"/>
+                        </a:solidFill>
+                        <a:effectLst/>
+                        <a:latin typeface="Times New Roman" panose="02020603050405020304" pitchFamily="18" charset="0"/>
+                        <a:cs typeface="Times New Roman" panose="02020603050405020304" pitchFamily="18" charset="0"/>
+                      </a:endParaRPr>
+                    </a:p>
+                  </a:txBody>
+                  <a:tcPr marL="14425" marR="14425" marT="14425" marB="0" anchor="b">
+                    <a:lnL w="12700" cap="flat" cmpd="sng" algn="ctr">
+                      <a:solidFill>
+                        <a:schemeClr val="tx1"/>
+                      </a:solidFill>
+                      <a:prstDash val="solid"/>
+                      <a:round/>
+                      <a:headEnd type="none" w="med" len="med"/>
+                      <a:tailEnd type="none" w="med" len="med"/>
+                    </a:lnL>
+                    <a:lnR w="12700" cap="flat" cmpd="sng" algn="ctr">
+                      <a:solidFill>
+                        <a:schemeClr val="tx1"/>
+                      </a:solidFill>
+                      <a:prstDash val="solid"/>
+                      <a:round/>
+                      <a:headEnd type="none" w="med" len="med"/>
+                      <a:tailEnd type="none" w="med" len="med"/>
+                    </a:lnR>
+                    <a:lnT w="12700" cap="flat" cmpd="sng" algn="ctr">
+                      <a:solidFill>
+                        <a:schemeClr val="tx1"/>
+                      </a:solidFill>
+                      <a:prstDash val="solid"/>
+                      <a:round/>
+                      <a:headEnd type="none" w="med" len="med"/>
+                      <a:tailEnd type="none" w="med" len="med"/>
+                    </a:lnT>
+                    <a:lnB w="12700" cap="flat" cmpd="sng" algn="ctr">
+                      <a:solidFill>
+                        <a:schemeClr val="tx1"/>
+                      </a:solidFill>
+                      <a:prstDash val="solid"/>
+                      <a:round/>
+                      <a:headEnd type="none" w="med" len="med"/>
+                      <a:tailEnd type="none" w="med" len="med"/>
+                    </a:lnB>
+                    <a:noFill/>
+                  </a:tcPr>
+                </a:tc>
+                <a:extLst>
+                  <a:ext uri="{0D108BD9-81ED-4DB2-BD59-A6C34878D82A}">
+                    <a16:rowId xmlns:a16="http://schemas.microsoft.com/office/drawing/2014/main" val="3983865795"/>
+                  </a:ext>
+                </a:extLst>
+              </a:tr>
+              <a:tr h="380844">
+                <a:tc>
+                  <a:txBody>
+                    <a:bodyPr/>
+                    <a:lstStyle/>
+                    <a:p>
+                      <a:pPr algn="ctr" fontAlgn="b"/>
+                      <a:r>
+                        <a:rPr lang="en-US" sz="2400" u="none" strike="noStrike" dirty="0">
+                          <a:effectLst/>
+                          <a:latin typeface="Times New Roman" panose="02020603050405020304" pitchFamily="18" charset="0"/>
+                          <a:cs typeface="Times New Roman" panose="02020603050405020304" pitchFamily="18" charset="0"/>
+                        </a:rPr>
+                        <a:t>True Non-Consort</a:t>
+                      </a:r>
+                      <a:endParaRPr lang="en-US" sz="2400" b="0" i="0" u="none" strike="noStrike" dirty="0">
+                        <a:solidFill>
+                          <a:srgbClr val="000000"/>
+                        </a:solidFill>
+                        <a:effectLst/>
+                        <a:latin typeface="Times New Roman" panose="02020603050405020304" pitchFamily="18" charset="0"/>
+                        <a:cs typeface="Times New Roman" panose="02020603050405020304" pitchFamily="18" charset="0"/>
+                      </a:endParaRPr>
+                    </a:p>
+                  </a:txBody>
+                  <a:tcPr marL="14425" marR="14425" marT="14425" marB="0" anchor="b">
+                    <a:lnL w="12700" cap="flat" cmpd="sng" algn="ctr">
+                      <a:solidFill>
+                        <a:schemeClr val="tx1"/>
+                      </a:solidFill>
+                      <a:prstDash val="solid"/>
+                      <a:round/>
+                      <a:headEnd type="none" w="med" len="med"/>
+                      <a:tailEnd type="none" w="med" len="med"/>
+                    </a:lnL>
+                    <a:lnR w="12700" cap="flat" cmpd="sng" algn="ctr">
+                      <a:solidFill>
+                        <a:schemeClr val="tx1"/>
+                      </a:solidFill>
+                      <a:prstDash val="solid"/>
+                      <a:round/>
+                      <a:headEnd type="none" w="med" len="med"/>
+                      <a:tailEnd type="none" w="med" len="med"/>
+                    </a:lnR>
+                    <a:lnB w="12700" cap="flat" cmpd="sng" algn="ctr">
+                      <a:solidFill>
+                        <a:schemeClr val="tx1"/>
+                      </a:solidFill>
+                      <a:prstDash val="solid"/>
+                      <a:round/>
+                      <a:headEnd type="none" w="med" len="med"/>
+                      <a:tailEnd type="none" w="med" len="med"/>
+                    </a:lnB>
+                    <a:noFill/>
+                  </a:tcPr>
+                </a:tc>
+                <a:tc>
+                  <a:txBody>
+                    <a:bodyPr/>
+                    <a:lstStyle/>
+                    <a:p>
+                      <a:pPr algn="ctr" fontAlgn="b"/>
+                      <a:r>
+                        <a:rPr lang="en-US" sz="2400" u="none" strike="noStrike" dirty="0">
+                          <a:effectLst/>
+                          <a:latin typeface="Times New Roman" panose="02020603050405020304" pitchFamily="18" charset="0"/>
+                          <a:cs typeface="Times New Roman" panose="02020603050405020304" pitchFamily="18" charset="0"/>
+                        </a:rPr>
+                        <a:t>0.31</a:t>
+                      </a:r>
+                      <a:endParaRPr lang="en-US" sz="2400" b="0" i="0" u="none" strike="noStrike" dirty="0">
+                        <a:solidFill>
+                          <a:srgbClr val="000000"/>
+                        </a:solidFill>
+                        <a:effectLst/>
+                        <a:latin typeface="Times New Roman" panose="02020603050405020304" pitchFamily="18" charset="0"/>
+                        <a:cs typeface="Times New Roman" panose="02020603050405020304" pitchFamily="18" charset="0"/>
+                      </a:endParaRPr>
+                    </a:p>
+                  </a:txBody>
+                  <a:tcPr marL="14425" marR="14425" marT="14425" marB="0" anchor="b">
+                    <a:lnL w="12700" cap="flat" cmpd="sng" algn="ctr">
+                      <a:solidFill>
+                        <a:schemeClr val="tx1"/>
+                      </a:solidFill>
+                      <a:prstDash val="solid"/>
+                      <a:round/>
+                      <a:headEnd type="none" w="med" len="med"/>
+                      <a:tailEnd type="none" w="med" len="med"/>
+                    </a:lnL>
+                    <a:lnR w="12700" cap="flat" cmpd="sng" algn="ctr">
+                      <a:solidFill>
+                        <a:schemeClr val="tx1"/>
+                      </a:solidFill>
+                      <a:prstDash val="solid"/>
+                      <a:round/>
+                      <a:headEnd type="none" w="med" len="med"/>
+                      <a:tailEnd type="none" w="med" len="med"/>
+                    </a:lnR>
+                    <a:lnT w="12700" cap="flat" cmpd="sng" algn="ctr">
+                      <a:solidFill>
+                        <a:schemeClr val="tx1"/>
+                      </a:solidFill>
+                      <a:prstDash val="solid"/>
+                      <a:round/>
+                      <a:headEnd type="none" w="med" len="med"/>
+                      <a:tailEnd type="none" w="med" len="med"/>
+                    </a:lnT>
+                    <a:lnB w="12700" cap="flat" cmpd="sng" algn="ctr">
+                      <a:solidFill>
+                        <a:schemeClr val="tx1"/>
+                      </a:solidFill>
+                      <a:prstDash val="solid"/>
+                      <a:round/>
+                      <a:headEnd type="none" w="med" len="med"/>
+                      <a:tailEnd type="none" w="med" len="med"/>
+                    </a:lnB>
+                    <a:noFill/>
+                  </a:tcPr>
+                </a:tc>
+                <a:tc>
+                  <a:txBody>
+                    <a:bodyPr/>
+                    <a:lstStyle/>
+                    <a:p>
+                      <a:pPr algn="ctr" fontAlgn="b"/>
+                      <a:r>
+                        <a:rPr lang="en-US" sz="2400" u="none" strike="noStrike" dirty="0">
+                          <a:effectLst/>
+                          <a:latin typeface="Times New Roman" panose="02020603050405020304" pitchFamily="18" charset="0"/>
+                          <a:cs typeface="Times New Roman" panose="02020603050405020304" pitchFamily="18" charset="0"/>
+                        </a:rPr>
+                        <a:t>0.691</a:t>
+                      </a:r>
+                      <a:endParaRPr lang="en-US" sz="2400" b="0" i="0" u="none" strike="noStrike" dirty="0">
+                        <a:solidFill>
+                          <a:srgbClr val="000000"/>
+                        </a:solidFill>
+                        <a:effectLst/>
+                        <a:latin typeface="Times New Roman" panose="02020603050405020304" pitchFamily="18" charset="0"/>
+                        <a:cs typeface="Times New Roman" panose="02020603050405020304" pitchFamily="18" charset="0"/>
+                      </a:endParaRPr>
+                    </a:p>
+                  </a:txBody>
+                  <a:tcPr marL="14425" marR="14425" marT="14425" marB="0" anchor="b">
+                    <a:lnL w="12700" cap="flat" cmpd="sng" algn="ctr">
+                      <a:solidFill>
+                        <a:schemeClr val="tx1"/>
+                      </a:solidFill>
+                      <a:prstDash val="solid"/>
+                      <a:round/>
+                      <a:headEnd type="none" w="med" len="med"/>
+                      <a:tailEnd type="none" w="med" len="med"/>
+                    </a:lnL>
+                    <a:lnR w="12700" cap="flat" cmpd="sng" algn="ctr">
+                      <a:solidFill>
+                        <a:schemeClr val="tx1"/>
+                      </a:solidFill>
+                      <a:prstDash val="solid"/>
+                      <a:round/>
+                      <a:headEnd type="none" w="med" len="med"/>
+                      <a:tailEnd type="none" w="med" len="med"/>
+                    </a:lnR>
+                    <a:lnT w="12700" cap="flat" cmpd="sng" algn="ctr">
+                      <a:solidFill>
+                        <a:schemeClr val="tx1"/>
+                      </a:solidFill>
+                      <a:prstDash val="solid"/>
+                      <a:round/>
+                      <a:headEnd type="none" w="med" len="med"/>
+                      <a:tailEnd type="none" w="med" len="med"/>
+                    </a:lnT>
+                    <a:lnB w="12700" cap="flat" cmpd="sng" algn="ctr">
+                      <a:solidFill>
+                        <a:schemeClr val="tx1"/>
+                      </a:solidFill>
+                      <a:prstDash val="solid"/>
+                      <a:round/>
+                      <a:headEnd type="none" w="med" len="med"/>
+                      <a:tailEnd type="none" w="med" len="med"/>
+                    </a:lnB>
+                    <a:noFill/>
+                  </a:tcPr>
+                </a:tc>
+                <a:extLst>
+                  <a:ext uri="{0D108BD9-81ED-4DB2-BD59-A6C34878D82A}">
+                    <a16:rowId xmlns:a16="http://schemas.microsoft.com/office/drawing/2014/main" val="2252527331"/>
+                  </a:ext>
+                </a:extLst>
+              </a:tr>
+            </a:tbl>
+          </a:graphicData>
+        </a:graphic>
+      </p:graphicFrame>
+      <p:graphicFrame>
+        <p:nvGraphicFramePr>
+          <p:cNvPr id="15" name="Table 14"/>
+          <p:cNvGraphicFramePr>
+            <a:graphicFrameLocks noGrp="1"/>
+          </p:cNvGraphicFramePr>
+          <p:nvPr>
+            <p:extLst>
+              <p:ext uri="{D42A27DB-BD31-4B8C-83A1-F6EECF244321}">
+                <p14:modId xmlns:p14="http://schemas.microsoft.com/office/powerpoint/2010/main" val="684316658"/>
+              </p:ext>
+            </p:extLst>
+          </p:nvPr>
+        </p:nvGraphicFramePr>
+        <p:xfrm>
+          <a:off x="20368961" y="4938643"/>
+          <a:ext cx="6096000" cy="2630565"/>
+        </p:xfrm>
+        <a:graphic>
+          <a:graphicData uri="http://schemas.openxmlformats.org/drawingml/2006/table">
+            <a:tbl>
+              <a:tblPr>
+                <a:tableStyleId>{5C22544A-7EE6-4342-B048-85BDC9FD1C3A}</a:tableStyleId>
+              </a:tblPr>
+              <a:tblGrid>
+                <a:gridCol w="1257300">
+                  <a:extLst>
+                    <a:ext uri="{9D8B030D-6E8A-4147-A177-3AD203B41FA5}">
+                      <a16:colId xmlns:a16="http://schemas.microsoft.com/office/drawing/2014/main" val="3627801267"/>
+                    </a:ext>
+                  </a:extLst>
+                </a:gridCol>
+                <a:gridCol w="836901">
+                  <a:extLst>
+                    <a:ext uri="{9D8B030D-6E8A-4147-A177-3AD203B41FA5}">
+                      <a16:colId xmlns:a16="http://schemas.microsoft.com/office/drawing/2014/main" val="3297468528"/>
+                    </a:ext>
+                  </a:extLst>
+                </a:gridCol>
+                <a:gridCol w="1223350">
+                  <a:extLst>
+                    <a:ext uri="{9D8B030D-6E8A-4147-A177-3AD203B41FA5}">
+                      <a16:colId xmlns:a16="http://schemas.microsoft.com/office/drawing/2014/main" val="2919328615"/>
+                    </a:ext>
+                  </a:extLst>
+                </a:gridCol>
+                <a:gridCol w="974530">
+                  <a:extLst>
+                    <a:ext uri="{9D8B030D-6E8A-4147-A177-3AD203B41FA5}">
+                      <a16:colId xmlns:a16="http://schemas.microsoft.com/office/drawing/2014/main" val="654314318"/>
+                    </a:ext>
+                  </a:extLst>
+                </a:gridCol>
+                <a:gridCol w="953795">
+                  <a:extLst>
+                    <a:ext uri="{9D8B030D-6E8A-4147-A177-3AD203B41FA5}">
+                      <a16:colId xmlns:a16="http://schemas.microsoft.com/office/drawing/2014/main" val="2656815345"/>
+                    </a:ext>
+                  </a:extLst>
+                </a:gridCol>
+                <a:gridCol w="850124">
+                  <a:extLst>
+                    <a:ext uri="{9D8B030D-6E8A-4147-A177-3AD203B41FA5}">
+                      <a16:colId xmlns:a16="http://schemas.microsoft.com/office/drawing/2014/main" val="759628135"/>
+                    </a:ext>
+                  </a:extLst>
+                </a:gridCol>
+              </a:tblGrid>
+              <a:tr h="375795">
+                <a:tc gridSpan="6">
+                  <a:txBody>
+                    <a:bodyPr/>
+                    <a:lstStyle/>
+                    <a:p>
+                      <a:pPr algn="ctr" fontAlgn="b"/>
+                      <a:r>
+                        <a:rPr lang="en-US" sz="2400" b="1" u="none" strike="noStrike" dirty="0">
+                          <a:effectLst/>
+                          <a:latin typeface="Times New Roman" panose="02020603050405020304" pitchFamily="18" charset="0"/>
+                          <a:cs typeface="Times New Roman" panose="02020603050405020304" pitchFamily="18" charset="0"/>
+                        </a:rPr>
+                        <a:t>AdaBoosting Feature Selection</a:t>
+                      </a:r>
+                      <a:endParaRPr lang="en-US" sz="2400" b="1" i="0" u="none" strike="noStrike" dirty="0">
+                        <a:solidFill>
+                          <a:srgbClr val="000000"/>
+                        </a:solidFill>
+                        <a:effectLst/>
+                        <a:latin typeface="Times New Roman" panose="02020603050405020304" pitchFamily="18" charset="0"/>
+                        <a:cs typeface="Times New Roman" panose="02020603050405020304" pitchFamily="18" charset="0"/>
+                      </a:endParaRPr>
+                    </a:p>
+                  </a:txBody>
+                  <a:tcPr marL="10035" marR="10035" marT="10035" marB="0" anchor="b">
+                    <a:lnL w="12700" cap="flat" cmpd="sng" algn="ctr">
+                      <a:solidFill>
+                        <a:schemeClr val="tx1"/>
+                      </a:solidFill>
+                      <a:prstDash val="solid"/>
+                      <a:round/>
+                      <a:headEnd type="none" w="med" len="med"/>
+                      <a:tailEnd type="none" w="med" len="med"/>
+                    </a:lnL>
+                    <a:lnR w="12700" cap="flat" cmpd="sng" algn="ctr">
+                      <a:solidFill>
+                        <a:schemeClr val="tx1"/>
+                      </a:solidFill>
+                      <a:prstDash val="solid"/>
+                      <a:round/>
+                      <a:headEnd type="none" w="med" len="med"/>
+                      <a:tailEnd type="none" w="med" len="med"/>
+                    </a:lnR>
+                    <a:lnT w="12700" cap="flat" cmpd="sng" algn="ctr">
+                      <a:solidFill>
+                        <a:schemeClr val="tx1"/>
+                      </a:solidFill>
+                      <a:prstDash val="solid"/>
+                      <a:round/>
+                      <a:headEnd type="none" w="med" len="med"/>
+                      <a:tailEnd type="none" w="med" len="med"/>
+                    </a:lnT>
+                    <a:lnB w="12700" cap="flat" cmpd="sng" algn="ctr">
+                      <a:solidFill>
+                        <a:schemeClr val="tx1"/>
+                      </a:solidFill>
+                      <a:prstDash val="solid"/>
+                      <a:round/>
+                      <a:headEnd type="none" w="med" len="med"/>
+                      <a:tailEnd type="none" w="med" len="med"/>
+                    </a:lnB>
+                    <a:noFill/>
+                  </a:tcPr>
+                </a:tc>
+                <a:tc hMerge="1">
+                  <a:txBody>
+                    <a:bodyPr/>
+                    <a:lstStyle/>
+                    <a:p>
+                      <a:endParaRPr lang="en-US"/>
+                    </a:p>
+                  </a:txBody>
+                  <a:tcPr/>
+                </a:tc>
+                <a:tc hMerge="1">
+                  <a:txBody>
+                    <a:bodyPr/>
+                    <a:lstStyle/>
+                    <a:p>
+                      <a:endParaRPr lang="en-US"/>
+                    </a:p>
+                  </a:txBody>
+                  <a:tcPr/>
+                </a:tc>
+                <a:tc hMerge="1">
+                  <a:txBody>
+                    <a:bodyPr/>
+                    <a:lstStyle/>
+                    <a:p>
+                      <a:endParaRPr lang="en-US"/>
+                    </a:p>
+                  </a:txBody>
+                  <a:tcPr/>
+                </a:tc>
+                <a:tc hMerge="1">
+                  <a:txBody>
+                    <a:bodyPr/>
+                    <a:lstStyle/>
+                    <a:p>
+                      <a:endParaRPr lang="en-US"/>
+                    </a:p>
+                  </a:txBody>
+                  <a:tcPr/>
+                </a:tc>
+                <a:tc hMerge="1">
+                  <a:txBody>
+                    <a:bodyPr/>
+                    <a:lstStyle/>
+                    <a:p>
+                      <a:endParaRPr lang="en-US"/>
+                    </a:p>
+                  </a:txBody>
+                  <a:tcPr/>
+                </a:tc>
+                <a:extLst>
+                  <a:ext uri="{0D108BD9-81ED-4DB2-BD59-A6C34878D82A}">
+                    <a16:rowId xmlns:a16="http://schemas.microsoft.com/office/drawing/2014/main" val="1828752063"/>
+                  </a:ext>
+                </a:extLst>
+              </a:tr>
+              <a:tr h="375795">
+                <a:tc>
+                  <a:txBody>
+                    <a:bodyPr/>
+                    <a:lstStyle/>
+                    <a:p>
+                      <a:pPr algn="ctr" fontAlgn="b"/>
+                      <a:r>
+                        <a:rPr lang="en-US" sz="2400" u="none" strike="noStrike">
+                          <a:effectLst/>
+                          <a:latin typeface="Times New Roman" panose="02020603050405020304" pitchFamily="18" charset="0"/>
+                          <a:cs typeface="Times New Roman" panose="02020603050405020304" pitchFamily="18" charset="0"/>
+                        </a:rPr>
+                        <a:t>Features</a:t>
+                      </a:r>
+                      <a:endParaRPr lang="en-US" sz="2400" b="0" i="0" u="none" strike="noStrike">
+                        <a:solidFill>
+                          <a:srgbClr val="000000"/>
+                        </a:solidFill>
+                        <a:effectLst/>
+                        <a:latin typeface="Times New Roman" panose="02020603050405020304" pitchFamily="18" charset="0"/>
+                        <a:cs typeface="Times New Roman" panose="02020603050405020304" pitchFamily="18" charset="0"/>
+                      </a:endParaRPr>
+                    </a:p>
+                  </a:txBody>
+                  <a:tcPr marL="10035" marR="10035" marT="10035" marB="0" anchor="b">
+                    <a:lnL w="12700" cap="flat" cmpd="sng" algn="ctr">
+                      <a:solidFill>
+                        <a:schemeClr val="tx1"/>
+                      </a:solidFill>
+                      <a:prstDash val="solid"/>
+                      <a:round/>
+                      <a:headEnd type="none" w="med" len="med"/>
+                      <a:tailEnd type="none" w="med" len="med"/>
+                    </a:lnL>
+                    <a:lnT w="12700" cap="flat" cmpd="sng" algn="ctr">
+                      <a:solidFill>
+                        <a:schemeClr val="tx1"/>
+                      </a:solidFill>
+                      <a:prstDash val="solid"/>
+                      <a:round/>
+                      <a:headEnd type="none" w="med" len="med"/>
+                      <a:tailEnd type="none" w="med" len="med"/>
+                    </a:lnT>
+                    <a:noFill/>
+                  </a:tcPr>
+                </a:tc>
+                <a:tc>
+                  <a:txBody>
+                    <a:bodyPr/>
+                    <a:lstStyle/>
+                    <a:p>
+                      <a:pPr algn="ctr" fontAlgn="b"/>
+                      <a:r>
+                        <a:rPr lang="en-US" sz="2400" u="none" strike="noStrike">
+                          <a:effectLst/>
+                          <a:latin typeface="Times New Roman" panose="02020603050405020304" pitchFamily="18" charset="0"/>
+                          <a:cs typeface="Times New Roman" panose="02020603050405020304" pitchFamily="18" charset="0"/>
+                        </a:rPr>
+                        <a:t>Error</a:t>
+                      </a:r>
+                      <a:endParaRPr lang="en-US" sz="2400" b="0" i="0" u="none" strike="noStrike">
+                        <a:solidFill>
+                          <a:srgbClr val="000000"/>
+                        </a:solidFill>
+                        <a:effectLst/>
+                        <a:latin typeface="Times New Roman" panose="02020603050405020304" pitchFamily="18" charset="0"/>
+                        <a:cs typeface="Times New Roman" panose="02020603050405020304" pitchFamily="18" charset="0"/>
+                      </a:endParaRPr>
+                    </a:p>
+                  </a:txBody>
+                  <a:tcPr marL="10035" marR="10035" marT="10035" marB="0" anchor="b">
+                    <a:lnT w="12700" cap="flat" cmpd="sng" algn="ctr">
+                      <a:solidFill>
+                        <a:schemeClr val="tx1"/>
+                      </a:solidFill>
+                      <a:prstDash val="solid"/>
+                      <a:round/>
+                      <a:headEnd type="none" w="med" len="med"/>
+                      <a:tailEnd type="none" w="med" len="med"/>
+                    </a:lnT>
+                    <a:noFill/>
+                  </a:tcPr>
+                </a:tc>
+                <a:tc>
+                  <a:txBody>
+                    <a:bodyPr/>
+                    <a:lstStyle/>
+                    <a:p>
+                      <a:pPr algn="ctr" fontAlgn="b"/>
+                      <a:r>
+                        <a:rPr lang="en-US" sz="2400" u="none" strike="noStrike" dirty="0">
+                          <a:effectLst/>
+                          <a:latin typeface="Times New Roman" panose="02020603050405020304" pitchFamily="18" charset="0"/>
+                          <a:cs typeface="Times New Roman" panose="02020603050405020304" pitchFamily="18" charset="0"/>
+                        </a:rPr>
+                        <a:t>Precision</a:t>
+                      </a:r>
+                      <a:endParaRPr lang="en-US" sz="2400" b="0" i="0" u="none" strike="noStrike" dirty="0">
+                        <a:solidFill>
+                          <a:srgbClr val="000000"/>
+                        </a:solidFill>
+                        <a:effectLst/>
+                        <a:latin typeface="Times New Roman" panose="02020603050405020304" pitchFamily="18" charset="0"/>
+                        <a:cs typeface="Times New Roman" panose="02020603050405020304" pitchFamily="18" charset="0"/>
+                      </a:endParaRPr>
+                    </a:p>
+                  </a:txBody>
+                  <a:tcPr marL="10035" marR="10035" marT="10035" marB="0" anchor="b">
+                    <a:lnT w="12700" cap="flat" cmpd="sng" algn="ctr">
+                      <a:solidFill>
+                        <a:schemeClr val="tx1"/>
+                      </a:solidFill>
+                      <a:prstDash val="solid"/>
+                      <a:round/>
+                      <a:headEnd type="none" w="med" len="med"/>
+                      <a:tailEnd type="none" w="med" len="med"/>
+                    </a:lnT>
+                    <a:noFill/>
+                  </a:tcPr>
+                </a:tc>
+                <a:tc>
+                  <a:txBody>
+                    <a:bodyPr/>
+                    <a:lstStyle/>
+                    <a:p>
+                      <a:pPr algn="ctr" fontAlgn="b"/>
+                      <a:r>
+                        <a:rPr lang="en-US" sz="2400" u="none" strike="noStrike">
+                          <a:effectLst/>
+                          <a:latin typeface="Times New Roman" panose="02020603050405020304" pitchFamily="18" charset="0"/>
+                          <a:cs typeface="Times New Roman" panose="02020603050405020304" pitchFamily="18" charset="0"/>
+                        </a:rPr>
+                        <a:t>Recall</a:t>
+                      </a:r>
+                      <a:endParaRPr lang="en-US" sz="2400" b="0" i="0" u="none" strike="noStrike">
+                        <a:solidFill>
+                          <a:srgbClr val="000000"/>
+                        </a:solidFill>
+                        <a:effectLst/>
+                        <a:latin typeface="Times New Roman" panose="02020603050405020304" pitchFamily="18" charset="0"/>
+                        <a:cs typeface="Times New Roman" panose="02020603050405020304" pitchFamily="18" charset="0"/>
+                      </a:endParaRPr>
+                    </a:p>
+                  </a:txBody>
+                  <a:tcPr marL="10035" marR="10035" marT="10035" marB="0" anchor="b">
+                    <a:lnT w="12700" cap="flat" cmpd="sng" algn="ctr">
+                      <a:solidFill>
+                        <a:schemeClr val="tx1"/>
+                      </a:solidFill>
+                      <a:prstDash val="solid"/>
+                      <a:round/>
+                      <a:headEnd type="none" w="med" len="med"/>
+                      <a:tailEnd type="none" w="med" len="med"/>
+                    </a:lnT>
+                    <a:noFill/>
+                  </a:tcPr>
+                </a:tc>
+                <a:tc>
+                  <a:txBody>
+                    <a:bodyPr/>
+                    <a:lstStyle/>
+                    <a:p>
+                      <a:pPr algn="ctr" fontAlgn="b"/>
+                      <a:r>
+                        <a:rPr lang="en-US" sz="2400" u="none" strike="noStrike">
+                          <a:effectLst/>
+                          <a:latin typeface="Times New Roman" panose="02020603050405020304" pitchFamily="18" charset="0"/>
+                          <a:cs typeface="Times New Roman" panose="02020603050405020304" pitchFamily="18" charset="0"/>
+                        </a:rPr>
+                        <a:t>Fischer</a:t>
+                      </a:r>
+                      <a:endParaRPr lang="en-US" sz="2400" b="0" i="0" u="none" strike="noStrike">
+                        <a:solidFill>
+                          <a:srgbClr val="000000"/>
+                        </a:solidFill>
+                        <a:effectLst/>
+                        <a:latin typeface="Times New Roman" panose="02020603050405020304" pitchFamily="18" charset="0"/>
+                        <a:cs typeface="Times New Roman" panose="02020603050405020304" pitchFamily="18" charset="0"/>
+                      </a:endParaRPr>
+                    </a:p>
+                  </a:txBody>
+                  <a:tcPr marL="10035" marR="10035" marT="10035" marB="0" anchor="b">
+                    <a:lnT w="12700" cap="flat" cmpd="sng" algn="ctr">
+                      <a:solidFill>
+                        <a:schemeClr val="tx1"/>
+                      </a:solidFill>
+                      <a:prstDash val="solid"/>
+                      <a:round/>
+                      <a:headEnd type="none" w="med" len="med"/>
+                      <a:tailEnd type="none" w="med" len="med"/>
+                    </a:lnT>
+                    <a:noFill/>
+                  </a:tcPr>
+                </a:tc>
+                <a:tc>
+                  <a:txBody>
+                    <a:bodyPr/>
+                    <a:lstStyle/>
+                    <a:p>
+                      <a:pPr algn="ctr" fontAlgn="b"/>
+                      <a:r>
+                        <a:rPr lang="en-US" sz="2400" u="none" strike="noStrike">
+                          <a:effectLst/>
+                          <a:latin typeface="Times New Roman" panose="02020603050405020304" pitchFamily="18" charset="0"/>
+                          <a:cs typeface="Times New Roman" panose="02020603050405020304" pitchFamily="18" charset="0"/>
+                        </a:rPr>
+                        <a:t>AUC</a:t>
+                      </a:r>
+                      <a:endParaRPr lang="en-US" sz="2400" b="0" i="0" u="none" strike="noStrike">
+                        <a:solidFill>
+                          <a:srgbClr val="000000"/>
+                        </a:solidFill>
+                        <a:effectLst/>
+                        <a:latin typeface="Times New Roman" panose="02020603050405020304" pitchFamily="18" charset="0"/>
+                        <a:cs typeface="Times New Roman" panose="02020603050405020304" pitchFamily="18" charset="0"/>
+                      </a:endParaRPr>
+                    </a:p>
+                  </a:txBody>
+                  <a:tcPr marL="10035" marR="10035" marT="10035" marB="0" anchor="b">
+                    <a:lnR w="12700" cap="flat" cmpd="sng" algn="ctr">
+                      <a:solidFill>
+                        <a:schemeClr val="tx1"/>
+                      </a:solidFill>
+                      <a:prstDash val="solid"/>
+                      <a:round/>
+                      <a:headEnd type="none" w="med" len="med"/>
+                      <a:tailEnd type="none" w="med" len="med"/>
+                    </a:lnR>
+                    <a:lnT w="12700" cap="flat" cmpd="sng" algn="ctr">
+                      <a:solidFill>
+                        <a:schemeClr val="tx1"/>
+                      </a:solidFill>
+                      <a:prstDash val="solid"/>
+                      <a:round/>
+                      <a:headEnd type="none" w="med" len="med"/>
+                      <a:tailEnd type="none" w="med" len="med"/>
+                    </a:lnT>
+                    <a:noFill/>
+                  </a:tcPr>
+                </a:tc>
+                <a:extLst>
+                  <a:ext uri="{0D108BD9-81ED-4DB2-BD59-A6C34878D82A}">
+                    <a16:rowId xmlns:a16="http://schemas.microsoft.com/office/drawing/2014/main" val="2512102292"/>
+                  </a:ext>
+                </a:extLst>
+              </a:tr>
+              <a:tr h="375795">
+                <a:tc>
+                  <a:txBody>
+                    <a:bodyPr/>
+                    <a:lstStyle/>
+                    <a:p>
+                      <a:pPr algn="ctr" fontAlgn="b"/>
+                      <a:r>
+                        <a:rPr lang="en-US" sz="2400" u="none" strike="noStrike">
+                          <a:effectLst/>
+                          <a:latin typeface="Times New Roman" panose="02020603050405020304" pitchFamily="18" charset="0"/>
+                          <a:cs typeface="Times New Roman" panose="02020603050405020304" pitchFamily="18" charset="0"/>
+                        </a:rPr>
+                        <a:t>1</a:t>
+                      </a:r>
+                      <a:endParaRPr lang="en-US" sz="2400" b="0" i="0" u="none" strike="noStrike">
+                        <a:solidFill>
+                          <a:srgbClr val="000000"/>
+                        </a:solidFill>
+                        <a:effectLst/>
+                        <a:latin typeface="Times New Roman" panose="02020603050405020304" pitchFamily="18" charset="0"/>
+                        <a:cs typeface="Times New Roman" panose="02020603050405020304" pitchFamily="18" charset="0"/>
+                      </a:endParaRPr>
+                    </a:p>
+                  </a:txBody>
+                  <a:tcPr marL="10035" marR="10035" marT="10035" marB="0" anchor="b">
+                    <a:lnL w="12700" cap="flat" cmpd="sng" algn="ctr">
+                      <a:solidFill>
+                        <a:schemeClr val="tx1"/>
+                      </a:solidFill>
+                      <a:prstDash val="solid"/>
+                      <a:round/>
+                      <a:headEnd type="none" w="med" len="med"/>
+                      <a:tailEnd type="none" w="med" len="med"/>
+                    </a:lnL>
+                    <a:noFill/>
+                  </a:tcPr>
+                </a:tc>
+                <a:tc>
+                  <a:txBody>
+                    <a:bodyPr/>
+                    <a:lstStyle/>
+                    <a:p>
+                      <a:pPr algn="ctr" fontAlgn="b"/>
+                      <a:r>
+                        <a:rPr lang="en-US" sz="2400" u="none" strike="noStrike">
+                          <a:effectLst/>
+                          <a:latin typeface="Times New Roman" panose="02020603050405020304" pitchFamily="18" charset="0"/>
+                          <a:cs typeface="Times New Roman" panose="02020603050405020304" pitchFamily="18" charset="0"/>
+                        </a:rPr>
+                        <a:t>0.410</a:t>
+                      </a:r>
+                      <a:endParaRPr lang="en-US" sz="2400" b="0" i="0" u="none" strike="noStrike">
+                        <a:solidFill>
+                          <a:srgbClr val="000000"/>
+                        </a:solidFill>
+                        <a:effectLst/>
+                        <a:latin typeface="Times New Roman" panose="02020603050405020304" pitchFamily="18" charset="0"/>
+                        <a:cs typeface="Times New Roman" panose="02020603050405020304" pitchFamily="18" charset="0"/>
+                      </a:endParaRPr>
+                    </a:p>
+                  </a:txBody>
+                  <a:tcPr marL="10035" marR="10035" marT="10035" marB="0" anchor="b">
+                    <a:noFill/>
+                  </a:tcPr>
+                </a:tc>
+                <a:tc>
+                  <a:txBody>
+                    <a:bodyPr/>
+                    <a:lstStyle/>
+                    <a:p>
+                      <a:pPr algn="ctr" fontAlgn="b"/>
+                      <a:r>
+                        <a:rPr lang="en-US" sz="2400" u="none" strike="noStrike">
+                          <a:effectLst/>
+                          <a:latin typeface="Times New Roman" panose="02020603050405020304" pitchFamily="18" charset="0"/>
+                          <a:cs typeface="Times New Roman" panose="02020603050405020304" pitchFamily="18" charset="0"/>
+                        </a:rPr>
+                        <a:t>0.177</a:t>
+                      </a:r>
+                      <a:endParaRPr lang="en-US" sz="2400" b="0" i="0" u="none" strike="noStrike">
+                        <a:solidFill>
+                          <a:srgbClr val="000000"/>
+                        </a:solidFill>
+                        <a:effectLst/>
+                        <a:latin typeface="Times New Roman" panose="02020603050405020304" pitchFamily="18" charset="0"/>
+                        <a:cs typeface="Times New Roman" panose="02020603050405020304" pitchFamily="18" charset="0"/>
+                      </a:endParaRPr>
+                    </a:p>
+                  </a:txBody>
+                  <a:tcPr marL="10035" marR="10035" marT="10035" marB="0" anchor="b">
+                    <a:noFill/>
+                  </a:tcPr>
+                </a:tc>
+                <a:tc>
+                  <a:txBody>
+                    <a:bodyPr/>
+                    <a:lstStyle/>
+                    <a:p>
+                      <a:pPr algn="ctr" fontAlgn="b"/>
+                      <a:r>
+                        <a:rPr lang="en-US" sz="2400" u="none" strike="noStrike">
+                          <a:effectLst/>
+                          <a:latin typeface="Times New Roman" panose="02020603050405020304" pitchFamily="18" charset="0"/>
+                          <a:cs typeface="Times New Roman" panose="02020603050405020304" pitchFamily="18" charset="0"/>
+                        </a:rPr>
+                        <a:t>0.565</a:t>
+                      </a:r>
+                      <a:endParaRPr lang="en-US" sz="2400" b="0" i="0" u="none" strike="noStrike">
+                        <a:solidFill>
+                          <a:srgbClr val="000000"/>
+                        </a:solidFill>
+                        <a:effectLst/>
+                        <a:latin typeface="Times New Roman" panose="02020603050405020304" pitchFamily="18" charset="0"/>
+                        <a:cs typeface="Times New Roman" panose="02020603050405020304" pitchFamily="18" charset="0"/>
+                      </a:endParaRPr>
+                    </a:p>
+                  </a:txBody>
+                  <a:tcPr marL="10035" marR="10035" marT="10035" marB="0" anchor="b">
+                    <a:noFill/>
+                  </a:tcPr>
+                </a:tc>
+                <a:tc>
+                  <a:txBody>
+                    <a:bodyPr/>
+                    <a:lstStyle/>
+                    <a:p>
+                      <a:pPr algn="ctr" fontAlgn="b"/>
+                      <a:r>
+                        <a:rPr lang="en-US" sz="2400" u="none" strike="noStrike">
+                          <a:effectLst/>
+                          <a:latin typeface="Times New Roman" panose="02020603050405020304" pitchFamily="18" charset="0"/>
+                          <a:cs typeface="Times New Roman" panose="02020603050405020304" pitchFamily="18" charset="0"/>
+                        </a:rPr>
+                        <a:t>0.269</a:t>
+                      </a:r>
+                      <a:endParaRPr lang="en-US" sz="2400" b="0" i="0" u="none" strike="noStrike">
+                        <a:solidFill>
+                          <a:srgbClr val="000000"/>
+                        </a:solidFill>
+                        <a:effectLst/>
+                        <a:latin typeface="Times New Roman" panose="02020603050405020304" pitchFamily="18" charset="0"/>
+                        <a:cs typeface="Times New Roman" panose="02020603050405020304" pitchFamily="18" charset="0"/>
+                      </a:endParaRPr>
+                    </a:p>
+                  </a:txBody>
+                  <a:tcPr marL="10035" marR="10035" marT="10035" marB="0" anchor="b">
+                    <a:noFill/>
+                  </a:tcPr>
+                </a:tc>
+                <a:tc>
+                  <a:txBody>
+                    <a:bodyPr/>
+                    <a:lstStyle/>
+                    <a:p>
+                      <a:pPr algn="ctr" fontAlgn="b"/>
+                      <a:r>
+                        <a:rPr lang="en-US" sz="2400" u="none" strike="noStrike">
+                          <a:effectLst/>
+                          <a:latin typeface="Times New Roman" panose="02020603050405020304" pitchFamily="18" charset="0"/>
+                          <a:cs typeface="Times New Roman" panose="02020603050405020304" pitchFamily="18" charset="0"/>
+                        </a:rPr>
+                        <a:t>0.578</a:t>
+                      </a:r>
+                      <a:endParaRPr lang="en-US" sz="2400" b="0" i="0" u="none" strike="noStrike">
+                        <a:solidFill>
+                          <a:srgbClr val="000000"/>
+                        </a:solidFill>
+                        <a:effectLst/>
+                        <a:latin typeface="Times New Roman" panose="02020603050405020304" pitchFamily="18" charset="0"/>
+                        <a:cs typeface="Times New Roman" panose="02020603050405020304" pitchFamily="18" charset="0"/>
+                      </a:endParaRPr>
+                    </a:p>
+                  </a:txBody>
+                  <a:tcPr marL="10035" marR="10035" marT="10035" marB="0" anchor="b">
+                    <a:lnR w="12700" cap="flat" cmpd="sng" algn="ctr">
+                      <a:solidFill>
+                        <a:schemeClr val="tx1"/>
+                      </a:solidFill>
+                      <a:prstDash val="solid"/>
+                      <a:round/>
+                      <a:headEnd type="none" w="med" len="med"/>
+                      <a:tailEnd type="none" w="med" len="med"/>
+                    </a:lnR>
+                    <a:noFill/>
+                  </a:tcPr>
+                </a:tc>
+                <a:extLst>
+                  <a:ext uri="{0D108BD9-81ED-4DB2-BD59-A6C34878D82A}">
+                    <a16:rowId xmlns:a16="http://schemas.microsoft.com/office/drawing/2014/main" val="3839776327"/>
+                  </a:ext>
+                </a:extLst>
+              </a:tr>
+              <a:tr h="375795">
+                <a:tc>
+                  <a:txBody>
+                    <a:bodyPr/>
+                    <a:lstStyle/>
+                    <a:p>
+                      <a:pPr algn="ctr" fontAlgn="b"/>
+                      <a:r>
+                        <a:rPr lang="en-US" sz="2400" u="none" strike="noStrike">
+                          <a:effectLst/>
+                          <a:latin typeface="Times New Roman" panose="02020603050405020304" pitchFamily="18" charset="0"/>
+                          <a:cs typeface="Times New Roman" panose="02020603050405020304" pitchFamily="18" charset="0"/>
+                        </a:rPr>
+                        <a:t>4</a:t>
+                      </a:r>
+                      <a:endParaRPr lang="en-US" sz="2400" b="0" i="0" u="none" strike="noStrike">
+                        <a:solidFill>
+                          <a:srgbClr val="000000"/>
+                        </a:solidFill>
+                        <a:effectLst/>
+                        <a:latin typeface="Times New Roman" panose="02020603050405020304" pitchFamily="18" charset="0"/>
+                        <a:cs typeface="Times New Roman" panose="02020603050405020304" pitchFamily="18" charset="0"/>
+                      </a:endParaRPr>
+                    </a:p>
+                  </a:txBody>
+                  <a:tcPr marL="10035" marR="10035" marT="10035" marB="0" anchor="b">
+                    <a:lnL w="12700" cap="flat" cmpd="sng" algn="ctr">
+                      <a:solidFill>
+                        <a:schemeClr val="tx1"/>
+                      </a:solidFill>
+                      <a:prstDash val="solid"/>
+                      <a:round/>
+                      <a:headEnd type="none" w="med" len="med"/>
+                      <a:tailEnd type="none" w="med" len="med"/>
+                    </a:lnL>
+                    <a:noFill/>
+                  </a:tcPr>
+                </a:tc>
+                <a:tc>
+                  <a:txBody>
+                    <a:bodyPr/>
+                    <a:lstStyle/>
+                    <a:p>
+                      <a:pPr algn="ctr" fontAlgn="b"/>
+                      <a:r>
+                        <a:rPr lang="en-US" sz="2400" u="none" strike="noStrike" dirty="0">
+                          <a:effectLst/>
+                          <a:latin typeface="Times New Roman" panose="02020603050405020304" pitchFamily="18" charset="0"/>
+                          <a:cs typeface="Times New Roman" panose="02020603050405020304" pitchFamily="18" charset="0"/>
+                        </a:rPr>
+                        <a:t>0.394</a:t>
+                      </a:r>
+                      <a:endParaRPr lang="en-US" sz="2400" b="0" i="0" u="none" strike="noStrike" dirty="0">
+                        <a:solidFill>
+                          <a:srgbClr val="000000"/>
+                        </a:solidFill>
+                        <a:effectLst/>
+                        <a:latin typeface="Times New Roman" panose="02020603050405020304" pitchFamily="18" charset="0"/>
+                        <a:cs typeface="Times New Roman" panose="02020603050405020304" pitchFamily="18" charset="0"/>
+                      </a:endParaRPr>
+                    </a:p>
+                  </a:txBody>
+                  <a:tcPr marL="10035" marR="10035" marT="10035" marB="0" anchor="b">
+                    <a:noFill/>
+                  </a:tcPr>
+                </a:tc>
+                <a:tc>
+                  <a:txBody>
+                    <a:bodyPr/>
+                    <a:lstStyle/>
+                    <a:p>
+                      <a:pPr algn="ctr" fontAlgn="b"/>
+                      <a:r>
+                        <a:rPr lang="en-US" sz="2400" u="none" strike="noStrike" dirty="0">
+                          <a:effectLst/>
+                          <a:latin typeface="Times New Roman" panose="02020603050405020304" pitchFamily="18" charset="0"/>
+                          <a:cs typeface="Times New Roman" panose="02020603050405020304" pitchFamily="18" charset="0"/>
+                        </a:rPr>
+                        <a:t>0.183</a:t>
+                      </a:r>
+                      <a:endParaRPr lang="en-US" sz="2400" b="0" i="0" u="none" strike="noStrike" dirty="0">
+                        <a:solidFill>
+                          <a:srgbClr val="000000"/>
+                        </a:solidFill>
+                        <a:effectLst/>
+                        <a:latin typeface="Times New Roman" panose="02020603050405020304" pitchFamily="18" charset="0"/>
+                        <a:cs typeface="Times New Roman" panose="02020603050405020304" pitchFamily="18" charset="0"/>
+                      </a:endParaRPr>
+                    </a:p>
+                  </a:txBody>
+                  <a:tcPr marL="10035" marR="10035" marT="10035" marB="0" anchor="b">
+                    <a:noFill/>
+                  </a:tcPr>
+                </a:tc>
+                <a:tc>
+                  <a:txBody>
+                    <a:bodyPr/>
+                    <a:lstStyle/>
+                    <a:p>
+                      <a:pPr algn="ctr" fontAlgn="b"/>
+                      <a:r>
+                        <a:rPr lang="en-US" sz="2400" u="none" strike="noStrike">
+                          <a:effectLst/>
+                          <a:latin typeface="Times New Roman" panose="02020603050405020304" pitchFamily="18" charset="0"/>
+                          <a:cs typeface="Times New Roman" panose="02020603050405020304" pitchFamily="18" charset="0"/>
+                        </a:rPr>
+                        <a:t>0.563</a:t>
+                      </a:r>
+                      <a:endParaRPr lang="en-US" sz="2400" b="0" i="0" u="none" strike="noStrike">
+                        <a:solidFill>
+                          <a:srgbClr val="000000"/>
+                        </a:solidFill>
+                        <a:effectLst/>
+                        <a:latin typeface="Times New Roman" panose="02020603050405020304" pitchFamily="18" charset="0"/>
+                        <a:cs typeface="Times New Roman" panose="02020603050405020304" pitchFamily="18" charset="0"/>
+                      </a:endParaRPr>
+                    </a:p>
+                  </a:txBody>
+                  <a:tcPr marL="10035" marR="10035" marT="10035" marB="0" anchor="b">
+                    <a:noFill/>
+                  </a:tcPr>
+                </a:tc>
+                <a:tc>
+                  <a:txBody>
+                    <a:bodyPr/>
+                    <a:lstStyle/>
+                    <a:p>
+                      <a:pPr algn="ctr" fontAlgn="b"/>
+                      <a:r>
+                        <a:rPr lang="en-US" sz="2400" u="none" strike="noStrike">
+                          <a:effectLst/>
+                          <a:latin typeface="Times New Roman" panose="02020603050405020304" pitchFamily="18" charset="0"/>
+                          <a:cs typeface="Times New Roman" panose="02020603050405020304" pitchFamily="18" charset="0"/>
+                        </a:rPr>
+                        <a:t>0.277</a:t>
+                      </a:r>
+                      <a:endParaRPr lang="en-US" sz="2400" b="0" i="0" u="none" strike="noStrike">
+                        <a:solidFill>
+                          <a:srgbClr val="000000"/>
+                        </a:solidFill>
+                        <a:effectLst/>
+                        <a:latin typeface="Times New Roman" panose="02020603050405020304" pitchFamily="18" charset="0"/>
+                        <a:cs typeface="Times New Roman" panose="02020603050405020304" pitchFamily="18" charset="0"/>
+                      </a:endParaRPr>
+                    </a:p>
+                  </a:txBody>
+                  <a:tcPr marL="10035" marR="10035" marT="10035" marB="0" anchor="b">
+                    <a:noFill/>
+                  </a:tcPr>
+                </a:tc>
+                <a:tc>
+                  <a:txBody>
+                    <a:bodyPr/>
+                    <a:lstStyle/>
+                    <a:p>
+                      <a:pPr algn="ctr" fontAlgn="b"/>
+                      <a:r>
+                        <a:rPr lang="en-US" sz="2400" u="none" strike="noStrike">
+                          <a:effectLst/>
+                          <a:latin typeface="Times New Roman" panose="02020603050405020304" pitchFamily="18" charset="0"/>
+                          <a:cs typeface="Times New Roman" panose="02020603050405020304" pitchFamily="18" charset="0"/>
+                        </a:rPr>
+                        <a:t>0.587</a:t>
+                      </a:r>
+                      <a:endParaRPr lang="en-US" sz="2400" b="0" i="0" u="none" strike="noStrike">
+                        <a:solidFill>
+                          <a:srgbClr val="000000"/>
+                        </a:solidFill>
+                        <a:effectLst/>
+                        <a:latin typeface="Times New Roman" panose="02020603050405020304" pitchFamily="18" charset="0"/>
+                        <a:cs typeface="Times New Roman" panose="02020603050405020304" pitchFamily="18" charset="0"/>
+                      </a:endParaRPr>
+                    </a:p>
+                  </a:txBody>
+                  <a:tcPr marL="10035" marR="10035" marT="10035" marB="0" anchor="b">
+                    <a:lnR w="12700" cap="flat" cmpd="sng" algn="ctr">
+                      <a:solidFill>
+                        <a:schemeClr val="tx1"/>
+                      </a:solidFill>
+                      <a:prstDash val="solid"/>
+                      <a:round/>
+                      <a:headEnd type="none" w="med" len="med"/>
+                      <a:tailEnd type="none" w="med" len="med"/>
+                    </a:lnR>
+                    <a:noFill/>
+                  </a:tcPr>
+                </a:tc>
+                <a:extLst>
+                  <a:ext uri="{0D108BD9-81ED-4DB2-BD59-A6C34878D82A}">
+                    <a16:rowId xmlns:a16="http://schemas.microsoft.com/office/drawing/2014/main" val="943426395"/>
+                  </a:ext>
+                </a:extLst>
+              </a:tr>
+              <a:tr h="375795">
+                <a:tc>
+                  <a:txBody>
+                    <a:bodyPr/>
+                    <a:lstStyle/>
+                    <a:p>
+                      <a:pPr algn="ctr" fontAlgn="b"/>
+                      <a:r>
+                        <a:rPr lang="en-US" sz="2400" u="none" strike="noStrike">
+                          <a:effectLst/>
+                          <a:latin typeface="Times New Roman" panose="02020603050405020304" pitchFamily="18" charset="0"/>
+                          <a:cs typeface="Times New Roman" panose="02020603050405020304" pitchFamily="18" charset="0"/>
+                        </a:rPr>
+                        <a:t>6</a:t>
+                      </a:r>
+                      <a:endParaRPr lang="en-US" sz="2400" b="0" i="0" u="none" strike="noStrike">
+                        <a:solidFill>
+                          <a:srgbClr val="000000"/>
+                        </a:solidFill>
+                        <a:effectLst/>
+                        <a:latin typeface="Times New Roman" panose="02020603050405020304" pitchFamily="18" charset="0"/>
+                        <a:cs typeface="Times New Roman" panose="02020603050405020304" pitchFamily="18" charset="0"/>
+                      </a:endParaRPr>
+                    </a:p>
+                  </a:txBody>
+                  <a:tcPr marL="10035" marR="10035" marT="10035" marB="0" anchor="b">
+                    <a:lnL w="12700" cap="flat" cmpd="sng" algn="ctr">
+                      <a:solidFill>
+                        <a:schemeClr val="tx1"/>
+                      </a:solidFill>
+                      <a:prstDash val="solid"/>
+                      <a:round/>
+                      <a:headEnd type="none" w="med" len="med"/>
+                      <a:tailEnd type="none" w="med" len="med"/>
+                    </a:lnL>
+                    <a:noFill/>
+                  </a:tcPr>
+                </a:tc>
+                <a:tc>
+                  <a:txBody>
+                    <a:bodyPr/>
+                    <a:lstStyle/>
+                    <a:p>
+                      <a:pPr algn="ctr" fontAlgn="b"/>
+                      <a:r>
+                        <a:rPr lang="en-US" sz="2400" u="none" strike="noStrike" dirty="0">
+                          <a:effectLst/>
+                          <a:latin typeface="Times New Roman" panose="02020603050405020304" pitchFamily="18" charset="0"/>
+                          <a:cs typeface="Times New Roman" panose="02020603050405020304" pitchFamily="18" charset="0"/>
+                        </a:rPr>
+                        <a:t>0.382</a:t>
+                      </a:r>
+                      <a:endParaRPr lang="en-US" sz="2400" b="0" i="0" u="none" strike="noStrike" dirty="0">
+                        <a:solidFill>
+                          <a:srgbClr val="000000"/>
+                        </a:solidFill>
+                        <a:effectLst/>
+                        <a:latin typeface="Times New Roman" panose="02020603050405020304" pitchFamily="18" charset="0"/>
+                        <a:cs typeface="Times New Roman" panose="02020603050405020304" pitchFamily="18" charset="0"/>
+                      </a:endParaRPr>
+                    </a:p>
+                  </a:txBody>
+                  <a:tcPr marL="10035" marR="10035" marT="10035" marB="0" anchor="b">
+                    <a:noFill/>
+                  </a:tcPr>
+                </a:tc>
+                <a:tc>
+                  <a:txBody>
+                    <a:bodyPr/>
+                    <a:lstStyle/>
+                    <a:p>
+                      <a:pPr algn="ctr" fontAlgn="b"/>
+                      <a:r>
+                        <a:rPr lang="en-US" sz="2400" u="none" strike="noStrike">
+                          <a:effectLst/>
+                          <a:latin typeface="Times New Roman" panose="02020603050405020304" pitchFamily="18" charset="0"/>
+                          <a:cs typeface="Times New Roman" panose="02020603050405020304" pitchFamily="18" charset="0"/>
+                        </a:rPr>
+                        <a:t>0.210</a:t>
+                      </a:r>
+                      <a:endParaRPr lang="en-US" sz="2400" b="0" i="0" u="none" strike="noStrike">
+                        <a:solidFill>
+                          <a:srgbClr val="000000"/>
+                        </a:solidFill>
+                        <a:effectLst/>
+                        <a:latin typeface="Times New Roman" panose="02020603050405020304" pitchFamily="18" charset="0"/>
+                        <a:cs typeface="Times New Roman" panose="02020603050405020304" pitchFamily="18" charset="0"/>
+                      </a:endParaRPr>
+                    </a:p>
+                  </a:txBody>
+                  <a:tcPr marL="10035" marR="10035" marT="10035" marB="0" anchor="b">
+                    <a:noFill/>
+                  </a:tcPr>
+                </a:tc>
+                <a:tc>
+                  <a:txBody>
+                    <a:bodyPr/>
+                    <a:lstStyle/>
+                    <a:p>
+                      <a:pPr algn="ctr" fontAlgn="b"/>
+                      <a:r>
+                        <a:rPr lang="en-US" sz="2400" u="none" strike="noStrike">
+                          <a:effectLst/>
+                          <a:latin typeface="Times New Roman" panose="02020603050405020304" pitchFamily="18" charset="0"/>
+                          <a:cs typeface="Times New Roman" panose="02020603050405020304" pitchFamily="18" charset="0"/>
+                        </a:rPr>
+                        <a:t>0.660</a:t>
+                      </a:r>
+                      <a:endParaRPr lang="en-US" sz="2400" b="0" i="0" u="none" strike="noStrike">
+                        <a:solidFill>
+                          <a:srgbClr val="000000"/>
+                        </a:solidFill>
+                        <a:effectLst/>
+                        <a:latin typeface="Times New Roman" panose="02020603050405020304" pitchFamily="18" charset="0"/>
+                        <a:cs typeface="Times New Roman" panose="02020603050405020304" pitchFamily="18" charset="0"/>
+                      </a:endParaRPr>
+                    </a:p>
+                  </a:txBody>
+                  <a:tcPr marL="10035" marR="10035" marT="10035" marB="0" anchor="b">
+                    <a:noFill/>
+                  </a:tcPr>
+                </a:tc>
+                <a:tc>
+                  <a:txBody>
+                    <a:bodyPr/>
+                    <a:lstStyle/>
+                    <a:p>
+                      <a:pPr algn="ctr" fontAlgn="b"/>
+                      <a:r>
+                        <a:rPr lang="en-US" sz="2400" u="none" strike="noStrike">
+                          <a:effectLst/>
+                          <a:latin typeface="Times New Roman" panose="02020603050405020304" pitchFamily="18" charset="0"/>
+                          <a:cs typeface="Times New Roman" panose="02020603050405020304" pitchFamily="18" charset="0"/>
+                        </a:rPr>
+                        <a:t>0.318</a:t>
+                      </a:r>
+                      <a:endParaRPr lang="en-US" sz="2400" b="0" i="0" u="none" strike="noStrike">
+                        <a:solidFill>
+                          <a:srgbClr val="000000"/>
+                        </a:solidFill>
+                        <a:effectLst/>
+                        <a:latin typeface="Times New Roman" panose="02020603050405020304" pitchFamily="18" charset="0"/>
+                        <a:cs typeface="Times New Roman" panose="02020603050405020304" pitchFamily="18" charset="0"/>
+                      </a:endParaRPr>
+                    </a:p>
+                  </a:txBody>
+                  <a:tcPr marL="10035" marR="10035" marT="10035" marB="0" anchor="b">
+                    <a:noFill/>
+                  </a:tcPr>
+                </a:tc>
+                <a:tc>
+                  <a:txBody>
+                    <a:bodyPr/>
+                    <a:lstStyle/>
+                    <a:p>
+                      <a:pPr algn="ctr" fontAlgn="b"/>
+                      <a:r>
+                        <a:rPr lang="en-US" sz="2400" u="none" strike="noStrike">
+                          <a:effectLst/>
+                          <a:latin typeface="Times New Roman" panose="02020603050405020304" pitchFamily="18" charset="0"/>
+                          <a:cs typeface="Times New Roman" panose="02020603050405020304" pitchFamily="18" charset="0"/>
+                        </a:rPr>
+                        <a:t>0.637</a:t>
+                      </a:r>
+                      <a:endParaRPr lang="en-US" sz="2400" b="0" i="0" u="none" strike="noStrike">
+                        <a:solidFill>
+                          <a:srgbClr val="000000"/>
+                        </a:solidFill>
+                        <a:effectLst/>
+                        <a:latin typeface="Times New Roman" panose="02020603050405020304" pitchFamily="18" charset="0"/>
+                        <a:cs typeface="Times New Roman" panose="02020603050405020304" pitchFamily="18" charset="0"/>
+                      </a:endParaRPr>
+                    </a:p>
+                  </a:txBody>
+                  <a:tcPr marL="10035" marR="10035" marT="10035" marB="0" anchor="b">
+                    <a:lnR w="12700" cap="flat" cmpd="sng" algn="ctr">
+                      <a:solidFill>
+                        <a:schemeClr val="tx1"/>
+                      </a:solidFill>
+                      <a:prstDash val="solid"/>
+                      <a:round/>
+                      <a:headEnd type="none" w="med" len="med"/>
+                      <a:tailEnd type="none" w="med" len="med"/>
+                    </a:lnR>
+                    <a:noFill/>
+                  </a:tcPr>
+                </a:tc>
+                <a:extLst>
+                  <a:ext uri="{0D108BD9-81ED-4DB2-BD59-A6C34878D82A}">
+                    <a16:rowId xmlns:a16="http://schemas.microsoft.com/office/drawing/2014/main" val="598060577"/>
+                  </a:ext>
+                </a:extLst>
+              </a:tr>
+              <a:tr h="375795">
+                <a:tc>
+                  <a:txBody>
+                    <a:bodyPr/>
+                    <a:lstStyle/>
+                    <a:p>
+                      <a:pPr algn="ctr" fontAlgn="b"/>
+                      <a:r>
+                        <a:rPr lang="en-US" sz="2400" u="none" strike="noStrike">
+                          <a:effectLst/>
+                          <a:latin typeface="Times New Roman" panose="02020603050405020304" pitchFamily="18" charset="0"/>
+                          <a:cs typeface="Times New Roman" panose="02020603050405020304" pitchFamily="18" charset="0"/>
+                        </a:rPr>
+                        <a:t>7</a:t>
+                      </a:r>
+                      <a:endParaRPr lang="en-US" sz="2400" b="0" i="0" u="none" strike="noStrike">
+                        <a:solidFill>
+                          <a:srgbClr val="000000"/>
+                        </a:solidFill>
+                        <a:effectLst/>
+                        <a:latin typeface="Times New Roman" panose="02020603050405020304" pitchFamily="18" charset="0"/>
+                        <a:cs typeface="Times New Roman" panose="02020603050405020304" pitchFamily="18" charset="0"/>
+                      </a:endParaRPr>
+                    </a:p>
+                  </a:txBody>
+                  <a:tcPr marL="10035" marR="10035" marT="10035" marB="0" anchor="b">
+                    <a:lnL w="12700" cap="flat" cmpd="sng" algn="ctr">
+                      <a:solidFill>
+                        <a:schemeClr val="tx1"/>
+                      </a:solidFill>
+                      <a:prstDash val="solid"/>
+                      <a:round/>
+                      <a:headEnd type="none" w="med" len="med"/>
+                      <a:tailEnd type="none" w="med" len="med"/>
+                    </a:lnL>
+                    <a:noFill/>
+                  </a:tcPr>
+                </a:tc>
+                <a:tc>
+                  <a:txBody>
+                    <a:bodyPr/>
+                    <a:lstStyle/>
+                    <a:p>
+                      <a:pPr algn="ctr" fontAlgn="b"/>
+                      <a:r>
+                        <a:rPr lang="en-US" sz="2400" u="none" strike="noStrike">
+                          <a:effectLst/>
+                          <a:latin typeface="Times New Roman" panose="02020603050405020304" pitchFamily="18" charset="0"/>
+                          <a:cs typeface="Times New Roman" panose="02020603050405020304" pitchFamily="18" charset="0"/>
+                        </a:rPr>
+                        <a:t>0.375</a:t>
+                      </a:r>
+                      <a:endParaRPr lang="en-US" sz="2400" b="0" i="0" u="none" strike="noStrike">
+                        <a:solidFill>
+                          <a:srgbClr val="000000"/>
+                        </a:solidFill>
+                        <a:effectLst/>
+                        <a:latin typeface="Times New Roman" panose="02020603050405020304" pitchFamily="18" charset="0"/>
+                        <a:cs typeface="Times New Roman" panose="02020603050405020304" pitchFamily="18" charset="0"/>
+                      </a:endParaRPr>
+                    </a:p>
+                  </a:txBody>
+                  <a:tcPr marL="10035" marR="10035" marT="10035" marB="0" anchor="b">
+                    <a:noFill/>
+                  </a:tcPr>
+                </a:tc>
+                <a:tc>
+                  <a:txBody>
+                    <a:bodyPr/>
+                    <a:lstStyle/>
+                    <a:p>
+                      <a:pPr algn="ctr" fontAlgn="b"/>
+                      <a:r>
+                        <a:rPr lang="en-US" sz="2400" u="none" strike="noStrike">
+                          <a:effectLst/>
+                          <a:latin typeface="Times New Roman" panose="02020603050405020304" pitchFamily="18" charset="0"/>
+                          <a:cs typeface="Times New Roman" panose="02020603050405020304" pitchFamily="18" charset="0"/>
+                        </a:rPr>
+                        <a:t>0.211</a:t>
+                      </a:r>
+                      <a:endParaRPr lang="en-US" sz="2400" b="0" i="0" u="none" strike="noStrike">
+                        <a:solidFill>
+                          <a:srgbClr val="000000"/>
+                        </a:solidFill>
+                        <a:effectLst/>
+                        <a:latin typeface="Times New Roman" panose="02020603050405020304" pitchFamily="18" charset="0"/>
+                        <a:cs typeface="Times New Roman" panose="02020603050405020304" pitchFamily="18" charset="0"/>
+                      </a:endParaRPr>
+                    </a:p>
+                  </a:txBody>
+                  <a:tcPr marL="10035" marR="10035" marT="10035" marB="0" anchor="b">
+                    <a:noFill/>
+                  </a:tcPr>
+                </a:tc>
+                <a:tc>
+                  <a:txBody>
+                    <a:bodyPr/>
+                    <a:lstStyle/>
+                    <a:p>
+                      <a:pPr algn="ctr" fontAlgn="b"/>
+                      <a:r>
+                        <a:rPr lang="en-US" sz="2400" u="none" strike="noStrike">
+                          <a:effectLst/>
+                          <a:latin typeface="Times New Roman" panose="02020603050405020304" pitchFamily="18" charset="0"/>
+                          <a:cs typeface="Times New Roman" panose="02020603050405020304" pitchFamily="18" charset="0"/>
+                        </a:rPr>
+                        <a:t>0.652</a:t>
+                      </a:r>
+                      <a:endParaRPr lang="en-US" sz="2400" b="0" i="0" u="none" strike="noStrike">
+                        <a:solidFill>
+                          <a:srgbClr val="000000"/>
+                        </a:solidFill>
+                        <a:effectLst/>
+                        <a:latin typeface="Times New Roman" panose="02020603050405020304" pitchFamily="18" charset="0"/>
+                        <a:cs typeface="Times New Roman" panose="02020603050405020304" pitchFamily="18" charset="0"/>
+                      </a:endParaRPr>
+                    </a:p>
+                  </a:txBody>
+                  <a:tcPr marL="10035" marR="10035" marT="10035" marB="0" anchor="b">
+                    <a:noFill/>
+                  </a:tcPr>
+                </a:tc>
+                <a:tc>
+                  <a:txBody>
+                    <a:bodyPr/>
+                    <a:lstStyle/>
+                    <a:p>
+                      <a:pPr algn="ctr" fontAlgn="b"/>
+                      <a:r>
+                        <a:rPr lang="en-US" sz="2400" u="none" strike="noStrike">
+                          <a:effectLst/>
+                          <a:latin typeface="Times New Roman" panose="02020603050405020304" pitchFamily="18" charset="0"/>
+                          <a:cs typeface="Times New Roman" panose="02020603050405020304" pitchFamily="18" charset="0"/>
+                        </a:rPr>
+                        <a:t>0.318</a:t>
+                      </a:r>
+                      <a:endParaRPr lang="en-US" sz="2400" b="0" i="0" u="none" strike="noStrike">
+                        <a:solidFill>
+                          <a:srgbClr val="000000"/>
+                        </a:solidFill>
+                        <a:effectLst/>
+                        <a:latin typeface="Times New Roman" panose="02020603050405020304" pitchFamily="18" charset="0"/>
+                        <a:cs typeface="Times New Roman" panose="02020603050405020304" pitchFamily="18" charset="0"/>
+                      </a:endParaRPr>
+                    </a:p>
+                  </a:txBody>
+                  <a:tcPr marL="10035" marR="10035" marT="10035" marB="0" anchor="b">
+                    <a:noFill/>
+                  </a:tcPr>
+                </a:tc>
+                <a:tc>
+                  <a:txBody>
+                    <a:bodyPr/>
+                    <a:lstStyle/>
+                    <a:p>
+                      <a:pPr algn="ctr" fontAlgn="b"/>
+                      <a:r>
+                        <a:rPr lang="en-US" sz="2400" u="none" strike="noStrike">
+                          <a:effectLst/>
+                          <a:latin typeface="Times New Roman" panose="02020603050405020304" pitchFamily="18" charset="0"/>
+                          <a:cs typeface="Times New Roman" panose="02020603050405020304" pitchFamily="18" charset="0"/>
+                        </a:rPr>
+                        <a:t>0.636</a:t>
+                      </a:r>
+                      <a:endParaRPr lang="en-US" sz="2400" b="0" i="0" u="none" strike="noStrike">
+                        <a:solidFill>
+                          <a:srgbClr val="000000"/>
+                        </a:solidFill>
+                        <a:effectLst/>
+                        <a:latin typeface="Times New Roman" panose="02020603050405020304" pitchFamily="18" charset="0"/>
+                        <a:cs typeface="Times New Roman" panose="02020603050405020304" pitchFamily="18" charset="0"/>
+                      </a:endParaRPr>
+                    </a:p>
+                  </a:txBody>
+                  <a:tcPr marL="10035" marR="10035" marT="10035" marB="0" anchor="b">
+                    <a:lnR w="12700" cap="flat" cmpd="sng" algn="ctr">
+                      <a:solidFill>
+                        <a:schemeClr val="tx1"/>
+                      </a:solidFill>
+                      <a:prstDash val="solid"/>
+                      <a:round/>
+                      <a:headEnd type="none" w="med" len="med"/>
+                      <a:tailEnd type="none" w="med" len="med"/>
+                    </a:lnR>
+                    <a:noFill/>
+                  </a:tcPr>
+                </a:tc>
+                <a:extLst>
+                  <a:ext uri="{0D108BD9-81ED-4DB2-BD59-A6C34878D82A}">
+                    <a16:rowId xmlns:a16="http://schemas.microsoft.com/office/drawing/2014/main" val="3625374679"/>
+                  </a:ext>
+                </a:extLst>
+              </a:tr>
+              <a:tr h="375795">
+                <a:tc>
+                  <a:txBody>
+                    <a:bodyPr/>
+                    <a:lstStyle/>
+                    <a:p>
+                      <a:pPr algn="ctr" fontAlgn="b"/>
+                      <a:r>
+                        <a:rPr lang="en-US" sz="2400" u="none" strike="noStrike">
+                          <a:effectLst/>
+                          <a:latin typeface="Times New Roman" panose="02020603050405020304" pitchFamily="18" charset="0"/>
+                          <a:cs typeface="Times New Roman" panose="02020603050405020304" pitchFamily="18" charset="0"/>
+                        </a:rPr>
+                        <a:t>9</a:t>
+                      </a:r>
+                      <a:endParaRPr lang="en-US" sz="2400" b="0" i="0" u="none" strike="noStrike">
+                        <a:solidFill>
+                          <a:srgbClr val="000000"/>
+                        </a:solidFill>
+                        <a:effectLst/>
+                        <a:latin typeface="Times New Roman" panose="02020603050405020304" pitchFamily="18" charset="0"/>
+                        <a:cs typeface="Times New Roman" panose="02020603050405020304" pitchFamily="18" charset="0"/>
+                      </a:endParaRPr>
+                    </a:p>
+                  </a:txBody>
+                  <a:tcPr marL="10035" marR="10035" marT="10035" marB="0" anchor="b">
+                    <a:lnL w="12700" cap="flat" cmpd="sng" algn="ctr">
+                      <a:solidFill>
+                        <a:schemeClr val="tx1"/>
+                      </a:solidFill>
+                      <a:prstDash val="solid"/>
+                      <a:round/>
+                      <a:headEnd type="none" w="med" len="med"/>
+                      <a:tailEnd type="none" w="med" len="med"/>
+                    </a:lnL>
+                    <a:lnB w="12700" cap="flat" cmpd="sng" algn="ctr">
+                      <a:solidFill>
+                        <a:schemeClr val="tx1"/>
+                      </a:solidFill>
+                      <a:prstDash val="solid"/>
+                      <a:round/>
+                      <a:headEnd type="none" w="med" len="med"/>
+                      <a:tailEnd type="none" w="med" len="med"/>
+                    </a:lnB>
+                    <a:noFill/>
+                  </a:tcPr>
+                </a:tc>
+                <a:tc>
+                  <a:txBody>
+                    <a:bodyPr/>
+                    <a:lstStyle/>
+                    <a:p>
+                      <a:pPr algn="ctr" fontAlgn="b"/>
+                      <a:r>
+                        <a:rPr lang="en-US" sz="2400" u="none" strike="noStrike" dirty="0">
+                          <a:effectLst/>
+                          <a:latin typeface="Times New Roman" panose="02020603050405020304" pitchFamily="18" charset="0"/>
+                          <a:cs typeface="Times New Roman" panose="02020603050405020304" pitchFamily="18" charset="0"/>
+                        </a:rPr>
+                        <a:t>0.368</a:t>
+                      </a:r>
+                      <a:endParaRPr lang="en-US" sz="2400" b="0" i="0" u="none" strike="noStrike" dirty="0">
+                        <a:solidFill>
+                          <a:srgbClr val="000000"/>
+                        </a:solidFill>
+                        <a:effectLst/>
+                        <a:latin typeface="Times New Roman" panose="02020603050405020304" pitchFamily="18" charset="0"/>
+                        <a:cs typeface="Times New Roman" panose="02020603050405020304" pitchFamily="18" charset="0"/>
+                      </a:endParaRPr>
+                    </a:p>
+                  </a:txBody>
+                  <a:tcPr marL="10035" marR="10035" marT="10035" marB="0" anchor="b">
+                    <a:lnB w="12700" cap="flat" cmpd="sng" algn="ctr">
+                      <a:solidFill>
+                        <a:schemeClr val="tx1"/>
+                      </a:solidFill>
+                      <a:prstDash val="solid"/>
+                      <a:round/>
+                      <a:headEnd type="none" w="med" len="med"/>
+                      <a:tailEnd type="none" w="med" len="med"/>
+                    </a:lnB>
+                    <a:noFill/>
+                  </a:tcPr>
+                </a:tc>
+                <a:tc>
+                  <a:txBody>
+                    <a:bodyPr/>
+                    <a:lstStyle/>
+                    <a:p>
+                      <a:pPr algn="ctr" fontAlgn="b"/>
+                      <a:r>
+                        <a:rPr lang="en-US" sz="2400" u="none" strike="noStrike">
+                          <a:effectLst/>
+                          <a:latin typeface="Times New Roman" panose="02020603050405020304" pitchFamily="18" charset="0"/>
+                          <a:cs typeface="Times New Roman" panose="02020603050405020304" pitchFamily="18" charset="0"/>
+                        </a:rPr>
+                        <a:t>0.214</a:t>
+                      </a:r>
+                      <a:endParaRPr lang="en-US" sz="2400" b="0" i="0" u="none" strike="noStrike">
+                        <a:solidFill>
+                          <a:srgbClr val="000000"/>
+                        </a:solidFill>
+                        <a:effectLst/>
+                        <a:latin typeface="Times New Roman" panose="02020603050405020304" pitchFamily="18" charset="0"/>
+                        <a:cs typeface="Times New Roman" panose="02020603050405020304" pitchFamily="18" charset="0"/>
+                      </a:endParaRPr>
+                    </a:p>
+                  </a:txBody>
+                  <a:tcPr marL="10035" marR="10035" marT="10035" marB="0" anchor="b">
+                    <a:lnB w="12700" cap="flat" cmpd="sng" algn="ctr">
+                      <a:solidFill>
+                        <a:schemeClr val="tx1"/>
+                      </a:solidFill>
+                      <a:prstDash val="solid"/>
+                      <a:round/>
+                      <a:headEnd type="none" w="med" len="med"/>
+                      <a:tailEnd type="none" w="med" len="med"/>
+                    </a:lnB>
+                    <a:noFill/>
+                  </a:tcPr>
+                </a:tc>
+                <a:tc>
+                  <a:txBody>
+                    <a:bodyPr/>
+                    <a:lstStyle/>
+                    <a:p>
+                      <a:pPr algn="ctr" fontAlgn="b"/>
+                      <a:r>
+                        <a:rPr lang="en-US" sz="2400" u="none" strike="noStrike" dirty="0">
+                          <a:effectLst/>
+                          <a:latin typeface="Times New Roman" panose="02020603050405020304" pitchFamily="18" charset="0"/>
+                          <a:cs typeface="Times New Roman" panose="02020603050405020304" pitchFamily="18" charset="0"/>
+                        </a:rPr>
+                        <a:t>0.656</a:t>
+                      </a:r>
+                      <a:endParaRPr lang="en-US" sz="2400" b="0" i="0" u="none" strike="noStrike" dirty="0">
+                        <a:solidFill>
+                          <a:srgbClr val="000000"/>
+                        </a:solidFill>
+                        <a:effectLst/>
+                        <a:latin typeface="Times New Roman" panose="02020603050405020304" pitchFamily="18" charset="0"/>
+                        <a:cs typeface="Times New Roman" panose="02020603050405020304" pitchFamily="18" charset="0"/>
+                      </a:endParaRPr>
+                    </a:p>
+                  </a:txBody>
+                  <a:tcPr marL="10035" marR="10035" marT="10035" marB="0" anchor="b">
+                    <a:lnB w="12700" cap="flat" cmpd="sng" algn="ctr">
+                      <a:solidFill>
+                        <a:schemeClr val="tx1"/>
+                      </a:solidFill>
+                      <a:prstDash val="solid"/>
+                      <a:round/>
+                      <a:headEnd type="none" w="med" len="med"/>
+                      <a:tailEnd type="none" w="med" len="med"/>
+                    </a:lnB>
+                    <a:noFill/>
+                  </a:tcPr>
+                </a:tc>
+                <a:tc>
+                  <a:txBody>
+                    <a:bodyPr/>
+                    <a:lstStyle/>
+                    <a:p>
+                      <a:pPr algn="ctr" fontAlgn="b"/>
+                      <a:r>
+                        <a:rPr lang="en-US" sz="2400" u="none" strike="noStrike" dirty="0">
+                          <a:effectLst/>
+                          <a:latin typeface="Times New Roman" panose="02020603050405020304" pitchFamily="18" charset="0"/>
+                          <a:cs typeface="Times New Roman" panose="02020603050405020304" pitchFamily="18" charset="0"/>
+                        </a:rPr>
+                        <a:t>0.323</a:t>
+                      </a:r>
+                      <a:endParaRPr lang="en-US" sz="2400" b="0" i="0" u="none" strike="noStrike" dirty="0">
+                        <a:solidFill>
+                          <a:srgbClr val="000000"/>
+                        </a:solidFill>
+                        <a:effectLst/>
+                        <a:latin typeface="Times New Roman" panose="02020603050405020304" pitchFamily="18" charset="0"/>
+                        <a:cs typeface="Times New Roman" panose="02020603050405020304" pitchFamily="18" charset="0"/>
+                      </a:endParaRPr>
+                    </a:p>
+                  </a:txBody>
+                  <a:tcPr marL="10035" marR="10035" marT="10035" marB="0" anchor="b">
+                    <a:lnB w="12700" cap="flat" cmpd="sng" algn="ctr">
+                      <a:solidFill>
+                        <a:schemeClr val="tx1"/>
+                      </a:solidFill>
+                      <a:prstDash val="solid"/>
+                      <a:round/>
+                      <a:headEnd type="none" w="med" len="med"/>
+                      <a:tailEnd type="none" w="med" len="med"/>
+                    </a:lnB>
+                    <a:noFill/>
+                  </a:tcPr>
+                </a:tc>
+                <a:tc>
+                  <a:txBody>
+                    <a:bodyPr/>
+                    <a:lstStyle/>
+                    <a:p>
+                      <a:pPr algn="ctr" fontAlgn="b"/>
+                      <a:r>
+                        <a:rPr lang="en-US" sz="2400" u="none" strike="noStrike" dirty="0">
+                          <a:effectLst/>
+                          <a:latin typeface="Times New Roman" panose="02020603050405020304" pitchFamily="18" charset="0"/>
+                          <a:cs typeface="Times New Roman" panose="02020603050405020304" pitchFamily="18" charset="0"/>
+                        </a:rPr>
+                        <a:t>0.641</a:t>
+                      </a:r>
+                      <a:endParaRPr lang="en-US" sz="2400" b="0" i="0" u="none" strike="noStrike" dirty="0">
+                        <a:solidFill>
+                          <a:srgbClr val="000000"/>
+                        </a:solidFill>
+                        <a:effectLst/>
+                        <a:latin typeface="Times New Roman" panose="02020603050405020304" pitchFamily="18" charset="0"/>
+                        <a:cs typeface="Times New Roman" panose="02020603050405020304" pitchFamily="18" charset="0"/>
+                      </a:endParaRPr>
+                    </a:p>
+                  </a:txBody>
+                  <a:tcPr marL="10035" marR="10035" marT="10035" marB="0" anchor="b">
+                    <a:lnR w="12700" cap="flat" cmpd="sng" algn="ctr">
+                      <a:solidFill>
+                        <a:schemeClr val="tx1"/>
+                      </a:solidFill>
+                      <a:prstDash val="solid"/>
+                      <a:round/>
+                      <a:headEnd type="none" w="med" len="med"/>
+                      <a:tailEnd type="none" w="med" len="med"/>
+                    </a:lnR>
+                    <a:lnB w="12700" cap="flat" cmpd="sng" algn="ctr">
+                      <a:solidFill>
+                        <a:schemeClr val="tx1"/>
+                      </a:solidFill>
+                      <a:prstDash val="solid"/>
+                      <a:round/>
+                      <a:headEnd type="none" w="med" len="med"/>
+                      <a:tailEnd type="none" w="med" len="med"/>
+                    </a:lnB>
+                    <a:noFill/>
+                  </a:tcPr>
+                </a:tc>
+                <a:extLst>
+                  <a:ext uri="{0D108BD9-81ED-4DB2-BD59-A6C34878D82A}">
+                    <a16:rowId xmlns:a16="http://schemas.microsoft.com/office/drawing/2014/main" val="1108495903"/>
+                  </a:ext>
+                </a:extLst>
+              </a:tr>
+            </a:tbl>
+          </a:graphicData>
+        </a:graphic>
+      </p:graphicFrame>
+      <p:graphicFrame>
+        <p:nvGraphicFramePr>
+          <p:cNvPr id="16" name="Table 15"/>
+          <p:cNvGraphicFramePr>
+            <a:graphicFrameLocks noGrp="1"/>
+          </p:cNvGraphicFramePr>
+          <p:nvPr>
+            <p:extLst>
+              <p:ext uri="{D42A27DB-BD31-4B8C-83A1-F6EECF244321}">
+                <p14:modId xmlns:p14="http://schemas.microsoft.com/office/powerpoint/2010/main" val="2319793033"/>
+              </p:ext>
+            </p:extLst>
+          </p:nvPr>
+        </p:nvGraphicFramePr>
+        <p:xfrm>
+          <a:off x="26672242" y="4938642"/>
+          <a:ext cx="5874910" cy="3736270"/>
+        </p:xfrm>
+        <a:graphic>
+          <a:graphicData uri="http://schemas.openxmlformats.org/drawingml/2006/table">
+            <a:tbl>
+              <a:tblPr>
+                <a:tableStyleId>{5C22544A-7EE6-4342-B048-85BDC9FD1C3A}</a:tableStyleId>
+              </a:tblPr>
+              <a:tblGrid>
+                <a:gridCol w="1158994">
+                  <a:extLst>
+                    <a:ext uri="{9D8B030D-6E8A-4147-A177-3AD203B41FA5}">
+                      <a16:colId xmlns:a16="http://schemas.microsoft.com/office/drawing/2014/main" val="3083812406"/>
+                    </a:ext>
+                  </a:extLst>
+                </a:gridCol>
+                <a:gridCol w="859255">
+                  <a:extLst>
+                    <a:ext uri="{9D8B030D-6E8A-4147-A177-3AD203B41FA5}">
+                      <a16:colId xmlns:a16="http://schemas.microsoft.com/office/drawing/2014/main" val="2255545899"/>
+                    </a:ext>
+                  </a:extLst>
+                </a:gridCol>
+                <a:gridCol w="1178980">
+                  <a:extLst>
+                    <a:ext uri="{9D8B030D-6E8A-4147-A177-3AD203B41FA5}">
+                      <a16:colId xmlns:a16="http://schemas.microsoft.com/office/drawing/2014/main" val="156569298"/>
+                    </a:ext>
+                  </a:extLst>
+                </a:gridCol>
+                <a:gridCol w="939186">
+                  <a:extLst>
+                    <a:ext uri="{9D8B030D-6E8A-4147-A177-3AD203B41FA5}">
+                      <a16:colId xmlns:a16="http://schemas.microsoft.com/office/drawing/2014/main" val="2490360944"/>
+                    </a:ext>
+                  </a:extLst>
+                </a:gridCol>
+                <a:gridCol w="919204">
+                  <a:extLst>
+                    <a:ext uri="{9D8B030D-6E8A-4147-A177-3AD203B41FA5}">
+                      <a16:colId xmlns:a16="http://schemas.microsoft.com/office/drawing/2014/main" val="951743493"/>
+                    </a:ext>
+                  </a:extLst>
+                </a:gridCol>
+                <a:gridCol w="819291">
+                  <a:extLst>
+                    <a:ext uri="{9D8B030D-6E8A-4147-A177-3AD203B41FA5}">
+                      <a16:colId xmlns:a16="http://schemas.microsoft.com/office/drawing/2014/main" val="1544438213"/>
+                    </a:ext>
+                  </a:extLst>
+                </a:gridCol>
+              </a:tblGrid>
+              <a:tr h="373627">
+                <a:tc gridSpan="6">
+                  <a:txBody>
+                    <a:bodyPr/>
+                    <a:lstStyle/>
+                    <a:p>
+                      <a:pPr algn="ctr" fontAlgn="b"/>
+                      <a:r>
+                        <a:rPr lang="en-US" sz="2400" b="1" u="none" strike="noStrike" dirty="0">
+                          <a:effectLst/>
+                          <a:latin typeface="Times New Roman" panose="02020603050405020304" pitchFamily="18" charset="0"/>
+                          <a:cs typeface="Times New Roman" panose="02020603050405020304" pitchFamily="18" charset="0"/>
+                        </a:rPr>
+                        <a:t>Gaussian SVM Feature Selection</a:t>
+                      </a:r>
+                      <a:endParaRPr lang="en-US" sz="2400" b="1" i="0" u="none" strike="noStrike" dirty="0">
+                        <a:solidFill>
+                          <a:srgbClr val="000000"/>
+                        </a:solidFill>
+                        <a:effectLst/>
+                        <a:latin typeface="Times New Roman" panose="02020603050405020304" pitchFamily="18" charset="0"/>
+                        <a:cs typeface="Times New Roman" panose="02020603050405020304" pitchFamily="18" charset="0"/>
+                      </a:endParaRPr>
+                    </a:p>
+                  </a:txBody>
+                  <a:tcPr marL="7867" marR="7867" marT="7867" marB="0" anchor="b">
+                    <a:lnL w="12700" cap="flat" cmpd="sng" algn="ctr">
+                      <a:solidFill>
+                        <a:schemeClr val="tx1"/>
+                      </a:solidFill>
+                      <a:prstDash val="solid"/>
+                      <a:round/>
+                      <a:headEnd type="none" w="med" len="med"/>
+                      <a:tailEnd type="none" w="med" len="med"/>
+                    </a:lnL>
+                    <a:lnR w="12700" cap="flat" cmpd="sng" algn="ctr">
+                      <a:solidFill>
+                        <a:schemeClr val="tx1"/>
+                      </a:solidFill>
+                      <a:prstDash val="solid"/>
+                      <a:round/>
+                      <a:headEnd type="none" w="med" len="med"/>
+                      <a:tailEnd type="none" w="med" len="med"/>
+                    </a:lnR>
+                    <a:lnT w="12700" cap="flat" cmpd="sng" algn="ctr">
+                      <a:solidFill>
+                        <a:schemeClr val="tx1"/>
+                      </a:solidFill>
+                      <a:prstDash val="solid"/>
+                      <a:round/>
+                      <a:headEnd type="none" w="med" len="med"/>
+                      <a:tailEnd type="none" w="med" len="med"/>
+                    </a:lnT>
+                    <a:lnB w="12700" cap="flat" cmpd="sng" algn="ctr">
+                      <a:solidFill>
+                        <a:schemeClr val="tx1"/>
+                      </a:solidFill>
+                      <a:prstDash val="solid"/>
+                      <a:round/>
+                      <a:headEnd type="none" w="med" len="med"/>
+                      <a:tailEnd type="none" w="med" len="med"/>
+                    </a:lnB>
+                    <a:noFill/>
+                  </a:tcPr>
+                </a:tc>
+                <a:tc hMerge="1">
+                  <a:txBody>
+                    <a:bodyPr/>
+                    <a:lstStyle/>
+                    <a:p>
+                      <a:endParaRPr lang="en-US"/>
+                    </a:p>
+                  </a:txBody>
+                  <a:tcPr/>
+                </a:tc>
+                <a:tc hMerge="1">
+                  <a:txBody>
+                    <a:bodyPr/>
+                    <a:lstStyle/>
+                    <a:p>
+                      <a:endParaRPr lang="en-US"/>
+                    </a:p>
+                  </a:txBody>
+                  <a:tcPr/>
+                </a:tc>
+                <a:tc hMerge="1">
+                  <a:txBody>
+                    <a:bodyPr/>
+                    <a:lstStyle/>
+                    <a:p>
+                      <a:endParaRPr lang="en-US"/>
+                    </a:p>
+                  </a:txBody>
+                  <a:tcPr/>
+                </a:tc>
+                <a:tc hMerge="1">
+                  <a:txBody>
+                    <a:bodyPr/>
+                    <a:lstStyle/>
+                    <a:p>
+                      <a:endParaRPr lang="en-US"/>
+                    </a:p>
+                  </a:txBody>
+                  <a:tcPr/>
+                </a:tc>
+                <a:tc hMerge="1">
+                  <a:txBody>
+                    <a:bodyPr/>
+                    <a:lstStyle/>
+                    <a:p>
+                      <a:endParaRPr lang="en-US"/>
+                    </a:p>
+                  </a:txBody>
+                  <a:tcPr/>
+                </a:tc>
+                <a:extLst>
+                  <a:ext uri="{0D108BD9-81ED-4DB2-BD59-A6C34878D82A}">
+                    <a16:rowId xmlns:a16="http://schemas.microsoft.com/office/drawing/2014/main" val="2766237487"/>
+                  </a:ext>
+                </a:extLst>
+              </a:tr>
+              <a:tr h="373627">
+                <a:tc>
+                  <a:txBody>
+                    <a:bodyPr/>
+                    <a:lstStyle/>
+                    <a:p>
+                      <a:pPr algn="ctr" fontAlgn="b"/>
+                      <a:r>
+                        <a:rPr lang="en-US" sz="2400" u="none" strike="noStrike" dirty="0">
+                          <a:effectLst/>
+                          <a:latin typeface="Times New Roman" panose="02020603050405020304" pitchFamily="18" charset="0"/>
+                          <a:cs typeface="Times New Roman" panose="02020603050405020304" pitchFamily="18" charset="0"/>
+                        </a:rPr>
+                        <a:t>Features</a:t>
+                      </a:r>
+                      <a:endParaRPr lang="en-US" sz="2400" b="0" i="0" u="none" strike="noStrike" dirty="0">
+                        <a:solidFill>
+                          <a:srgbClr val="000000"/>
+                        </a:solidFill>
+                        <a:effectLst/>
+                        <a:latin typeface="Times New Roman" panose="02020603050405020304" pitchFamily="18" charset="0"/>
+                        <a:cs typeface="Times New Roman" panose="02020603050405020304" pitchFamily="18" charset="0"/>
+                      </a:endParaRPr>
+                    </a:p>
+                  </a:txBody>
+                  <a:tcPr marL="7867" marR="7867" marT="7867" marB="0" anchor="b">
+                    <a:lnL w="12700" cap="flat" cmpd="sng" algn="ctr">
+                      <a:solidFill>
+                        <a:schemeClr val="tx1"/>
+                      </a:solidFill>
+                      <a:prstDash val="solid"/>
+                      <a:round/>
+                      <a:headEnd type="none" w="med" len="med"/>
+                      <a:tailEnd type="none" w="med" len="med"/>
+                    </a:lnL>
+                    <a:lnT w="12700" cap="flat" cmpd="sng" algn="ctr">
+                      <a:solidFill>
+                        <a:schemeClr val="tx1"/>
+                      </a:solidFill>
+                      <a:prstDash val="solid"/>
+                      <a:round/>
+                      <a:headEnd type="none" w="med" len="med"/>
+                      <a:tailEnd type="none" w="med" len="med"/>
+                    </a:lnT>
+                    <a:noFill/>
+                  </a:tcPr>
+                </a:tc>
+                <a:tc>
+                  <a:txBody>
+                    <a:bodyPr/>
+                    <a:lstStyle/>
+                    <a:p>
+                      <a:pPr algn="ctr" fontAlgn="b"/>
+                      <a:r>
+                        <a:rPr lang="en-US" sz="2400" u="none" strike="noStrike" dirty="0">
+                          <a:effectLst/>
+                          <a:latin typeface="Times New Roman" panose="02020603050405020304" pitchFamily="18" charset="0"/>
+                          <a:cs typeface="Times New Roman" panose="02020603050405020304" pitchFamily="18" charset="0"/>
+                        </a:rPr>
+                        <a:t>Error</a:t>
+                      </a:r>
+                      <a:endParaRPr lang="en-US" sz="2400" b="0" i="0" u="none" strike="noStrike" dirty="0">
+                        <a:solidFill>
+                          <a:srgbClr val="000000"/>
+                        </a:solidFill>
+                        <a:effectLst/>
+                        <a:latin typeface="Times New Roman" panose="02020603050405020304" pitchFamily="18" charset="0"/>
+                        <a:cs typeface="Times New Roman" panose="02020603050405020304" pitchFamily="18" charset="0"/>
+                      </a:endParaRPr>
+                    </a:p>
+                  </a:txBody>
+                  <a:tcPr marL="7867" marR="7867" marT="7867" marB="0" anchor="b">
+                    <a:lnT w="12700" cap="flat" cmpd="sng" algn="ctr">
+                      <a:solidFill>
+                        <a:schemeClr val="tx1"/>
+                      </a:solidFill>
+                      <a:prstDash val="solid"/>
+                      <a:round/>
+                      <a:headEnd type="none" w="med" len="med"/>
+                      <a:tailEnd type="none" w="med" len="med"/>
+                    </a:lnT>
+                    <a:noFill/>
+                  </a:tcPr>
+                </a:tc>
+                <a:tc>
+                  <a:txBody>
+                    <a:bodyPr/>
+                    <a:lstStyle/>
+                    <a:p>
+                      <a:pPr algn="ctr" fontAlgn="b"/>
+                      <a:r>
+                        <a:rPr lang="en-US" sz="2400" u="none" strike="noStrike">
+                          <a:effectLst/>
+                          <a:latin typeface="Times New Roman" panose="02020603050405020304" pitchFamily="18" charset="0"/>
+                          <a:cs typeface="Times New Roman" panose="02020603050405020304" pitchFamily="18" charset="0"/>
+                        </a:rPr>
+                        <a:t>Precision</a:t>
+                      </a:r>
+                      <a:endParaRPr lang="en-US" sz="2400" b="0" i="0" u="none" strike="noStrike">
+                        <a:solidFill>
+                          <a:srgbClr val="000000"/>
+                        </a:solidFill>
+                        <a:effectLst/>
+                        <a:latin typeface="Times New Roman" panose="02020603050405020304" pitchFamily="18" charset="0"/>
+                        <a:cs typeface="Times New Roman" panose="02020603050405020304" pitchFamily="18" charset="0"/>
+                      </a:endParaRPr>
+                    </a:p>
+                  </a:txBody>
+                  <a:tcPr marL="7867" marR="7867" marT="7867" marB="0" anchor="b">
+                    <a:lnT w="12700" cap="flat" cmpd="sng" algn="ctr">
+                      <a:solidFill>
+                        <a:schemeClr val="tx1"/>
+                      </a:solidFill>
+                      <a:prstDash val="solid"/>
+                      <a:round/>
+                      <a:headEnd type="none" w="med" len="med"/>
+                      <a:tailEnd type="none" w="med" len="med"/>
+                    </a:lnT>
+                    <a:noFill/>
+                  </a:tcPr>
+                </a:tc>
+                <a:tc>
+                  <a:txBody>
+                    <a:bodyPr/>
+                    <a:lstStyle/>
+                    <a:p>
+                      <a:pPr algn="ctr" fontAlgn="b"/>
+                      <a:r>
+                        <a:rPr lang="en-US" sz="2400" u="none" strike="noStrike">
+                          <a:effectLst/>
+                          <a:latin typeface="Times New Roman" panose="02020603050405020304" pitchFamily="18" charset="0"/>
+                          <a:cs typeface="Times New Roman" panose="02020603050405020304" pitchFamily="18" charset="0"/>
+                        </a:rPr>
+                        <a:t>Recall</a:t>
+                      </a:r>
+                      <a:endParaRPr lang="en-US" sz="2400" b="0" i="0" u="none" strike="noStrike">
+                        <a:solidFill>
+                          <a:srgbClr val="000000"/>
+                        </a:solidFill>
+                        <a:effectLst/>
+                        <a:latin typeface="Times New Roman" panose="02020603050405020304" pitchFamily="18" charset="0"/>
+                        <a:cs typeface="Times New Roman" panose="02020603050405020304" pitchFamily="18" charset="0"/>
+                      </a:endParaRPr>
+                    </a:p>
+                  </a:txBody>
+                  <a:tcPr marL="7867" marR="7867" marT="7867" marB="0" anchor="b">
+                    <a:lnT w="12700" cap="flat" cmpd="sng" algn="ctr">
+                      <a:solidFill>
+                        <a:schemeClr val="tx1"/>
+                      </a:solidFill>
+                      <a:prstDash val="solid"/>
+                      <a:round/>
+                      <a:headEnd type="none" w="med" len="med"/>
+                      <a:tailEnd type="none" w="med" len="med"/>
+                    </a:lnT>
+                    <a:noFill/>
+                  </a:tcPr>
+                </a:tc>
+                <a:tc>
+                  <a:txBody>
+                    <a:bodyPr/>
+                    <a:lstStyle/>
+                    <a:p>
+                      <a:pPr algn="ctr" fontAlgn="b"/>
+                      <a:r>
+                        <a:rPr lang="en-US" sz="2400" u="none" strike="noStrike">
+                          <a:effectLst/>
+                          <a:latin typeface="Times New Roman" panose="02020603050405020304" pitchFamily="18" charset="0"/>
+                          <a:cs typeface="Times New Roman" panose="02020603050405020304" pitchFamily="18" charset="0"/>
+                        </a:rPr>
+                        <a:t>Fischer</a:t>
+                      </a:r>
+                      <a:endParaRPr lang="en-US" sz="2400" b="0" i="0" u="none" strike="noStrike">
+                        <a:solidFill>
+                          <a:srgbClr val="000000"/>
+                        </a:solidFill>
+                        <a:effectLst/>
+                        <a:latin typeface="Times New Roman" panose="02020603050405020304" pitchFamily="18" charset="0"/>
+                        <a:cs typeface="Times New Roman" panose="02020603050405020304" pitchFamily="18" charset="0"/>
+                      </a:endParaRPr>
+                    </a:p>
+                  </a:txBody>
+                  <a:tcPr marL="7867" marR="7867" marT="7867" marB="0" anchor="b">
+                    <a:lnT w="12700" cap="flat" cmpd="sng" algn="ctr">
+                      <a:solidFill>
+                        <a:schemeClr val="tx1"/>
+                      </a:solidFill>
+                      <a:prstDash val="solid"/>
+                      <a:round/>
+                      <a:headEnd type="none" w="med" len="med"/>
+                      <a:tailEnd type="none" w="med" len="med"/>
+                    </a:lnT>
+                    <a:noFill/>
+                  </a:tcPr>
+                </a:tc>
+                <a:tc>
+                  <a:txBody>
+                    <a:bodyPr/>
+                    <a:lstStyle/>
+                    <a:p>
+                      <a:pPr algn="ctr" fontAlgn="b"/>
+                      <a:r>
+                        <a:rPr lang="en-US" sz="2400" u="none" strike="noStrike">
+                          <a:effectLst/>
+                          <a:latin typeface="Times New Roman" panose="02020603050405020304" pitchFamily="18" charset="0"/>
+                          <a:cs typeface="Times New Roman" panose="02020603050405020304" pitchFamily="18" charset="0"/>
+                        </a:rPr>
+                        <a:t>AUC</a:t>
+                      </a:r>
+                      <a:endParaRPr lang="en-US" sz="2400" b="0" i="0" u="none" strike="noStrike">
+                        <a:solidFill>
+                          <a:srgbClr val="000000"/>
+                        </a:solidFill>
+                        <a:effectLst/>
+                        <a:latin typeface="Times New Roman" panose="02020603050405020304" pitchFamily="18" charset="0"/>
+                        <a:cs typeface="Times New Roman" panose="02020603050405020304" pitchFamily="18" charset="0"/>
+                      </a:endParaRPr>
+                    </a:p>
+                  </a:txBody>
+                  <a:tcPr marL="7867" marR="7867" marT="7867" marB="0" anchor="b">
+                    <a:lnR w="12700" cap="flat" cmpd="sng" algn="ctr">
+                      <a:solidFill>
+                        <a:schemeClr val="tx1"/>
+                      </a:solidFill>
+                      <a:prstDash val="solid"/>
+                      <a:round/>
+                      <a:headEnd type="none" w="med" len="med"/>
+                      <a:tailEnd type="none" w="med" len="med"/>
+                    </a:lnR>
+                    <a:lnT w="12700" cap="flat" cmpd="sng" algn="ctr">
+                      <a:solidFill>
+                        <a:schemeClr val="tx1"/>
+                      </a:solidFill>
+                      <a:prstDash val="solid"/>
+                      <a:round/>
+                      <a:headEnd type="none" w="med" len="med"/>
+                      <a:tailEnd type="none" w="med" len="med"/>
+                    </a:lnT>
+                    <a:noFill/>
+                  </a:tcPr>
+                </a:tc>
+                <a:extLst>
+                  <a:ext uri="{0D108BD9-81ED-4DB2-BD59-A6C34878D82A}">
+                    <a16:rowId xmlns:a16="http://schemas.microsoft.com/office/drawing/2014/main" val="74267339"/>
+                  </a:ext>
+                </a:extLst>
+              </a:tr>
+              <a:tr h="373627">
+                <a:tc>
+                  <a:txBody>
+                    <a:bodyPr/>
+                    <a:lstStyle/>
+                    <a:p>
+                      <a:pPr algn="ctr" fontAlgn="b"/>
+                      <a:r>
+                        <a:rPr lang="en-US" sz="2400" u="none" strike="noStrike">
+                          <a:effectLst/>
+                          <a:latin typeface="Times New Roman" panose="02020603050405020304" pitchFamily="18" charset="0"/>
+                          <a:cs typeface="Times New Roman" panose="02020603050405020304" pitchFamily="18" charset="0"/>
+                        </a:rPr>
+                        <a:t>2</a:t>
+                      </a:r>
+                      <a:endParaRPr lang="en-US" sz="2400" b="0" i="0" u="none" strike="noStrike">
+                        <a:solidFill>
+                          <a:srgbClr val="000000"/>
+                        </a:solidFill>
+                        <a:effectLst/>
+                        <a:latin typeface="Times New Roman" panose="02020603050405020304" pitchFamily="18" charset="0"/>
+                        <a:cs typeface="Times New Roman" panose="02020603050405020304" pitchFamily="18" charset="0"/>
+                      </a:endParaRPr>
+                    </a:p>
+                  </a:txBody>
+                  <a:tcPr marL="7867" marR="7867" marT="7867" marB="0" anchor="b">
+                    <a:lnL w="12700" cap="flat" cmpd="sng" algn="ctr">
+                      <a:solidFill>
+                        <a:schemeClr val="tx1"/>
+                      </a:solidFill>
+                      <a:prstDash val="solid"/>
+                      <a:round/>
+                      <a:headEnd type="none" w="med" len="med"/>
+                      <a:tailEnd type="none" w="med" len="med"/>
+                    </a:lnL>
+                    <a:noFill/>
+                  </a:tcPr>
+                </a:tc>
+                <a:tc>
+                  <a:txBody>
+                    <a:bodyPr/>
+                    <a:lstStyle/>
+                    <a:p>
+                      <a:pPr algn="ctr" fontAlgn="b"/>
+                      <a:r>
+                        <a:rPr lang="en-US" sz="2400" u="none" strike="noStrike" dirty="0">
+                          <a:effectLst/>
+                          <a:latin typeface="Times New Roman" panose="02020603050405020304" pitchFamily="18" charset="0"/>
+                          <a:cs typeface="Times New Roman" panose="02020603050405020304" pitchFamily="18" charset="0"/>
+                        </a:rPr>
+                        <a:t>0.458</a:t>
+                      </a:r>
+                      <a:endParaRPr lang="en-US" sz="2400" b="0" i="0" u="none" strike="noStrike" dirty="0">
+                        <a:solidFill>
+                          <a:srgbClr val="000000"/>
+                        </a:solidFill>
+                        <a:effectLst/>
+                        <a:latin typeface="Times New Roman" panose="02020603050405020304" pitchFamily="18" charset="0"/>
+                        <a:cs typeface="Times New Roman" panose="02020603050405020304" pitchFamily="18" charset="0"/>
+                      </a:endParaRPr>
+                    </a:p>
+                  </a:txBody>
+                  <a:tcPr marL="7867" marR="7867" marT="7867" marB="0" anchor="b">
+                    <a:noFill/>
+                  </a:tcPr>
+                </a:tc>
+                <a:tc>
+                  <a:txBody>
+                    <a:bodyPr/>
+                    <a:lstStyle/>
+                    <a:p>
+                      <a:pPr algn="ctr" fontAlgn="b"/>
+                      <a:r>
+                        <a:rPr lang="en-US" sz="2400" u="none" strike="noStrike">
+                          <a:effectLst/>
+                          <a:latin typeface="Times New Roman" panose="02020603050405020304" pitchFamily="18" charset="0"/>
+                          <a:cs typeface="Times New Roman" panose="02020603050405020304" pitchFamily="18" charset="0"/>
+                        </a:rPr>
+                        <a:t>0.161</a:t>
+                      </a:r>
+                      <a:endParaRPr lang="en-US" sz="2400" b="0" i="0" u="none" strike="noStrike">
+                        <a:solidFill>
+                          <a:srgbClr val="000000"/>
+                        </a:solidFill>
+                        <a:effectLst/>
+                        <a:latin typeface="Times New Roman" panose="02020603050405020304" pitchFamily="18" charset="0"/>
+                        <a:cs typeface="Times New Roman" panose="02020603050405020304" pitchFamily="18" charset="0"/>
+                      </a:endParaRPr>
+                    </a:p>
+                  </a:txBody>
+                  <a:tcPr marL="7867" marR="7867" marT="7867" marB="0" anchor="b">
+                    <a:noFill/>
+                  </a:tcPr>
+                </a:tc>
+                <a:tc>
+                  <a:txBody>
+                    <a:bodyPr/>
+                    <a:lstStyle/>
+                    <a:p>
+                      <a:pPr algn="ctr" fontAlgn="b"/>
+                      <a:r>
+                        <a:rPr lang="en-US" sz="2400" u="none" strike="noStrike">
+                          <a:effectLst/>
+                          <a:latin typeface="Times New Roman" panose="02020603050405020304" pitchFamily="18" charset="0"/>
+                          <a:cs typeface="Times New Roman" panose="02020603050405020304" pitchFamily="18" charset="0"/>
+                        </a:rPr>
+                        <a:t>0.561</a:t>
+                      </a:r>
+                      <a:endParaRPr lang="en-US" sz="2400" b="0" i="0" u="none" strike="noStrike">
+                        <a:solidFill>
+                          <a:srgbClr val="000000"/>
+                        </a:solidFill>
+                        <a:effectLst/>
+                        <a:latin typeface="Times New Roman" panose="02020603050405020304" pitchFamily="18" charset="0"/>
+                        <a:cs typeface="Times New Roman" panose="02020603050405020304" pitchFamily="18" charset="0"/>
+                      </a:endParaRPr>
+                    </a:p>
+                  </a:txBody>
+                  <a:tcPr marL="7867" marR="7867" marT="7867" marB="0" anchor="b">
+                    <a:noFill/>
+                  </a:tcPr>
+                </a:tc>
+                <a:tc>
+                  <a:txBody>
+                    <a:bodyPr/>
+                    <a:lstStyle/>
+                    <a:p>
+                      <a:pPr algn="ctr" fontAlgn="b"/>
+                      <a:r>
+                        <a:rPr lang="en-US" sz="2400" u="none" strike="noStrike">
+                          <a:effectLst/>
+                          <a:latin typeface="Times New Roman" panose="02020603050405020304" pitchFamily="18" charset="0"/>
+                          <a:cs typeface="Times New Roman" panose="02020603050405020304" pitchFamily="18" charset="0"/>
+                        </a:rPr>
+                        <a:t>0.249</a:t>
+                      </a:r>
+                      <a:endParaRPr lang="en-US" sz="2400" b="0" i="0" u="none" strike="noStrike">
+                        <a:solidFill>
+                          <a:srgbClr val="000000"/>
+                        </a:solidFill>
+                        <a:effectLst/>
+                        <a:latin typeface="Times New Roman" panose="02020603050405020304" pitchFamily="18" charset="0"/>
+                        <a:cs typeface="Times New Roman" panose="02020603050405020304" pitchFamily="18" charset="0"/>
+                      </a:endParaRPr>
+                    </a:p>
+                  </a:txBody>
+                  <a:tcPr marL="7867" marR="7867" marT="7867" marB="0" anchor="b">
+                    <a:noFill/>
+                  </a:tcPr>
+                </a:tc>
+                <a:tc>
+                  <a:txBody>
+                    <a:bodyPr/>
+                    <a:lstStyle/>
+                    <a:p>
+                      <a:pPr algn="ctr" fontAlgn="b"/>
+                      <a:r>
+                        <a:rPr lang="en-US" sz="2400" u="none" strike="noStrike">
+                          <a:effectLst/>
+                          <a:latin typeface="Times New Roman" panose="02020603050405020304" pitchFamily="18" charset="0"/>
+                          <a:cs typeface="Times New Roman" panose="02020603050405020304" pitchFamily="18" charset="0"/>
+                        </a:rPr>
+                        <a:t>0.552</a:t>
+                      </a:r>
+                      <a:endParaRPr lang="en-US" sz="2400" b="0" i="0" u="none" strike="noStrike">
+                        <a:solidFill>
+                          <a:srgbClr val="000000"/>
+                        </a:solidFill>
+                        <a:effectLst/>
+                        <a:latin typeface="Times New Roman" panose="02020603050405020304" pitchFamily="18" charset="0"/>
+                        <a:cs typeface="Times New Roman" panose="02020603050405020304" pitchFamily="18" charset="0"/>
+                      </a:endParaRPr>
+                    </a:p>
+                  </a:txBody>
+                  <a:tcPr marL="7867" marR="7867" marT="7867" marB="0" anchor="b">
+                    <a:lnR w="12700" cap="flat" cmpd="sng" algn="ctr">
+                      <a:solidFill>
+                        <a:schemeClr val="tx1"/>
+                      </a:solidFill>
+                      <a:prstDash val="solid"/>
+                      <a:round/>
+                      <a:headEnd type="none" w="med" len="med"/>
+                      <a:tailEnd type="none" w="med" len="med"/>
+                    </a:lnR>
+                    <a:noFill/>
+                  </a:tcPr>
+                </a:tc>
+                <a:extLst>
+                  <a:ext uri="{0D108BD9-81ED-4DB2-BD59-A6C34878D82A}">
+                    <a16:rowId xmlns:a16="http://schemas.microsoft.com/office/drawing/2014/main" val="1989608822"/>
+                  </a:ext>
+                </a:extLst>
+              </a:tr>
+              <a:tr h="373627">
+                <a:tc>
+                  <a:txBody>
+                    <a:bodyPr/>
+                    <a:lstStyle/>
+                    <a:p>
+                      <a:pPr algn="ctr" fontAlgn="b"/>
+                      <a:r>
+                        <a:rPr lang="en-US" sz="2400" u="none" strike="noStrike">
+                          <a:effectLst/>
+                          <a:latin typeface="Times New Roman" panose="02020603050405020304" pitchFamily="18" charset="0"/>
+                          <a:cs typeface="Times New Roman" panose="02020603050405020304" pitchFamily="18" charset="0"/>
+                        </a:rPr>
+                        <a:t>3</a:t>
+                      </a:r>
+                      <a:endParaRPr lang="en-US" sz="2400" b="0" i="0" u="none" strike="noStrike">
+                        <a:solidFill>
+                          <a:srgbClr val="000000"/>
+                        </a:solidFill>
+                        <a:effectLst/>
+                        <a:latin typeface="Times New Roman" panose="02020603050405020304" pitchFamily="18" charset="0"/>
+                        <a:cs typeface="Times New Roman" panose="02020603050405020304" pitchFamily="18" charset="0"/>
+                      </a:endParaRPr>
+                    </a:p>
+                  </a:txBody>
+                  <a:tcPr marL="7867" marR="7867" marT="7867" marB="0" anchor="b">
+                    <a:lnL w="12700" cap="flat" cmpd="sng" algn="ctr">
+                      <a:solidFill>
+                        <a:schemeClr val="tx1"/>
+                      </a:solidFill>
+                      <a:prstDash val="solid"/>
+                      <a:round/>
+                      <a:headEnd type="none" w="med" len="med"/>
+                      <a:tailEnd type="none" w="med" len="med"/>
+                    </a:lnL>
+                    <a:noFill/>
+                  </a:tcPr>
+                </a:tc>
+                <a:tc>
+                  <a:txBody>
+                    <a:bodyPr/>
+                    <a:lstStyle/>
+                    <a:p>
+                      <a:pPr algn="ctr" fontAlgn="b"/>
+                      <a:r>
+                        <a:rPr lang="en-US" sz="2400" u="none" strike="noStrike" dirty="0">
+                          <a:effectLst/>
+                          <a:latin typeface="Times New Roman" panose="02020603050405020304" pitchFamily="18" charset="0"/>
+                          <a:cs typeface="Times New Roman" panose="02020603050405020304" pitchFamily="18" charset="0"/>
+                        </a:rPr>
+                        <a:t>0.483</a:t>
+                      </a:r>
+                      <a:endParaRPr lang="en-US" sz="2400" b="0" i="0" u="none" strike="noStrike" dirty="0">
+                        <a:solidFill>
+                          <a:srgbClr val="000000"/>
+                        </a:solidFill>
+                        <a:effectLst/>
+                        <a:latin typeface="Times New Roman" panose="02020603050405020304" pitchFamily="18" charset="0"/>
+                        <a:cs typeface="Times New Roman" panose="02020603050405020304" pitchFamily="18" charset="0"/>
+                      </a:endParaRPr>
+                    </a:p>
+                  </a:txBody>
+                  <a:tcPr marL="7867" marR="7867" marT="7867" marB="0" anchor="b">
+                    <a:noFill/>
+                  </a:tcPr>
+                </a:tc>
+                <a:tc>
+                  <a:txBody>
+                    <a:bodyPr/>
+                    <a:lstStyle/>
+                    <a:p>
+                      <a:pPr algn="ctr" fontAlgn="b"/>
+                      <a:r>
+                        <a:rPr lang="en-US" sz="2400" u="none" strike="noStrike">
+                          <a:effectLst/>
+                          <a:latin typeface="Times New Roman" panose="02020603050405020304" pitchFamily="18" charset="0"/>
+                          <a:cs typeface="Times New Roman" panose="02020603050405020304" pitchFamily="18" charset="0"/>
+                        </a:rPr>
+                        <a:t>0.169</a:t>
+                      </a:r>
+                      <a:endParaRPr lang="en-US" sz="2400" b="0" i="0" u="none" strike="noStrike">
+                        <a:solidFill>
+                          <a:srgbClr val="000000"/>
+                        </a:solidFill>
+                        <a:effectLst/>
+                        <a:latin typeface="Times New Roman" panose="02020603050405020304" pitchFamily="18" charset="0"/>
+                        <a:cs typeface="Times New Roman" panose="02020603050405020304" pitchFamily="18" charset="0"/>
+                      </a:endParaRPr>
+                    </a:p>
+                  </a:txBody>
+                  <a:tcPr marL="7867" marR="7867" marT="7867" marB="0" anchor="b">
+                    <a:noFill/>
+                  </a:tcPr>
+                </a:tc>
+                <a:tc>
+                  <a:txBody>
+                    <a:bodyPr/>
+                    <a:lstStyle/>
+                    <a:p>
+                      <a:pPr algn="ctr" fontAlgn="b"/>
+                      <a:r>
+                        <a:rPr lang="en-US" sz="2400" u="none" strike="noStrike">
+                          <a:effectLst/>
+                          <a:latin typeface="Times New Roman" panose="02020603050405020304" pitchFamily="18" charset="0"/>
+                          <a:cs typeface="Times New Roman" panose="02020603050405020304" pitchFamily="18" charset="0"/>
+                        </a:rPr>
+                        <a:t>0.641</a:t>
+                      </a:r>
+                      <a:endParaRPr lang="en-US" sz="2400" b="0" i="0" u="none" strike="noStrike">
+                        <a:solidFill>
+                          <a:srgbClr val="000000"/>
+                        </a:solidFill>
+                        <a:effectLst/>
+                        <a:latin typeface="Times New Roman" panose="02020603050405020304" pitchFamily="18" charset="0"/>
+                        <a:cs typeface="Times New Roman" panose="02020603050405020304" pitchFamily="18" charset="0"/>
+                      </a:endParaRPr>
+                    </a:p>
+                  </a:txBody>
+                  <a:tcPr marL="7867" marR="7867" marT="7867" marB="0" anchor="b">
+                    <a:noFill/>
+                  </a:tcPr>
+                </a:tc>
+                <a:tc>
+                  <a:txBody>
+                    <a:bodyPr/>
+                    <a:lstStyle/>
+                    <a:p>
+                      <a:pPr algn="ctr" fontAlgn="b"/>
+                      <a:r>
+                        <a:rPr lang="en-US" sz="2400" u="none" strike="noStrike">
+                          <a:effectLst/>
+                          <a:latin typeface="Times New Roman" panose="02020603050405020304" pitchFamily="18" charset="0"/>
+                          <a:cs typeface="Times New Roman" panose="02020603050405020304" pitchFamily="18" charset="0"/>
+                        </a:rPr>
+                        <a:t>0.267</a:t>
+                      </a:r>
+                      <a:endParaRPr lang="en-US" sz="2400" b="0" i="0" u="none" strike="noStrike">
+                        <a:solidFill>
+                          <a:srgbClr val="000000"/>
+                        </a:solidFill>
+                        <a:effectLst/>
+                        <a:latin typeface="Times New Roman" panose="02020603050405020304" pitchFamily="18" charset="0"/>
+                        <a:cs typeface="Times New Roman" panose="02020603050405020304" pitchFamily="18" charset="0"/>
+                      </a:endParaRPr>
+                    </a:p>
+                  </a:txBody>
+                  <a:tcPr marL="7867" marR="7867" marT="7867" marB="0" anchor="b">
+                    <a:noFill/>
+                  </a:tcPr>
+                </a:tc>
+                <a:tc>
+                  <a:txBody>
+                    <a:bodyPr/>
+                    <a:lstStyle/>
+                    <a:p>
+                      <a:pPr algn="ctr" fontAlgn="b"/>
+                      <a:r>
+                        <a:rPr lang="en-US" sz="2400" u="none" strike="noStrike">
+                          <a:effectLst/>
+                          <a:latin typeface="Times New Roman" panose="02020603050405020304" pitchFamily="18" charset="0"/>
+                          <a:cs typeface="Times New Roman" panose="02020603050405020304" pitchFamily="18" charset="0"/>
+                        </a:rPr>
+                        <a:t>0.575</a:t>
+                      </a:r>
+                      <a:endParaRPr lang="en-US" sz="2400" b="0" i="0" u="none" strike="noStrike">
+                        <a:solidFill>
+                          <a:srgbClr val="000000"/>
+                        </a:solidFill>
+                        <a:effectLst/>
+                        <a:latin typeface="Times New Roman" panose="02020603050405020304" pitchFamily="18" charset="0"/>
+                        <a:cs typeface="Times New Roman" panose="02020603050405020304" pitchFamily="18" charset="0"/>
+                      </a:endParaRPr>
+                    </a:p>
+                  </a:txBody>
+                  <a:tcPr marL="7867" marR="7867" marT="7867" marB="0" anchor="b">
+                    <a:lnR w="12700" cap="flat" cmpd="sng" algn="ctr">
+                      <a:solidFill>
+                        <a:schemeClr val="tx1"/>
+                      </a:solidFill>
+                      <a:prstDash val="solid"/>
+                      <a:round/>
+                      <a:headEnd type="none" w="med" len="med"/>
+                      <a:tailEnd type="none" w="med" len="med"/>
+                    </a:lnR>
+                    <a:noFill/>
+                  </a:tcPr>
+                </a:tc>
+                <a:extLst>
+                  <a:ext uri="{0D108BD9-81ED-4DB2-BD59-A6C34878D82A}">
+                    <a16:rowId xmlns:a16="http://schemas.microsoft.com/office/drawing/2014/main" val="2807156931"/>
+                  </a:ext>
+                </a:extLst>
+              </a:tr>
+              <a:tr h="373627">
+                <a:tc>
+                  <a:txBody>
+                    <a:bodyPr/>
+                    <a:lstStyle/>
+                    <a:p>
+                      <a:pPr algn="ctr" fontAlgn="b"/>
+                      <a:r>
+                        <a:rPr lang="en-US" sz="2400" u="none" strike="noStrike">
+                          <a:effectLst/>
+                          <a:latin typeface="Times New Roman" panose="02020603050405020304" pitchFamily="18" charset="0"/>
+                          <a:cs typeface="Times New Roman" panose="02020603050405020304" pitchFamily="18" charset="0"/>
+                        </a:rPr>
+                        <a:t>4</a:t>
+                      </a:r>
+                      <a:endParaRPr lang="en-US" sz="2400" b="0" i="0" u="none" strike="noStrike">
+                        <a:solidFill>
+                          <a:srgbClr val="000000"/>
+                        </a:solidFill>
+                        <a:effectLst/>
+                        <a:latin typeface="Times New Roman" panose="02020603050405020304" pitchFamily="18" charset="0"/>
+                        <a:cs typeface="Times New Roman" panose="02020603050405020304" pitchFamily="18" charset="0"/>
+                      </a:endParaRPr>
+                    </a:p>
+                  </a:txBody>
+                  <a:tcPr marL="7867" marR="7867" marT="7867" marB="0" anchor="b">
+                    <a:lnL w="12700" cap="flat" cmpd="sng" algn="ctr">
+                      <a:solidFill>
+                        <a:schemeClr val="tx1"/>
+                      </a:solidFill>
+                      <a:prstDash val="solid"/>
+                      <a:round/>
+                      <a:headEnd type="none" w="med" len="med"/>
+                      <a:tailEnd type="none" w="med" len="med"/>
+                    </a:lnL>
+                    <a:noFill/>
+                  </a:tcPr>
+                </a:tc>
+                <a:tc>
+                  <a:txBody>
+                    <a:bodyPr/>
+                    <a:lstStyle/>
+                    <a:p>
+                      <a:pPr algn="ctr" fontAlgn="b"/>
+                      <a:r>
+                        <a:rPr lang="en-US" sz="2400" u="none" strike="noStrike">
+                          <a:effectLst/>
+                          <a:latin typeface="Times New Roman" panose="02020603050405020304" pitchFamily="18" charset="0"/>
+                          <a:cs typeface="Times New Roman" panose="02020603050405020304" pitchFamily="18" charset="0"/>
+                        </a:rPr>
+                        <a:t>0.406</a:t>
+                      </a:r>
+                      <a:endParaRPr lang="en-US" sz="2400" b="0" i="0" u="none" strike="noStrike">
+                        <a:solidFill>
+                          <a:srgbClr val="000000"/>
+                        </a:solidFill>
+                        <a:effectLst/>
+                        <a:latin typeface="Times New Roman" panose="02020603050405020304" pitchFamily="18" charset="0"/>
+                        <a:cs typeface="Times New Roman" panose="02020603050405020304" pitchFamily="18" charset="0"/>
+                      </a:endParaRPr>
+                    </a:p>
+                  </a:txBody>
+                  <a:tcPr marL="7867" marR="7867" marT="7867" marB="0" anchor="b">
+                    <a:noFill/>
+                  </a:tcPr>
+                </a:tc>
+                <a:tc>
+                  <a:txBody>
+                    <a:bodyPr/>
+                    <a:lstStyle/>
+                    <a:p>
+                      <a:pPr algn="ctr" fontAlgn="b"/>
+                      <a:r>
+                        <a:rPr lang="en-US" sz="2400" u="none" strike="noStrike">
+                          <a:effectLst/>
+                          <a:latin typeface="Times New Roman" panose="02020603050405020304" pitchFamily="18" charset="0"/>
+                          <a:cs typeface="Times New Roman" panose="02020603050405020304" pitchFamily="18" charset="0"/>
+                        </a:rPr>
+                        <a:t>0.190</a:t>
+                      </a:r>
+                      <a:endParaRPr lang="en-US" sz="2400" b="0" i="0" u="none" strike="noStrike">
+                        <a:solidFill>
+                          <a:srgbClr val="000000"/>
+                        </a:solidFill>
+                        <a:effectLst/>
+                        <a:latin typeface="Times New Roman" panose="02020603050405020304" pitchFamily="18" charset="0"/>
+                        <a:cs typeface="Times New Roman" panose="02020603050405020304" pitchFamily="18" charset="0"/>
+                      </a:endParaRPr>
+                    </a:p>
+                  </a:txBody>
+                  <a:tcPr marL="7867" marR="7867" marT="7867" marB="0" anchor="b">
+                    <a:noFill/>
+                  </a:tcPr>
+                </a:tc>
+                <a:tc>
+                  <a:txBody>
+                    <a:bodyPr/>
+                    <a:lstStyle/>
+                    <a:p>
+                      <a:pPr algn="ctr" fontAlgn="b"/>
+                      <a:r>
+                        <a:rPr lang="en-US" sz="2400" u="none" strike="noStrike">
+                          <a:effectLst/>
+                          <a:latin typeface="Times New Roman" panose="02020603050405020304" pitchFamily="18" charset="0"/>
+                          <a:cs typeface="Times New Roman" panose="02020603050405020304" pitchFamily="18" charset="0"/>
+                        </a:rPr>
+                        <a:t>0.627</a:t>
+                      </a:r>
+                      <a:endParaRPr lang="en-US" sz="2400" b="0" i="0" u="none" strike="noStrike">
+                        <a:solidFill>
+                          <a:srgbClr val="000000"/>
+                        </a:solidFill>
+                        <a:effectLst/>
+                        <a:latin typeface="Times New Roman" panose="02020603050405020304" pitchFamily="18" charset="0"/>
+                        <a:cs typeface="Times New Roman" panose="02020603050405020304" pitchFamily="18" charset="0"/>
+                      </a:endParaRPr>
+                    </a:p>
+                  </a:txBody>
+                  <a:tcPr marL="7867" marR="7867" marT="7867" marB="0" anchor="b">
+                    <a:noFill/>
+                  </a:tcPr>
+                </a:tc>
+                <a:tc>
+                  <a:txBody>
+                    <a:bodyPr/>
+                    <a:lstStyle/>
+                    <a:p>
+                      <a:pPr algn="ctr" fontAlgn="b"/>
+                      <a:r>
+                        <a:rPr lang="en-US" sz="2400" u="none" strike="noStrike">
+                          <a:effectLst/>
+                          <a:latin typeface="Times New Roman" panose="02020603050405020304" pitchFamily="18" charset="0"/>
+                          <a:cs typeface="Times New Roman" panose="02020603050405020304" pitchFamily="18" charset="0"/>
+                        </a:rPr>
+                        <a:t>0.291</a:t>
+                      </a:r>
+                      <a:endParaRPr lang="en-US" sz="2400" b="0" i="0" u="none" strike="noStrike">
+                        <a:solidFill>
+                          <a:srgbClr val="000000"/>
+                        </a:solidFill>
+                        <a:effectLst/>
+                        <a:latin typeface="Times New Roman" panose="02020603050405020304" pitchFamily="18" charset="0"/>
+                        <a:cs typeface="Times New Roman" panose="02020603050405020304" pitchFamily="18" charset="0"/>
+                      </a:endParaRPr>
+                    </a:p>
+                  </a:txBody>
+                  <a:tcPr marL="7867" marR="7867" marT="7867" marB="0" anchor="b">
+                    <a:noFill/>
+                  </a:tcPr>
+                </a:tc>
+                <a:tc>
+                  <a:txBody>
+                    <a:bodyPr/>
+                    <a:lstStyle/>
+                    <a:p>
+                      <a:pPr algn="ctr" fontAlgn="b"/>
+                      <a:r>
+                        <a:rPr lang="en-US" sz="2400" u="none" strike="noStrike">
+                          <a:effectLst/>
+                          <a:latin typeface="Times New Roman" panose="02020603050405020304" pitchFamily="18" charset="0"/>
+                          <a:cs typeface="Times New Roman" panose="02020603050405020304" pitchFamily="18" charset="0"/>
+                        </a:rPr>
+                        <a:t>0.605</a:t>
+                      </a:r>
+                      <a:endParaRPr lang="en-US" sz="2400" b="0" i="0" u="none" strike="noStrike">
+                        <a:solidFill>
+                          <a:srgbClr val="000000"/>
+                        </a:solidFill>
+                        <a:effectLst/>
+                        <a:latin typeface="Times New Roman" panose="02020603050405020304" pitchFamily="18" charset="0"/>
+                        <a:cs typeface="Times New Roman" panose="02020603050405020304" pitchFamily="18" charset="0"/>
+                      </a:endParaRPr>
+                    </a:p>
+                  </a:txBody>
+                  <a:tcPr marL="7867" marR="7867" marT="7867" marB="0" anchor="b">
+                    <a:lnR w="12700" cap="flat" cmpd="sng" algn="ctr">
+                      <a:solidFill>
+                        <a:schemeClr val="tx1"/>
+                      </a:solidFill>
+                      <a:prstDash val="solid"/>
+                      <a:round/>
+                      <a:headEnd type="none" w="med" len="med"/>
+                      <a:tailEnd type="none" w="med" len="med"/>
+                    </a:lnR>
+                    <a:noFill/>
+                  </a:tcPr>
+                </a:tc>
+                <a:extLst>
+                  <a:ext uri="{0D108BD9-81ED-4DB2-BD59-A6C34878D82A}">
+                    <a16:rowId xmlns:a16="http://schemas.microsoft.com/office/drawing/2014/main" val="1055139668"/>
+                  </a:ext>
+                </a:extLst>
+              </a:tr>
+              <a:tr h="373627">
+                <a:tc>
+                  <a:txBody>
+                    <a:bodyPr/>
+                    <a:lstStyle/>
+                    <a:p>
+                      <a:pPr algn="ctr" fontAlgn="b"/>
+                      <a:r>
+                        <a:rPr lang="en-US" sz="2400" u="none" strike="noStrike" dirty="0">
+                          <a:effectLst/>
+                          <a:latin typeface="Times New Roman" panose="02020603050405020304" pitchFamily="18" charset="0"/>
+                          <a:cs typeface="Times New Roman" panose="02020603050405020304" pitchFamily="18" charset="0"/>
+                        </a:rPr>
+                        <a:t>5</a:t>
+                      </a:r>
+                      <a:endParaRPr lang="en-US" sz="2400" b="0" i="0" u="none" strike="noStrike" dirty="0">
+                        <a:solidFill>
+                          <a:srgbClr val="000000"/>
+                        </a:solidFill>
+                        <a:effectLst/>
+                        <a:latin typeface="Times New Roman" panose="02020603050405020304" pitchFamily="18" charset="0"/>
+                        <a:cs typeface="Times New Roman" panose="02020603050405020304" pitchFamily="18" charset="0"/>
+                      </a:endParaRPr>
+                    </a:p>
+                  </a:txBody>
+                  <a:tcPr marL="7867" marR="7867" marT="7867" marB="0" anchor="b">
+                    <a:lnL w="12700" cap="flat" cmpd="sng" algn="ctr">
+                      <a:solidFill>
+                        <a:schemeClr val="tx1"/>
+                      </a:solidFill>
+                      <a:prstDash val="solid"/>
+                      <a:round/>
+                      <a:headEnd type="none" w="med" len="med"/>
+                      <a:tailEnd type="none" w="med" len="med"/>
+                    </a:lnL>
+                    <a:noFill/>
+                  </a:tcPr>
+                </a:tc>
+                <a:tc>
+                  <a:txBody>
+                    <a:bodyPr/>
+                    <a:lstStyle/>
+                    <a:p>
+                      <a:pPr algn="ctr" fontAlgn="b"/>
+                      <a:r>
+                        <a:rPr lang="en-US" sz="2400" u="none" strike="noStrike">
+                          <a:effectLst/>
+                          <a:latin typeface="Times New Roman" panose="02020603050405020304" pitchFamily="18" charset="0"/>
+                          <a:cs typeface="Times New Roman" panose="02020603050405020304" pitchFamily="18" charset="0"/>
+                        </a:rPr>
+                        <a:t>0.396</a:t>
+                      </a:r>
+                      <a:endParaRPr lang="en-US" sz="2400" b="0" i="0" u="none" strike="noStrike">
+                        <a:solidFill>
+                          <a:srgbClr val="000000"/>
+                        </a:solidFill>
+                        <a:effectLst/>
+                        <a:latin typeface="Times New Roman" panose="02020603050405020304" pitchFamily="18" charset="0"/>
+                        <a:cs typeface="Times New Roman" panose="02020603050405020304" pitchFamily="18" charset="0"/>
+                      </a:endParaRPr>
+                    </a:p>
+                  </a:txBody>
+                  <a:tcPr marL="7867" marR="7867" marT="7867" marB="0" anchor="b">
+                    <a:noFill/>
+                  </a:tcPr>
+                </a:tc>
+                <a:tc>
+                  <a:txBody>
+                    <a:bodyPr/>
+                    <a:lstStyle/>
+                    <a:p>
+                      <a:pPr algn="ctr" fontAlgn="b"/>
+                      <a:r>
+                        <a:rPr lang="en-US" sz="2400" u="none" strike="noStrike">
+                          <a:effectLst/>
+                          <a:latin typeface="Times New Roman" panose="02020603050405020304" pitchFamily="18" charset="0"/>
+                          <a:cs typeface="Times New Roman" panose="02020603050405020304" pitchFamily="18" charset="0"/>
+                        </a:rPr>
+                        <a:t>0.202</a:t>
+                      </a:r>
+                      <a:endParaRPr lang="en-US" sz="2400" b="0" i="0" u="none" strike="noStrike">
+                        <a:solidFill>
+                          <a:srgbClr val="000000"/>
+                        </a:solidFill>
+                        <a:effectLst/>
+                        <a:latin typeface="Times New Roman" panose="02020603050405020304" pitchFamily="18" charset="0"/>
+                        <a:cs typeface="Times New Roman" panose="02020603050405020304" pitchFamily="18" charset="0"/>
+                      </a:endParaRPr>
+                    </a:p>
+                  </a:txBody>
+                  <a:tcPr marL="7867" marR="7867" marT="7867" marB="0" anchor="b">
+                    <a:noFill/>
+                  </a:tcPr>
+                </a:tc>
+                <a:tc>
+                  <a:txBody>
+                    <a:bodyPr/>
+                    <a:lstStyle/>
+                    <a:p>
+                      <a:pPr algn="ctr" fontAlgn="b"/>
+                      <a:r>
+                        <a:rPr lang="en-US" sz="2400" u="none" strike="noStrike">
+                          <a:effectLst/>
+                          <a:latin typeface="Times New Roman" panose="02020603050405020304" pitchFamily="18" charset="0"/>
+                          <a:cs typeface="Times New Roman" panose="02020603050405020304" pitchFamily="18" charset="0"/>
+                        </a:rPr>
+                        <a:t>0.660</a:t>
+                      </a:r>
+                      <a:endParaRPr lang="en-US" sz="2400" b="0" i="0" u="none" strike="noStrike">
+                        <a:solidFill>
+                          <a:srgbClr val="000000"/>
+                        </a:solidFill>
+                        <a:effectLst/>
+                        <a:latin typeface="Times New Roman" panose="02020603050405020304" pitchFamily="18" charset="0"/>
+                        <a:cs typeface="Times New Roman" panose="02020603050405020304" pitchFamily="18" charset="0"/>
+                      </a:endParaRPr>
+                    </a:p>
+                  </a:txBody>
+                  <a:tcPr marL="7867" marR="7867" marT="7867" marB="0" anchor="b">
+                    <a:noFill/>
+                  </a:tcPr>
+                </a:tc>
+                <a:tc>
+                  <a:txBody>
+                    <a:bodyPr/>
+                    <a:lstStyle/>
+                    <a:p>
+                      <a:pPr algn="ctr" fontAlgn="b"/>
+                      <a:r>
+                        <a:rPr lang="en-US" sz="2400" u="none" strike="noStrike">
+                          <a:effectLst/>
+                          <a:latin typeface="Times New Roman" panose="02020603050405020304" pitchFamily="18" charset="0"/>
+                          <a:cs typeface="Times New Roman" panose="02020603050405020304" pitchFamily="18" charset="0"/>
+                        </a:rPr>
+                        <a:t>0.309</a:t>
+                      </a:r>
+                      <a:endParaRPr lang="en-US" sz="2400" b="0" i="0" u="none" strike="noStrike">
+                        <a:solidFill>
+                          <a:srgbClr val="000000"/>
+                        </a:solidFill>
+                        <a:effectLst/>
+                        <a:latin typeface="Times New Roman" panose="02020603050405020304" pitchFamily="18" charset="0"/>
+                        <a:cs typeface="Times New Roman" panose="02020603050405020304" pitchFamily="18" charset="0"/>
+                      </a:endParaRPr>
+                    </a:p>
+                  </a:txBody>
+                  <a:tcPr marL="7867" marR="7867" marT="7867" marB="0" anchor="b">
+                    <a:noFill/>
+                  </a:tcPr>
+                </a:tc>
+                <a:tc>
+                  <a:txBody>
+                    <a:bodyPr/>
+                    <a:lstStyle/>
+                    <a:p>
+                      <a:pPr algn="ctr" fontAlgn="b"/>
+                      <a:r>
+                        <a:rPr lang="en-US" sz="2400" u="none" strike="noStrike">
+                          <a:effectLst/>
+                          <a:latin typeface="Times New Roman" panose="02020603050405020304" pitchFamily="18" charset="0"/>
+                          <a:cs typeface="Times New Roman" panose="02020603050405020304" pitchFamily="18" charset="0"/>
+                        </a:rPr>
+                        <a:t>0.627</a:t>
+                      </a:r>
+                      <a:endParaRPr lang="en-US" sz="2400" b="0" i="0" u="none" strike="noStrike">
+                        <a:solidFill>
+                          <a:srgbClr val="000000"/>
+                        </a:solidFill>
+                        <a:effectLst/>
+                        <a:latin typeface="Times New Roman" panose="02020603050405020304" pitchFamily="18" charset="0"/>
+                        <a:cs typeface="Times New Roman" panose="02020603050405020304" pitchFamily="18" charset="0"/>
+                      </a:endParaRPr>
+                    </a:p>
+                  </a:txBody>
+                  <a:tcPr marL="7867" marR="7867" marT="7867" marB="0" anchor="b">
+                    <a:lnR w="12700" cap="flat" cmpd="sng" algn="ctr">
+                      <a:solidFill>
+                        <a:schemeClr val="tx1"/>
+                      </a:solidFill>
+                      <a:prstDash val="solid"/>
+                      <a:round/>
+                      <a:headEnd type="none" w="med" len="med"/>
+                      <a:tailEnd type="none" w="med" len="med"/>
+                    </a:lnR>
+                    <a:noFill/>
+                  </a:tcPr>
+                </a:tc>
+                <a:extLst>
+                  <a:ext uri="{0D108BD9-81ED-4DB2-BD59-A6C34878D82A}">
+                    <a16:rowId xmlns:a16="http://schemas.microsoft.com/office/drawing/2014/main" val="1356148427"/>
+                  </a:ext>
+                </a:extLst>
+              </a:tr>
+              <a:tr h="373627">
+                <a:tc>
+                  <a:txBody>
+                    <a:bodyPr/>
+                    <a:lstStyle/>
+                    <a:p>
+                      <a:pPr algn="ctr" fontAlgn="b"/>
+                      <a:r>
+                        <a:rPr lang="en-US" sz="2400" u="none" strike="noStrike">
+                          <a:effectLst/>
+                          <a:latin typeface="Times New Roman" panose="02020603050405020304" pitchFamily="18" charset="0"/>
+                          <a:cs typeface="Times New Roman" panose="02020603050405020304" pitchFamily="18" charset="0"/>
+                        </a:rPr>
+                        <a:t>6</a:t>
+                      </a:r>
+                      <a:endParaRPr lang="en-US" sz="2400" b="0" i="0" u="none" strike="noStrike">
+                        <a:solidFill>
+                          <a:srgbClr val="000000"/>
+                        </a:solidFill>
+                        <a:effectLst/>
+                        <a:latin typeface="Times New Roman" panose="02020603050405020304" pitchFamily="18" charset="0"/>
+                        <a:cs typeface="Times New Roman" panose="02020603050405020304" pitchFamily="18" charset="0"/>
+                      </a:endParaRPr>
+                    </a:p>
+                  </a:txBody>
+                  <a:tcPr marL="7867" marR="7867" marT="7867" marB="0" anchor="b">
+                    <a:lnL w="12700" cap="flat" cmpd="sng" algn="ctr">
+                      <a:solidFill>
+                        <a:schemeClr val="tx1"/>
+                      </a:solidFill>
+                      <a:prstDash val="solid"/>
+                      <a:round/>
+                      <a:headEnd type="none" w="med" len="med"/>
+                      <a:tailEnd type="none" w="med" len="med"/>
+                    </a:lnL>
+                    <a:noFill/>
+                  </a:tcPr>
+                </a:tc>
+                <a:tc>
+                  <a:txBody>
+                    <a:bodyPr/>
+                    <a:lstStyle/>
+                    <a:p>
+                      <a:pPr algn="ctr" fontAlgn="b"/>
+                      <a:r>
+                        <a:rPr lang="en-US" sz="2400" u="none" strike="noStrike">
+                          <a:effectLst/>
+                          <a:latin typeface="Times New Roman" panose="02020603050405020304" pitchFamily="18" charset="0"/>
+                          <a:cs typeface="Times New Roman" panose="02020603050405020304" pitchFamily="18" charset="0"/>
+                        </a:rPr>
+                        <a:t>0.362</a:t>
+                      </a:r>
+                      <a:endParaRPr lang="en-US" sz="2400" b="0" i="0" u="none" strike="noStrike">
+                        <a:solidFill>
+                          <a:srgbClr val="000000"/>
+                        </a:solidFill>
+                        <a:effectLst/>
+                        <a:latin typeface="Times New Roman" panose="02020603050405020304" pitchFamily="18" charset="0"/>
+                        <a:cs typeface="Times New Roman" panose="02020603050405020304" pitchFamily="18" charset="0"/>
+                      </a:endParaRPr>
+                    </a:p>
+                  </a:txBody>
+                  <a:tcPr marL="7867" marR="7867" marT="7867" marB="0" anchor="b">
+                    <a:noFill/>
+                  </a:tcPr>
+                </a:tc>
+                <a:tc>
+                  <a:txBody>
+                    <a:bodyPr/>
+                    <a:lstStyle/>
+                    <a:p>
+                      <a:pPr algn="ctr" fontAlgn="b"/>
+                      <a:r>
+                        <a:rPr lang="en-US" sz="2400" u="none" strike="noStrike">
+                          <a:effectLst/>
+                          <a:latin typeface="Times New Roman" panose="02020603050405020304" pitchFamily="18" charset="0"/>
+                          <a:cs typeface="Times New Roman" panose="02020603050405020304" pitchFamily="18" charset="0"/>
+                        </a:rPr>
+                        <a:t>0.228</a:t>
+                      </a:r>
+                      <a:endParaRPr lang="en-US" sz="2400" b="0" i="0" u="none" strike="noStrike">
+                        <a:solidFill>
+                          <a:srgbClr val="000000"/>
+                        </a:solidFill>
+                        <a:effectLst/>
+                        <a:latin typeface="Times New Roman" panose="02020603050405020304" pitchFamily="18" charset="0"/>
+                        <a:cs typeface="Times New Roman" panose="02020603050405020304" pitchFamily="18" charset="0"/>
+                      </a:endParaRPr>
+                    </a:p>
+                  </a:txBody>
+                  <a:tcPr marL="7867" marR="7867" marT="7867" marB="0" anchor="b">
+                    <a:noFill/>
+                  </a:tcPr>
+                </a:tc>
+                <a:tc>
+                  <a:txBody>
+                    <a:bodyPr/>
+                    <a:lstStyle/>
+                    <a:p>
+                      <a:pPr algn="ctr" fontAlgn="b"/>
+                      <a:r>
+                        <a:rPr lang="en-US" sz="2400" u="none" strike="noStrike">
+                          <a:effectLst/>
+                          <a:latin typeface="Times New Roman" panose="02020603050405020304" pitchFamily="18" charset="0"/>
+                          <a:cs typeface="Times New Roman" panose="02020603050405020304" pitchFamily="18" charset="0"/>
+                        </a:rPr>
+                        <a:t>0.689</a:t>
+                      </a:r>
+                      <a:endParaRPr lang="en-US" sz="2400" b="0" i="0" u="none" strike="noStrike">
+                        <a:solidFill>
+                          <a:srgbClr val="000000"/>
+                        </a:solidFill>
+                        <a:effectLst/>
+                        <a:latin typeface="Times New Roman" panose="02020603050405020304" pitchFamily="18" charset="0"/>
+                        <a:cs typeface="Times New Roman" panose="02020603050405020304" pitchFamily="18" charset="0"/>
+                      </a:endParaRPr>
+                    </a:p>
+                  </a:txBody>
+                  <a:tcPr marL="7867" marR="7867" marT="7867" marB="0" anchor="b">
+                    <a:noFill/>
+                  </a:tcPr>
+                </a:tc>
+                <a:tc>
+                  <a:txBody>
+                    <a:bodyPr/>
+                    <a:lstStyle/>
+                    <a:p>
+                      <a:pPr algn="ctr" fontAlgn="b"/>
+                      <a:r>
+                        <a:rPr lang="en-US" sz="2400" u="none" strike="noStrike">
+                          <a:effectLst/>
+                          <a:latin typeface="Times New Roman" panose="02020603050405020304" pitchFamily="18" charset="0"/>
+                          <a:cs typeface="Times New Roman" panose="02020603050405020304" pitchFamily="18" charset="0"/>
+                        </a:rPr>
+                        <a:t>0.343</a:t>
+                      </a:r>
+                      <a:endParaRPr lang="en-US" sz="2400" b="0" i="0" u="none" strike="noStrike">
+                        <a:solidFill>
+                          <a:srgbClr val="000000"/>
+                        </a:solidFill>
+                        <a:effectLst/>
+                        <a:latin typeface="Times New Roman" panose="02020603050405020304" pitchFamily="18" charset="0"/>
+                        <a:cs typeface="Times New Roman" panose="02020603050405020304" pitchFamily="18" charset="0"/>
+                      </a:endParaRPr>
+                    </a:p>
+                  </a:txBody>
+                  <a:tcPr marL="7867" marR="7867" marT="7867" marB="0" anchor="b">
+                    <a:noFill/>
+                  </a:tcPr>
+                </a:tc>
+                <a:tc>
+                  <a:txBody>
+                    <a:bodyPr/>
+                    <a:lstStyle/>
+                    <a:p>
+                      <a:pPr algn="ctr" fontAlgn="b"/>
+                      <a:r>
+                        <a:rPr lang="en-US" sz="2400" u="none" strike="noStrike">
+                          <a:effectLst/>
+                          <a:latin typeface="Times New Roman" panose="02020603050405020304" pitchFamily="18" charset="0"/>
+                          <a:cs typeface="Times New Roman" panose="02020603050405020304" pitchFamily="18" charset="0"/>
+                        </a:rPr>
+                        <a:t>0.663</a:t>
+                      </a:r>
+                      <a:endParaRPr lang="en-US" sz="2400" b="0" i="0" u="none" strike="noStrike">
+                        <a:solidFill>
+                          <a:srgbClr val="000000"/>
+                        </a:solidFill>
+                        <a:effectLst/>
+                        <a:latin typeface="Times New Roman" panose="02020603050405020304" pitchFamily="18" charset="0"/>
+                        <a:cs typeface="Times New Roman" panose="02020603050405020304" pitchFamily="18" charset="0"/>
+                      </a:endParaRPr>
+                    </a:p>
+                  </a:txBody>
+                  <a:tcPr marL="7867" marR="7867" marT="7867" marB="0" anchor="b">
+                    <a:lnR w="12700" cap="flat" cmpd="sng" algn="ctr">
+                      <a:solidFill>
+                        <a:schemeClr val="tx1"/>
+                      </a:solidFill>
+                      <a:prstDash val="solid"/>
+                      <a:round/>
+                      <a:headEnd type="none" w="med" len="med"/>
+                      <a:tailEnd type="none" w="med" len="med"/>
+                    </a:lnR>
+                    <a:noFill/>
+                  </a:tcPr>
+                </a:tc>
+                <a:extLst>
+                  <a:ext uri="{0D108BD9-81ED-4DB2-BD59-A6C34878D82A}">
+                    <a16:rowId xmlns:a16="http://schemas.microsoft.com/office/drawing/2014/main" val="2869937921"/>
+                  </a:ext>
+                </a:extLst>
+              </a:tr>
+              <a:tr h="373627">
+                <a:tc>
+                  <a:txBody>
+                    <a:bodyPr/>
+                    <a:lstStyle/>
+                    <a:p>
+                      <a:pPr algn="ctr" fontAlgn="b"/>
+                      <a:r>
+                        <a:rPr lang="en-US" sz="2400" u="none" strike="noStrike">
+                          <a:effectLst/>
+                          <a:latin typeface="Times New Roman" panose="02020603050405020304" pitchFamily="18" charset="0"/>
+                          <a:cs typeface="Times New Roman" panose="02020603050405020304" pitchFamily="18" charset="0"/>
+                        </a:rPr>
+                        <a:t>7</a:t>
+                      </a:r>
+                      <a:endParaRPr lang="en-US" sz="2400" b="0" i="0" u="none" strike="noStrike">
+                        <a:solidFill>
+                          <a:srgbClr val="000000"/>
+                        </a:solidFill>
+                        <a:effectLst/>
+                        <a:latin typeface="Times New Roman" panose="02020603050405020304" pitchFamily="18" charset="0"/>
+                        <a:cs typeface="Times New Roman" panose="02020603050405020304" pitchFamily="18" charset="0"/>
+                      </a:endParaRPr>
+                    </a:p>
+                  </a:txBody>
+                  <a:tcPr marL="7867" marR="7867" marT="7867" marB="0" anchor="b">
+                    <a:lnL w="12700" cap="flat" cmpd="sng" algn="ctr">
+                      <a:solidFill>
+                        <a:schemeClr val="tx1"/>
+                      </a:solidFill>
+                      <a:prstDash val="solid"/>
+                      <a:round/>
+                      <a:headEnd type="none" w="med" len="med"/>
+                      <a:tailEnd type="none" w="med" len="med"/>
+                    </a:lnL>
+                    <a:noFill/>
+                  </a:tcPr>
+                </a:tc>
+                <a:tc>
+                  <a:txBody>
+                    <a:bodyPr/>
+                    <a:lstStyle/>
+                    <a:p>
+                      <a:pPr algn="ctr" fontAlgn="b"/>
+                      <a:r>
+                        <a:rPr lang="en-US" sz="2400" u="none" strike="noStrike">
+                          <a:effectLst/>
+                          <a:latin typeface="Times New Roman" panose="02020603050405020304" pitchFamily="18" charset="0"/>
+                          <a:cs typeface="Times New Roman" panose="02020603050405020304" pitchFamily="18" charset="0"/>
+                        </a:rPr>
+                        <a:t>0.352</a:t>
+                      </a:r>
+                      <a:endParaRPr lang="en-US" sz="2400" b="0" i="0" u="none" strike="noStrike">
+                        <a:solidFill>
+                          <a:srgbClr val="000000"/>
+                        </a:solidFill>
+                        <a:effectLst/>
+                        <a:latin typeface="Times New Roman" panose="02020603050405020304" pitchFamily="18" charset="0"/>
+                        <a:cs typeface="Times New Roman" panose="02020603050405020304" pitchFamily="18" charset="0"/>
+                      </a:endParaRPr>
+                    </a:p>
+                  </a:txBody>
+                  <a:tcPr marL="7867" marR="7867" marT="7867" marB="0" anchor="b">
+                    <a:noFill/>
+                  </a:tcPr>
+                </a:tc>
+                <a:tc>
+                  <a:txBody>
+                    <a:bodyPr/>
+                    <a:lstStyle/>
+                    <a:p>
+                      <a:pPr algn="ctr" fontAlgn="b"/>
+                      <a:r>
+                        <a:rPr lang="en-US" sz="2400" u="none" strike="noStrike">
+                          <a:effectLst/>
+                          <a:latin typeface="Times New Roman" panose="02020603050405020304" pitchFamily="18" charset="0"/>
+                          <a:cs typeface="Times New Roman" panose="02020603050405020304" pitchFamily="18" charset="0"/>
+                        </a:rPr>
+                        <a:t>0.231</a:t>
+                      </a:r>
+                      <a:endParaRPr lang="en-US" sz="2400" b="0" i="0" u="none" strike="noStrike">
+                        <a:solidFill>
+                          <a:srgbClr val="000000"/>
+                        </a:solidFill>
+                        <a:effectLst/>
+                        <a:latin typeface="Times New Roman" panose="02020603050405020304" pitchFamily="18" charset="0"/>
+                        <a:cs typeface="Times New Roman" panose="02020603050405020304" pitchFamily="18" charset="0"/>
+                      </a:endParaRPr>
+                    </a:p>
+                  </a:txBody>
+                  <a:tcPr marL="7867" marR="7867" marT="7867" marB="0" anchor="b">
+                    <a:noFill/>
+                  </a:tcPr>
+                </a:tc>
+                <a:tc>
+                  <a:txBody>
+                    <a:bodyPr/>
+                    <a:lstStyle/>
+                    <a:p>
+                      <a:pPr algn="ctr" fontAlgn="b"/>
+                      <a:r>
+                        <a:rPr lang="en-US" sz="2400" u="none" strike="noStrike">
+                          <a:effectLst/>
+                          <a:latin typeface="Times New Roman" panose="02020603050405020304" pitchFamily="18" charset="0"/>
+                          <a:cs typeface="Times New Roman" panose="02020603050405020304" pitchFamily="18" charset="0"/>
+                        </a:rPr>
+                        <a:t>0.680</a:t>
+                      </a:r>
+                      <a:endParaRPr lang="en-US" sz="2400" b="0" i="0" u="none" strike="noStrike">
+                        <a:solidFill>
+                          <a:srgbClr val="000000"/>
+                        </a:solidFill>
+                        <a:effectLst/>
+                        <a:latin typeface="Times New Roman" panose="02020603050405020304" pitchFamily="18" charset="0"/>
+                        <a:cs typeface="Times New Roman" panose="02020603050405020304" pitchFamily="18" charset="0"/>
+                      </a:endParaRPr>
+                    </a:p>
+                  </a:txBody>
+                  <a:tcPr marL="7867" marR="7867" marT="7867" marB="0" anchor="b">
+                    <a:noFill/>
+                  </a:tcPr>
+                </a:tc>
+                <a:tc>
+                  <a:txBody>
+                    <a:bodyPr/>
+                    <a:lstStyle/>
+                    <a:p>
+                      <a:pPr algn="ctr" fontAlgn="b"/>
+                      <a:r>
+                        <a:rPr lang="en-US" sz="2400" u="none" strike="noStrike">
+                          <a:effectLst/>
+                          <a:latin typeface="Times New Roman" panose="02020603050405020304" pitchFamily="18" charset="0"/>
+                          <a:cs typeface="Times New Roman" panose="02020603050405020304" pitchFamily="18" charset="0"/>
+                        </a:rPr>
+                        <a:t>0.344</a:t>
+                      </a:r>
+                      <a:endParaRPr lang="en-US" sz="2400" b="0" i="0" u="none" strike="noStrike">
+                        <a:solidFill>
+                          <a:srgbClr val="000000"/>
+                        </a:solidFill>
+                        <a:effectLst/>
+                        <a:latin typeface="Times New Roman" panose="02020603050405020304" pitchFamily="18" charset="0"/>
+                        <a:cs typeface="Times New Roman" panose="02020603050405020304" pitchFamily="18" charset="0"/>
+                      </a:endParaRPr>
+                    </a:p>
+                  </a:txBody>
+                  <a:tcPr marL="7867" marR="7867" marT="7867" marB="0" anchor="b">
+                    <a:noFill/>
+                  </a:tcPr>
+                </a:tc>
+                <a:tc>
+                  <a:txBody>
+                    <a:bodyPr/>
+                    <a:lstStyle/>
+                    <a:p>
+                      <a:pPr algn="ctr" fontAlgn="b"/>
+                      <a:r>
+                        <a:rPr lang="en-US" sz="2400" u="none" strike="noStrike">
+                          <a:effectLst/>
+                          <a:latin typeface="Times New Roman" panose="02020603050405020304" pitchFamily="18" charset="0"/>
+                          <a:cs typeface="Times New Roman" panose="02020603050405020304" pitchFamily="18" charset="0"/>
+                        </a:rPr>
+                        <a:t>0.664</a:t>
+                      </a:r>
+                      <a:endParaRPr lang="en-US" sz="2400" b="0" i="0" u="none" strike="noStrike">
+                        <a:solidFill>
+                          <a:srgbClr val="000000"/>
+                        </a:solidFill>
+                        <a:effectLst/>
+                        <a:latin typeface="Times New Roman" panose="02020603050405020304" pitchFamily="18" charset="0"/>
+                        <a:cs typeface="Times New Roman" panose="02020603050405020304" pitchFamily="18" charset="0"/>
+                      </a:endParaRPr>
+                    </a:p>
+                  </a:txBody>
+                  <a:tcPr marL="7867" marR="7867" marT="7867" marB="0" anchor="b">
+                    <a:lnR w="12700" cap="flat" cmpd="sng" algn="ctr">
+                      <a:solidFill>
+                        <a:schemeClr val="tx1"/>
+                      </a:solidFill>
+                      <a:prstDash val="solid"/>
+                      <a:round/>
+                      <a:headEnd type="none" w="med" len="med"/>
+                      <a:tailEnd type="none" w="med" len="med"/>
+                    </a:lnR>
+                    <a:noFill/>
+                  </a:tcPr>
+                </a:tc>
+                <a:extLst>
+                  <a:ext uri="{0D108BD9-81ED-4DB2-BD59-A6C34878D82A}">
+                    <a16:rowId xmlns:a16="http://schemas.microsoft.com/office/drawing/2014/main" val="1557260359"/>
+                  </a:ext>
+                </a:extLst>
+              </a:tr>
+              <a:tr h="373627">
+                <a:tc>
+                  <a:txBody>
+                    <a:bodyPr/>
+                    <a:lstStyle/>
+                    <a:p>
+                      <a:pPr algn="ctr" fontAlgn="b"/>
+                      <a:r>
+                        <a:rPr lang="en-US" sz="2400" u="none" strike="noStrike">
+                          <a:effectLst/>
+                          <a:latin typeface="Times New Roman" panose="02020603050405020304" pitchFamily="18" charset="0"/>
+                          <a:cs typeface="Times New Roman" panose="02020603050405020304" pitchFamily="18" charset="0"/>
+                        </a:rPr>
+                        <a:t>8</a:t>
+                      </a:r>
+                      <a:endParaRPr lang="en-US" sz="2400" b="0" i="0" u="none" strike="noStrike">
+                        <a:solidFill>
+                          <a:srgbClr val="000000"/>
+                        </a:solidFill>
+                        <a:effectLst/>
+                        <a:latin typeface="Times New Roman" panose="02020603050405020304" pitchFamily="18" charset="0"/>
+                        <a:cs typeface="Times New Roman" panose="02020603050405020304" pitchFamily="18" charset="0"/>
+                      </a:endParaRPr>
+                    </a:p>
+                  </a:txBody>
+                  <a:tcPr marL="7867" marR="7867" marT="7867" marB="0" anchor="b">
+                    <a:lnL w="12700" cap="flat" cmpd="sng" algn="ctr">
+                      <a:solidFill>
+                        <a:schemeClr val="tx1"/>
+                      </a:solidFill>
+                      <a:prstDash val="solid"/>
+                      <a:round/>
+                      <a:headEnd type="none" w="med" len="med"/>
+                      <a:tailEnd type="none" w="med" len="med"/>
+                    </a:lnL>
+                    <a:noFill/>
+                  </a:tcPr>
+                </a:tc>
+                <a:tc>
+                  <a:txBody>
+                    <a:bodyPr/>
+                    <a:lstStyle/>
+                    <a:p>
+                      <a:pPr algn="ctr" fontAlgn="b"/>
+                      <a:r>
+                        <a:rPr lang="en-US" sz="2400" u="none" strike="noStrike">
+                          <a:effectLst/>
+                          <a:latin typeface="Times New Roman" panose="02020603050405020304" pitchFamily="18" charset="0"/>
+                          <a:cs typeface="Times New Roman" panose="02020603050405020304" pitchFamily="18" charset="0"/>
+                        </a:rPr>
+                        <a:t>0.339</a:t>
+                      </a:r>
+                      <a:endParaRPr lang="en-US" sz="2400" b="0" i="0" u="none" strike="noStrike">
+                        <a:solidFill>
+                          <a:srgbClr val="000000"/>
+                        </a:solidFill>
+                        <a:effectLst/>
+                        <a:latin typeface="Times New Roman" panose="02020603050405020304" pitchFamily="18" charset="0"/>
+                        <a:cs typeface="Times New Roman" panose="02020603050405020304" pitchFamily="18" charset="0"/>
+                      </a:endParaRPr>
+                    </a:p>
+                  </a:txBody>
+                  <a:tcPr marL="7867" marR="7867" marT="7867" marB="0" anchor="b">
+                    <a:noFill/>
+                  </a:tcPr>
+                </a:tc>
+                <a:tc>
+                  <a:txBody>
+                    <a:bodyPr/>
+                    <a:lstStyle/>
+                    <a:p>
+                      <a:pPr algn="ctr" fontAlgn="b"/>
+                      <a:r>
+                        <a:rPr lang="en-US" sz="2400" u="none" strike="noStrike">
+                          <a:effectLst/>
+                          <a:latin typeface="Times New Roman" panose="02020603050405020304" pitchFamily="18" charset="0"/>
+                          <a:cs typeface="Times New Roman" panose="02020603050405020304" pitchFamily="18" charset="0"/>
+                        </a:rPr>
+                        <a:t>0.237</a:t>
+                      </a:r>
+                      <a:endParaRPr lang="en-US" sz="2400" b="0" i="0" u="none" strike="noStrike">
+                        <a:solidFill>
+                          <a:srgbClr val="000000"/>
+                        </a:solidFill>
+                        <a:effectLst/>
+                        <a:latin typeface="Times New Roman" panose="02020603050405020304" pitchFamily="18" charset="0"/>
+                        <a:cs typeface="Times New Roman" panose="02020603050405020304" pitchFamily="18" charset="0"/>
+                      </a:endParaRPr>
+                    </a:p>
+                  </a:txBody>
+                  <a:tcPr marL="7867" marR="7867" marT="7867" marB="0" anchor="b">
+                    <a:noFill/>
+                  </a:tcPr>
+                </a:tc>
+                <a:tc>
+                  <a:txBody>
+                    <a:bodyPr/>
+                    <a:lstStyle/>
+                    <a:p>
+                      <a:pPr algn="ctr" fontAlgn="b"/>
+                      <a:r>
+                        <a:rPr lang="en-US" sz="2400" u="none" strike="noStrike">
+                          <a:effectLst/>
+                          <a:latin typeface="Times New Roman" panose="02020603050405020304" pitchFamily="18" charset="0"/>
+                          <a:cs typeface="Times New Roman" panose="02020603050405020304" pitchFamily="18" charset="0"/>
+                        </a:rPr>
+                        <a:t>0.661</a:t>
+                      </a:r>
+                      <a:endParaRPr lang="en-US" sz="2400" b="0" i="0" u="none" strike="noStrike">
+                        <a:solidFill>
+                          <a:srgbClr val="000000"/>
+                        </a:solidFill>
+                        <a:effectLst/>
+                        <a:latin typeface="Times New Roman" panose="02020603050405020304" pitchFamily="18" charset="0"/>
+                        <a:cs typeface="Times New Roman" panose="02020603050405020304" pitchFamily="18" charset="0"/>
+                      </a:endParaRPr>
+                    </a:p>
+                  </a:txBody>
+                  <a:tcPr marL="7867" marR="7867" marT="7867" marB="0" anchor="b">
+                    <a:noFill/>
+                  </a:tcPr>
+                </a:tc>
+                <a:tc>
+                  <a:txBody>
+                    <a:bodyPr/>
+                    <a:lstStyle/>
+                    <a:p>
+                      <a:pPr algn="ctr" fontAlgn="b"/>
+                      <a:r>
+                        <a:rPr lang="en-US" sz="2400" u="none" strike="noStrike">
+                          <a:effectLst/>
+                          <a:latin typeface="Times New Roman" panose="02020603050405020304" pitchFamily="18" charset="0"/>
+                          <a:cs typeface="Times New Roman" panose="02020603050405020304" pitchFamily="18" charset="0"/>
+                        </a:rPr>
+                        <a:t>0.349</a:t>
+                      </a:r>
+                      <a:endParaRPr lang="en-US" sz="2400" b="0" i="0" u="none" strike="noStrike">
+                        <a:solidFill>
+                          <a:srgbClr val="000000"/>
+                        </a:solidFill>
+                        <a:effectLst/>
+                        <a:latin typeface="Times New Roman" panose="02020603050405020304" pitchFamily="18" charset="0"/>
+                        <a:cs typeface="Times New Roman" panose="02020603050405020304" pitchFamily="18" charset="0"/>
+                      </a:endParaRPr>
+                    </a:p>
+                  </a:txBody>
+                  <a:tcPr marL="7867" marR="7867" marT="7867" marB="0" anchor="b">
+                    <a:noFill/>
+                  </a:tcPr>
+                </a:tc>
+                <a:tc>
+                  <a:txBody>
+                    <a:bodyPr/>
+                    <a:lstStyle/>
+                    <a:p>
+                      <a:pPr algn="ctr" fontAlgn="b"/>
+                      <a:r>
+                        <a:rPr lang="en-US" sz="2400" u="none" strike="noStrike">
+                          <a:effectLst/>
+                          <a:latin typeface="Times New Roman" panose="02020603050405020304" pitchFamily="18" charset="0"/>
+                          <a:cs typeface="Times New Roman" panose="02020603050405020304" pitchFamily="18" charset="0"/>
+                        </a:rPr>
+                        <a:t>0.665</a:t>
+                      </a:r>
+                      <a:endParaRPr lang="en-US" sz="2400" b="0" i="0" u="none" strike="noStrike">
+                        <a:solidFill>
+                          <a:srgbClr val="000000"/>
+                        </a:solidFill>
+                        <a:effectLst/>
+                        <a:latin typeface="Times New Roman" panose="02020603050405020304" pitchFamily="18" charset="0"/>
+                        <a:cs typeface="Times New Roman" panose="02020603050405020304" pitchFamily="18" charset="0"/>
+                      </a:endParaRPr>
+                    </a:p>
+                  </a:txBody>
+                  <a:tcPr marL="7867" marR="7867" marT="7867" marB="0" anchor="b">
+                    <a:lnR w="12700" cap="flat" cmpd="sng" algn="ctr">
+                      <a:solidFill>
+                        <a:schemeClr val="tx1"/>
+                      </a:solidFill>
+                      <a:prstDash val="solid"/>
+                      <a:round/>
+                      <a:headEnd type="none" w="med" len="med"/>
+                      <a:tailEnd type="none" w="med" len="med"/>
+                    </a:lnR>
+                    <a:noFill/>
+                  </a:tcPr>
+                </a:tc>
+                <a:extLst>
+                  <a:ext uri="{0D108BD9-81ED-4DB2-BD59-A6C34878D82A}">
+                    <a16:rowId xmlns:a16="http://schemas.microsoft.com/office/drawing/2014/main" val="595234006"/>
+                  </a:ext>
+                </a:extLst>
+              </a:tr>
+              <a:tr h="373627">
+                <a:tc>
+                  <a:txBody>
+                    <a:bodyPr/>
+                    <a:lstStyle/>
+                    <a:p>
+                      <a:pPr algn="ctr" fontAlgn="b"/>
+                      <a:r>
+                        <a:rPr lang="en-US" sz="2400" u="none" strike="noStrike" dirty="0">
+                          <a:effectLst/>
+                          <a:latin typeface="Times New Roman" panose="02020603050405020304" pitchFamily="18" charset="0"/>
+                          <a:cs typeface="Times New Roman" panose="02020603050405020304" pitchFamily="18" charset="0"/>
+                        </a:rPr>
+                        <a:t>9</a:t>
+                      </a:r>
+                      <a:endParaRPr lang="en-US" sz="2400" b="0" i="0" u="none" strike="noStrike" dirty="0">
+                        <a:solidFill>
+                          <a:srgbClr val="000000"/>
+                        </a:solidFill>
+                        <a:effectLst/>
+                        <a:latin typeface="Times New Roman" panose="02020603050405020304" pitchFamily="18" charset="0"/>
+                        <a:cs typeface="Times New Roman" panose="02020603050405020304" pitchFamily="18" charset="0"/>
+                      </a:endParaRPr>
+                    </a:p>
+                  </a:txBody>
+                  <a:tcPr marL="7867" marR="7867" marT="7867" marB="0" anchor="b">
+                    <a:lnL w="12700" cap="flat" cmpd="sng" algn="ctr">
+                      <a:solidFill>
+                        <a:schemeClr val="tx1"/>
+                      </a:solidFill>
+                      <a:prstDash val="solid"/>
+                      <a:round/>
+                      <a:headEnd type="none" w="med" len="med"/>
+                      <a:tailEnd type="none" w="med" len="med"/>
+                    </a:lnL>
+                    <a:lnB w="12700" cap="flat" cmpd="sng" algn="ctr">
+                      <a:solidFill>
+                        <a:schemeClr val="tx1"/>
+                      </a:solidFill>
+                      <a:prstDash val="solid"/>
+                      <a:round/>
+                      <a:headEnd type="none" w="med" len="med"/>
+                      <a:tailEnd type="none" w="med" len="med"/>
+                    </a:lnB>
+                    <a:noFill/>
+                  </a:tcPr>
+                </a:tc>
+                <a:tc>
+                  <a:txBody>
+                    <a:bodyPr/>
+                    <a:lstStyle/>
+                    <a:p>
+                      <a:pPr algn="ctr" fontAlgn="b"/>
+                      <a:r>
+                        <a:rPr lang="en-US" sz="2400" u="none" strike="noStrike" dirty="0">
+                          <a:effectLst/>
+                          <a:latin typeface="Times New Roman" panose="02020603050405020304" pitchFamily="18" charset="0"/>
+                          <a:cs typeface="Times New Roman" panose="02020603050405020304" pitchFamily="18" charset="0"/>
+                        </a:rPr>
+                        <a:t>0.324</a:t>
+                      </a:r>
+                      <a:endParaRPr lang="en-US" sz="2400" b="0" i="0" u="none" strike="noStrike" dirty="0">
+                        <a:solidFill>
+                          <a:srgbClr val="000000"/>
+                        </a:solidFill>
+                        <a:effectLst/>
+                        <a:latin typeface="Times New Roman" panose="02020603050405020304" pitchFamily="18" charset="0"/>
+                        <a:cs typeface="Times New Roman" panose="02020603050405020304" pitchFamily="18" charset="0"/>
+                      </a:endParaRPr>
+                    </a:p>
+                  </a:txBody>
+                  <a:tcPr marL="7867" marR="7867" marT="7867" marB="0" anchor="b">
+                    <a:lnB w="12700" cap="flat" cmpd="sng" algn="ctr">
+                      <a:solidFill>
+                        <a:schemeClr val="tx1"/>
+                      </a:solidFill>
+                      <a:prstDash val="solid"/>
+                      <a:round/>
+                      <a:headEnd type="none" w="med" len="med"/>
+                      <a:tailEnd type="none" w="med" len="med"/>
+                    </a:lnB>
+                    <a:noFill/>
+                  </a:tcPr>
+                </a:tc>
+                <a:tc>
+                  <a:txBody>
+                    <a:bodyPr/>
+                    <a:lstStyle/>
+                    <a:p>
+                      <a:pPr algn="ctr" fontAlgn="b"/>
+                      <a:r>
+                        <a:rPr lang="en-US" sz="2400" u="none" strike="noStrike" dirty="0">
+                          <a:effectLst/>
+                          <a:latin typeface="Times New Roman" panose="02020603050405020304" pitchFamily="18" charset="0"/>
+                          <a:cs typeface="Times New Roman" panose="02020603050405020304" pitchFamily="18" charset="0"/>
+                        </a:rPr>
+                        <a:t>0.242</a:t>
+                      </a:r>
+                      <a:endParaRPr lang="en-US" sz="2400" b="0" i="0" u="none" strike="noStrike" dirty="0">
+                        <a:solidFill>
+                          <a:srgbClr val="000000"/>
+                        </a:solidFill>
+                        <a:effectLst/>
+                        <a:latin typeface="Times New Roman" panose="02020603050405020304" pitchFamily="18" charset="0"/>
+                        <a:cs typeface="Times New Roman" panose="02020603050405020304" pitchFamily="18" charset="0"/>
+                      </a:endParaRPr>
+                    </a:p>
+                  </a:txBody>
+                  <a:tcPr marL="7867" marR="7867" marT="7867" marB="0" anchor="b">
+                    <a:lnB w="12700" cap="flat" cmpd="sng" algn="ctr">
+                      <a:solidFill>
+                        <a:schemeClr val="tx1"/>
+                      </a:solidFill>
+                      <a:prstDash val="solid"/>
+                      <a:round/>
+                      <a:headEnd type="none" w="med" len="med"/>
+                      <a:tailEnd type="none" w="med" len="med"/>
+                    </a:lnB>
+                    <a:noFill/>
+                  </a:tcPr>
+                </a:tc>
+                <a:tc>
+                  <a:txBody>
+                    <a:bodyPr/>
+                    <a:lstStyle/>
+                    <a:p>
+                      <a:pPr algn="ctr" fontAlgn="b"/>
+                      <a:r>
+                        <a:rPr lang="en-US" sz="2400" u="none" strike="noStrike">
+                          <a:effectLst/>
+                          <a:latin typeface="Times New Roman" panose="02020603050405020304" pitchFamily="18" charset="0"/>
+                          <a:cs typeface="Times New Roman" panose="02020603050405020304" pitchFamily="18" charset="0"/>
+                        </a:rPr>
+                        <a:t>0.664</a:t>
+                      </a:r>
+                      <a:endParaRPr lang="en-US" sz="2400" b="0" i="0" u="none" strike="noStrike">
+                        <a:solidFill>
+                          <a:srgbClr val="000000"/>
+                        </a:solidFill>
+                        <a:effectLst/>
+                        <a:latin typeface="Times New Roman" panose="02020603050405020304" pitchFamily="18" charset="0"/>
+                        <a:cs typeface="Times New Roman" panose="02020603050405020304" pitchFamily="18" charset="0"/>
+                      </a:endParaRPr>
+                    </a:p>
+                  </a:txBody>
+                  <a:tcPr marL="7867" marR="7867" marT="7867" marB="0" anchor="b">
+                    <a:lnB w="12700" cap="flat" cmpd="sng" algn="ctr">
+                      <a:solidFill>
+                        <a:schemeClr val="tx1"/>
+                      </a:solidFill>
+                      <a:prstDash val="solid"/>
+                      <a:round/>
+                      <a:headEnd type="none" w="med" len="med"/>
+                      <a:tailEnd type="none" w="med" len="med"/>
+                    </a:lnB>
+                    <a:noFill/>
+                  </a:tcPr>
+                </a:tc>
+                <a:tc>
+                  <a:txBody>
+                    <a:bodyPr/>
+                    <a:lstStyle/>
+                    <a:p>
+                      <a:pPr algn="ctr" fontAlgn="b"/>
+                      <a:r>
+                        <a:rPr lang="en-US" sz="2400" u="none" strike="noStrike">
+                          <a:effectLst/>
+                          <a:latin typeface="Times New Roman" panose="02020603050405020304" pitchFamily="18" charset="0"/>
+                          <a:cs typeface="Times New Roman" panose="02020603050405020304" pitchFamily="18" charset="0"/>
+                        </a:rPr>
+                        <a:t>0.355</a:t>
+                      </a:r>
+                      <a:endParaRPr lang="en-US" sz="2400" b="0" i="0" u="none" strike="noStrike">
+                        <a:solidFill>
+                          <a:srgbClr val="000000"/>
+                        </a:solidFill>
+                        <a:effectLst/>
+                        <a:latin typeface="Times New Roman" panose="02020603050405020304" pitchFamily="18" charset="0"/>
+                        <a:cs typeface="Times New Roman" panose="02020603050405020304" pitchFamily="18" charset="0"/>
+                      </a:endParaRPr>
+                    </a:p>
+                  </a:txBody>
+                  <a:tcPr marL="7867" marR="7867" marT="7867" marB="0" anchor="b">
+                    <a:lnB w="12700" cap="flat" cmpd="sng" algn="ctr">
+                      <a:solidFill>
+                        <a:schemeClr val="tx1"/>
+                      </a:solidFill>
+                      <a:prstDash val="solid"/>
+                      <a:round/>
+                      <a:headEnd type="none" w="med" len="med"/>
+                      <a:tailEnd type="none" w="med" len="med"/>
+                    </a:lnB>
+                    <a:noFill/>
+                  </a:tcPr>
+                </a:tc>
+                <a:tc>
+                  <a:txBody>
+                    <a:bodyPr/>
+                    <a:lstStyle/>
+                    <a:p>
+                      <a:pPr algn="ctr" fontAlgn="b"/>
+                      <a:r>
+                        <a:rPr lang="en-US" sz="2400" u="none" strike="noStrike" dirty="0">
+                          <a:effectLst/>
+                          <a:latin typeface="Times New Roman" panose="02020603050405020304" pitchFamily="18" charset="0"/>
+                          <a:cs typeface="Times New Roman" panose="02020603050405020304" pitchFamily="18" charset="0"/>
+                        </a:rPr>
+                        <a:t>0.671</a:t>
+                      </a:r>
+                      <a:endParaRPr lang="en-US" sz="2400" b="0" i="0" u="none" strike="noStrike" dirty="0">
+                        <a:solidFill>
+                          <a:srgbClr val="000000"/>
+                        </a:solidFill>
+                        <a:effectLst/>
+                        <a:latin typeface="Times New Roman" panose="02020603050405020304" pitchFamily="18" charset="0"/>
+                        <a:cs typeface="Times New Roman" panose="02020603050405020304" pitchFamily="18" charset="0"/>
+                      </a:endParaRPr>
+                    </a:p>
+                  </a:txBody>
+                  <a:tcPr marL="7867" marR="7867" marT="7867" marB="0" anchor="b">
+                    <a:lnR w="12700" cap="flat" cmpd="sng" algn="ctr">
+                      <a:solidFill>
+                        <a:schemeClr val="tx1"/>
+                      </a:solidFill>
+                      <a:prstDash val="solid"/>
+                      <a:round/>
+                      <a:headEnd type="none" w="med" len="med"/>
+                      <a:tailEnd type="none" w="med" len="med"/>
+                    </a:lnR>
+                    <a:lnB w="12700" cap="flat" cmpd="sng" algn="ctr">
+                      <a:solidFill>
+                        <a:schemeClr val="tx1"/>
+                      </a:solidFill>
+                      <a:prstDash val="solid"/>
+                      <a:round/>
+                      <a:headEnd type="none" w="med" len="med"/>
+                      <a:tailEnd type="none" w="med" len="med"/>
+                    </a:lnB>
+                    <a:noFill/>
+                  </a:tcPr>
+                </a:tc>
+                <a:extLst>
+                  <a:ext uri="{0D108BD9-81ED-4DB2-BD59-A6C34878D82A}">
+                    <a16:rowId xmlns:a16="http://schemas.microsoft.com/office/drawing/2014/main" val="621049782"/>
+                  </a:ext>
+                </a:extLst>
+              </a:tr>
+            </a:tbl>
+          </a:graphicData>
+        </a:graphic>
+      </p:graphicFrame>
+      <p:graphicFrame>
+        <p:nvGraphicFramePr>
+          <p:cNvPr id="18" name="Table 17"/>
+          <p:cNvGraphicFramePr>
+            <a:graphicFrameLocks noGrp="1"/>
+          </p:cNvGraphicFramePr>
+          <p:nvPr>
+            <p:extLst>
+              <p:ext uri="{D42A27DB-BD31-4B8C-83A1-F6EECF244321}">
+                <p14:modId xmlns:p14="http://schemas.microsoft.com/office/powerpoint/2010/main" val="2576809554"/>
+              </p:ext>
+            </p:extLst>
+          </p:nvPr>
+        </p:nvGraphicFramePr>
+        <p:xfrm>
+          <a:off x="22005549" y="8876655"/>
+          <a:ext cx="8105776" cy="1852615"/>
+        </p:xfrm>
+        <a:graphic>
+          <a:graphicData uri="http://schemas.openxmlformats.org/drawingml/2006/table">
+            <a:tbl>
+              <a:tblPr>
+                <a:tableStyleId>{5C22544A-7EE6-4342-B048-85BDC9FD1C3A}</a:tableStyleId>
+              </a:tblPr>
+              <a:tblGrid>
+                <a:gridCol w="2125293">
+                  <a:extLst>
+                    <a:ext uri="{9D8B030D-6E8A-4147-A177-3AD203B41FA5}">
+                      <a16:colId xmlns:a16="http://schemas.microsoft.com/office/drawing/2014/main" val="3238531499"/>
+                    </a:ext>
+                  </a:extLst>
+                </a:gridCol>
+                <a:gridCol w="1828743">
+                  <a:extLst>
+                    <a:ext uri="{9D8B030D-6E8A-4147-A177-3AD203B41FA5}">
+                      <a16:colId xmlns:a16="http://schemas.microsoft.com/office/drawing/2014/main" val="1490082198"/>
+                    </a:ext>
+                  </a:extLst>
+                </a:gridCol>
+                <a:gridCol w="1581616">
+                  <a:extLst>
+                    <a:ext uri="{9D8B030D-6E8A-4147-A177-3AD203B41FA5}">
+                      <a16:colId xmlns:a16="http://schemas.microsoft.com/office/drawing/2014/main" val="2026830444"/>
+                    </a:ext>
+                  </a:extLst>
+                </a:gridCol>
+                <a:gridCol w="1334487">
+                  <a:extLst>
+                    <a:ext uri="{9D8B030D-6E8A-4147-A177-3AD203B41FA5}">
+                      <a16:colId xmlns:a16="http://schemas.microsoft.com/office/drawing/2014/main" val="4054915668"/>
+                    </a:ext>
+                  </a:extLst>
+                </a:gridCol>
+                <a:gridCol w="1235637">
+                  <a:extLst>
+                    <a:ext uri="{9D8B030D-6E8A-4147-A177-3AD203B41FA5}">
+                      <a16:colId xmlns:a16="http://schemas.microsoft.com/office/drawing/2014/main" val="2271300925"/>
+                    </a:ext>
+                  </a:extLst>
+                </a:gridCol>
+              </a:tblGrid>
+              <a:tr h="370523">
+                <a:tc gridSpan="5">
+                  <a:txBody>
+                    <a:bodyPr/>
+                    <a:lstStyle/>
+                    <a:p>
+                      <a:pPr algn="ctr" fontAlgn="b"/>
+                      <a:r>
+                        <a:rPr lang="en-US" sz="2400" b="1" u="none" strike="noStrike" dirty="0">
+                          <a:effectLst/>
+                          <a:latin typeface="Times New Roman" panose="02020603050405020304" pitchFamily="18" charset="0"/>
+                          <a:cs typeface="Times New Roman" panose="02020603050405020304" pitchFamily="18" charset="0"/>
+                        </a:rPr>
+                        <a:t>Training and Test Metrics</a:t>
+                      </a:r>
+                      <a:endParaRPr lang="en-US" sz="2400" b="1" i="0" u="none" strike="noStrike" dirty="0">
+                        <a:solidFill>
+                          <a:srgbClr val="000000"/>
+                        </a:solidFill>
+                        <a:effectLst/>
+                        <a:latin typeface="Times New Roman" panose="02020603050405020304" pitchFamily="18" charset="0"/>
+                        <a:cs typeface="Times New Roman" panose="02020603050405020304" pitchFamily="18" charset="0"/>
+                      </a:endParaRPr>
+                    </a:p>
+                  </a:txBody>
+                  <a:tcPr marL="4763" marR="4763" marT="4763" marB="0" anchor="b">
+                    <a:lnL w="12700" cap="flat" cmpd="sng" algn="ctr">
+                      <a:solidFill>
+                        <a:schemeClr val="tx1"/>
+                      </a:solidFill>
+                      <a:prstDash val="solid"/>
+                      <a:round/>
+                      <a:headEnd type="none" w="med" len="med"/>
+                      <a:tailEnd type="none" w="med" len="med"/>
+                    </a:lnL>
+                    <a:lnR w="12700" cap="flat" cmpd="sng" algn="ctr">
+                      <a:solidFill>
+                        <a:schemeClr val="tx1"/>
+                      </a:solidFill>
+                      <a:prstDash val="solid"/>
+                      <a:round/>
+                      <a:headEnd type="none" w="med" len="med"/>
+                      <a:tailEnd type="none" w="med" len="med"/>
+                    </a:lnR>
+                    <a:lnT w="12700" cap="flat" cmpd="sng" algn="ctr">
+                      <a:solidFill>
+                        <a:schemeClr val="tx1"/>
+                      </a:solidFill>
+                      <a:prstDash val="solid"/>
+                      <a:round/>
+                      <a:headEnd type="none" w="med" len="med"/>
+                      <a:tailEnd type="none" w="med" len="med"/>
+                    </a:lnT>
+                    <a:lnB w="12700" cap="flat" cmpd="sng" algn="ctr">
+                      <a:solidFill>
+                        <a:schemeClr val="tx1"/>
+                      </a:solidFill>
+                      <a:prstDash val="solid"/>
+                      <a:round/>
+                      <a:headEnd type="none" w="med" len="med"/>
+                      <a:tailEnd type="none" w="med" len="med"/>
+                    </a:lnB>
+                    <a:noFill/>
+                  </a:tcPr>
+                </a:tc>
+                <a:tc hMerge="1">
+                  <a:txBody>
+                    <a:bodyPr/>
+                    <a:lstStyle/>
+                    <a:p>
+                      <a:endParaRPr lang="en-US"/>
+                    </a:p>
+                  </a:txBody>
+                  <a:tcPr/>
+                </a:tc>
+                <a:tc hMerge="1">
+                  <a:txBody>
+                    <a:bodyPr/>
+                    <a:lstStyle/>
+                    <a:p>
+                      <a:endParaRPr lang="en-US"/>
+                    </a:p>
+                  </a:txBody>
+                  <a:tcPr/>
+                </a:tc>
+                <a:tc hMerge="1">
+                  <a:txBody>
+                    <a:bodyPr/>
+                    <a:lstStyle/>
+                    <a:p>
+                      <a:endParaRPr lang="en-US"/>
+                    </a:p>
+                  </a:txBody>
+                  <a:tcPr/>
+                </a:tc>
+                <a:tc hMerge="1">
+                  <a:txBody>
+                    <a:bodyPr/>
+                    <a:lstStyle/>
+                    <a:p>
+                      <a:endParaRPr lang="en-US"/>
+                    </a:p>
+                  </a:txBody>
+                  <a:tcPr/>
+                </a:tc>
+                <a:extLst>
+                  <a:ext uri="{0D108BD9-81ED-4DB2-BD59-A6C34878D82A}">
+                    <a16:rowId xmlns:a16="http://schemas.microsoft.com/office/drawing/2014/main" val="846406030"/>
+                  </a:ext>
+                </a:extLst>
+              </a:tr>
+              <a:tr h="370523">
+                <a:tc>
+                  <a:txBody>
+                    <a:bodyPr/>
+                    <a:lstStyle/>
+                    <a:p>
+                      <a:pPr algn="ctr" fontAlgn="b"/>
+                      <a:endParaRPr lang="en-US" sz="2400" b="0" i="0" u="none" strike="noStrike" dirty="0">
+                        <a:solidFill>
+                          <a:srgbClr val="000000"/>
+                        </a:solidFill>
+                        <a:effectLst/>
+                        <a:latin typeface="Times New Roman" panose="02020603050405020304" pitchFamily="18" charset="0"/>
+                        <a:cs typeface="Times New Roman" panose="02020603050405020304" pitchFamily="18" charset="0"/>
+                      </a:endParaRPr>
+                    </a:p>
+                  </a:txBody>
+                  <a:tcPr marL="4763" marR="4763" marT="4763" marB="0" anchor="b">
+                    <a:lnL w="12700" cap="flat" cmpd="sng" algn="ctr">
+                      <a:solidFill>
+                        <a:schemeClr val="tx1"/>
+                      </a:solidFill>
+                      <a:prstDash val="solid"/>
+                      <a:round/>
+                      <a:headEnd type="none" w="med" len="med"/>
+                      <a:tailEnd type="none" w="med" len="med"/>
+                    </a:lnL>
+                    <a:lnT w="12700" cap="flat" cmpd="sng" algn="ctr">
+                      <a:solidFill>
+                        <a:schemeClr val="tx1"/>
+                      </a:solidFill>
+                      <a:prstDash val="solid"/>
+                      <a:round/>
+                      <a:headEnd type="none" w="med" len="med"/>
+                      <a:tailEnd type="none" w="med" len="med"/>
+                    </a:lnT>
+                    <a:noFill/>
+                  </a:tcPr>
+                </a:tc>
+                <a:tc>
+                  <a:txBody>
+                    <a:bodyPr/>
+                    <a:lstStyle/>
+                    <a:p>
+                      <a:pPr algn="ctr" fontAlgn="b"/>
+                      <a:r>
+                        <a:rPr lang="en-US" sz="2400" u="none" strike="noStrike" dirty="0">
+                          <a:effectLst/>
+                          <a:latin typeface="Times New Roman" panose="02020603050405020304" pitchFamily="18" charset="0"/>
+                          <a:cs typeface="Times New Roman" panose="02020603050405020304" pitchFamily="18" charset="0"/>
+                        </a:rPr>
+                        <a:t>Train Error</a:t>
+                      </a:r>
+                      <a:endParaRPr lang="en-US" sz="2400" b="0" i="0" u="none" strike="noStrike" dirty="0">
+                        <a:solidFill>
+                          <a:srgbClr val="000000"/>
+                        </a:solidFill>
+                        <a:effectLst/>
+                        <a:latin typeface="Times New Roman" panose="02020603050405020304" pitchFamily="18" charset="0"/>
+                        <a:cs typeface="Times New Roman" panose="02020603050405020304" pitchFamily="18" charset="0"/>
+                      </a:endParaRPr>
+                    </a:p>
+                  </a:txBody>
+                  <a:tcPr marL="4763" marR="4763" marT="4763" marB="0" anchor="b">
+                    <a:lnT w="12700" cap="flat" cmpd="sng" algn="ctr">
+                      <a:solidFill>
+                        <a:schemeClr val="tx1"/>
+                      </a:solidFill>
+                      <a:prstDash val="solid"/>
+                      <a:round/>
+                      <a:headEnd type="none" w="med" len="med"/>
+                      <a:tailEnd type="none" w="med" len="med"/>
+                    </a:lnT>
+                    <a:noFill/>
+                  </a:tcPr>
+                </a:tc>
+                <a:tc>
+                  <a:txBody>
+                    <a:bodyPr/>
+                    <a:lstStyle/>
+                    <a:p>
+                      <a:pPr algn="ctr" fontAlgn="b"/>
+                      <a:r>
+                        <a:rPr lang="en-US" sz="2400" u="none" strike="noStrike">
+                          <a:effectLst/>
+                          <a:latin typeface="Times New Roman" panose="02020603050405020304" pitchFamily="18" charset="0"/>
+                          <a:cs typeface="Times New Roman" panose="02020603050405020304" pitchFamily="18" charset="0"/>
+                        </a:rPr>
+                        <a:t>Test Error</a:t>
+                      </a:r>
+                      <a:endParaRPr lang="en-US" sz="2400" b="0" i="0" u="none" strike="noStrike">
+                        <a:solidFill>
+                          <a:srgbClr val="000000"/>
+                        </a:solidFill>
+                        <a:effectLst/>
+                        <a:latin typeface="Times New Roman" panose="02020603050405020304" pitchFamily="18" charset="0"/>
+                        <a:cs typeface="Times New Roman" panose="02020603050405020304" pitchFamily="18" charset="0"/>
+                      </a:endParaRPr>
+                    </a:p>
+                  </a:txBody>
+                  <a:tcPr marL="4763" marR="4763" marT="4763" marB="0" anchor="b">
+                    <a:lnT w="12700" cap="flat" cmpd="sng" algn="ctr">
+                      <a:solidFill>
+                        <a:schemeClr val="tx1"/>
+                      </a:solidFill>
+                      <a:prstDash val="solid"/>
+                      <a:round/>
+                      <a:headEnd type="none" w="med" len="med"/>
+                      <a:tailEnd type="none" w="med" len="med"/>
+                    </a:lnT>
+                    <a:noFill/>
+                  </a:tcPr>
+                </a:tc>
+                <a:tc>
+                  <a:txBody>
+                    <a:bodyPr/>
+                    <a:lstStyle/>
+                    <a:p>
+                      <a:pPr algn="ctr" fontAlgn="b"/>
+                      <a:r>
+                        <a:rPr lang="en-US" sz="2400" u="none" strike="noStrike">
+                          <a:effectLst/>
+                          <a:latin typeface="Times New Roman" panose="02020603050405020304" pitchFamily="18" charset="0"/>
+                          <a:cs typeface="Times New Roman" panose="02020603050405020304" pitchFamily="18" charset="0"/>
+                        </a:rPr>
+                        <a:t>Train F1</a:t>
+                      </a:r>
+                      <a:endParaRPr lang="en-US" sz="2400" b="0" i="0" u="none" strike="noStrike">
+                        <a:solidFill>
+                          <a:srgbClr val="000000"/>
+                        </a:solidFill>
+                        <a:effectLst/>
+                        <a:latin typeface="Times New Roman" panose="02020603050405020304" pitchFamily="18" charset="0"/>
+                        <a:cs typeface="Times New Roman" panose="02020603050405020304" pitchFamily="18" charset="0"/>
+                      </a:endParaRPr>
+                    </a:p>
+                  </a:txBody>
+                  <a:tcPr marL="4763" marR="4763" marT="4763" marB="0" anchor="b">
+                    <a:lnT w="12700" cap="flat" cmpd="sng" algn="ctr">
+                      <a:solidFill>
+                        <a:schemeClr val="tx1"/>
+                      </a:solidFill>
+                      <a:prstDash val="solid"/>
+                      <a:round/>
+                      <a:headEnd type="none" w="med" len="med"/>
+                      <a:tailEnd type="none" w="med" len="med"/>
+                    </a:lnT>
+                    <a:noFill/>
+                  </a:tcPr>
+                </a:tc>
+                <a:tc>
+                  <a:txBody>
+                    <a:bodyPr/>
+                    <a:lstStyle/>
+                    <a:p>
+                      <a:pPr algn="ctr" fontAlgn="b"/>
+                      <a:r>
+                        <a:rPr lang="en-US" sz="2400" u="none" strike="noStrike">
+                          <a:effectLst/>
+                          <a:latin typeface="Times New Roman" panose="02020603050405020304" pitchFamily="18" charset="0"/>
+                          <a:cs typeface="Times New Roman" panose="02020603050405020304" pitchFamily="18" charset="0"/>
+                        </a:rPr>
+                        <a:t>Test F1</a:t>
+                      </a:r>
+                      <a:endParaRPr lang="en-US" sz="2400" b="0" i="0" u="none" strike="noStrike">
+                        <a:solidFill>
+                          <a:srgbClr val="000000"/>
+                        </a:solidFill>
+                        <a:effectLst/>
+                        <a:latin typeface="Times New Roman" panose="02020603050405020304" pitchFamily="18" charset="0"/>
+                        <a:cs typeface="Times New Roman" panose="02020603050405020304" pitchFamily="18" charset="0"/>
+                      </a:endParaRPr>
+                    </a:p>
+                  </a:txBody>
+                  <a:tcPr marL="4763" marR="4763" marT="4763" marB="0" anchor="b">
+                    <a:lnR w="12700" cap="flat" cmpd="sng" algn="ctr">
+                      <a:solidFill>
+                        <a:schemeClr val="tx1"/>
+                      </a:solidFill>
+                      <a:prstDash val="solid"/>
+                      <a:round/>
+                      <a:headEnd type="none" w="med" len="med"/>
+                      <a:tailEnd type="none" w="med" len="med"/>
+                    </a:lnR>
+                    <a:lnT w="12700" cap="flat" cmpd="sng" algn="ctr">
+                      <a:solidFill>
+                        <a:schemeClr val="tx1"/>
+                      </a:solidFill>
+                      <a:prstDash val="solid"/>
+                      <a:round/>
+                      <a:headEnd type="none" w="med" len="med"/>
+                      <a:tailEnd type="none" w="med" len="med"/>
+                    </a:lnT>
+                    <a:noFill/>
+                  </a:tcPr>
+                </a:tc>
+                <a:extLst>
+                  <a:ext uri="{0D108BD9-81ED-4DB2-BD59-A6C34878D82A}">
+                    <a16:rowId xmlns:a16="http://schemas.microsoft.com/office/drawing/2014/main" val="1827639710"/>
+                  </a:ext>
+                </a:extLst>
+              </a:tr>
+              <a:tr h="370523">
+                <a:tc>
+                  <a:txBody>
+                    <a:bodyPr/>
+                    <a:lstStyle/>
+                    <a:p>
+                      <a:pPr algn="ctr" fontAlgn="b"/>
+                      <a:r>
+                        <a:rPr lang="en-US" sz="2400" u="none" strike="noStrike" dirty="0">
+                          <a:effectLst/>
+                          <a:latin typeface="Times New Roman" panose="02020603050405020304" pitchFamily="18" charset="0"/>
+                          <a:cs typeface="Times New Roman" panose="02020603050405020304" pitchFamily="18" charset="0"/>
+                        </a:rPr>
+                        <a:t>Gaussian SVM</a:t>
+                      </a:r>
+                      <a:endParaRPr lang="en-US" sz="2400" b="0" i="0" u="none" strike="noStrike" dirty="0">
+                        <a:solidFill>
+                          <a:srgbClr val="000000"/>
+                        </a:solidFill>
+                        <a:effectLst/>
+                        <a:latin typeface="Times New Roman" panose="02020603050405020304" pitchFamily="18" charset="0"/>
+                        <a:cs typeface="Times New Roman" panose="02020603050405020304" pitchFamily="18" charset="0"/>
+                      </a:endParaRPr>
+                    </a:p>
+                  </a:txBody>
+                  <a:tcPr marL="4763" marR="4763" marT="4763" marB="0" anchor="b">
+                    <a:lnL w="12700" cap="flat" cmpd="sng" algn="ctr">
+                      <a:solidFill>
+                        <a:schemeClr val="tx1"/>
+                      </a:solidFill>
+                      <a:prstDash val="solid"/>
+                      <a:round/>
+                      <a:headEnd type="none" w="med" len="med"/>
+                      <a:tailEnd type="none" w="med" len="med"/>
+                    </a:lnL>
+                    <a:noFill/>
+                  </a:tcPr>
+                </a:tc>
+                <a:tc>
+                  <a:txBody>
+                    <a:bodyPr/>
+                    <a:lstStyle/>
+                    <a:p>
+                      <a:pPr algn="ctr" fontAlgn="b"/>
+                      <a:r>
+                        <a:rPr lang="en-US" sz="2400" u="none" strike="noStrike">
+                          <a:effectLst/>
+                          <a:latin typeface="Times New Roman" panose="02020603050405020304" pitchFamily="18" charset="0"/>
+                          <a:cs typeface="Times New Roman" panose="02020603050405020304" pitchFamily="18" charset="0"/>
+                        </a:rPr>
+                        <a:t>0.242</a:t>
+                      </a:r>
+                      <a:endParaRPr lang="en-US" sz="2400" b="0" i="0" u="none" strike="noStrike">
+                        <a:solidFill>
+                          <a:srgbClr val="000000"/>
+                        </a:solidFill>
+                        <a:effectLst/>
+                        <a:latin typeface="Times New Roman" panose="02020603050405020304" pitchFamily="18" charset="0"/>
+                        <a:cs typeface="Times New Roman" panose="02020603050405020304" pitchFamily="18" charset="0"/>
+                      </a:endParaRPr>
+                    </a:p>
+                  </a:txBody>
+                  <a:tcPr marL="4763" marR="4763" marT="4763" marB="0" anchor="b">
+                    <a:noFill/>
+                  </a:tcPr>
+                </a:tc>
+                <a:tc>
+                  <a:txBody>
+                    <a:bodyPr/>
+                    <a:lstStyle/>
+                    <a:p>
+                      <a:pPr algn="ctr" fontAlgn="b"/>
+                      <a:r>
+                        <a:rPr lang="en-US" sz="2400" u="none" strike="noStrike" dirty="0">
+                          <a:effectLst/>
+                          <a:latin typeface="Times New Roman" panose="02020603050405020304" pitchFamily="18" charset="0"/>
+                          <a:cs typeface="Times New Roman" panose="02020603050405020304" pitchFamily="18" charset="0"/>
+                        </a:rPr>
+                        <a:t>0.362</a:t>
+                      </a:r>
+                      <a:endParaRPr lang="en-US" sz="2400" b="0" i="0" u="none" strike="noStrike" dirty="0">
+                        <a:solidFill>
+                          <a:srgbClr val="000000"/>
+                        </a:solidFill>
+                        <a:effectLst/>
+                        <a:latin typeface="Times New Roman" panose="02020603050405020304" pitchFamily="18" charset="0"/>
+                        <a:cs typeface="Times New Roman" panose="02020603050405020304" pitchFamily="18" charset="0"/>
+                      </a:endParaRPr>
+                    </a:p>
+                  </a:txBody>
+                  <a:tcPr marL="4763" marR="4763" marT="4763" marB="0" anchor="b">
+                    <a:noFill/>
+                  </a:tcPr>
+                </a:tc>
+                <a:tc>
+                  <a:txBody>
+                    <a:bodyPr/>
+                    <a:lstStyle/>
+                    <a:p>
+                      <a:pPr algn="ctr" fontAlgn="b"/>
+                      <a:r>
+                        <a:rPr lang="en-US" sz="2400" u="none" strike="noStrike">
+                          <a:effectLst/>
+                          <a:latin typeface="Times New Roman" panose="02020603050405020304" pitchFamily="18" charset="0"/>
+                          <a:cs typeface="Times New Roman" panose="02020603050405020304" pitchFamily="18" charset="0"/>
+                        </a:rPr>
+                        <a:t>0.491</a:t>
+                      </a:r>
+                      <a:endParaRPr lang="en-US" sz="2400" b="0" i="0" u="none" strike="noStrike">
+                        <a:solidFill>
+                          <a:srgbClr val="000000"/>
+                        </a:solidFill>
+                        <a:effectLst/>
+                        <a:latin typeface="Times New Roman" panose="02020603050405020304" pitchFamily="18" charset="0"/>
+                        <a:cs typeface="Times New Roman" panose="02020603050405020304" pitchFamily="18" charset="0"/>
+                      </a:endParaRPr>
+                    </a:p>
+                  </a:txBody>
+                  <a:tcPr marL="4763" marR="4763" marT="4763" marB="0" anchor="b">
+                    <a:noFill/>
+                  </a:tcPr>
+                </a:tc>
+                <a:tc>
+                  <a:txBody>
+                    <a:bodyPr/>
+                    <a:lstStyle/>
+                    <a:p>
+                      <a:pPr algn="ctr" fontAlgn="b"/>
+                      <a:r>
+                        <a:rPr lang="en-US" sz="2400" u="none" strike="noStrike">
+                          <a:effectLst/>
+                          <a:latin typeface="Times New Roman" panose="02020603050405020304" pitchFamily="18" charset="0"/>
+                          <a:cs typeface="Times New Roman" panose="02020603050405020304" pitchFamily="18" charset="0"/>
+                        </a:rPr>
+                        <a:t>0.357</a:t>
+                      </a:r>
+                      <a:endParaRPr lang="en-US" sz="2400" b="0" i="0" u="none" strike="noStrike">
+                        <a:solidFill>
+                          <a:srgbClr val="000000"/>
+                        </a:solidFill>
+                        <a:effectLst/>
+                        <a:latin typeface="Times New Roman" panose="02020603050405020304" pitchFamily="18" charset="0"/>
+                        <a:cs typeface="Times New Roman" panose="02020603050405020304" pitchFamily="18" charset="0"/>
+                      </a:endParaRPr>
+                    </a:p>
+                  </a:txBody>
+                  <a:tcPr marL="4763" marR="4763" marT="4763" marB="0" anchor="b">
+                    <a:lnR w="12700" cap="flat" cmpd="sng" algn="ctr">
+                      <a:solidFill>
+                        <a:schemeClr val="tx1"/>
+                      </a:solidFill>
+                      <a:prstDash val="solid"/>
+                      <a:round/>
+                      <a:headEnd type="none" w="med" len="med"/>
+                      <a:tailEnd type="none" w="med" len="med"/>
+                    </a:lnR>
+                    <a:noFill/>
+                  </a:tcPr>
+                </a:tc>
+                <a:extLst>
+                  <a:ext uri="{0D108BD9-81ED-4DB2-BD59-A6C34878D82A}">
+                    <a16:rowId xmlns:a16="http://schemas.microsoft.com/office/drawing/2014/main" val="2120981341"/>
+                  </a:ext>
+                </a:extLst>
+              </a:tr>
+              <a:tr h="370523">
+                <a:tc>
+                  <a:txBody>
+                    <a:bodyPr/>
+                    <a:lstStyle/>
+                    <a:p>
+                      <a:pPr algn="ctr" fontAlgn="b"/>
+                      <a:r>
+                        <a:rPr lang="en-US" sz="2400" u="none" strike="noStrike">
+                          <a:effectLst/>
+                          <a:latin typeface="Times New Roman" panose="02020603050405020304" pitchFamily="18" charset="0"/>
+                          <a:cs typeface="Times New Roman" panose="02020603050405020304" pitchFamily="18" charset="0"/>
+                        </a:rPr>
+                        <a:t>AdaBoosting</a:t>
+                      </a:r>
+                      <a:endParaRPr lang="en-US" sz="2400" b="0" i="0" u="none" strike="noStrike">
+                        <a:solidFill>
+                          <a:srgbClr val="000000"/>
+                        </a:solidFill>
+                        <a:effectLst/>
+                        <a:latin typeface="Times New Roman" panose="02020603050405020304" pitchFamily="18" charset="0"/>
+                        <a:cs typeface="Times New Roman" panose="02020603050405020304" pitchFamily="18" charset="0"/>
+                      </a:endParaRPr>
+                    </a:p>
+                  </a:txBody>
+                  <a:tcPr marL="4763" marR="4763" marT="4763" marB="0" anchor="b">
+                    <a:lnL w="12700" cap="flat" cmpd="sng" algn="ctr">
+                      <a:solidFill>
+                        <a:schemeClr val="tx1"/>
+                      </a:solidFill>
+                      <a:prstDash val="solid"/>
+                      <a:round/>
+                      <a:headEnd type="none" w="med" len="med"/>
+                      <a:tailEnd type="none" w="med" len="med"/>
+                    </a:lnL>
+                    <a:noFill/>
+                  </a:tcPr>
+                </a:tc>
+                <a:tc>
+                  <a:txBody>
+                    <a:bodyPr/>
+                    <a:lstStyle/>
+                    <a:p>
+                      <a:pPr algn="ctr" fontAlgn="b"/>
+                      <a:r>
+                        <a:rPr lang="en-US" sz="2400" u="none" strike="noStrike">
+                          <a:effectLst/>
+                          <a:latin typeface="Times New Roman" panose="02020603050405020304" pitchFamily="18" charset="0"/>
+                          <a:cs typeface="Times New Roman" panose="02020603050405020304" pitchFamily="18" charset="0"/>
+                        </a:rPr>
+                        <a:t>0.313</a:t>
+                      </a:r>
+                      <a:endParaRPr lang="en-US" sz="2400" b="0" i="0" u="none" strike="noStrike">
+                        <a:solidFill>
+                          <a:srgbClr val="000000"/>
+                        </a:solidFill>
+                        <a:effectLst/>
+                        <a:latin typeface="Times New Roman" panose="02020603050405020304" pitchFamily="18" charset="0"/>
+                        <a:cs typeface="Times New Roman" panose="02020603050405020304" pitchFamily="18" charset="0"/>
+                      </a:endParaRPr>
+                    </a:p>
+                  </a:txBody>
+                  <a:tcPr marL="4763" marR="4763" marT="4763" marB="0" anchor="b">
+                    <a:noFill/>
+                  </a:tcPr>
+                </a:tc>
+                <a:tc>
+                  <a:txBody>
+                    <a:bodyPr/>
+                    <a:lstStyle/>
+                    <a:p>
+                      <a:pPr algn="ctr" fontAlgn="b"/>
+                      <a:r>
+                        <a:rPr lang="en-US" sz="2400" u="none" strike="noStrike" dirty="0">
+                          <a:effectLst/>
+                          <a:latin typeface="Times New Roman" panose="02020603050405020304" pitchFamily="18" charset="0"/>
+                          <a:cs typeface="Times New Roman" panose="02020603050405020304" pitchFamily="18" charset="0"/>
+                        </a:rPr>
+                        <a:t>0.355</a:t>
+                      </a:r>
+                      <a:endParaRPr lang="en-US" sz="2400" b="0" i="0" u="none" strike="noStrike" dirty="0">
+                        <a:solidFill>
+                          <a:srgbClr val="000000"/>
+                        </a:solidFill>
+                        <a:effectLst/>
+                        <a:latin typeface="Times New Roman" panose="02020603050405020304" pitchFamily="18" charset="0"/>
+                        <a:cs typeface="Times New Roman" panose="02020603050405020304" pitchFamily="18" charset="0"/>
+                      </a:endParaRPr>
+                    </a:p>
+                  </a:txBody>
+                  <a:tcPr marL="4763" marR="4763" marT="4763" marB="0" anchor="b">
+                    <a:noFill/>
+                  </a:tcPr>
+                </a:tc>
+                <a:tc>
+                  <a:txBody>
+                    <a:bodyPr/>
+                    <a:lstStyle/>
+                    <a:p>
+                      <a:pPr algn="ctr" fontAlgn="b"/>
+                      <a:r>
+                        <a:rPr lang="en-US" sz="2400" u="none" strike="noStrike">
+                          <a:effectLst/>
+                          <a:latin typeface="Times New Roman" panose="02020603050405020304" pitchFamily="18" charset="0"/>
+                          <a:cs typeface="Times New Roman" panose="02020603050405020304" pitchFamily="18" charset="0"/>
+                        </a:rPr>
+                        <a:t>0.381</a:t>
+                      </a:r>
+                      <a:endParaRPr lang="en-US" sz="2400" b="0" i="0" u="none" strike="noStrike">
+                        <a:solidFill>
+                          <a:srgbClr val="000000"/>
+                        </a:solidFill>
+                        <a:effectLst/>
+                        <a:latin typeface="Times New Roman" panose="02020603050405020304" pitchFamily="18" charset="0"/>
+                        <a:cs typeface="Times New Roman" panose="02020603050405020304" pitchFamily="18" charset="0"/>
+                      </a:endParaRPr>
+                    </a:p>
+                  </a:txBody>
+                  <a:tcPr marL="4763" marR="4763" marT="4763" marB="0" anchor="b">
+                    <a:noFill/>
+                  </a:tcPr>
+                </a:tc>
+                <a:tc>
+                  <a:txBody>
+                    <a:bodyPr/>
+                    <a:lstStyle/>
+                    <a:p>
+                      <a:pPr algn="ctr" fontAlgn="b"/>
+                      <a:r>
+                        <a:rPr lang="en-US" sz="2400" u="none" strike="noStrike">
+                          <a:effectLst/>
+                          <a:latin typeface="Times New Roman" panose="02020603050405020304" pitchFamily="18" charset="0"/>
+                          <a:cs typeface="Times New Roman" panose="02020603050405020304" pitchFamily="18" charset="0"/>
+                        </a:rPr>
+                        <a:t>0.3312</a:t>
+                      </a:r>
+                      <a:endParaRPr lang="en-US" sz="2400" b="0" i="0" u="none" strike="noStrike">
+                        <a:solidFill>
+                          <a:srgbClr val="000000"/>
+                        </a:solidFill>
+                        <a:effectLst/>
+                        <a:latin typeface="Times New Roman" panose="02020603050405020304" pitchFamily="18" charset="0"/>
+                        <a:cs typeface="Times New Roman" panose="02020603050405020304" pitchFamily="18" charset="0"/>
+                      </a:endParaRPr>
+                    </a:p>
+                  </a:txBody>
+                  <a:tcPr marL="4763" marR="4763" marT="4763" marB="0" anchor="b">
+                    <a:lnR w="12700" cap="flat" cmpd="sng" algn="ctr">
+                      <a:solidFill>
+                        <a:schemeClr val="tx1"/>
+                      </a:solidFill>
+                      <a:prstDash val="solid"/>
+                      <a:round/>
+                      <a:headEnd type="none" w="med" len="med"/>
+                      <a:tailEnd type="none" w="med" len="med"/>
+                    </a:lnR>
+                    <a:noFill/>
+                  </a:tcPr>
+                </a:tc>
+                <a:extLst>
+                  <a:ext uri="{0D108BD9-81ED-4DB2-BD59-A6C34878D82A}">
+                    <a16:rowId xmlns:a16="http://schemas.microsoft.com/office/drawing/2014/main" val="1265985375"/>
+                  </a:ext>
+                </a:extLst>
+              </a:tr>
+              <a:tr h="370523">
+                <a:tc>
+                  <a:txBody>
+                    <a:bodyPr/>
+                    <a:lstStyle/>
+                    <a:p>
+                      <a:pPr algn="ctr" fontAlgn="b"/>
+                      <a:r>
+                        <a:rPr lang="en-US" sz="2400" u="none" strike="noStrike" dirty="0">
+                          <a:effectLst/>
+                          <a:latin typeface="Times New Roman" panose="02020603050405020304" pitchFamily="18" charset="0"/>
+                          <a:cs typeface="Times New Roman" panose="02020603050405020304" pitchFamily="18" charset="0"/>
+                        </a:rPr>
+                        <a:t>Random Forest</a:t>
+                      </a:r>
+                      <a:endParaRPr lang="en-US" sz="2400" b="0" i="0" u="none" strike="noStrike" dirty="0">
+                        <a:solidFill>
+                          <a:srgbClr val="000000"/>
+                        </a:solidFill>
+                        <a:effectLst/>
+                        <a:latin typeface="Times New Roman" panose="02020603050405020304" pitchFamily="18" charset="0"/>
+                        <a:cs typeface="Times New Roman" panose="02020603050405020304" pitchFamily="18" charset="0"/>
+                      </a:endParaRPr>
+                    </a:p>
+                  </a:txBody>
+                  <a:tcPr marL="4763" marR="4763" marT="4763" marB="0" anchor="b">
+                    <a:lnL w="12700" cap="flat" cmpd="sng" algn="ctr">
+                      <a:solidFill>
+                        <a:schemeClr val="tx1"/>
+                      </a:solidFill>
+                      <a:prstDash val="solid"/>
+                      <a:round/>
+                      <a:headEnd type="none" w="med" len="med"/>
+                      <a:tailEnd type="none" w="med" len="med"/>
+                    </a:lnL>
+                    <a:lnB w="12700" cap="flat" cmpd="sng" algn="ctr">
+                      <a:solidFill>
+                        <a:schemeClr val="tx1"/>
+                      </a:solidFill>
+                      <a:prstDash val="solid"/>
+                      <a:round/>
+                      <a:headEnd type="none" w="med" len="med"/>
+                      <a:tailEnd type="none" w="med" len="med"/>
+                    </a:lnB>
+                    <a:noFill/>
+                  </a:tcPr>
+                </a:tc>
+                <a:tc>
+                  <a:txBody>
+                    <a:bodyPr/>
+                    <a:lstStyle/>
+                    <a:p>
+                      <a:pPr algn="ctr" fontAlgn="b"/>
+                      <a:r>
+                        <a:rPr lang="en-US" sz="2400" u="none" strike="noStrike">
+                          <a:effectLst/>
+                          <a:latin typeface="Times New Roman" panose="02020603050405020304" pitchFamily="18" charset="0"/>
+                          <a:cs typeface="Times New Roman" panose="02020603050405020304" pitchFamily="18" charset="0"/>
+                        </a:rPr>
+                        <a:t>0.019</a:t>
+                      </a:r>
+                      <a:endParaRPr lang="en-US" sz="2400" b="0" i="0" u="none" strike="noStrike">
+                        <a:solidFill>
+                          <a:srgbClr val="000000"/>
+                        </a:solidFill>
+                        <a:effectLst/>
+                        <a:latin typeface="Times New Roman" panose="02020603050405020304" pitchFamily="18" charset="0"/>
+                        <a:cs typeface="Times New Roman" panose="02020603050405020304" pitchFamily="18" charset="0"/>
+                      </a:endParaRPr>
+                    </a:p>
+                  </a:txBody>
+                  <a:tcPr marL="4763" marR="4763" marT="4763" marB="0" anchor="b">
+                    <a:lnB w="12700" cap="flat" cmpd="sng" algn="ctr">
+                      <a:solidFill>
+                        <a:schemeClr val="tx1"/>
+                      </a:solidFill>
+                      <a:prstDash val="solid"/>
+                      <a:round/>
+                      <a:headEnd type="none" w="med" len="med"/>
+                      <a:tailEnd type="none" w="med" len="med"/>
+                    </a:lnB>
+                    <a:noFill/>
+                  </a:tcPr>
+                </a:tc>
+                <a:tc>
+                  <a:txBody>
+                    <a:bodyPr/>
+                    <a:lstStyle/>
+                    <a:p>
+                      <a:pPr algn="ctr" fontAlgn="b"/>
+                      <a:r>
+                        <a:rPr lang="en-US" sz="2400" u="none" strike="noStrike" dirty="0">
+                          <a:effectLst/>
+                          <a:latin typeface="Times New Roman" panose="02020603050405020304" pitchFamily="18" charset="0"/>
+                          <a:cs typeface="Times New Roman" panose="02020603050405020304" pitchFamily="18" charset="0"/>
+                        </a:rPr>
+                        <a:t>0.145</a:t>
+                      </a:r>
+                      <a:endParaRPr lang="en-US" sz="2400" b="0" i="0" u="none" strike="noStrike" dirty="0">
+                        <a:solidFill>
+                          <a:srgbClr val="000000"/>
+                        </a:solidFill>
+                        <a:effectLst/>
+                        <a:latin typeface="Times New Roman" panose="02020603050405020304" pitchFamily="18" charset="0"/>
+                        <a:cs typeface="Times New Roman" panose="02020603050405020304" pitchFamily="18" charset="0"/>
+                      </a:endParaRPr>
+                    </a:p>
+                  </a:txBody>
+                  <a:tcPr marL="4763" marR="4763" marT="4763" marB="0" anchor="b">
+                    <a:lnB w="12700" cap="flat" cmpd="sng" algn="ctr">
+                      <a:solidFill>
+                        <a:schemeClr val="tx1"/>
+                      </a:solidFill>
+                      <a:prstDash val="solid"/>
+                      <a:round/>
+                      <a:headEnd type="none" w="med" len="med"/>
+                      <a:tailEnd type="none" w="med" len="med"/>
+                    </a:lnB>
+                    <a:noFill/>
+                  </a:tcPr>
+                </a:tc>
+                <a:tc>
+                  <a:txBody>
+                    <a:bodyPr/>
+                    <a:lstStyle/>
+                    <a:p>
+                      <a:pPr algn="ctr" fontAlgn="b"/>
+                      <a:r>
+                        <a:rPr lang="en-US" sz="2400" u="none" strike="noStrike">
+                          <a:effectLst/>
+                          <a:latin typeface="Times New Roman" panose="02020603050405020304" pitchFamily="18" charset="0"/>
+                          <a:cs typeface="Times New Roman" panose="02020603050405020304" pitchFamily="18" charset="0"/>
+                        </a:rPr>
+                        <a:t>0.925</a:t>
+                      </a:r>
+                      <a:endParaRPr lang="en-US" sz="2400" b="0" i="0" u="none" strike="noStrike">
+                        <a:solidFill>
+                          <a:srgbClr val="000000"/>
+                        </a:solidFill>
+                        <a:effectLst/>
+                        <a:latin typeface="Times New Roman" panose="02020603050405020304" pitchFamily="18" charset="0"/>
+                        <a:cs typeface="Times New Roman" panose="02020603050405020304" pitchFamily="18" charset="0"/>
+                      </a:endParaRPr>
+                    </a:p>
+                  </a:txBody>
+                  <a:tcPr marL="4763" marR="4763" marT="4763" marB="0" anchor="b">
+                    <a:lnB w="12700" cap="flat" cmpd="sng" algn="ctr">
+                      <a:solidFill>
+                        <a:schemeClr val="tx1"/>
+                      </a:solidFill>
+                      <a:prstDash val="solid"/>
+                      <a:round/>
+                      <a:headEnd type="none" w="med" len="med"/>
+                      <a:tailEnd type="none" w="med" len="med"/>
+                    </a:lnB>
+                    <a:noFill/>
+                  </a:tcPr>
+                </a:tc>
+                <a:tc>
+                  <a:txBody>
+                    <a:bodyPr/>
+                    <a:lstStyle/>
+                    <a:p>
+                      <a:pPr algn="ctr" fontAlgn="b"/>
+                      <a:r>
+                        <a:rPr lang="en-US" sz="2400" u="none" strike="noStrike" dirty="0">
+                          <a:effectLst/>
+                          <a:latin typeface="Times New Roman" panose="02020603050405020304" pitchFamily="18" charset="0"/>
+                          <a:cs typeface="Times New Roman" panose="02020603050405020304" pitchFamily="18" charset="0"/>
+                        </a:rPr>
+                        <a:t>0.229</a:t>
+                      </a:r>
+                      <a:endParaRPr lang="en-US" sz="2400" b="0" i="0" u="none" strike="noStrike" dirty="0">
+                        <a:solidFill>
+                          <a:srgbClr val="000000"/>
+                        </a:solidFill>
+                        <a:effectLst/>
+                        <a:latin typeface="Times New Roman" panose="02020603050405020304" pitchFamily="18" charset="0"/>
+                        <a:cs typeface="Times New Roman" panose="02020603050405020304" pitchFamily="18" charset="0"/>
+                      </a:endParaRPr>
+                    </a:p>
+                  </a:txBody>
+                  <a:tcPr marL="4763" marR="4763" marT="4763" marB="0" anchor="b">
+                    <a:lnR w="12700" cap="flat" cmpd="sng" algn="ctr">
+                      <a:solidFill>
+                        <a:schemeClr val="tx1"/>
+                      </a:solidFill>
+                      <a:prstDash val="solid"/>
+                      <a:round/>
+                      <a:headEnd type="none" w="med" len="med"/>
+                      <a:tailEnd type="none" w="med" len="med"/>
+                    </a:lnR>
+                    <a:lnB w="12700" cap="flat" cmpd="sng" algn="ctr">
+                      <a:solidFill>
+                        <a:schemeClr val="tx1"/>
+                      </a:solidFill>
+                      <a:prstDash val="solid"/>
+                      <a:round/>
+                      <a:headEnd type="none" w="med" len="med"/>
+                      <a:tailEnd type="none" w="med" len="med"/>
+                    </a:lnB>
+                    <a:noFill/>
+                  </a:tcPr>
+                </a:tc>
+                <a:extLst>
+                  <a:ext uri="{0D108BD9-81ED-4DB2-BD59-A6C34878D82A}">
+                    <a16:rowId xmlns:a16="http://schemas.microsoft.com/office/drawing/2014/main" val="3555231751"/>
+                  </a:ext>
+                </a:extLst>
+              </a:tr>
+            </a:tbl>
+          </a:graphicData>
+        </a:graphic>
+      </p:graphicFrame>
     </p:spTree>
   </p:cSld>
   <p:clrMapOvr>

--- a/Poster/CS229_poster.pptx
+++ b/Poster/CS229_poster.pptx
@@ -4573,14 +4573,14 @@
           <p:nvPr>
             <p:extLst>
               <p:ext uri="{D42A27DB-BD31-4B8C-83A1-F6EECF244321}">
-                <p14:modId xmlns:p14="http://schemas.microsoft.com/office/powerpoint/2010/main" val="1035461994"/>
+                <p14:modId xmlns:p14="http://schemas.microsoft.com/office/powerpoint/2010/main" val="3169794184"/>
               </p:ext>
             </p:extLst>
           </p:nvPr>
         </p:nvGraphicFramePr>
         <p:xfrm>
           <a:off x="419100" y="16063842"/>
-          <a:ext cx="9525000" cy="5455920"/>
+          <a:ext cx="9525000" cy="5468850"/>
         </p:xfrm>
         <a:graphic>
           <a:graphicData uri="http://schemas.openxmlformats.org/drawingml/2006/table">
@@ -4604,7 +4604,7 @@
                   </a:extLst>
                 </a:gridCol>
               </a:tblGrid>
-              <a:tr h="701040">
+              <a:tr h="702701">
                 <a:tc>
                   <a:txBody>
                     <a:bodyPr/>
@@ -4658,7 +4658,7 @@
                   </a:ext>
                 </a:extLst>
               </a:tr>
-              <a:tr h="4754880">
+              <a:tr h="4766149">
                 <a:tc>
                   <a:txBody>
                     <a:bodyPr/>
@@ -4974,8 +4974,8 @@
         </p:blipFill>
         <p:spPr>
           <a:xfrm>
-            <a:off x="2781300" y="8901040"/>
-            <a:ext cx="4800600" cy="2590800"/>
+            <a:off x="2456180" y="8589821"/>
+            <a:ext cx="5274581" cy="2846599"/>
           </a:xfrm>
           <a:prstGeom prst="rect">
             <a:avLst/>
@@ -5635,7 +5635,7 @@
                         <a:buFont typeface="Arial" panose="020B0604020202020204" pitchFamily="34" charset="0"/>
                         <a:buNone/>
                       </a:pPr>
-                      <a:endParaRPr lang="en-US" sz="3000" baseline="0">
+                      <a:endParaRPr lang="en-US" sz="3000" baseline="0" dirty="0">
                         <a:solidFill>
                           <a:schemeClr val="tx1"/>
                         </a:solidFill>
@@ -5726,14 +5726,14 @@
           <p:nvPr>
             <p:extLst>
               <p:ext uri="{D42A27DB-BD31-4B8C-83A1-F6EECF244321}">
-                <p14:modId xmlns:p14="http://schemas.microsoft.com/office/powerpoint/2010/main" val="3658330345"/>
+                <p14:modId xmlns:p14="http://schemas.microsoft.com/office/powerpoint/2010/main" val="3489569964"/>
               </p:ext>
             </p:extLst>
           </p:nvPr>
         </p:nvGraphicFramePr>
         <p:xfrm>
-          <a:off x="10210425" y="9982665"/>
-          <a:ext cx="9701259" cy="11490960"/>
+          <a:off x="10210425" y="9982664"/>
+          <a:ext cx="9701259" cy="11550028"/>
         </p:xfrm>
         <a:graphic>
           <a:graphicData uri="http://schemas.openxmlformats.org/drawingml/2006/table">
@@ -5757,7 +5757,7 @@
                   </a:extLst>
                 </a:gridCol>
               </a:tblGrid>
-              <a:tr h="640080">
+              <a:tr h="643370">
                 <a:tc>
                   <a:txBody>
                     <a:bodyPr/>
@@ -5811,7 +5811,7 @@
                   </a:ext>
                 </a:extLst>
               </a:tr>
-              <a:tr h="10850880">
+              <a:tr h="10906658">
                 <a:tc>
                   <a:txBody>
                     <a:bodyPr/>
@@ -5918,10 +5918,6 @@
                         </a:rPr>
                         <a:t>Gaussian SVM: male/female hybrid scores, male/female genetic diversity, female age, male/female rank, males present, females present.</a:t>
                       </a:r>
-                      <a:endParaRPr lang="en-US" sz="3000" dirty="0">
-                        <a:latin typeface="Times New Roman" panose="02020603050405020304" pitchFamily="18" charset="0"/>
-                        <a:cs typeface="Times New Roman" panose="02020603050405020304" pitchFamily="18" charset="0"/>
-                      </a:endParaRPr>
                     </a:p>
                     <a:p>
                       <a:pPr marL="457200" indent="-457200">
@@ -6258,14 +6254,14 @@
           <p:nvPr>
             <p:extLst>
               <p:ext uri="{D42A27DB-BD31-4B8C-83A1-F6EECF244321}">
-                <p14:modId xmlns:p14="http://schemas.microsoft.com/office/powerpoint/2010/main" val="1996035649"/>
+                <p14:modId xmlns:p14="http://schemas.microsoft.com/office/powerpoint/2010/main" val="2310318775"/>
               </p:ext>
             </p:extLst>
           </p:nvPr>
         </p:nvGraphicFramePr>
         <p:xfrm>
           <a:off x="20178009" y="19188042"/>
-          <a:ext cx="12511789" cy="2517938"/>
+          <a:ext cx="12511789" cy="2344650"/>
         </p:xfrm>
         <a:graphic>
           <a:graphicData uri="http://schemas.openxmlformats.org/drawingml/2006/table">
@@ -6343,7 +6339,7 @@
                   </a:ext>
                 </a:extLst>
               </a:tr>
-              <a:tr h="1877858">
+              <a:tr h="1704570">
                 <a:tc>
                   <a:txBody>
                     <a:bodyPr/>
@@ -6977,13 +6973,13 @@
           <p:nvPr>
             <p:extLst>
               <p:ext uri="{D42A27DB-BD31-4B8C-83A1-F6EECF244321}">
-                <p14:modId xmlns:p14="http://schemas.microsoft.com/office/powerpoint/2010/main" val="864440234"/>
+                <p14:modId xmlns:p14="http://schemas.microsoft.com/office/powerpoint/2010/main" val="2201531823"/>
               </p:ext>
             </p:extLst>
           </p:nvPr>
         </p:nvGraphicFramePr>
         <p:xfrm>
-          <a:off x="22005549" y="11003645"/>
+          <a:off x="22068571" y="12036717"/>
           <a:ext cx="8105776" cy="1566747"/>
         </p:xfrm>
         <a:graphic>
@@ -7214,7 +7210,9 @@
                       <a:headEnd type="none" w="med" len="med"/>
                       <a:tailEnd type="none" w="med" len="med"/>
                     </a:lnB>
-                    <a:noFill/>
+                    <a:solidFill>
+                      <a:srgbClr val="92D050"/>
+                    </a:solidFill>
                   </a:tcPr>
                 </a:tc>
                 <a:tc>
@@ -7269,7 +7267,9 @@
                       <a:headEnd type="none" w="med" len="med"/>
                       <a:tailEnd type="none" w="med" len="med"/>
                     </a:lnB>
-                    <a:noFill/>
+                    <a:solidFill>
+                      <a:srgbClr val="92D050"/>
+                    </a:solidFill>
                   </a:tcPr>
                 </a:tc>
                 <a:extLst>
@@ -7287,6 +7287,9 @@
                       <a:pPr algn="ctr" fontAlgn="b"/>
                       <a:r>
                         <a:rPr lang="en-US" sz="2400" u="none" strike="noStrike" dirty="0">
+                          <a:solidFill>
+                            <a:schemeClr val="bg1"/>
+                          </a:solidFill>
                           <a:effectLst/>
                           <a:latin typeface="Times New Roman" panose="02020603050405020304" pitchFamily="18" charset="0"/>
                           <a:cs typeface="Times New Roman" panose="02020603050405020304" pitchFamily="18" charset="0"/>
@@ -7295,7 +7298,7 @@
                       </a:r>
                       <a:endParaRPr lang="en-US" sz="2400" b="0" i="0" u="none" strike="noStrike" dirty="0">
                         <a:solidFill>
-                          <a:srgbClr val="000000"/>
+                          <a:schemeClr val="bg1"/>
                         </a:solidFill>
                         <a:effectLst/>
                         <a:latin typeface="Times New Roman" panose="02020603050405020304" pitchFamily="18" charset="0"/>
@@ -7322,7 +7325,9 @@
                       <a:headEnd type="none" w="med" len="med"/>
                       <a:tailEnd type="none" w="med" len="med"/>
                     </a:lnR>
-                    <a:noFill/>
+                    <a:solidFill>
+                      <a:srgbClr val="0070C0"/>
+                    </a:solidFill>
                   </a:tcPr>
                 </a:tc>
                 <a:tc>
@@ -7386,7 +7391,12 @@
                       <a:headEnd type="none" w="med" len="med"/>
                       <a:tailEnd type="none" w="med" len="med"/>
                     </a:lnB>
-                    <a:noFill/>
+                    <a:solidFill>
+                      <a:schemeClr val="tx2">
+                        <a:lumMod val="20000"/>
+                        <a:lumOff val="80000"/>
+                      </a:schemeClr>
+                    </a:solidFill>
                   </a:tcPr>
                 </a:tc>
                 <a:tc>
@@ -7450,7 +7460,12 @@
                       <a:headEnd type="none" w="med" len="med"/>
                       <a:tailEnd type="none" w="med" len="med"/>
                     </a:lnB>
-                    <a:noFill/>
+                    <a:solidFill>
+                      <a:schemeClr val="tx2">
+                        <a:lumMod val="20000"/>
+                        <a:lumOff val="80000"/>
+                      </a:schemeClr>
+                    </a:solidFill>
                   </a:tcPr>
                 </a:tc>
                 <a:extLst>
@@ -7468,6 +7483,9 @@
                       <a:pPr algn="ctr" fontAlgn="b"/>
                       <a:r>
                         <a:rPr lang="en-US" sz="2400" u="none" strike="noStrike" dirty="0">
+                          <a:solidFill>
+                            <a:schemeClr val="bg1"/>
+                          </a:solidFill>
                           <a:effectLst/>
                           <a:latin typeface="Times New Roman" panose="02020603050405020304" pitchFamily="18" charset="0"/>
                           <a:cs typeface="Times New Roman" panose="02020603050405020304" pitchFamily="18" charset="0"/>
@@ -7476,7 +7494,7 @@
                       </a:r>
                       <a:endParaRPr lang="en-US" sz="2400" b="0" i="0" u="none" strike="noStrike" dirty="0">
                         <a:solidFill>
-                          <a:srgbClr val="000000"/>
+                          <a:schemeClr val="bg1"/>
                         </a:solidFill>
                         <a:effectLst/>
                         <a:latin typeface="Times New Roman" panose="02020603050405020304" pitchFamily="18" charset="0"/>
@@ -7512,7 +7530,9 @@
                       <a:headEnd type="none" w="med" len="med"/>
                       <a:tailEnd type="none" w="med" len="med"/>
                     </a:lnB>
-                    <a:noFill/>
+                    <a:solidFill>
+                      <a:srgbClr val="0070C0"/>
+                    </a:solidFill>
                   </a:tcPr>
                 </a:tc>
                 <a:tc>
@@ -7576,7 +7596,12 @@
                       <a:headEnd type="none" w="med" len="med"/>
                       <a:tailEnd type="none" w="med" len="med"/>
                     </a:lnB>
-                    <a:noFill/>
+                    <a:solidFill>
+                      <a:schemeClr val="tx2">
+                        <a:lumMod val="20000"/>
+                        <a:lumOff val="80000"/>
+                      </a:schemeClr>
+                    </a:solidFill>
                   </a:tcPr>
                 </a:tc>
                 <a:tc>
@@ -7640,7 +7665,12 @@
                       <a:headEnd type="none" w="med" len="med"/>
                       <a:tailEnd type="none" w="med" len="med"/>
                     </a:lnB>
-                    <a:noFill/>
+                    <a:solidFill>
+                      <a:schemeClr val="tx2">
+                        <a:lumMod val="20000"/>
+                        <a:lumOff val="80000"/>
+                      </a:schemeClr>
+                    </a:solidFill>
                   </a:tcPr>
                 </a:tc>
                 <a:extLst>
@@ -7662,13 +7692,13 @@
           <p:nvPr>
             <p:extLst>
               <p:ext uri="{D42A27DB-BD31-4B8C-83A1-F6EECF244321}">
-                <p14:modId xmlns:p14="http://schemas.microsoft.com/office/powerpoint/2010/main" val="2638358317"/>
+                <p14:modId xmlns:p14="http://schemas.microsoft.com/office/powerpoint/2010/main" val="3953691543"/>
               </p:ext>
             </p:extLst>
           </p:nvPr>
         </p:nvGraphicFramePr>
         <p:xfrm>
-          <a:off x="22005549" y="12845157"/>
+          <a:off x="22068571" y="13878229"/>
           <a:ext cx="8105777" cy="1523376"/>
         </p:xfrm>
         <a:graphic>
@@ -7899,7 +7929,9 @@
                       <a:headEnd type="none" w="med" len="med"/>
                       <a:tailEnd type="none" w="med" len="med"/>
                     </a:lnB>
-                    <a:noFill/>
+                    <a:solidFill>
+                      <a:srgbClr val="92D050"/>
+                    </a:solidFill>
                   </a:tcPr>
                 </a:tc>
                 <a:tc>
@@ -7954,7 +7986,9 @@
                       <a:headEnd type="none" w="med" len="med"/>
                       <a:tailEnd type="none" w="med" len="med"/>
                     </a:lnB>
-                    <a:noFill/>
+                    <a:solidFill>
+                      <a:srgbClr val="92D050"/>
+                    </a:solidFill>
                   </a:tcPr>
                 </a:tc>
                 <a:extLst>
@@ -7972,6 +8006,9 @@
                       <a:pPr algn="ctr" fontAlgn="b"/>
                       <a:r>
                         <a:rPr lang="en-US" sz="2400" u="none" strike="noStrike" dirty="0">
+                          <a:solidFill>
+                            <a:schemeClr val="bg1"/>
+                          </a:solidFill>
                           <a:effectLst/>
                           <a:latin typeface="Times New Roman" panose="02020603050405020304" pitchFamily="18" charset="0"/>
                           <a:cs typeface="Times New Roman" panose="02020603050405020304" pitchFamily="18" charset="0"/>
@@ -7980,7 +8017,7 @@
                       </a:r>
                       <a:endParaRPr lang="en-US" sz="2400" b="0" i="0" u="none" strike="noStrike" dirty="0">
                         <a:solidFill>
-                          <a:srgbClr val="000000"/>
+                          <a:schemeClr val="bg1"/>
                         </a:solidFill>
                         <a:effectLst/>
                         <a:latin typeface="Times New Roman" panose="02020603050405020304" pitchFamily="18" charset="0"/>
@@ -8007,7 +8044,9 @@
                       <a:headEnd type="none" w="med" len="med"/>
                       <a:tailEnd type="none" w="med" len="med"/>
                     </a:lnR>
-                    <a:noFill/>
+                    <a:solidFill>
+                      <a:srgbClr val="0070C0"/>
+                    </a:solidFill>
                   </a:tcPr>
                 </a:tc>
                 <a:tc>
@@ -8071,7 +8110,12 @@
                       <a:headEnd type="none" w="med" len="med"/>
                       <a:tailEnd type="none" w="med" len="med"/>
                     </a:lnB>
-                    <a:noFill/>
+                    <a:solidFill>
+                      <a:schemeClr val="tx2">
+                        <a:lumMod val="20000"/>
+                        <a:lumOff val="80000"/>
+                      </a:schemeClr>
+                    </a:solidFill>
                   </a:tcPr>
                 </a:tc>
                 <a:tc>
@@ -8135,7 +8179,12 @@
                       <a:headEnd type="none" w="med" len="med"/>
                       <a:tailEnd type="none" w="med" len="med"/>
                     </a:lnB>
-                    <a:noFill/>
+                    <a:solidFill>
+                      <a:schemeClr val="tx2">
+                        <a:lumMod val="20000"/>
+                        <a:lumOff val="80000"/>
+                      </a:schemeClr>
+                    </a:solidFill>
                   </a:tcPr>
                 </a:tc>
                 <a:extLst>
@@ -8153,6 +8202,9 @@
                       <a:pPr algn="ctr" fontAlgn="b"/>
                       <a:r>
                         <a:rPr lang="en-US" sz="2400" u="none" strike="noStrike" dirty="0">
+                          <a:solidFill>
+                            <a:schemeClr val="bg1"/>
+                          </a:solidFill>
                           <a:effectLst/>
                           <a:latin typeface="Times New Roman" panose="02020603050405020304" pitchFamily="18" charset="0"/>
                           <a:cs typeface="Times New Roman" panose="02020603050405020304" pitchFamily="18" charset="0"/>
@@ -8161,7 +8213,7 @@
                       </a:r>
                       <a:endParaRPr lang="en-US" sz="2400" b="0" i="0" u="none" strike="noStrike" dirty="0">
                         <a:solidFill>
-                          <a:srgbClr val="000000"/>
+                          <a:schemeClr val="bg1"/>
                         </a:solidFill>
                         <a:effectLst/>
                         <a:latin typeface="Times New Roman" panose="02020603050405020304" pitchFamily="18" charset="0"/>
@@ -8197,7 +8249,9 @@
                       <a:headEnd type="none" w="med" len="med"/>
                       <a:tailEnd type="none" w="med" len="med"/>
                     </a:lnB>
-                    <a:noFill/>
+                    <a:solidFill>
+                      <a:srgbClr val="0070C0"/>
+                    </a:solidFill>
                   </a:tcPr>
                 </a:tc>
                 <a:tc>
@@ -8261,7 +8315,12 @@
                       <a:headEnd type="none" w="med" len="med"/>
                       <a:tailEnd type="none" w="med" len="med"/>
                     </a:lnB>
-                    <a:noFill/>
+                    <a:solidFill>
+                      <a:schemeClr val="tx2">
+                        <a:lumMod val="20000"/>
+                        <a:lumOff val="80000"/>
+                      </a:schemeClr>
+                    </a:solidFill>
                   </a:tcPr>
                 </a:tc>
                 <a:tc>
@@ -8325,7 +8384,12 @@
                       <a:headEnd type="none" w="med" len="med"/>
                       <a:tailEnd type="none" w="med" len="med"/>
                     </a:lnB>
-                    <a:noFill/>
+                    <a:solidFill>
+                      <a:schemeClr val="tx2">
+                        <a:lumMod val="20000"/>
+                        <a:lumOff val="80000"/>
+                      </a:schemeClr>
+                    </a:solidFill>
                   </a:tcPr>
                 </a:tc>
                 <a:extLst>
@@ -11844,13 +11908,13 @@
           <p:nvPr>
             <p:extLst>
               <p:ext uri="{D42A27DB-BD31-4B8C-83A1-F6EECF244321}">
-                <p14:modId xmlns:p14="http://schemas.microsoft.com/office/powerpoint/2010/main" val="2576809554"/>
+                <p14:modId xmlns:p14="http://schemas.microsoft.com/office/powerpoint/2010/main" val="592785204"/>
               </p:ext>
             </p:extLst>
           </p:nvPr>
         </p:nvGraphicFramePr>
         <p:xfrm>
-          <a:off x="22005549" y="8876655"/>
+          <a:off x="22007261" y="9582486"/>
           <a:ext cx="8105776" cy="1852615"/>
         </p:xfrm>
         <a:graphic>
